--- a/vmware-cluster.pptx
+++ b/vmware-cluster.pptx
@@ -6,7 +6,10 @@
   </p:sldMasterIdLst>
   <p:sldIdLst>
     <p:sldId id="256" r:id="rId2"/>
-    <p:sldId id="257" r:id="rId3"/>
+    <p:sldId id="260" r:id="rId3"/>
+    <p:sldId id="258" r:id="rId4"/>
+    <p:sldId id="259" r:id="rId5"/>
+    <p:sldId id="257" r:id="rId6"/>
   </p:sldIdLst>
   <p:sldSz cx="12192000" cy="6858000"/>
   <p:notesSz cx="6858000" cy="9144000"/>
@@ -255,7 +258,7 @@
           <a:p>
             <a:fld id="{0A6FC870-0A36-45D5-8822-041D9B32D09B}" type="datetimeFigureOut">
               <a:rPr kumimoji="1" lang="ja-JP" altLang="en-US" smtClean="0"/>
-              <a:t>2021/5/20</a:t>
+              <a:t>2022/4/13</a:t>
             </a:fld>
             <a:endParaRPr kumimoji="1" lang="ja-JP" altLang="en-US"/>
           </a:p>
@@ -457,7 +460,7 @@
           <a:p>
             <a:fld id="{0A6FC870-0A36-45D5-8822-041D9B32D09B}" type="datetimeFigureOut">
               <a:rPr kumimoji="1" lang="ja-JP" altLang="en-US" smtClean="0"/>
-              <a:t>2021/5/20</a:t>
+              <a:t>2022/4/13</a:t>
             </a:fld>
             <a:endParaRPr kumimoji="1" lang="ja-JP" altLang="en-US"/>
           </a:p>
@@ -669,7 +672,7 @@
           <a:p>
             <a:fld id="{0A6FC870-0A36-45D5-8822-041D9B32D09B}" type="datetimeFigureOut">
               <a:rPr kumimoji="1" lang="ja-JP" altLang="en-US" smtClean="0"/>
-              <a:t>2021/5/20</a:t>
+              <a:t>2022/4/13</a:t>
             </a:fld>
             <a:endParaRPr kumimoji="1" lang="ja-JP" altLang="en-US"/>
           </a:p>
@@ -871,7 +874,7 @@
           <a:p>
             <a:fld id="{0A6FC870-0A36-45D5-8822-041D9B32D09B}" type="datetimeFigureOut">
               <a:rPr kumimoji="1" lang="ja-JP" altLang="en-US" smtClean="0"/>
-              <a:t>2021/5/20</a:t>
+              <a:t>2022/4/13</a:t>
             </a:fld>
             <a:endParaRPr kumimoji="1" lang="ja-JP" altLang="en-US"/>
           </a:p>
@@ -1117,7 +1120,7 @@
           <a:p>
             <a:fld id="{0A6FC870-0A36-45D5-8822-041D9B32D09B}" type="datetimeFigureOut">
               <a:rPr kumimoji="1" lang="ja-JP" altLang="en-US" smtClean="0"/>
-              <a:t>2021/5/20</a:t>
+              <a:t>2022/4/13</a:t>
             </a:fld>
             <a:endParaRPr kumimoji="1" lang="ja-JP" altLang="en-US"/>
           </a:p>
@@ -1413,7 +1416,7 @@
           <a:p>
             <a:fld id="{0A6FC870-0A36-45D5-8822-041D9B32D09B}" type="datetimeFigureOut">
               <a:rPr kumimoji="1" lang="ja-JP" altLang="en-US" smtClean="0"/>
-              <a:t>2021/5/20</a:t>
+              <a:t>2022/4/13</a:t>
             </a:fld>
             <a:endParaRPr kumimoji="1" lang="ja-JP" altLang="en-US"/>
           </a:p>
@@ -1844,7 +1847,7 @@
           <a:p>
             <a:fld id="{0A6FC870-0A36-45D5-8822-041D9B32D09B}" type="datetimeFigureOut">
               <a:rPr kumimoji="1" lang="ja-JP" altLang="en-US" smtClean="0"/>
-              <a:t>2021/5/20</a:t>
+              <a:t>2022/4/13</a:t>
             </a:fld>
             <a:endParaRPr kumimoji="1" lang="ja-JP" altLang="en-US"/>
           </a:p>
@@ -1962,7 +1965,7 @@
           <a:p>
             <a:fld id="{0A6FC870-0A36-45D5-8822-041D9B32D09B}" type="datetimeFigureOut">
               <a:rPr kumimoji="1" lang="ja-JP" altLang="en-US" smtClean="0"/>
-              <a:t>2021/5/20</a:t>
+              <a:t>2022/4/13</a:t>
             </a:fld>
             <a:endParaRPr kumimoji="1" lang="ja-JP" altLang="en-US"/>
           </a:p>
@@ -2057,7 +2060,7 @@
           <a:p>
             <a:fld id="{0A6FC870-0A36-45D5-8822-041D9B32D09B}" type="datetimeFigureOut">
               <a:rPr kumimoji="1" lang="ja-JP" altLang="en-US" smtClean="0"/>
-              <a:t>2021/5/20</a:t>
+              <a:t>2022/4/13</a:t>
             </a:fld>
             <a:endParaRPr kumimoji="1" lang="ja-JP" altLang="en-US"/>
           </a:p>
@@ -2366,7 +2369,7 @@
           <a:p>
             <a:fld id="{0A6FC870-0A36-45D5-8822-041D9B32D09B}" type="datetimeFigureOut">
               <a:rPr kumimoji="1" lang="ja-JP" altLang="en-US" smtClean="0"/>
-              <a:t>2021/5/20</a:t>
+              <a:t>2022/4/13</a:t>
             </a:fld>
             <a:endParaRPr kumimoji="1" lang="ja-JP" altLang="en-US"/>
           </a:p>
@@ -2619,7 +2622,7 @@
           <a:p>
             <a:fld id="{0A6FC870-0A36-45D5-8822-041D9B32D09B}" type="datetimeFigureOut">
               <a:rPr kumimoji="1" lang="ja-JP" altLang="en-US" smtClean="0"/>
-              <a:t>2021/5/20</a:t>
+              <a:t>2022/4/13</a:t>
             </a:fld>
             <a:endParaRPr kumimoji="1" lang="ja-JP" altLang="en-US"/>
           </a:p>
@@ -2864,7 +2867,7 @@
           <a:p>
             <a:fld id="{0A6FC870-0A36-45D5-8822-041D9B32D09B}" type="datetimeFigureOut">
               <a:rPr kumimoji="1" lang="ja-JP" altLang="en-US" smtClean="0"/>
-              <a:t>2021/5/20</a:t>
+              <a:t>2022/4/13</a:t>
             </a:fld>
             <a:endParaRPr kumimoji="1" lang="ja-JP" altLang="en-US"/>
           </a:p>
@@ -3277,6 +3280,3120 @@
         </p:nvSpPr>
         <p:spPr>
           <a:xfrm>
+            <a:off x="3396000" y="2709000"/>
+            <a:ext cx="2340000" cy="2880000"/>
+          </a:xfrm>
+          <a:prstGeom prst="rect">
+            <a:avLst/>
+          </a:prstGeom>
+          <a:solidFill>
+            <a:srgbClr val="5B9BD5"/>
+          </a:solidFill>
+          <a:ln w="25400" cap="flat" cmpd="sng" algn="ctr">
+            <a:solidFill>
+              <a:schemeClr val="tx1"/>
+            </a:solidFill>
+            <a:prstDash val="solid"/>
+            <a:miter lim="800000"/>
+          </a:ln>
+          <a:effectLst/>
+        </p:spPr>
+        <p:txBody>
+          <a:bodyPr rtlCol="0" anchor="b" anchorCtr="0"/>
+          <a:lstStyle>
+            <a:defPPr>
+              <a:defRPr lang="ja-JP"/>
+            </a:defPPr>
+            <a:lvl1pPr marL="0" algn="l" defTabSz="914400" rtl="0" eaLnBrk="1" latinLnBrk="0" hangingPunct="1">
+              <a:defRPr kumimoji="1" sz="1800" kern="1200">
+                <a:solidFill>
+                  <a:schemeClr val="lt1"/>
+                </a:solidFill>
+                <a:latin typeface="+mn-lt"/>
+                <a:ea typeface="+mn-ea"/>
+                <a:cs typeface="+mn-cs"/>
+              </a:defRPr>
+            </a:lvl1pPr>
+            <a:lvl2pPr marL="457200" algn="l" defTabSz="914400" rtl="0" eaLnBrk="1" latinLnBrk="0" hangingPunct="1">
+              <a:defRPr kumimoji="1" sz="1800" kern="1200">
+                <a:solidFill>
+                  <a:schemeClr val="lt1"/>
+                </a:solidFill>
+                <a:latin typeface="+mn-lt"/>
+                <a:ea typeface="+mn-ea"/>
+                <a:cs typeface="+mn-cs"/>
+              </a:defRPr>
+            </a:lvl2pPr>
+            <a:lvl3pPr marL="914400" algn="l" defTabSz="914400" rtl="0" eaLnBrk="1" latinLnBrk="0" hangingPunct="1">
+              <a:defRPr kumimoji="1" sz="1800" kern="1200">
+                <a:solidFill>
+                  <a:schemeClr val="lt1"/>
+                </a:solidFill>
+                <a:latin typeface="+mn-lt"/>
+                <a:ea typeface="+mn-ea"/>
+                <a:cs typeface="+mn-cs"/>
+              </a:defRPr>
+            </a:lvl3pPr>
+            <a:lvl4pPr marL="1371600" algn="l" defTabSz="914400" rtl="0" eaLnBrk="1" latinLnBrk="0" hangingPunct="1">
+              <a:defRPr kumimoji="1" sz="1800" kern="1200">
+                <a:solidFill>
+                  <a:schemeClr val="lt1"/>
+                </a:solidFill>
+                <a:latin typeface="+mn-lt"/>
+                <a:ea typeface="+mn-ea"/>
+                <a:cs typeface="+mn-cs"/>
+              </a:defRPr>
+            </a:lvl4pPr>
+            <a:lvl5pPr marL="1828800" algn="l" defTabSz="914400" rtl="0" eaLnBrk="1" latinLnBrk="0" hangingPunct="1">
+              <a:defRPr kumimoji="1" sz="1800" kern="1200">
+                <a:solidFill>
+                  <a:schemeClr val="lt1"/>
+                </a:solidFill>
+                <a:latin typeface="+mn-lt"/>
+                <a:ea typeface="+mn-ea"/>
+                <a:cs typeface="+mn-cs"/>
+              </a:defRPr>
+            </a:lvl5pPr>
+            <a:lvl6pPr marL="2286000" algn="l" defTabSz="914400" rtl="0" eaLnBrk="1" latinLnBrk="0" hangingPunct="1">
+              <a:defRPr kumimoji="1" sz="1800" kern="1200">
+                <a:solidFill>
+                  <a:schemeClr val="lt1"/>
+                </a:solidFill>
+                <a:latin typeface="+mn-lt"/>
+                <a:ea typeface="+mn-ea"/>
+                <a:cs typeface="+mn-cs"/>
+              </a:defRPr>
+            </a:lvl6pPr>
+            <a:lvl7pPr marL="2743200" algn="l" defTabSz="914400" rtl="0" eaLnBrk="1" latinLnBrk="0" hangingPunct="1">
+              <a:defRPr kumimoji="1" sz="1800" kern="1200">
+                <a:solidFill>
+                  <a:schemeClr val="lt1"/>
+                </a:solidFill>
+                <a:latin typeface="+mn-lt"/>
+                <a:ea typeface="+mn-ea"/>
+                <a:cs typeface="+mn-cs"/>
+              </a:defRPr>
+            </a:lvl7pPr>
+            <a:lvl8pPr marL="3200400" algn="l" defTabSz="914400" rtl="0" eaLnBrk="1" latinLnBrk="0" hangingPunct="1">
+              <a:defRPr kumimoji="1" sz="1800" kern="1200">
+                <a:solidFill>
+                  <a:schemeClr val="lt1"/>
+                </a:solidFill>
+                <a:latin typeface="+mn-lt"/>
+                <a:ea typeface="+mn-ea"/>
+                <a:cs typeface="+mn-cs"/>
+              </a:defRPr>
+            </a:lvl8pPr>
+            <a:lvl9pPr marL="3657600" algn="l" defTabSz="914400" rtl="0" eaLnBrk="1" latinLnBrk="0" hangingPunct="1">
+              <a:defRPr kumimoji="1" sz="1800" kern="1200">
+                <a:solidFill>
+                  <a:schemeClr val="lt1"/>
+                </a:solidFill>
+                <a:latin typeface="+mn-lt"/>
+                <a:ea typeface="+mn-ea"/>
+                <a:cs typeface="+mn-cs"/>
+              </a:defRPr>
+            </a:lvl9pPr>
+          </a:lstStyle>
+          <a:p>
+            <a:pPr>
+              <a:defRPr/>
+            </a:pPr>
+            <a:r>
+              <a:rPr lang="en-US" altLang="ja-JP" sz="1600" b="1" dirty="0" smtClean="0">
+                <a:solidFill>
+                  <a:sysClr val="window" lastClr="FFFFFF"/>
+                </a:solidFill>
+                <a:latin typeface="Calibri" panose="020F0502020204030204"/>
+                <a:ea typeface="ＭＳ Ｐゴシック" panose="020B0600070205080204" pitchFamily="50" charset="-128"/>
+              </a:rPr>
+              <a:t>SV#1</a:t>
+            </a:r>
+            <a:endParaRPr lang="en-US" altLang="ja-JP" sz="1600" b="1" dirty="0">
+              <a:solidFill>
+                <a:sysClr val="window" lastClr="FFFFFF"/>
+              </a:solidFill>
+              <a:latin typeface="Calibri" panose="020F0502020204030204"/>
+              <a:ea typeface="ＭＳ Ｐゴシック" panose="020B0600070205080204" pitchFamily="50" charset="-128"/>
+            </a:endParaRPr>
+          </a:p>
+        </p:txBody>
+      </p:sp>
+      <p:sp>
+        <p:nvSpPr>
+          <p:cNvPr id="5" name="正方形/長方形 4"/>
+          <p:cNvSpPr/>
+          <p:nvPr/>
+        </p:nvSpPr>
+        <p:spPr>
+          <a:xfrm>
+            <a:off x="3846000" y="3429000"/>
+            <a:ext cx="1440000" cy="360000"/>
+          </a:xfrm>
+          <a:prstGeom prst="rect">
+            <a:avLst/>
+          </a:prstGeom>
+          <a:solidFill>
+            <a:srgbClr val="002060"/>
+          </a:solidFill>
+          <a:ln w="25400" cap="flat" cmpd="sng" algn="ctr">
+            <a:solidFill>
+              <a:schemeClr val="bg1"/>
+            </a:solidFill>
+            <a:prstDash val="solid"/>
+            <a:miter lim="800000"/>
+          </a:ln>
+          <a:effectLst/>
+        </p:spPr>
+        <p:txBody>
+          <a:bodyPr rtlCol="0" anchor="ctr"/>
+          <a:lstStyle>
+            <a:defPPr>
+              <a:defRPr lang="ja-JP"/>
+            </a:defPPr>
+            <a:lvl1pPr marL="0" algn="l" defTabSz="914400" rtl="0" eaLnBrk="1" latinLnBrk="0" hangingPunct="1">
+              <a:defRPr kumimoji="1" sz="1800" kern="1200">
+                <a:solidFill>
+                  <a:schemeClr val="dk1"/>
+                </a:solidFill>
+                <a:latin typeface="+mn-lt"/>
+                <a:ea typeface="+mn-ea"/>
+                <a:cs typeface="+mn-cs"/>
+              </a:defRPr>
+            </a:lvl1pPr>
+            <a:lvl2pPr marL="457200" algn="l" defTabSz="914400" rtl="0" eaLnBrk="1" latinLnBrk="0" hangingPunct="1">
+              <a:defRPr kumimoji="1" sz="1800" kern="1200">
+                <a:solidFill>
+                  <a:schemeClr val="dk1"/>
+                </a:solidFill>
+                <a:latin typeface="+mn-lt"/>
+                <a:ea typeface="+mn-ea"/>
+                <a:cs typeface="+mn-cs"/>
+              </a:defRPr>
+            </a:lvl2pPr>
+            <a:lvl3pPr marL="914400" algn="l" defTabSz="914400" rtl="0" eaLnBrk="1" latinLnBrk="0" hangingPunct="1">
+              <a:defRPr kumimoji="1" sz="1800" kern="1200">
+                <a:solidFill>
+                  <a:schemeClr val="dk1"/>
+                </a:solidFill>
+                <a:latin typeface="+mn-lt"/>
+                <a:ea typeface="+mn-ea"/>
+                <a:cs typeface="+mn-cs"/>
+              </a:defRPr>
+            </a:lvl3pPr>
+            <a:lvl4pPr marL="1371600" algn="l" defTabSz="914400" rtl="0" eaLnBrk="1" latinLnBrk="0" hangingPunct="1">
+              <a:defRPr kumimoji="1" sz="1800" kern="1200">
+                <a:solidFill>
+                  <a:schemeClr val="dk1"/>
+                </a:solidFill>
+                <a:latin typeface="+mn-lt"/>
+                <a:ea typeface="+mn-ea"/>
+                <a:cs typeface="+mn-cs"/>
+              </a:defRPr>
+            </a:lvl4pPr>
+            <a:lvl5pPr marL="1828800" algn="l" defTabSz="914400" rtl="0" eaLnBrk="1" latinLnBrk="0" hangingPunct="1">
+              <a:defRPr kumimoji="1" sz="1800" kern="1200">
+                <a:solidFill>
+                  <a:schemeClr val="dk1"/>
+                </a:solidFill>
+                <a:latin typeface="+mn-lt"/>
+                <a:ea typeface="+mn-ea"/>
+                <a:cs typeface="+mn-cs"/>
+              </a:defRPr>
+            </a:lvl5pPr>
+            <a:lvl6pPr marL="2286000" algn="l" defTabSz="914400" rtl="0" eaLnBrk="1" latinLnBrk="0" hangingPunct="1">
+              <a:defRPr kumimoji="1" sz="1800" kern="1200">
+                <a:solidFill>
+                  <a:schemeClr val="dk1"/>
+                </a:solidFill>
+                <a:latin typeface="+mn-lt"/>
+                <a:ea typeface="+mn-ea"/>
+                <a:cs typeface="+mn-cs"/>
+              </a:defRPr>
+            </a:lvl6pPr>
+            <a:lvl7pPr marL="2743200" algn="l" defTabSz="914400" rtl="0" eaLnBrk="1" latinLnBrk="0" hangingPunct="1">
+              <a:defRPr kumimoji="1" sz="1800" kern="1200">
+                <a:solidFill>
+                  <a:schemeClr val="dk1"/>
+                </a:solidFill>
+                <a:latin typeface="+mn-lt"/>
+                <a:ea typeface="+mn-ea"/>
+                <a:cs typeface="+mn-cs"/>
+              </a:defRPr>
+            </a:lvl7pPr>
+            <a:lvl8pPr marL="3200400" algn="l" defTabSz="914400" rtl="0" eaLnBrk="1" latinLnBrk="0" hangingPunct="1">
+              <a:defRPr kumimoji="1" sz="1800" kern="1200">
+                <a:solidFill>
+                  <a:schemeClr val="dk1"/>
+                </a:solidFill>
+                <a:latin typeface="+mn-lt"/>
+                <a:ea typeface="+mn-ea"/>
+                <a:cs typeface="+mn-cs"/>
+              </a:defRPr>
+            </a:lvl8pPr>
+            <a:lvl9pPr marL="3657600" algn="l" defTabSz="914400" rtl="0" eaLnBrk="1" latinLnBrk="0" hangingPunct="1">
+              <a:defRPr kumimoji="1" sz="1800" kern="1200">
+                <a:solidFill>
+                  <a:schemeClr val="dk1"/>
+                </a:solidFill>
+                <a:latin typeface="+mn-lt"/>
+                <a:ea typeface="+mn-ea"/>
+                <a:cs typeface="+mn-cs"/>
+              </a:defRPr>
+            </a:lvl9pPr>
+          </a:lstStyle>
+          <a:p>
+            <a:pPr algn="ctr">
+              <a:defRPr/>
+            </a:pPr>
+            <a:r>
+              <a:rPr lang="en-US" altLang="ja-JP" sz="2000" b="1" dirty="0" smtClean="0">
+                <a:solidFill>
+                  <a:schemeClr val="bg1"/>
+                </a:solidFill>
+                <a:latin typeface="Calibri" panose="020F0502020204030204"/>
+                <a:ea typeface="ＭＳ Ｐゴシック" panose="020B0600070205080204" pitchFamily="50" charset="-128"/>
+              </a:rPr>
+              <a:t>EC</a:t>
+            </a:r>
+            <a:endParaRPr lang="ja-JP" altLang="en-US" sz="2000" b="1" dirty="0">
+              <a:solidFill>
+                <a:schemeClr val="bg1"/>
+              </a:solidFill>
+              <a:latin typeface="Calibri" panose="020F0502020204030204"/>
+              <a:ea typeface="ＭＳ Ｐゴシック" panose="020B0600070205080204" pitchFamily="50" charset="-128"/>
+            </a:endParaRPr>
+          </a:p>
+        </p:txBody>
+      </p:sp>
+      <p:sp>
+        <p:nvSpPr>
+          <p:cNvPr id="6" name="正方形/長方形 5"/>
+          <p:cNvSpPr/>
+          <p:nvPr/>
+        </p:nvSpPr>
+        <p:spPr>
+          <a:xfrm>
+            <a:off x="3846000" y="2889000"/>
+            <a:ext cx="1440000" cy="360000"/>
+          </a:xfrm>
+          <a:prstGeom prst="rect">
+            <a:avLst/>
+          </a:prstGeom>
+          <a:solidFill>
+            <a:srgbClr val="002060"/>
+          </a:solidFill>
+          <a:ln w="25400" cap="flat" cmpd="sng" algn="ctr">
+            <a:solidFill>
+              <a:schemeClr val="bg1"/>
+            </a:solidFill>
+            <a:prstDash val="solid"/>
+            <a:miter lim="800000"/>
+          </a:ln>
+          <a:effectLst/>
+        </p:spPr>
+        <p:txBody>
+          <a:bodyPr wrap="none" lIns="0" tIns="0" rIns="0" bIns="0" rtlCol="0" anchor="ctr"/>
+          <a:lstStyle>
+            <a:defPPr>
+              <a:defRPr lang="ja-JP"/>
+            </a:defPPr>
+            <a:lvl1pPr marL="0" algn="l" defTabSz="914400" rtl="0" eaLnBrk="1" latinLnBrk="0" hangingPunct="1">
+              <a:defRPr kumimoji="1" sz="1800" kern="1200">
+                <a:solidFill>
+                  <a:schemeClr val="dk1"/>
+                </a:solidFill>
+                <a:latin typeface="+mn-lt"/>
+                <a:ea typeface="+mn-ea"/>
+                <a:cs typeface="+mn-cs"/>
+              </a:defRPr>
+            </a:lvl1pPr>
+            <a:lvl2pPr marL="457200" algn="l" defTabSz="914400" rtl="0" eaLnBrk="1" latinLnBrk="0" hangingPunct="1">
+              <a:defRPr kumimoji="1" sz="1800" kern="1200">
+                <a:solidFill>
+                  <a:schemeClr val="dk1"/>
+                </a:solidFill>
+                <a:latin typeface="+mn-lt"/>
+                <a:ea typeface="+mn-ea"/>
+                <a:cs typeface="+mn-cs"/>
+              </a:defRPr>
+            </a:lvl2pPr>
+            <a:lvl3pPr marL="914400" algn="l" defTabSz="914400" rtl="0" eaLnBrk="1" latinLnBrk="0" hangingPunct="1">
+              <a:defRPr kumimoji="1" sz="1800" kern="1200">
+                <a:solidFill>
+                  <a:schemeClr val="dk1"/>
+                </a:solidFill>
+                <a:latin typeface="+mn-lt"/>
+                <a:ea typeface="+mn-ea"/>
+                <a:cs typeface="+mn-cs"/>
+              </a:defRPr>
+            </a:lvl3pPr>
+            <a:lvl4pPr marL="1371600" algn="l" defTabSz="914400" rtl="0" eaLnBrk="1" latinLnBrk="0" hangingPunct="1">
+              <a:defRPr kumimoji="1" sz="1800" kern="1200">
+                <a:solidFill>
+                  <a:schemeClr val="dk1"/>
+                </a:solidFill>
+                <a:latin typeface="+mn-lt"/>
+                <a:ea typeface="+mn-ea"/>
+                <a:cs typeface="+mn-cs"/>
+              </a:defRPr>
+            </a:lvl4pPr>
+            <a:lvl5pPr marL="1828800" algn="l" defTabSz="914400" rtl="0" eaLnBrk="1" latinLnBrk="0" hangingPunct="1">
+              <a:defRPr kumimoji="1" sz="1800" kern="1200">
+                <a:solidFill>
+                  <a:schemeClr val="dk1"/>
+                </a:solidFill>
+                <a:latin typeface="+mn-lt"/>
+                <a:ea typeface="+mn-ea"/>
+                <a:cs typeface="+mn-cs"/>
+              </a:defRPr>
+            </a:lvl5pPr>
+            <a:lvl6pPr marL="2286000" algn="l" defTabSz="914400" rtl="0" eaLnBrk="1" latinLnBrk="0" hangingPunct="1">
+              <a:defRPr kumimoji="1" sz="1800" kern="1200">
+                <a:solidFill>
+                  <a:schemeClr val="dk1"/>
+                </a:solidFill>
+                <a:latin typeface="+mn-lt"/>
+                <a:ea typeface="+mn-ea"/>
+                <a:cs typeface="+mn-cs"/>
+              </a:defRPr>
+            </a:lvl6pPr>
+            <a:lvl7pPr marL="2743200" algn="l" defTabSz="914400" rtl="0" eaLnBrk="1" latinLnBrk="0" hangingPunct="1">
+              <a:defRPr kumimoji="1" sz="1800" kern="1200">
+                <a:solidFill>
+                  <a:schemeClr val="dk1"/>
+                </a:solidFill>
+                <a:latin typeface="+mn-lt"/>
+                <a:ea typeface="+mn-ea"/>
+                <a:cs typeface="+mn-cs"/>
+              </a:defRPr>
+            </a:lvl7pPr>
+            <a:lvl8pPr marL="3200400" algn="l" defTabSz="914400" rtl="0" eaLnBrk="1" latinLnBrk="0" hangingPunct="1">
+              <a:defRPr kumimoji="1" sz="1800" kern="1200">
+                <a:solidFill>
+                  <a:schemeClr val="dk1"/>
+                </a:solidFill>
+                <a:latin typeface="+mn-lt"/>
+                <a:ea typeface="+mn-ea"/>
+                <a:cs typeface="+mn-cs"/>
+              </a:defRPr>
+            </a:lvl8pPr>
+            <a:lvl9pPr marL="3657600" algn="l" defTabSz="914400" rtl="0" eaLnBrk="1" latinLnBrk="0" hangingPunct="1">
+              <a:defRPr kumimoji="1" sz="1800" kern="1200">
+                <a:solidFill>
+                  <a:schemeClr val="dk1"/>
+                </a:solidFill>
+                <a:latin typeface="+mn-lt"/>
+                <a:ea typeface="+mn-ea"/>
+                <a:cs typeface="+mn-cs"/>
+              </a:defRPr>
+            </a:lvl9pPr>
+          </a:lstStyle>
+          <a:p>
+            <a:pPr algn="ctr">
+              <a:defRPr/>
+            </a:pPr>
+            <a:r>
+              <a:rPr lang="en-US" altLang="ja-JP" sz="2000" dirty="0">
+                <a:solidFill>
+                  <a:schemeClr val="bg1"/>
+                </a:solidFill>
+                <a:latin typeface="Calibri" panose="020F0502020204030204"/>
+                <a:ea typeface="ＭＳ Ｐゴシック" panose="020B0600070205080204" pitchFamily="50" charset="-128"/>
+              </a:rPr>
+              <a:t>iSCSI Target</a:t>
+            </a:r>
+            <a:endParaRPr lang="ja-JP" altLang="en-US" sz="2000" dirty="0">
+              <a:solidFill>
+                <a:schemeClr val="bg1"/>
+              </a:solidFill>
+              <a:latin typeface="Calibri" panose="020F0502020204030204"/>
+              <a:ea typeface="ＭＳ Ｐゴシック" panose="020B0600070205080204" pitchFamily="50" charset="-128"/>
+            </a:endParaRPr>
+          </a:p>
+        </p:txBody>
+      </p:sp>
+      <p:sp>
+        <p:nvSpPr>
+          <p:cNvPr id="7" name="正方形/長方形 6"/>
+          <p:cNvSpPr/>
+          <p:nvPr/>
+        </p:nvSpPr>
+        <p:spPr>
+          <a:xfrm>
+            <a:off x="3395999" y="1449001"/>
+            <a:ext cx="2340000" cy="360000"/>
+          </a:xfrm>
+          <a:prstGeom prst="rect">
+            <a:avLst/>
+          </a:prstGeom>
+          <a:solidFill>
+            <a:srgbClr val="00B050"/>
+          </a:solidFill>
+          <a:ln w="12700" cap="flat" cmpd="sng" algn="ctr">
+            <a:solidFill>
+              <a:srgbClr val="5B9BD5">
+                <a:shade val="50000"/>
+              </a:srgbClr>
+            </a:solidFill>
+            <a:prstDash val="solid"/>
+            <a:miter lim="800000"/>
+          </a:ln>
+          <a:effectLst/>
+        </p:spPr>
+        <p:txBody>
+          <a:bodyPr rtlCol="0" anchor="ctr"/>
+          <a:lstStyle>
+            <a:defPPr>
+              <a:defRPr lang="ja-JP"/>
+            </a:defPPr>
+            <a:lvl1pPr marL="0" algn="l" defTabSz="914400" rtl="0" eaLnBrk="1" latinLnBrk="0" hangingPunct="1">
+              <a:defRPr kumimoji="1" sz="1800" kern="1200">
+                <a:solidFill>
+                  <a:schemeClr val="lt1"/>
+                </a:solidFill>
+                <a:latin typeface="+mn-lt"/>
+                <a:ea typeface="+mn-ea"/>
+                <a:cs typeface="+mn-cs"/>
+              </a:defRPr>
+            </a:lvl1pPr>
+            <a:lvl2pPr marL="457200" algn="l" defTabSz="914400" rtl="0" eaLnBrk="1" latinLnBrk="0" hangingPunct="1">
+              <a:defRPr kumimoji="1" sz="1800" kern="1200">
+                <a:solidFill>
+                  <a:schemeClr val="lt1"/>
+                </a:solidFill>
+                <a:latin typeface="+mn-lt"/>
+                <a:ea typeface="+mn-ea"/>
+                <a:cs typeface="+mn-cs"/>
+              </a:defRPr>
+            </a:lvl2pPr>
+            <a:lvl3pPr marL="914400" algn="l" defTabSz="914400" rtl="0" eaLnBrk="1" latinLnBrk="0" hangingPunct="1">
+              <a:defRPr kumimoji="1" sz="1800" kern="1200">
+                <a:solidFill>
+                  <a:schemeClr val="lt1"/>
+                </a:solidFill>
+                <a:latin typeface="+mn-lt"/>
+                <a:ea typeface="+mn-ea"/>
+                <a:cs typeface="+mn-cs"/>
+              </a:defRPr>
+            </a:lvl3pPr>
+            <a:lvl4pPr marL="1371600" algn="l" defTabSz="914400" rtl="0" eaLnBrk="1" latinLnBrk="0" hangingPunct="1">
+              <a:defRPr kumimoji="1" sz="1800" kern="1200">
+                <a:solidFill>
+                  <a:schemeClr val="lt1"/>
+                </a:solidFill>
+                <a:latin typeface="+mn-lt"/>
+                <a:ea typeface="+mn-ea"/>
+                <a:cs typeface="+mn-cs"/>
+              </a:defRPr>
+            </a:lvl4pPr>
+            <a:lvl5pPr marL="1828800" algn="l" defTabSz="914400" rtl="0" eaLnBrk="1" latinLnBrk="0" hangingPunct="1">
+              <a:defRPr kumimoji="1" sz="1800" kern="1200">
+                <a:solidFill>
+                  <a:schemeClr val="lt1"/>
+                </a:solidFill>
+                <a:latin typeface="+mn-lt"/>
+                <a:ea typeface="+mn-ea"/>
+                <a:cs typeface="+mn-cs"/>
+              </a:defRPr>
+            </a:lvl5pPr>
+            <a:lvl6pPr marL="2286000" algn="l" defTabSz="914400" rtl="0" eaLnBrk="1" latinLnBrk="0" hangingPunct="1">
+              <a:defRPr kumimoji="1" sz="1800" kern="1200">
+                <a:solidFill>
+                  <a:schemeClr val="lt1"/>
+                </a:solidFill>
+                <a:latin typeface="+mn-lt"/>
+                <a:ea typeface="+mn-ea"/>
+                <a:cs typeface="+mn-cs"/>
+              </a:defRPr>
+            </a:lvl6pPr>
+            <a:lvl7pPr marL="2743200" algn="l" defTabSz="914400" rtl="0" eaLnBrk="1" latinLnBrk="0" hangingPunct="1">
+              <a:defRPr kumimoji="1" sz="1800" kern="1200">
+                <a:solidFill>
+                  <a:schemeClr val="lt1"/>
+                </a:solidFill>
+                <a:latin typeface="+mn-lt"/>
+                <a:ea typeface="+mn-ea"/>
+                <a:cs typeface="+mn-cs"/>
+              </a:defRPr>
+            </a:lvl7pPr>
+            <a:lvl8pPr marL="3200400" algn="l" defTabSz="914400" rtl="0" eaLnBrk="1" latinLnBrk="0" hangingPunct="1">
+              <a:defRPr kumimoji="1" sz="1800" kern="1200">
+                <a:solidFill>
+                  <a:schemeClr val="lt1"/>
+                </a:solidFill>
+                <a:latin typeface="+mn-lt"/>
+                <a:ea typeface="+mn-ea"/>
+                <a:cs typeface="+mn-cs"/>
+              </a:defRPr>
+            </a:lvl8pPr>
+            <a:lvl9pPr marL="3657600" algn="l" defTabSz="914400" rtl="0" eaLnBrk="1" latinLnBrk="0" hangingPunct="1">
+              <a:defRPr kumimoji="1" sz="1800" kern="1200">
+                <a:solidFill>
+                  <a:schemeClr val="lt1"/>
+                </a:solidFill>
+                <a:latin typeface="+mn-lt"/>
+                <a:ea typeface="+mn-ea"/>
+                <a:cs typeface="+mn-cs"/>
+              </a:defRPr>
+            </a:lvl9pPr>
+          </a:lstStyle>
+          <a:p>
+            <a:pPr algn="ctr">
+              <a:defRPr/>
+            </a:pPr>
+            <a:r>
+              <a:rPr lang="en-US" altLang="ja-JP" sz="2000" dirty="0" err="1" smtClean="0">
+                <a:solidFill>
+                  <a:sysClr val="window" lastClr="FFFFFF"/>
+                </a:solidFill>
+                <a:latin typeface="Calibri" panose="020F0502020204030204"/>
+                <a:ea typeface="ＭＳ Ｐゴシック" panose="020B0600070205080204" pitchFamily="50" charset="-128"/>
+              </a:rPr>
+              <a:t>ESXi</a:t>
+            </a:r>
+            <a:endParaRPr lang="ja-JP" altLang="en-US" sz="2000" dirty="0">
+              <a:solidFill>
+                <a:sysClr val="window" lastClr="FFFFFF"/>
+              </a:solidFill>
+              <a:latin typeface="Calibri" panose="020F0502020204030204"/>
+              <a:ea typeface="ＭＳ Ｐゴシック" panose="020B0600070205080204" pitchFamily="50" charset="-128"/>
+            </a:endParaRPr>
+          </a:p>
+        </p:txBody>
+      </p:sp>
+      <p:sp>
+        <p:nvSpPr>
+          <p:cNvPr id="8" name="正方形/長方形 7"/>
+          <p:cNvSpPr/>
+          <p:nvPr/>
+        </p:nvSpPr>
+        <p:spPr>
+          <a:xfrm>
+            <a:off x="3936000" y="729000"/>
+            <a:ext cx="540000" cy="540000"/>
+          </a:xfrm>
+          <a:prstGeom prst="rect">
+            <a:avLst/>
+          </a:prstGeom>
+          <a:solidFill>
+            <a:srgbClr val="5B9BD5"/>
+          </a:solidFill>
+          <a:ln w="25400" cap="flat" cmpd="sng" algn="ctr">
+            <a:solidFill>
+              <a:schemeClr val="tx1"/>
+            </a:solidFill>
+            <a:prstDash val="solid"/>
+            <a:miter lim="800000"/>
+          </a:ln>
+          <a:effectLst/>
+        </p:spPr>
+        <p:txBody>
+          <a:bodyPr wrap="none" rtlCol="0" anchor="ctr">
+            <a:noAutofit/>
+          </a:bodyPr>
+          <a:lstStyle>
+            <a:defPPr>
+              <a:defRPr lang="ja-JP"/>
+            </a:defPPr>
+            <a:lvl1pPr marL="0" algn="l" defTabSz="914400" rtl="0" eaLnBrk="1" latinLnBrk="0" hangingPunct="1">
+              <a:defRPr kumimoji="1" sz="1800" kern="1200">
+                <a:solidFill>
+                  <a:schemeClr val="lt1"/>
+                </a:solidFill>
+                <a:latin typeface="+mn-lt"/>
+                <a:ea typeface="+mn-ea"/>
+                <a:cs typeface="+mn-cs"/>
+              </a:defRPr>
+            </a:lvl1pPr>
+            <a:lvl2pPr marL="457200" algn="l" defTabSz="914400" rtl="0" eaLnBrk="1" latinLnBrk="0" hangingPunct="1">
+              <a:defRPr kumimoji="1" sz="1800" kern="1200">
+                <a:solidFill>
+                  <a:schemeClr val="lt1"/>
+                </a:solidFill>
+                <a:latin typeface="+mn-lt"/>
+                <a:ea typeface="+mn-ea"/>
+                <a:cs typeface="+mn-cs"/>
+              </a:defRPr>
+            </a:lvl2pPr>
+            <a:lvl3pPr marL="914400" algn="l" defTabSz="914400" rtl="0" eaLnBrk="1" latinLnBrk="0" hangingPunct="1">
+              <a:defRPr kumimoji="1" sz="1800" kern="1200">
+                <a:solidFill>
+                  <a:schemeClr val="lt1"/>
+                </a:solidFill>
+                <a:latin typeface="+mn-lt"/>
+                <a:ea typeface="+mn-ea"/>
+                <a:cs typeface="+mn-cs"/>
+              </a:defRPr>
+            </a:lvl3pPr>
+            <a:lvl4pPr marL="1371600" algn="l" defTabSz="914400" rtl="0" eaLnBrk="1" latinLnBrk="0" hangingPunct="1">
+              <a:defRPr kumimoji="1" sz="1800" kern="1200">
+                <a:solidFill>
+                  <a:schemeClr val="lt1"/>
+                </a:solidFill>
+                <a:latin typeface="+mn-lt"/>
+                <a:ea typeface="+mn-ea"/>
+                <a:cs typeface="+mn-cs"/>
+              </a:defRPr>
+            </a:lvl4pPr>
+            <a:lvl5pPr marL="1828800" algn="l" defTabSz="914400" rtl="0" eaLnBrk="1" latinLnBrk="0" hangingPunct="1">
+              <a:defRPr kumimoji="1" sz="1800" kern="1200">
+                <a:solidFill>
+                  <a:schemeClr val="lt1"/>
+                </a:solidFill>
+                <a:latin typeface="+mn-lt"/>
+                <a:ea typeface="+mn-ea"/>
+                <a:cs typeface="+mn-cs"/>
+              </a:defRPr>
+            </a:lvl5pPr>
+            <a:lvl6pPr marL="2286000" algn="l" defTabSz="914400" rtl="0" eaLnBrk="1" latinLnBrk="0" hangingPunct="1">
+              <a:defRPr kumimoji="1" sz="1800" kern="1200">
+                <a:solidFill>
+                  <a:schemeClr val="lt1"/>
+                </a:solidFill>
+                <a:latin typeface="+mn-lt"/>
+                <a:ea typeface="+mn-ea"/>
+                <a:cs typeface="+mn-cs"/>
+              </a:defRPr>
+            </a:lvl6pPr>
+            <a:lvl7pPr marL="2743200" algn="l" defTabSz="914400" rtl="0" eaLnBrk="1" latinLnBrk="0" hangingPunct="1">
+              <a:defRPr kumimoji="1" sz="1800" kern="1200">
+                <a:solidFill>
+                  <a:schemeClr val="lt1"/>
+                </a:solidFill>
+                <a:latin typeface="+mn-lt"/>
+                <a:ea typeface="+mn-ea"/>
+                <a:cs typeface="+mn-cs"/>
+              </a:defRPr>
+            </a:lvl7pPr>
+            <a:lvl8pPr marL="3200400" algn="l" defTabSz="914400" rtl="0" eaLnBrk="1" latinLnBrk="0" hangingPunct="1">
+              <a:defRPr kumimoji="1" sz="1800" kern="1200">
+                <a:solidFill>
+                  <a:schemeClr val="lt1"/>
+                </a:solidFill>
+                <a:latin typeface="+mn-lt"/>
+                <a:ea typeface="+mn-ea"/>
+                <a:cs typeface="+mn-cs"/>
+              </a:defRPr>
+            </a:lvl8pPr>
+            <a:lvl9pPr marL="3657600" algn="l" defTabSz="914400" rtl="0" eaLnBrk="1" latinLnBrk="0" hangingPunct="1">
+              <a:defRPr kumimoji="1" sz="1800" kern="1200">
+                <a:solidFill>
+                  <a:schemeClr val="lt1"/>
+                </a:solidFill>
+                <a:latin typeface="+mn-lt"/>
+                <a:ea typeface="+mn-ea"/>
+                <a:cs typeface="+mn-cs"/>
+              </a:defRPr>
+            </a:lvl9pPr>
+          </a:lstStyle>
+          <a:p>
+            <a:pPr algn="ctr">
+              <a:defRPr/>
+            </a:pPr>
+            <a:r>
+              <a:rPr lang="en-US" altLang="ja-JP" b="1" dirty="0" smtClean="0">
+                <a:solidFill>
+                  <a:sysClr val="window" lastClr="FFFFFF"/>
+                </a:solidFill>
+                <a:latin typeface="Calibri" panose="020F0502020204030204"/>
+                <a:ea typeface="ＭＳ Ｐゴシック" panose="020B0600070205080204" pitchFamily="50" charset="-128"/>
+              </a:rPr>
+              <a:t>VM</a:t>
+            </a:r>
+          </a:p>
+          <a:p>
+            <a:pPr algn="ctr">
+              <a:defRPr/>
+            </a:pPr>
+            <a:r>
+              <a:rPr lang="en-US" altLang="ja-JP" b="1" dirty="0" smtClean="0">
+                <a:solidFill>
+                  <a:sysClr val="window" lastClr="FFFFFF"/>
+                </a:solidFill>
+                <a:latin typeface="Calibri" panose="020F0502020204030204"/>
+                <a:ea typeface="ＭＳ Ｐゴシック" panose="020B0600070205080204" pitchFamily="50" charset="-128"/>
+              </a:rPr>
+              <a:t>#1</a:t>
+            </a:r>
+            <a:endParaRPr lang="ja-JP" altLang="en-US" b="1" dirty="0">
+              <a:solidFill>
+                <a:sysClr val="window" lastClr="FFFFFF"/>
+              </a:solidFill>
+              <a:latin typeface="Calibri" panose="020F0502020204030204"/>
+              <a:ea typeface="ＭＳ Ｐゴシック" panose="020B0600070205080204" pitchFamily="50" charset="-128"/>
+            </a:endParaRPr>
+          </a:p>
+        </p:txBody>
+      </p:sp>
+      <p:sp>
+        <p:nvSpPr>
+          <p:cNvPr id="9" name="正方形/長方形 8"/>
+          <p:cNvSpPr/>
+          <p:nvPr/>
+        </p:nvSpPr>
+        <p:spPr>
+          <a:xfrm>
+            <a:off x="4656000" y="729000"/>
+            <a:ext cx="540000" cy="540000"/>
+          </a:xfrm>
+          <a:prstGeom prst="rect">
+            <a:avLst/>
+          </a:prstGeom>
+          <a:solidFill>
+            <a:srgbClr val="5B9BD5"/>
+          </a:solidFill>
+          <a:ln w="25400" cap="flat" cmpd="sng" algn="ctr">
+            <a:solidFill>
+              <a:schemeClr val="tx1"/>
+            </a:solidFill>
+            <a:prstDash val="solid"/>
+            <a:miter lim="800000"/>
+          </a:ln>
+          <a:effectLst/>
+        </p:spPr>
+        <p:txBody>
+          <a:bodyPr wrap="none" rtlCol="0" anchor="ctr">
+            <a:noAutofit/>
+          </a:bodyPr>
+          <a:lstStyle>
+            <a:defPPr>
+              <a:defRPr lang="ja-JP"/>
+            </a:defPPr>
+            <a:lvl1pPr marL="0" algn="l" defTabSz="914400" rtl="0" eaLnBrk="1" latinLnBrk="0" hangingPunct="1">
+              <a:defRPr kumimoji="1" sz="1800" kern="1200">
+                <a:solidFill>
+                  <a:schemeClr val="lt1"/>
+                </a:solidFill>
+                <a:latin typeface="+mn-lt"/>
+                <a:ea typeface="+mn-ea"/>
+                <a:cs typeface="+mn-cs"/>
+              </a:defRPr>
+            </a:lvl1pPr>
+            <a:lvl2pPr marL="457200" algn="l" defTabSz="914400" rtl="0" eaLnBrk="1" latinLnBrk="0" hangingPunct="1">
+              <a:defRPr kumimoji="1" sz="1800" kern="1200">
+                <a:solidFill>
+                  <a:schemeClr val="lt1"/>
+                </a:solidFill>
+                <a:latin typeface="+mn-lt"/>
+                <a:ea typeface="+mn-ea"/>
+                <a:cs typeface="+mn-cs"/>
+              </a:defRPr>
+            </a:lvl2pPr>
+            <a:lvl3pPr marL="914400" algn="l" defTabSz="914400" rtl="0" eaLnBrk="1" latinLnBrk="0" hangingPunct="1">
+              <a:defRPr kumimoji="1" sz="1800" kern="1200">
+                <a:solidFill>
+                  <a:schemeClr val="lt1"/>
+                </a:solidFill>
+                <a:latin typeface="+mn-lt"/>
+                <a:ea typeface="+mn-ea"/>
+                <a:cs typeface="+mn-cs"/>
+              </a:defRPr>
+            </a:lvl3pPr>
+            <a:lvl4pPr marL="1371600" algn="l" defTabSz="914400" rtl="0" eaLnBrk="1" latinLnBrk="0" hangingPunct="1">
+              <a:defRPr kumimoji="1" sz="1800" kern="1200">
+                <a:solidFill>
+                  <a:schemeClr val="lt1"/>
+                </a:solidFill>
+                <a:latin typeface="+mn-lt"/>
+                <a:ea typeface="+mn-ea"/>
+                <a:cs typeface="+mn-cs"/>
+              </a:defRPr>
+            </a:lvl4pPr>
+            <a:lvl5pPr marL="1828800" algn="l" defTabSz="914400" rtl="0" eaLnBrk="1" latinLnBrk="0" hangingPunct="1">
+              <a:defRPr kumimoji="1" sz="1800" kern="1200">
+                <a:solidFill>
+                  <a:schemeClr val="lt1"/>
+                </a:solidFill>
+                <a:latin typeface="+mn-lt"/>
+                <a:ea typeface="+mn-ea"/>
+                <a:cs typeface="+mn-cs"/>
+              </a:defRPr>
+            </a:lvl5pPr>
+            <a:lvl6pPr marL="2286000" algn="l" defTabSz="914400" rtl="0" eaLnBrk="1" latinLnBrk="0" hangingPunct="1">
+              <a:defRPr kumimoji="1" sz="1800" kern="1200">
+                <a:solidFill>
+                  <a:schemeClr val="lt1"/>
+                </a:solidFill>
+                <a:latin typeface="+mn-lt"/>
+                <a:ea typeface="+mn-ea"/>
+                <a:cs typeface="+mn-cs"/>
+              </a:defRPr>
+            </a:lvl6pPr>
+            <a:lvl7pPr marL="2743200" algn="l" defTabSz="914400" rtl="0" eaLnBrk="1" latinLnBrk="0" hangingPunct="1">
+              <a:defRPr kumimoji="1" sz="1800" kern="1200">
+                <a:solidFill>
+                  <a:schemeClr val="lt1"/>
+                </a:solidFill>
+                <a:latin typeface="+mn-lt"/>
+                <a:ea typeface="+mn-ea"/>
+                <a:cs typeface="+mn-cs"/>
+              </a:defRPr>
+            </a:lvl7pPr>
+            <a:lvl8pPr marL="3200400" algn="l" defTabSz="914400" rtl="0" eaLnBrk="1" latinLnBrk="0" hangingPunct="1">
+              <a:defRPr kumimoji="1" sz="1800" kern="1200">
+                <a:solidFill>
+                  <a:schemeClr val="lt1"/>
+                </a:solidFill>
+                <a:latin typeface="+mn-lt"/>
+                <a:ea typeface="+mn-ea"/>
+                <a:cs typeface="+mn-cs"/>
+              </a:defRPr>
+            </a:lvl8pPr>
+            <a:lvl9pPr marL="3657600" algn="l" defTabSz="914400" rtl="0" eaLnBrk="1" latinLnBrk="0" hangingPunct="1">
+              <a:defRPr kumimoji="1" sz="1800" kern="1200">
+                <a:solidFill>
+                  <a:schemeClr val="lt1"/>
+                </a:solidFill>
+                <a:latin typeface="+mn-lt"/>
+                <a:ea typeface="+mn-ea"/>
+                <a:cs typeface="+mn-cs"/>
+              </a:defRPr>
+            </a:lvl9pPr>
+          </a:lstStyle>
+          <a:p>
+            <a:pPr algn="ctr">
+              <a:defRPr/>
+            </a:pPr>
+            <a:r>
+              <a:rPr lang="en-US" altLang="ja-JP" b="1" dirty="0" smtClean="0">
+                <a:solidFill>
+                  <a:sysClr val="window" lastClr="FFFFFF"/>
+                </a:solidFill>
+                <a:latin typeface="Calibri" panose="020F0502020204030204"/>
+                <a:ea typeface="ＭＳ Ｐゴシック" panose="020B0600070205080204" pitchFamily="50" charset="-128"/>
+              </a:rPr>
+              <a:t>VM</a:t>
+            </a:r>
+          </a:p>
+          <a:p>
+            <a:pPr algn="ctr">
+              <a:defRPr/>
+            </a:pPr>
+            <a:r>
+              <a:rPr lang="en-US" altLang="ja-JP" b="1" dirty="0" smtClean="0">
+                <a:solidFill>
+                  <a:sysClr val="window" lastClr="FFFFFF"/>
+                </a:solidFill>
+                <a:latin typeface="Calibri" panose="020F0502020204030204"/>
+                <a:ea typeface="ＭＳ Ｐゴシック" panose="020B0600070205080204" pitchFamily="50" charset="-128"/>
+              </a:rPr>
+              <a:t>#N</a:t>
+            </a:r>
+            <a:endParaRPr lang="ja-JP" altLang="en-US" sz="1200" b="1" dirty="0">
+              <a:solidFill>
+                <a:sysClr val="window" lastClr="FFFFFF"/>
+              </a:solidFill>
+              <a:latin typeface="Calibri" panose="020F0502020204030204"/>
+              <a:ea typeface="ＭＳ Ｐゴシック" panose="020B0600070205080204" pitchFamily="50" charset="-128"/>
+            </a:endParaRPr>
+          </a:p>
+        </p:txBody>
+      </p:sp>
+      <p:sp>
+        <p:nvSpPr>
+          <p:cNvPr id="11" name="正方形/長方形 10"/>
+          <p:cNvSpPr/>
+          <p:nvPr/>
+        </p:nvSpPr>
+        <p:spPr bwMode="auto">
+          <a:xfrm>
+            <a:off x="3216000" y="549000"/>
+            <a:ext cx="2700000" cy="1440000"/>
+          </a:xfrm>
+          <a:prstGeom prst="rect">
+            <a:avLst/>
+          </a:prstGeom>
+          <a:noFill/>
+          <a:ln w="50800">
+            <a:solidFill>
+              <a:srgbClr val="00B050"/>
+            </a:solidFill>
+            <a:prstDash val="solid"/>
+          </a:ln>
+          <a:effectLst/>
+          <a:extLst/>
+        </p:spPr>
+        <p:txBody>
+          <a:bodyPr rot="0" spcFirstLastPara="0" vertOverflow="overflow" horzOverflow="overflow" vert="horz" wrap="square" lIns="91440" tIns="45720" rIns="91440" bIns="45720" numCol="1" spcCol="0" rtlCol="0" fromWordArt="0" anchor="ctr" anchorCtr="0" forceAA="0" compatLnSpc="1">
+            <a:prstTxWarp prst="textNoShape">
+              <a:avLst/>
+            </a:prstTxWarp>
+            <a:noAutofit/>
+          </a:bodyPr>
+          <a:lstStyle/>
+          <a:p>
+            <a:pPr algn="ctr"/>
+            <a:endParaRPr lang="ja-JP" altLang="en-US" sz="1600" b="1" dirty="0">
+              <a:latin typeface="+mj-ea"/>
+              <a:ea typeface="+mj-ea"/>
+            </a:endParaRPr>
+          </a:p>
+        </p:txBody>
+      </p:sp>
+      <p:sp>
+        <p:nvSpPr>
+          <p:cNvPr id="12" name="正方形/長方形 11"/>
+          <p:cNvSpPr/>
+          <p:nvPr/>
+        </p:nvSpPr>
+        <p:spPr>
+          <a:xfrm>
+            <a:off x="6456000" y="2709000"/>
+            <a:ext cx="2340000" cy="2880001"/>
+          </a:xfrm>
+          <a:prstGeom prst="rect">
+            <a:avLst/>
+          </a:prstGeom>
+          <a:solidFill>
+            <a:srgbClr val="5B9BD5"/>
+          </a:solidFill>
+          <a:ln w="25400" cap="flat" cmpd="sng" algn="ctr">
+            <a:solidFill>
+              <a:schemeClr val="tx1"/>
+            </a:solidFill>
+            <a:prstDash val="solid"/>
+            <a:miter lim="800000"/>
+          </a:ln>
+          <a:effectLst/>
+        </p:spPr>
+        <p:txBody>
+          <a:bodyPr rtlCol="0" anchor="b" anchorCtr="0"/>
+          <a:lstStyle>
+            <a:defPPr>
+              <a:defRPr lang="ja-JP"/>
+            </a:defPPr>
+            <a:lvl1pPr marL="0" algn="l" defTabSz="914400" rtl="0" eaLnBrk="1" latinLnBrk="0" hangingPunct="1">
+              <a:defRPr kumimoji="1" sz="1800" kern="1200">
+                <a:solidFill>
+                  <a:schemeClr val="lt1"/>
+                </a:solidFill>
+                <a:latin typeface="+mn-lt"/>
+                <a:ea typeface="+mn-ea"/>
+                <a:cs typeface="+mn-cs"/>
+              </a:defRPr>
+            </a:lvl1pPr>
+            <a:lvl2pPr marL="457200" algn="l" defTabSz="914400" rtl="0" eaLnBrk="1" latinLnBrk="0" hangingPunct="1">
+              <a:defRPr kumimoji="1" sz="1800" kern="1200">
+                <a:solidFill>
+                  <a:schemeClr val="lt1"/>
+                </a:solidFill>
+                <a:latin typeface="+mn-lt"/>
+                <a:ea typeface="+mn-ea"/>
+                <a:cs typeface="+mn-cs"/>
+              </a:defRPr>
+            </a:lvl2pPr>
+            <a:lvl3pPr marL="914400" algn="l" defTabSz="914400" rtl="0" eaLnBrk="1" latinLnBrk="0" hangingPunct="1">
+              <a:defRPr kumimoji="1" sz="1800" kern="1200">
+                <a:solidFill>
+                  <a:schemeClr val="lt1"/>
+                </a:solidFill>
+                <a:latin typeface="+mn-lt"/>
+                <a:ea typeface="+mn-ea"/>
+                <a:cs typeface="+mn-cs"/>
+              </a:defRPr>
+            </a:lvl3pPr>
+            <a:lvl4pPr marL="1371600" algn="l" defTabSz="914400" rtl="0" eaLnBrk="1" latinLnBrk="0" hangingPunct="1">
+              <a:defRPr kumimoji="1" sz="1800" kern="1200">
+                <a:solidFill>
+                  <a:schemeClr val="lt1"/>
+                </a:solidFill>
+                <a:latin typeface="+mn-lt"/>
+                <a:ea typeface="+mn-ea"/>
+                <a:cs typeface="+mn-cs"/>
+              </a:defRPr>
+            </a:lvl4pPr>
+            <a:lvl5pPr marL="1828800" algn="l" defTabSz="914400" rtl="0" eaLnBrk="1" latinLnBrk="0" hangingPunct="1">
+              <a:defRPr kumimoji="1" sz="1800" kern="1200">
+                <a:solidFill>
+                  <a:schemeClr val="lt1"/>
+                </a:solidFill>
+                <a:latin typeface="+mn-lt"/>
+                <a:ea typeface="+mn-ea"/>
+                <a:cs typeface="+mn-cs"/>
+              </a:defRPr>
+            </a:lvl5pPr>
+            <a:lvl6pPr marL="2286000" algn="l" defTabSz="914400" rtl="0" eaLnBrk="1" latinLnBrk="0" hangingPunct="1">
+              <a:defRPr kumimoji="1" sz="1800" kern="1200">
+                <a:solidFill>
+                  <a:schemeClr val="lt1"/>
+                </a:solidFill>
+                <a:latin typeface="+mn-lt"/>
+                <a:ea typeface="+mn-ea"/>
+                <a:cs typeface="+mn-cs"/>
+              </a:defRPr>
+            </a:lvl6pPr>
+            <a:lvl7pPr marL="2743200" algn="l" defTabSz="914400" rtl="0" eaLnBrk="1" latinLnBrk="0" hangingPunct="1">
+              <a:defRPr kumimoji="1" sz="1800" kern="1200">
+                <a:solidFill>
+                  <a:schemeClr val="lt1"/>
+                </a:solidFill>
+                <a:latin typeface="+mn-lt"/>
+                <a:ea typeface="+mn-ea"/>
+                <a:cs typeface="+mn-cs"/>
+              </a:defRPr>
+            </a:lvl7pPr>
+            <a:lvl8pPr marL="3200400" algn="l" defTabSz="914400" rtl="0" eaLnBrk="1" latinLnBrk="0" hangingPunct="1">
+              <a:defRPr kumimoji="1" sz="1800" kern="1200">
+                <a:solidFill>
+                  <a:schemeClr val="lt1"/>
+                </a:solidFill>
+                <a:latin typeface="+mn-lt"/>
+                <a:ea typeface="+mn-ea"/>
+                <a:cs typeface="+mn-cs"/>
+              </a:defRPr>
+            </a:lvl8pPr>
+            <a:lvl9pPr marL="3657600" algn="l" defTabSz="914400" rtl="0" eaLnBrk="1" latinLnBrk="0" hangingPunct="1">
+              <a:defRPr kumimoji="1" sz="1800" kern="1200">
+                <a:solidFill>
+                  <a:schemeClr val="lt1"/>
+                </a:solidFill>
+                <a:latin typeface="+mn-lt"/>
+                <a:ea typeface="+mn-ea"/>
+                <a:cs typeface="+mn-cs"/>
+              </a:defRPr>
+            </a:lvl9pPr>
+          </a:lstStyle>
+          <a:p>
+            <a:pPr>
+              <a:defRPr/>
+            </a:pPr>
+            <a:r>
+              <a:rPr lang="en-US" altLang="ja-JP" sz="1600" b="1" dirty="0" smtClean="0">
+                <a:solidFill>
+                  <a:sysClr val="window" lastClr="FFFFFF"/>
+                </a:solidFill>
+                <a:latin typeface="Calibri" panose="020F0502020204030204"/>
+                <a:ea typeface="ＭＳ Ｐゴシック" panose="020B0600070205080204" pitchFamily="50" charset="-128"/>
+              </a:rPr>
+              <a:t>SV#2</a:t>
+            </a:r>
+            <a:endParaRPr lang="ja-JP" altLang="en-US" sz="1600" b="1" dirty="0">
+              <a:solidFill>
+                <a:sysClr val="window" lastClr="FFFFFF"/>
+              </a:solidFill>
+              <a:latin typeface="Calibri" panose="020F0502020204030204"/>
+              <a:ea typeface="ＭＳ Ｐゴシック" panose="020B0600070205080204" pitchFamily="50" charset="-128"/>
+            </a:endParaRPr>
+          </a:p>
+        </p:txBody>
+      </p:sp>
+      <p:sp>
+        <p:nvSpPr>
+          <p:cNvPr id="13" name="正方形/長方形 12"/>
+          <p:cNvSpPr/>
+          <p:nvPr/>
+        </p:nvSpPr>
+        <p:spPr>
+          <a:xfrm>
+            <a:off x="6906000" y="3429000"/>
+            <a:ext cx="1440000" cy="360000"/>
+          </a:xfrm>
+          <a:prstGeom prst="rect">
+            <a:avLst/>
+          </a:prstGeom>
+          <a:solidFill>
+            <a:srgbClr val="002060"/>
+          </a:solidFill>
+          <a:ln w="25400" cap="flat" cmpd="sng" algn="ctr">
+            <a:solidFill>
+              <a:schemeClr val="bg1"/>
+            </a:solidFill>
+            <a:prstDash val="solid"/>
+            <a:miter lim="800000"/>
+          </a:ln>
+          <a:effectLst/>
+        </p:spPr>
+        <p:txBody>
+          <a:bodyPr rtlCol="0" anchor="ctr"/>
+          <a:lstStyle>
+            <a:defPPr>
+              <a:defRPr lang="ja-JP"/>
+            </a:defPPr>
+            <a:lvl1pPr marL="0" algn="l" defTabSz="914400" rtl="0" eaLnBrk="1" latinLnBrk="0" hangingPunct="1">
+              <a:defRPr kumimoji="1" sz="1800" kern="1200">
+                <a:solidFill>
+                  <a:schemeClr val="dk1"/>
+                </a:solidFill>
+                <a:latin typeface="+mn-lt"/>
+                <a:ea typeface="+mn-ea"/>
+                <a:cs typeface="+mn-cs"/>
+              </a:defRPr>
+            </a:lvl1pPr>
+            <a:lvl2pPr marL="457200" algn="l" defTabSz="914400" rtl="0" eaLnBrk="1" latinLnBrk="0" hangingPunct="1">
+              <a:defRPr kumimoji="1" sz="1800" kern="1200">
+                <a:solidFill>
+                  <a:schemeClr val="dk1"/>
+                </a:solidFill>
+                <a:latin typeface="+mn-lt"/>
+                <a:ea typeface="+mn-ea"/>
+                <a:cs typeface="+mn-cs"/>
+              </a:defRPr>
+            </a:lvl2pPr>
+            <a:lvl3pPr marL="914400" algn="l" defTabSz="914400" rtl="0" eaLnBrk="1" latinLnBrk="0" hangingPunct="1">
+              <a:defRPr kumimoji="1" sz="1800" kern="1200">
+                <a:solidFill>
+                  <a:schemeClr val="dk1"/>
+                </a:solidFill>
+                <a:latin typeface="+mn-lt"/>
+                <a:ea typeface="+mn-ea"/>
+                <a:cs typeface="+mn-cs"/>
+              </a:defRPr>
+            </a:lvl3pPr>
+            <a:lvl4pPr marL="1371600" algn="l" defTabSz="914400" rtl="0" eaLnBrk="1" latinLnBrk="0" hangingPunct="1">
+              <a:defRPr kumimoji="1" sz="1800" kern="1200">
+                <a:solidFill>
+                  <a:schemeClr val="dk1"/>
+                </a:solidFill>
+                <a:latin typeface="+mn-lt"/>
+                <a:ea typeface="+mn-ea"/>
+                <a:cs typeface="+mn-cs"/>
+              </a:defRPr>
+            </a:lvl4pPr>
+            <a:lvl5pPr marL="1828800" algn="l" defTabSz="914400" rtl="0" eaLnBrk="1" latinLnBrk="0" hangingPunct="1">
+              <a:defRPr kumimoji="1" sz="1800" kern="1200">
+                <a:solidFill>
+                  <a:schemeClr val="dk1"/>
+                </a:solidFill>
+                <a:latin typeface="+mn-lt"/>
+                <a:ea typeface="+mn-ea"/>
+                <a:cs typeface="+mn-cs"/>
+              </a:defRPr>
+            </a:lvl5pPr>
+            <a:lvl6pPr marL="2286000" algn="l" defTabSz="914400" rtl="0" eaLnBrk="1" latinLnBrk="0" hangingPunct="1">
+              <a:defRPr kumimoji="1" sz="1800" kern="1200">
+                <a:solidFill>
+                  <a:schemeClr val="dk1"/>
+                </a:solidFill>
+                <a:latin typeface="+mn-lt"/>
+                <a:ea typeface="+mn-ea"/>
+                <a:cs typeface="+mn-cs"/>
+              </a:defRPr>
+            </a:lvl6pPr>
+            <a:lvl7pPr marL="2743200" algn="l" defTabSz="914400" rtl="0" eaLnBrk="1" latinLnBrk="0" hangingPunct="1">
+              <a:defRPr kumimoji="1" sz="1800" kern="1200">
+                <a:solidFill>
+                  <a:schemeClr val="dk1"/>
+                </a:solidFill>
+                <a:latin typeface="+mn-lt"/>
+                <a:ea typeface="+mn-ea"/>
+                <a:cs typeface="+mn-cs"/>
+              </a:defRPr>
+            </a:lvl7pPr>
+            <a:lvl8pPr marL="3200400" algn="l" defTabSz="914400" rtl="0" eaLnBrk="1" latinLnBrk="0" hangingPunct="1">
+              <a:defRPr kumimoji="1" sz="1800" kern="1200">
+                <a:solidFill>
+                  <a:schemeClr val="dk1"/>
+                </a:solidFill>
+                <a:latin typeface="+mn-lt"/>
+                <a:ea typeface="+mn-ea"/>
+                <a:cs typeface="+mn-cs"/>
+              </a:defRPr>
+            </a:lvl8pPr>
+            <a:lvl9pPr marL="3657600" algn="l" defTabSz="914400" rtl="0" eaLnBrk="1" latinLnBrk="0" hangingPunct="1">
+              <a:defRPr kumimoji="1" sz="1800" kern="1200">
+                <a:solidFill>
+                  <a:schemeClr val="dk1"/>
+                </a:solidFill>
+                <a:latin typeface="+mn-lt"/>
+                <a:ea typeface="+mn-ea"/>
+                <a:cs typeface="+mn-cs"/>
+              </a:defRPr>
+            </a:lvl9pPr>
+          </a:lstStyle>
+          <a:p>
+            <a:pPr algn="ctr">
+              <a:defRPr/>
+            </a:pPr>
+            <a:r>
+              <a:rPr lang="en-US" altLang="ja-JP" sz="2000" b="1" dirty="0">
+                <a:solidFill>
+                  <a:schemeClr val="bg1"/>
+                </a:solidFill>
+                <a:latin typeface="Calibri" panose="020F0502020204030204"/>
+                <a:ea typeface="ＭＳ Ｐゴシック" panose="020B0600070205080204" pitchFamily="50" charset="-128"/>
+              </a:rPr>
+              <a:t>EC</a:t>
+            </a:r>
+            <a:endParaRPr lang="ja-JP" altLang="en-US" sz="2000" b="1" dirty="0">
+              <a:solidFill>
+                <a:schemeClr val="bg1"/>
+              </a:solidFill>
+              <a:latin typeface="Calibri" panose="020F0502020204030204"/>
+              <a:ea typeface="ＭＳ Ｐゴシック" panose="020B0600070205080204" pitchFamily="50" charset="-128"/>
+            </a:endParaRPr>
+          </a:p>
+        </p:txBody>
+      </p:sp>
+      <p:sp>
+        <p:nvSpPr>
+          <p:cNvPr id="14" name="正方形/長方形 13"/>
+          <p:cNvSpPr/>
+          <p:nvPr/>
+        </p:nvSpPr>
+        <p:spPr>
+          <a:xfrm>
+            <a:off x="6906000" y="2889000"/>
+            <a:ext cx="1440000" cy="360000"/>
+          </a:xfrm>
+          <a:prstGeom prst="rect">
+            <a:avLst/>
+          </a:prstGeom>
+          <a:solidFill>
+            <a:schemeClr val="bg1">
+              <a:lumMod val="50000"/>
+              <a:alpha val="50000"/>
+            </a:schemeClr>
+          </a:solidFill>
+          <a:ln w="25400" cap="flat" cmpd="sng" algn="ctr">
+            <a:solidFill>
+              <a:schemeClr val="bg1"/>
+            </a:solidFill>
+            <a:prstDash val="sysDash"/>
+            <a:miter lim="800000"/>
+          </a:ln>
+          <a:effectLst/>
+        </p:spPr>
+        <p:txBody>
+          <a:bodyPr rtlCol="0" anchor="ctr"/>
+          <a:lstStyle>
+            <a:defPPr>
+              <a:defRPr lang="ja-JP"/>
+            </a:defPPr>
+            <a:lvl1pPr marL="0" algn="l" defTabSz="914400" rtl="0" eaLnBrk="1" latinLnBrk="0" hangingPunct="1">
+              <a:defRPr kumimoji="1" sz="1800" kern="1200">
+                <a:solidFill>
+                  <a:schemeClr val="dk1"/>
+                </a:solidFill>
+                <a:latin typeface="+mn-lt"/>
+                <a:ea typeface="+mn-ea"/>
+                <a:cs typeface="+mn-cs"/>
+              </a:defRPr>
+            </a:lvl1pPr>
+            <a:lvl2pPr marL="457200" algn="l" defTabSz="914400" rtl="0" eaLnBrk="1" latinLnBrk="0" hangingPunct="1">
+              <a:defRPr kumimoji="1" sz="1800" kern="1200">
+                <a:solidFill>
+                  <a:schemeClr val="dk1"/>
+                </a:solidFill>
+                <a:latin typeface="+mn-lt"/>
+                <a:ea typeface="+mn-ea"/>
+                <a:cs typeface="+mn-cs"/>
+              </a:defRPr>
+            </a:lvl2pPr>
+            <a:lvl3pPr marL="914400" algn="l" defTabSz="914400" rtl="0" eaLnBrk="1" latinLnBrk="0" hangingPunct="1">
+              <a:defRPr kumimoji="1" sz="1800" kern="1200">
+                <a:solidFill>
+                  <a:schemeClr val="dk1"/>
+                </a:solidFill>
+                <a:latin typeface="+mn-lt"/>
+                <a:ea typeface="+mn-ea"/>
+                <a:cs typeface="+mn-cs"/>
+              </a:defRPr>
+            </a:lvl3pPr>
+            <a:lvl4pPr marL="1371600" algn="l" defTabSz="914400" rtl="0" eaLnBrk="1" latinLnBrk="0" hangingPunct="1">
+              <a:defRPr kumimoji="1" sz="1800" kern="1200">
+                <a:solidFill>
+                  <a:schemeClr val="dk1"/>
+                </a:solidFill>
+                <a:latin typeface="+mn-lt"/>
+                <a:ea typeface="+mn-ea"/>
+                <a:cs typeface="+mn-cs"/>
+              </a:defRPr>
+            </a:lvl4pPr>
+            <a:lvl5pPr marL="1828800" algn="l" defTabSz="914400" rtl="0" eaLnBrk="1" latinLnBrk="0" hangingPunct="1">
+              <a:defRPr kumimoji="1" sz="1800" kern="1200">
+                <a:solidFill>
+                  <a:schemeClr val="dk1"/>
+                </a:solidFill>
+                <a:latin typeface="+mn-lt"/>
+                <a:ea typeface="+mn-ea"/>
+                <a:cs typeface="+mn-cs"/>
+              </a:defRPr>
+            </a:lvl5pPr>
+            <a:lvl6pPr marL="2286000" algn="l" defTabSz="914400" rtl="0" eaLnBrk="1" latinLnBrk="0" hangingPunct="1">
+              <a:defRPr kumimoji="1" sz="1800" kern="1200">
+                <a:solidFill>
+                  <a:schemeClr val="dk1"/>
+                </a:solidFill>
+                <a:latin typeface="+mn-lt"/>
+                <a:ea typeface="+mn-ea"/>
+                <a:cs typeface="+mn-cs"/>
+              </a:defRPr>
+            </a:lvl6pPr>
+            <a:lvl7pPr marL="2743200" algn="l" defTabSz="914400" rtl="0" eaLnBrk="1" latinLnBrk="0" hangingPunct="1">
+              <a:defRPr kumimoji="1" sz="1800" kern="1200">
+                <a:solidFill>
+                  <a:schemeClr val="dk1"/>
+                </a:solidFill>
+                <a:latin typeface="+mn-lt"/>
+                <a:ea typeface="+mn-ea"/>
+                <a:cs typeface="+mn-cs"/>
+              </a:defRPr>
+            </a:lvl7pPr>
+            <a:lvl8pPr marL="3200400" algn="l" defTabSz="914400" rtl="0" eaLnBrk="1" latinLnBrk="0" hangingPunct="1">
+              <a:defRPr kumimoji="1" sz="1800" kern="1200">
+                <a:solidFill>
+                  <a:schemeClr val="dk1"/>
+                </a:solidFill>
+                <a:latin typeface="+mn-lt"/>
+                <a:ea typeface="+mn-ea"/>
+                <a:cs typeface="+mn-cs"/>
+              </a:defRPr>
+            </a:lvl8pPr>
+            <a:lvl9pPr marL="3657600" algn="l" defTabSz="914400" rtl="0" eaLnBrk="1" latinLnBrk="0" hangingPunct="1">
+              <a:defRPr kumimoji="1" sz="1800" kern="1200">
+                <a:solidFill>
+                  <a:schemeClr val="dk1"/>
+                </a:solidFill>
+                <a:latin typeface="+mn-lt"/>
+                <a:ea typeface="+mn-ea"/>
+                <a:cs typeface="+mn-cs"/>
+              </a:defRPr>
+            </a:lvl9pPr>
+          </a:lstStyle>
+          <a:p>
+            <a:pPr algn="ctr">
+              <a:defRPr/>
+            </a:pPr>
+            <a:r>
+              <a:rPr lang="en-US" altLang="ja-JP" sz="2000" dirty="0">
+                <a:solidFill>
+                  <a:sysClr val="windowText" lastClr="000000"/>
+                </a:solidFill>
+                <a:latin typeface="Calibri" panose="020F0502020204030204"/>
+                <a:ea typeface="ＭＳ Ｐゴシック" panose="020B0600070205080204" pitchFamily="50" charset="-128"/>
+              </a:rPr>
+              <a:t>iSCSI Target</a:t>
+            </a:r>
+            <a:endParaRPr lang="ja-JP" altLang="en-US" sz="2000" dirty="0">
+              <a:solidFill>
+                <a:sysClr val="windowText" lastClr="000000"/>
+              </a:solidFill>
+              <a:latin typeface="Calibri" panose="020F0502020204030204"/>
+              <a:ea typeface="ＭＳ Ｐゴシック" panose="020B0600070205080204" pitchFamily="50" charset="-128"/>
+            </a:endParaRPr>
+          </a:p>
+        </p:txBody>
+      </p:sp>
+      <p:sp>
+        <p:nvSpPr>
+          <p:cNvPr id="15" name="正方形/長方形 14"/>
+          <p:cNvSpPr/>
+          <p:nvPr/>
+        </p:nvSpPr>
+        <p:spPr bwMode="auto">
+          <a:xfrm>
+            <a:off x="6276000" y="549000"/>
+            <a:ext cx="2700000" cy="1440000"/>
+          </a:xfrm>
+          <a:prstGeom prst="rect">
+            <a:avLst/>
+          </a:prstGeom>
+          <a:noFill/>
+          <a:ln w="50800">
+            <a:solidFill>
+              <a:srgbClr val="00B050"/>
+            </a:solidFill>
+            <a:prstDash val="solid"/>
+          </a:ln>
+          <a:effectLst/>
+          <a:extLst/>
+        </p:spPr>
+        <p:txBody>
+          <a:bodyPr rot="0" spcFirstLastPara="0" vertOverflow="overflow" horzOverflow="overflow" vert="horz" wrap="square" lIns="91440" tIns="45720" rIns="91440" bIns="45720" numCol="1" spcCol="0" rtlCol="0" fromWordArt="0" anchor="ctr" anchorCtr="0" forceAA="0" compatLnSpc="1">
+            <a:prstTxWarp prst="textNoShape">
+              <a:avLst/>
+            </a:prstTxWarp>
+            <a:noAutofit/>
+          </a:bodyPr>
+          <a:lstStyle/>
+          <a:p>
+            <a:pPr algn="ctr"/>
+            <a:endParaRPr lang="ja-JP" altLang="en-US" sz="1600" b="1" dirty="0">
+              <a:latin typeface="+mj-ea"/>
+              <a:ea typeface="+mj-ea"/>
+            </a:endParaRPr>
+          </a:p>
+        </p:txBody>
+      </p:sp>
+      <p:sp>
+        <p:nvSpPr>
+          <p:cNvPr id="16" name="正方形/長方形 15"/>
+          <p:cNvSpPr/>
+          <p:nvPr/>
+        </p:nvSpPr>
+        <p:spPr>
+          <a:xfrm>
+            <a:off x="6456000" y="1449001"/>
+            <a:ext cx="2340000" cy="360000"/>
+          </a:xfrm>
+          <a:prstGeom prst="rect">
+            <a:avLst/>
+          </a:prstGeom>
+          <a:solidFill>
+            <a:srgbClr val="00B050"/>
+          </a:solidFill>
+          <a:ln w="12700" cap="flat" cmpd="sng" algn="ctr">
+            <a:solidFill>
+              <a:srgbClr val="5B9BD5">
+                <a:shade val="50000"/>
+              </a:srgbClr>
+            </a:solidFill>
+            <a:prstDash val="solid"/>
+            <a:miter lim="800000"/>
+          </a:ln>
+          <a:effectLst/>
+        </p:spPr>
+        <p:txBody>
+          <a:bodyPr rtlCol="0" anchor="ctr"/>
+          <a:lstStyle>
+            <a:defPPr>
+              <a:defRPr lang="ja-JP"/>
+            </a:defPPr>
+            <a:lvl1pPr marL="0" algn="l" defTabSz="914400" rtl="0" eaLnBrk="1" latinLnBrk="0" hangingPunct="1">
+              <a:defRPr kumimoji="1" sz="1800" kern="1200">
+                <a:solidFill>
+                  <a:schemeClr val="lt1"/>
+                </a:solidFill>
+                <a:latin typeface="+mn-lt"/>
+                <a:ea typeface="+mn-ea"/>
+                <a:cs typeface="+mn-cs"/>
+              </a:defRPr>
+            </a:lvl1pPr>
+            <a:lvl2pPr marL="457200" algn="l" defTabSz="914400" rtl="0" eaLnBrk="1" latinLnBrk="0" hangingPunct="1">
+              <a:defRPr kumimoji="1" sz="1800" kern="1200">
+                <a:solidFill>
+                  <a:schemeClr val="lt1"/>
+                </a:solidFill>
+                <a:latin typeface="+mn-lt"/>
+                <a:ea typeface="+mn-ea"/>
+                <a:cs typeface="+mn-cs"/>
+              </a:defRPr>
+            </a:lvl2pPr>
+            <a:lvl3pPr marL="914400" algn="l" defTabSz="914400" rtl="0" eaLnBrk="1" latinLnBrk="0" hangingPunct="1">
+              <a:defRPr kumimoji="1" sz="1800" kern="1200">
+                <a:solidFill>
+                  <a:schemeClr val="lt1"/>
+                </a:solidFill>
+                <a:latin typeface="+mn-lt"/>
+                <a:ea typeface="+mn-ea"/>
+                <a:cs typeface="+mn-cs"/>
+              </a:defRPr>
+            </a:lvl3pPr>
+            <a:lvl4pPr marL="1371600" algn="l" defTabSz="914400" rtl="0" eaLnBrk="1" latinLnBrk="0" hangingPunct="1">
+              <a:defRPr kumimoji="1" sz="1800" kern="1200">
+                <a:solidFill>
+                  <a:schemeClr val="lt1"/>
+                </a:solidFill>
+                <a:latin typeface="+mn-lt"/>
+                <a:ea typeface="+mn-ea"/>
+                <a:cs typeface="+mn-cs"/>
+              </a:defRPr>
+            </a:lvl4pPr>
+            <a:lvl5pPr marL="1828800" algn="l" defTabSz="914400" rtl="0" eaLnBrk="1" latinLnBrk="0" hangingPunct="1">
+              <a:defRPr kumimoji="1" sz="1800" kern="1200">
+                <a:solidFill>
+                  <a:schemeClr val="lt1"/>
+                </a:solidFill>
+                <a:latin typeface="+mn-lt"/>
+                <a:ea typeface="+mn-ea"/>
+                <a:cs typeface="+mn-cs"/>
+              </a:defRPr>
+            </a:lvl5pPr>
+            <a:lvl6pPr marL="2286000" algn="l" defTabSz="914400" rtl="0" eaLnBrk="1" latinLnBrk="0" hangingPunct="1">
+              <a:defRPr kumimoji="1" sz="1800" kern="1200">
+                <a:solidFill>
+                  <a:schemeClr val="lt1"/>
+                </a:solidFill>
+                <a:latin typeface="+mn-lt"/>
+                <a:ea typeface="+mn-ea"/>
+                <a:cs typeface="+mn-cs"/>
+              </a:defRPr>
+            </a:lvl6pPr>
+            <a:lvl7pPr marL="2743200" algn="l" defTabSz="914400" rtl="0" eaLnBrk="1" latinLnBrk="0" hangingPunct="1">
+              <a:defRPr kumimoji="1" sz="1800" kern="1200">
+                <a:solidFill>
+                  <a:schemeClr val="lt1"/>
+                </a:solidFill>
+                <a:latin typeface="+mn-lt"/>
+                <a:ea typeface="+mn-ea"/>
+                <a:cs typeface="+mn-cs"/>
+              </a:defRPr>
+            </a:lvl7pPr>
+            <a:lvl8pPr marL="3200400" algn="l" defTabSz="914400" rtl="0" eaLnBrk="1" latinLnBrk="0" hangingPunct="1">
+              <a:defRPr kumimoji="1" sz="1800" kern="1200">
+                <a:solidFill>
+                  <a:schemeClr val="lt1"/>
+                </a:solidFill>
+                <a:latin typeface="+mn-lt"/>
+                <a:ea typeface="+mn-ea"/>
+                <a:cs typeface="+mn-cs"/>
+              </a:defRPr>
+            </a:lvl8pPr>
+            <a:lvl9pPr marL="3657600" algn="l" defTabSz="914400" rtl="0" eaLnBrk="1" latinLnBrk="0" hangingPunct="1">
+              <a:defRPr kumimoji="1" sz="1800" kern="1200">
+                <a:solidFill>
+                  <a:schemeClr val="lt1"/>
+                </a:solidFill>
+                <a:latin typeface="+mn-lt"/>
+                <a:ea typeface="+mn-ea"/>
+                <a:cs typeface="+mn-cs"/>
+              </a:defRPr>
+            </a:lvl9pPr>
+          </a:lstStyle>
+          <a:p>
+            <a:pPr algn="ctr">
+              <a:defRPr/>
+            </a:pPr>
+            <a:r>
+              <a:rPr lang="en-US" altLang="ja-JP" sz="2000" dirty="0" err="1" smtClean="0">
+                <a:solidFill>
+                  <a:sysClr val="window" lastClr="FFFFFF"/>
+                </a:solidFill>
+                <a:latin typeface="Calibri" panose="020F0502020204030204"/>
+                <a:ea typeface="ＭＳ Ｐゴシック" panose="020B0600070205080204" pitchFamily="50" charset="-128"/>
+              </a:rPr>
+              <a:t>ESXi</a:t>
+            </a:r>
+            <a:endParaRPr lang="ja-JP" altLang="en-US" sz="2000" dirty="0">
+              <a:solidFill>
+                <a:sysClr val="window" lastClr="FFFFFF"/>
+              </a:solidFill>
+              <a:latin typeface="Calibri" panose="020F0502020204030204"/>
+              <a:ea typeface="ＭＳ Ｐゴシック" panose="020B0600070205080204" pitchFamily="50" charset="-128"/>
+            </a:endParaRPr>
+          </a:p>
+        </p:txBody>
+      </p:sp>
+      <p:sp>
+        <p:nvSpPr>
+          <p:cNvPr id="17" name="正方形/長方形 16"/>
+          <p:cNvSpPr/>
+          <p:nvPr/>
+        </p:nvSpPr>
+        <p:spPr>
+          <a:xfrm>
+            <a:off x="6996000" y="729720"/>
+            <a:ext cx="540000" cy="540000"/>
+          </a:xfrm>
+          <a:prstGeom prst="rect">
+            <a:avLst/>
+          </a:prstGeom>
+          <a:solidFill>
+            <a:srgbClr val="5B9BD5">
+              <a:alpha val="50000"/>
+            </a:srgbClr>
+          </a:solidFill>
+          <a:ln w="25400" cap="flat" cmpd="sng" algn="ctr">
+            <a:solidFill>
+              <a:srgbClr val="5B9BD5">
+                <a:shade val="50000"/>
+                <a:alpha val="50000"/>
+              </a:srgbClr>
+            </a:solidFill>
+            <a:prstDash val="sysDash"/>
+            <a:miter lim="800000"/>
+          </a:ln>
+          <a:effectLst/>
+        </p:spPr>
+        <p:txBody>
+          <a:bodyPr wrap="none" rtlCol="0" anchor="ctr">
+            <a:noAutofit/>
+          </a:bodyPr>
+          <a:lstStyle>
+            <a:defPPr>
+              <a:defRPr lang="ja-JP"/>
+            </a:defPPr>
+            <a:lvl1pPr marL="0" algn="l" defTabSz="914400" rtl="0" eaLnBrk="1" latinLnBrk="0" hangingPunct="1">
+              <a:defRPr kumimoji="1" sz="1800" kern="1200">
+                <a:solidFill>
+                  <a:schemeClr val="lt1"/>
+                </a:solidFill>
+                <a:latin typeface="+mn-lt"/>
+                <a:ea typeface="+mn-ea"/>
+                <a:cs typeface="+mn-cs"/>
+              </a:defRPr>
+            </a:lvl1pPr>
+            <a:lvl2pPr marL="457200" algn="l" defTabSz="914400" rtl="0" eaLnBrk="1" latinLnBrk="0" hangingPunct="1">
+              <a:defRPr kumimoji="1" sz="1800" kern="1200">
+                <a:solidFill>
+                  <a:schemeClr val="lt1"/>
+                </a:solidFill>
+                <a:latin typeface="+mn-lt"/>
+                <a:ea typeface="+mn-ea"/>
+                <a:cs typeface="+mn-cs"/>
+              </a:defRPr>
+            </a:lvl2pPr>
+            <a:lvl3pPr marL="914400" algn="l" defTabSz="914400" rtl="0" eaLnBrk="1" latinLnBrk="0" hangingPunct="1">
+              <a:defRPr kumimoji="1" sz="1800" kern="1200">
+                <a:solidFill>
+                  <a:schemeClr val="lt1"/>
+                </a:solidFill>
+                <a:latin typeface="+mn-lt"/>
+                <a:ea typeface="+mn-ea"/>
+                <a:cs typeface="+mn-cs"/>
+              </a:defRPr>
+            </a:lvl3pPr>
+            <a:lvl4pPr marL="1371600" algn="l" defTabSz="914400" rtl="0" eaLnBrk="1" latinLnBrk="0" hangingPunct="1">
+              <a:defRPr kumimoji="1" sz="1800" kern="1200">
+                <a:solidFill>
+                  <a:schemeClr val="lt1"/>
+                </a:solidFill>
+                <a:latin typeface="+mn-lt"/>
+                <a:ea typeface="+mn-ea"/>
+                <a:cs typeface="+mn-cs"/>
+              </a:defRPr>
+            </a:lvl4pPr>
+            <a:lvl5pPr marL="1828800" algn="l" defTabSz="914400" rtl="0" eaLnBrk="1" latinLnBrk="0" hangingPunct="1">
+              <a:defRPr kumimoji="1" sz="1800" kern="1200">
+                <a:solidFill>
+                  <a:schemeClr val="lt1"/>
+                </a:solidFill>
+                <a:latin typeface="+mn-lt"/>
+                <a:ea typeface="+mn-ea"/>
+                <a:cs typeface="+mn-cs"/>
+              </a:defRPr>
+            </a:lvl5pPr>
+            <a:lvl6pPr marL="2286000" algn="l" defTabSz="914400" rtl="0" eaLnBrk="1" latinLnBrk="0" hangingPunct="1">
+              <a:defRPr kumimoji="1" sz="1800" kern="1200">
+                <a:solidFill>
+                  <a:schemeClr val="lt1"/>
+                </a:solidFill>
+                <a:latin typeface="+mn-lt"/>
+                <a:ea typeface="+mn-ea"/>
+                <a:cs typeface="+mn-cs"/>
+              </a:defRPr>
+            </a:lvl6pPr>
+            <a:lvl7pPr marL="2743200" algn="l" defTabSz="914400" rtl="0" eaLnBrk="1" latinLnBrk="0" hangingPunct="1">
+              <a:defRPr kumimoji="1" sz="1800" kern="1200">
+                <a:solidFill>
+                  <a:schemeClr val="lt1"/>
+                </a:solidFill>
+                <a:latin typeface="+mn-lt"/>
+                <a:ea typeface="+mn-ea"/>
+                <a:cs typeface="+mn-cs"/>
+              </a:defRPr>
+            </a:lvl7pPr>
+            <a:lvl8pPr marL="3200400" algn="l" defTabSz="914400" rtl="0" eaLnBrk="1" latinLnBrk="0" hangingPunct="1">
+              <a:defRPr kumimoji="1" sz="1800" kern="1200">
+                <a:solidFill>
+                  <a:schemeClr val="lt1"/>
+                </a:solidFill>
+                <a:latin typeface="+mn-lt"/>
+                <a:ea typeface="+mn-ea"/>
+                <a:cs typeface="+mn-cs"/>
+              </a:defRPr>
+            </a:lvl8pPr>
+            <a:lvl9pPr marL="3657600" algn="l" defTabSz="914400" rtl="0" eaLnBrk="1" latinLnBrk="0" hangingPunct="1">
+              <a:defRPr kumimoji="1" sz="1800" kern="1200">
+                <a:solidFill>
+                  <a:schemeClr val="lt1"/>
+                </a:solidFill>
+                <a:latin typeface="+mn-lt"/>
+                <a:ea typeface="+mn-ea"/>
+                <a:cs typeface="+mn-cs"/>
+              </a:defRPr>
+            </a:lvl9pPr>
+          </a:lstStyle>
+          <a:p>
+            <a:pPr algn="ctr">
+              <a:defRPr/>
+            </a:pPr>
+            <a:r>
+              <a:rPr lang="en-US" altLang="ja-JP" b="1" dirty="0" smtClean="0">
+                <a:solidFill>
+                  <a:sysClr val="window" lastClr="FFFFFF"/>
+                </a:solidFill>
+                <a:latin typeface="Calibri" panose="020F0502020204030204"/>
+                <a:ea typeface="ＭＳ Ｐゴシック" panose="020B0600070205080204" pitchFamily="50" charset="-128"/>
+              </a:rPr>
+              <a:t>VM</a:t>
+            </a:r>
+          </a:p>
+          <a:p>
+            <a:pPr algn="ctr">
+              <a:defRPr/>
+            </a:pPr>
+            <a:r>
+              <a:rPr lang="en-US" altLang="ja-JP" b="1" dirty="0" smtClean="0">
+                <a:solidFill>
+                  <a:sysClr val="window" lastClr="FFFFFF"/>
+                </a:solidFill>
+                <a:latin typeface="Calibri" panose="020F0502020204030204"/>
+                <a:ea typeface="ＭＳ Ｐゴシック" panose="020B0600070205080204" pitchFamily="50" charset="-128"/>
+              </a:rPr>
+              <a:t>#</a:t>
+            </a:r>
+            <a:r>
+              <a:rPr lang="en-US" altLang="ja-JP" b="1" dirty="0">
+                <a:solidFill>
+                  <a:sysClr val="window" lastClr="FFFFFF"/>
+                </a:solidFill>
+                <a:latin typeface="Calibri" panose="020F0502020204030204"/>
+                <a:ea typeface="ＭＳ Ｐゴシック" panose="020B0600070205080204" pitchFamily="50" charset="-128"/>
+              </a:rPr>
+              <a:t>1</a:t>
+            </a:r>
+            <a:endParaRPr lang="ja-JP" altLang="en-US" b="1" dirty="0">
+              <a:solidFill>
+                <a:sysClr val="window" lastClr="FFFFFF"/>
+              </a:solidFill>
+              <a:latin typeface="Calibri" panose="020F0502020204030204"/>
+              <a:ea typeface="ＭＳ Ｐゴシック" panose="020B0600070205080204" pitchFamily="50" charset="-128"/>
+            </a:endParaRPr>
+          </a:p>
+        </p:txBody>
+      </p:sp>
+      <p:sp>
+        <p:nvSpPr>
+          <p:cNvPr id="18" name="正方形/長方形 17"/>
+          <p:cNvSpPr/>
+          <p:nvPr/>
+        </p:nvSpPr>
+        <p:spPr>
+          <a:xfrm>
+            <a:off x="7716000" y="729000"/>
+            <a:ext cx="540000" cy="540000"/>
+          </a:xfrm>
+          <a:prstGeom prst="rect">
+            <a:avLst/>
+          </a:prstGeom>
+          <a:solidFill>
+            <a:srgbClr val="5B9BD5">
+              <a:alpha val="50000"/>
+            </a:srgbClr>
+          </a:solidFill>
+          <a:ln w="25400" cap="flat" cmpd="sng" algn="ctr">
+            <a:solidFill>
+              <a:srgbClr val="5B9BD5">
+                <a:shade val="50000"/>
+                <a:alpha val="50000"/>
+              </a:srgbClr>
+            </a:solidFill>
+            <a:prstDash val="sysDash"/>
+            <a:miter lim="800000"/>
+          </a:ln>
+          <a:effectLst/>
+        </p:spPr>
+        <p:txBody>
+          <a:bodyPr wrap="none" rtlCol="0" anchor="ctr">
+            <a:noAutofit/>
+          </a:bodyPr>
+          <a:lstStyle>
+            <a:defPPr>
+              <a:defRPr lang="ja-JP"/>
+            </a:defPPr>
+            <a:lvl1pPr marL="0" algn="l" defTabSz="914400" rtl="0" eaLnBrk="1" latinLnBrk="0" hangingPunct="1">
+              <a:defRPr kumimoji="1" sz="1800" kern="1200">
+                <a:solidFill>
+                  <a:schemeClr val="lt1"/>
+                </a:solidFill>
+                <a:latin typeface="+mn-lt"/>
+                <a:ea typeface="+mn-ea"/>
+                <a:cs typeface="+mn-cs"/>
+              </a:defRPr>
+            </a:lvl1pPr>
+            <a:lvl2pPr marL="457200" algn="l" defTabSz="914400" rtl="0" eaLnBrk="1" latinLnBrk="0" hangingPunct="1">
+              <a:defRPr kumimoji="1" sz="1800" kern="1200">
+                <a:solidFill>
+                  <a:schemeClr val="lt1"/>
+                </a:solidFill>
+                <a:latin typeface="+mn-lt"/>
+                <a:ea typeface="+mn-ea"/>
+                <a:cs typeface="+mn-cs"/>
+              </a:defRPr>
+            </a:lvl2pPr>
+            <a:lvl3pPr marL="914400" algn="l" defTabSz="914400" rtl="0" eaLnBrk="1" latinLnBrk="0" hangingPunct="1">
+              <a:defRPr kumimoji="1" sz="1800" kern="1200">
+                <a:solidFill>
+                  <a:schemeClr val="lt1"/>
+                </a:solidFill>
+                <a:latin typeface="+mn-lt"/>
+                <a:ea typeface="+mn-ea"/>
+                <a:cs typeface="+mn-cs"/>
+              </a:defRPr>
+            </a:lvl3pPr>
+            <a:lvl4pPr marL="1371600" algn="l" defTabSz="914400" rtl="0" eaLnBrk="1" latinLnBrk="0" hangingPunct="1">
+              <a:defRPr kumimoji="1" sz="1800" kern="1200">
+                <a:solidFill>
+                  <a:schemeClr val="lt1"/>
+                </a:solidFill>
+                <a:latin typeface="+mn-lt"/>
+                <a:ea typeface="+mn-ea"/>
+                <a:cs typeface="+mn-cs"/>
+              </a:defRPr>
+            </a:lvl4pPr>
+            <a:lvl5pPr marL="1828800" algn="l" defTabSz="914400" rtl="0" eaLnBrk="1" latinLnBrk="0" hangingPunct="1">
+              <a:defRPr kumimoji="1" sz="1800" kern="1200">
+                <a:solidFill>
+                  <a:schemeClr val="lt1"/>
+                </a:solidFill>
+                <a:latin typeface="+mn-lt"/>
+                <a:ea typeface="+mn-ea"/>
+                <a:cs typeface="+mn-cs"/>
+              </a:defRPr>
+            </a:lvl5pPr>
+            <a:lvl6pPr marL="2286000" algn="l" defTabSz="914400" rtl="0" eaLnBrk="1" latinLnBrk="0" hangingPunct="1">
+              <a:defRPr kumimoji="1" sz="1800" kern="1200">
+                <a:solidFill>
+                  <a:schemeClr val="lt1"/>
+                </a:solidFill>
+                <a:latin typeface="+mn-lt"/>
+                <a:ea typeface="+mn-ea"/>
+                <a:cs typeface="+mn-cs"/>
+              </a:defRPr>
+            </a:lvl6pPr>
+            <a:lvl7pPr marL="2743200" algn="l" defTabSz="914400" rtl="0" eaLnBrk="1" latinLnBrk="0" hangingPunct="1">
+              <a:defRPr kumimoji="1" sz="1800" kern="1200">
+                <a:solidFill>
+                  <a:schemeClr val="lt1"/>
+                </a:solidFill>
+                <a:latin typeface="+mn-lt"/>
+                <a:ea typeface="+mn-ea"/>
+                <a:cs typeface="+mn-cs"/>
+              </a:defRPr>
+            </a:lvl7pPr>
+            <a:lvl8pPr marL="3200400" algn="l" defTabSz="914400" rtl="0" eaLnBrk="1" latinLnBrk="0" hangingPunct="1">
+              <a:defRPr kumimoji="1" sz="1800" kern="1200">
+                <a:solidFill>
+                  <a:schemeClr val="lt1"/>
+                </a:solidFill>
+                <a:latin typeface="+mn-lt"/>
+                <a:ea typeface="+mn-ea"/>
+                <a:cs typeface="+mn-cs"/>
+              </a:defRPr>
+            </a:lvl8pPr>
+            <a:lvl9pPr marL="3657600" algn="l" defTabSz="914400" rtl="0" eaLnBrk="1" latinLnBrk="0" hangingPunct="1">
+              <a:defRPr kumimoji="1" sz="1800" kern="1200">
+                <a:solidFill>
+                  <a:schemeClr val="lt1"/>
+                </a:solidFill>
+                <a:latin typeface="+mn-lt"/>
+                <a:ea typeface="+mn-ea"/>
+                <a:cs typeface="+mn-cs"/>
+              </a:defRPr>
+            </a:lvl9pPr>
+          </a:lstStyle>
+          <a:p>
+            <a:pPr algn="ctr">
+              <a:defRPr/>
+            </a:pPr>
+            <a:r>
+              <a:rPr lang="en-US" altLang="ja-JP" b="1" dirty="0" smtClean="0">
+                <a:solidFill>
+                  <a:sysClr val="window" lastClr="FFFFFF"/>
+                </a:solidFill>
+                <a:latin typeface="Calibri" panose="020F0502020204030204"/>
+                <a:ea typeface="ＭＳ Ｐゴシック" panose="020B0600070205080204" pitchFamily="50" charset="-128"/>
+              </a:rPr>
+              <a:t>VM</a:t>
+            </a:r>
+          </a:p>
+          <a:p>
+            <a:pPr algn="ctr">
+              <a:defRPr/>
+            </a:pPr>
+            <a:r>
+              <a:rPr lang="en-US" altLang="ja-JP" b="1" dirty="0" smtClean="0">
+                <a:solidFill>
+                  <a:sysClr val="window" lastClr="FFFFFF"/>
+                </a:solidFill>
+                <a:latin typeface="Calibri" panose="020F0502020204030204"/>
+                <a:ea typeface="ＭＳ Ｐゴシック" panose="020B0600070205080204" pitchFamily="50" charset="-128"/>
+              </a:rPr>
+              <a:t>#N</a:t>
+            </a:r>
+            <a:endParaRPr lang="ja-JP" altLang="en-US" b="1" dirty="0">
+              <a:solidFill>
+                <a:sysClr val="window" lastClr="FFFFFF"/>
+              </a:solidFill>
+              <a:latin typeface="Calibri" panose="020F0502020204030204"/>
+              <a:ea typeface="ＭＳ Ｐゴシック" panose="020B0600070205080204" pitchFamily="50" charset="-128"/>
+            </a:endParaRPr>
+          </a:p>
+        </p:txBody>
+      </p:sp>
+      <p:cxnSp>
+        <p:nvCxnSpPr>
+          <p:cNvPr id="19" name="直線コネクタ 18"/>
+          <p:cNvCxnSpPr>
+            <a:stCxn id="16" idx="2"/>
+            <a:endCxn id="6" idx="0"/>
+          </p:cNvCxnSpPr>
+          <p:nvPr/>
+        </p:nvCxnSpPr>
+        <p:spPr>
+          <a:xfrm flipH="1">
+            <a:off x="4566000" y="1809001"/>
+            <a:ext cx="3060000" cy="1079999"/>
+          </a:xfrm>
+          <a:prstGeom prst="line">
+            <a:avLst/>
+          </a:prstGeom>
+          <a:noFill/>
+          <a:ln w="50800" cap="flat" cmpd="sng" algn="ctr">
+            <a:solidFill>
+              <a:srgbClr val="FFC000"/>
+            </a:solidFill>
+            <a:prstDash val="solid"/>
+            <a:miter lim="800000"/>
+            <a:headEnd type="oval" w="sm" len="sm"/>
+            <a:tailEnd type="oval" w="sm" len="sm"/>
+          </a:ln>
+          <a:effectLst/>
+        </p:spPr>
+      </p:cxnSp>
+      <p:sp>
+        <p:nvSpPr>
+          <p:cNvPr id="24" name="円柱 23"/>
+          <p:cNvSpPr/>
+          <p:nvPr/>
+        </p:nvSpPr>
+        <p:spPr>
+          <a:xfrm>
+            <a:off x="3846000" y="3969000"/>
+            <a:ext cx="1440000" cy="1080000"/>
+          </a:xfrm>
+          <a:prstGeom prst="can">
+            <a:avLst/>
+          </a:prstGeom>
+          <a:solidFill>
+            <a:srgbClr val="002060"/>
+          </a:solidFill>
+          <a:ln w="25400" cap="flat" cmpd="sng" algn="ctr">
+            <a:solidFill>
+              <a:schemeClr val="bg1"/>
+            </a:solidFill>
+            <a:prstDash val="solid"/>
+            <a:miter lim="800000"/>
+          </a:ln>
+          <a:effectLst/>
+        </p:spPr>
+        <p:txBody>
+          <a:bodyPr rtlCol="0" anchor="ctr"/>
+          <a:lstStyle>
+            <a:defPPr>
+              <a:defRPr lang="ja-JP"/>
+            </a:defPPr>
+            <a:lvl1pPr marL="0" algn="l" defTabSz="914400" rtl="0" eaLnBrk="1" latinLnBrk="0" hangingPunct="1">
+              <a:defRPr kumimoji="1" sz="1800" kern="1200">
+                <a:solidFill>
+                  <a:schemeClr val="dk1"/>
+                </a:solidFill>
+                <a:latin typeface="+mn-lt"/>
+                <a:ea typeface="+mn-ea"/>
+                <a:cs typeface="+mn-cs"/>
+              </a:defRPr>
+            </a:lvl1pPr>
+            <a:lvl2pPr marL="457200" algn="l" defTabSz="914400" rtl="0" eaLnBrk="1" latinLnBrk="0" hangingPunct="1">
+              <a:defRPr kumimoji="1" sz="1800" kern="1200">
+                <a:solidFill>
+                  <a:schemeClr val="dk1"/>
+                </a:solidFill>
+                <a:latin typeface="+mn-lt"/>
+                <a:ea typeface="+mn-ea"/>
+                <a:cs typeface="+mn-cs"/>
+              </a:defRPr>
+            </a:lvl2pPr>
+            <a:lvl3pPr marL="914400" algn="l" defTabSz="914400" rtl="0" eaLnBrk="1" latinLnBrk="0" hangingPunct="1">
+              <a:defRPr kumimoji="1" sz="1800" kern="1200">
+                <a:solidFill>
+                  <a:schemeClr val="dk1"/>
+                </a:solidFill>
+                <a:latin typeface="+mn-lt"/>
+                <a:ea typeface="+mn-ea"/>
+                <a:cs typeface="+mn-cs"/>
+              </a:defRPr>
+            </a:lvl3pPr>
+            <a:lvl4pPr marL="1371600" algn="l" defTabSz="914400" rtl="0" eaLnBrk="1" latinLnBrk="0" hangingPunct="1">
+              <a:defRPr kumimoji="1" sz="1800" kern="1200">
+                <a:solidFill>
+                  <a:schemeClr val="dk1"/>
+                </a:solidFill>
+                <a:latin typeface="+mn-lt"/>
+                <a:ea typeface="+mn-ea"/>
+                <a:cs typeface="+mn-cs"/>
+              </a:defRPr>
+            </a:lvl4pPr>
+            <a:lvl5pPr marL="1828800" algn="l" defTabSz="914400" rtl="0" eaLnBrk="1" latinLnBrk="0" hangingPunct="1">
+              <a:defRPr kumimoji="1" sz="1800" kern="1200">
+                <a:solidFill>
+                  <a:schemeClr val="dk1"/>
+                </a:solidFill>
+                <a:latin typeface="+mn-lt"/>
+                <a:ea typeface="+mn-ea"/>
+                <a:cs typeface="+mn-cs"/>
+              </a:defRPr>
+            </a:lvl5pPr>
+            <a:lvl6pPr marL="2286000" algn="l" defTabSz="914400" rtl="0" eaLnBrk="1" latinLnBrk="0" hangingPunct="1">
+              <a:defRPr kumimoji="1" sz="1800" kern="1200">
+                <a:solidFill>
+                  <a:schemeClr val="dk1"/>
+                </a:solidFill>
+                <a:latin typeface="+mn-lt"/>
+                <a:ea typeface="+mn-ea"/>
+                <a:cs typeface="+mn-cs"/>
+              </a:defRPr>
+            </a:lvl6pPr>
+            <a:lvl7pPr marL="2743200" algn="l" defTabSz="914400" rtl="0" eaLnBrk="1" latinLnBrk="0" hangingPunct="1">
+              <a:defRPr kumimoji="1" sz="1800" kern="1200">
+                <a:solidFill>
+                  <a:schemeClr val="dk1"/>
+                </a:solidFill>
+                <a:latin typeface="+mn-lt"/>
+                <a:ea typeface="+mn-ea"/>
+                <a:cs typeface="+mn-cs"/>
+              </a:defRPr>
+            </a:lvl7pPr>
+            <a:lvl8pPr marL="3200400" algn="l" defTabSz="914400" rtl="0" eaLnBrk="1" latinLnBrk="0" hangingPunct="1">
+              <a:defRPr kumimoji="1" sz="1800" kern="1200">
+                <a:solidFill>
+                  <a:schemeClr val="dk1"/>
+                </a:solidFill>
+                <a:latin typeface="+mn-lt"/>
+                <a:ea typeface="+mn-ea"/>
+                <a:cs typeface="+mn-cs"/>
+              </a:defRPr>
+            </a:lvl8pPr>
+            <a:lvl9pPr marL="3657600" algn="l" defTabSz="914400" rtl="0" eaLnBrk="1" latinLnBrk="0" hangingPunct="1">
+              <a:defRPr kumimoji="1" sz="1800" kern="1200">
+                <a:solidFill>
+                  <a:schemeClr val="dk1"/>
+                </a:solidFill>
+                <a:latin typeface="+mn-lt"/>
+                <a:ea typeface="+mn-ea"/>
+                <a:cs typeface="+mn-cs"/>
+              </a:defRPr>
+            </a:lvl9pPr>
+          </a:lstStyle>
+          <a:p>
+            <a:pPr algn="ctr">
+              <a:defRPr/>
+            </a:pPr>
+            <a:endParaRPr lang="ja-JP" altLang="en-US" sz="1600">
+              <a:solidFill>
+                <a:sysClr val="windowText" lastClr="000000"/>
+              </a:solidFill>
+              <a:latin typeface="Calibri" panose="020F0502020204030204"/>
+              <a:ea typeface="ＭＳ Ｐゴシック" panose="020B0600070205080204" pitchFamily="50" charset="-128"/>
+            </a:endParaRPr>
+          </a:p>
+        </p:txBody>
+      </p:sp>
+      <p:sp>
+        <p:nvSpPr>
+          <p:cNvPr id="25" name="円柱 24"/>
+          <p:cNvSpPr/>
+          <p:nvPr/>
+        </p:nvSpPr>
+        <p:spPr>
+          <a:xfrm>
+            <a:off x="3936000" y="4239000"/>
+            <a:ext cx="540000" cy="540000"/>
+          </a:xfrm>
+          <a:prstGeom prst="can">
+            <a:avLst/>
+          </a:prstGeom>
+          <a:solidFill>
+            <a:srgbClr val="5B9BD5"/>
+          </a:solidFill>
+          <a:ln w="25400" cap="flat" cmpd="sng" algn="ctr">
+            <a:solidFill>
+              <a:schemeClr val="bg1"/>
+            </a:solidFill>
+            <a:prstDash val="solid"/>
+            <a:miter lim="800000"/>
+          </a:ln>
+          <a:effectLst/>
+        </p:spPr>
+        <p:txBody>
+          <a:bodyPr wrap="none" rtlCol="0" anchor="ctr">
+            <a:noAutofit/>
+          </a:bodyPr>
+          <a:lstStyle>
+            <a:defPPr>
+              <a:defRPr lang="ja-JP"/>
+            </a:defPPr>
+            <a:lvl1pPr marL="0" algn="l" defTabSz="914400" rtl="0" eaLnBrk="1" latinLnBrk="0" hangingPunct="1">
+              <a:defRPr kumimoji="1" sz="1800" kern="1200">
+                <a:solidFill>
+                  <a:schemeClr val="dk1"/>
+                </a:solidFill>
+                <a:latin typeface="+mn-lt"/>
+                <a:ea typeface="+mn-ea"/>
+                <a:cs typeface="+mn-cs"/>
+              </a:defRPr>
+            </a:lvl1pPr>
+            <a:lvl2pPr marL="457200" algn="l" defTabSz="914400" rtl="0" eaLnBrk="1" latinLnBrk="0" hangingPunct="1">
+              <a:defRPr kumimoji="1" sz="1800" kern="1200">
+                <a:solidFill>
+                  <a:schemeClr val="dk1"/>
+                </a:solidFill>
+                <a:latin typeface="+mn-lt"/>
+                <a:ea typeface="+mn-ea"/>
+                <a:cs typeface="+mn-cs"/>
+              </a:defRPr>
+            </a:lvl2pPr>
+            <a:lvl3pPr marL="914400" algn="l" defTabSz="914400" rtl="0" eaLnBrk="1" latinLnBrk="0" hangingPunct="1">
+              <a:defRPr kumimoji="1" sz="1800" kern="1200">
+                <a:solidFill>
+                  <a:schemeClr val="dk1"/>
+                </a:solidFill>
+                <a:latin typeface="+mn-lt"/>
+                <a:ea typeface="+mn-ea"/>
+                <a:cs typeface="+mn-cs"/>
+              </a:defRPr>
+            </a:lvl3pPr>
+            <a:lvl4pPr marL="1371600" algn="l" defTabSz="914400" rtl="0" eaLnBrk="1" latinLnBrk="0" hangingPunct="1">
+              <a:defRPr kumimoji="1" sz="1800" kern="1200">
+                <a:solidFill>
+                  <a:schemeClr val="dk1"/>
+                </a:solidFill>
+                <a:latin typeface="+mn-lt"/>
+                <a:ea typeface="+mn-ea"/>
+                <a:cs typeface="+mn-cs"/>
+              </a:defRPr>
+            </a:lvl4pPr>
+            <a:lvl5pPr marL="1828800" algn="l" defTabSz="914400" rtl="0" eaLnBrk="1" latinLnBrk="0" hangingPunct="1">
+              <a:defRPr kumimoji="1" sz="1800" kern="1200">
+                <a:solidFill>
+                  <a:schemeClr val="dk1"/>
+                </a:solidFill>
+                <a:latin typeface="+mn-lt"/>
+                <a:ea typeface="+mn-ea"/>
+                <a:cs typeface="+mn-cs"/>
+              </a:defRPr>
+            </a:lvl5pPr>
+            <a:lvl6pPr marL="2286000" algn="l" defTabSz="914400" rtl="0" eaLnBrk="1" latinLnBrk="0" hangingPunct="1">
+              <a:defRPr kumimoji="1" sz="1800" kern="1200">
+                <a:solidFill>
+                  <a:schemeClr val="dk1"/>
+                </a:solidFill>
+                <a:latin typeface="+mn-lt"/>
+                <a:ea typeface="+mn-ea"/>
+                <a:cs typeface="+mn-cs"/>
+              </a:defRPr>
+            </a:lvl6pPr>
+            <a:lvl7pPr marL="2743200" algn="l" defTabSz="914400" rtl="0" eaLnBrk="1" latinLnBrk="0" hangingPunct="1">
+              <a:defRPr kumimoji="1" sz="1800" kern="1200">
+                <a:solidFill>
+                  <a:schemeClr val="dk1"/>
+                </a:solidFill>
+                <a:latin typeface="+mn-lt"/>
+                <a:ea typeface="+mn-ea"/>
+                <a:cs typeface="+mn-cs"/>
+              </a:defRPr>
+            </a:lvl7pPr>
+            <a:lvl8pPr marL="3200400" algn="l" defTabSz="914400" rtl="0" eaLnBrk="1" latinLnBrk="0" hangingPunct="1">
+              <a:defRPr kumimoji="1" sz="1800" kern="1200">
+                <a:solidFill>
+                  <a:schemeClr val="dk1"/>
+                </a:solidFill>
+                <a:latin typeface="+mn-lt"/>
+                <a:ea typeface="+mn-ea"/>
+                <a:cs typeface="+mn-cs"/>
+              </a:defRPr>
+            </a:lvl8pPr>
+            <a:lvl9pPr marL="3657600" algn="l" defTabSz="914400" rtl="0" eaLnBrk="1" latinLnBrk="0" hangingPunct="1">
+              <a:defRPr kumimoji="1" sz="1800" kern="1200">
+                <a:solidFill>
+                  <a:schemeClr val="dk1"/>
+                </a:solidFill>
+                <a:latin typeface="+mn-lt"/>
+                <a:ea typeface="+mn-ea"/>
+                <a:cs typeface="+mn-cs"/>
+              </a:defRPr>
+            </a:lvl9pPr>
+          </a:lstStyle>
+          <a:p>
+            <a:pPr algn="ctr">
+              <a:defRPr/>
+            </a:pPr>
+            <a:r>
+              <a:rPr lang="en-US" altLang="ja-JP" sz="1200" b="1" dirty="0" smtClean="0">
+                <a:solidFill>
+                  <a:sysClr val="windowText" lastClr="000000"/>
+                </a:solidFill>
+                <a:latin typeface="Calibri" panose="020F0502020204030204"/>
+                <a:ea typeface="ＭＳ Ｐゴシック" panose="020B0600070205080204" pitchFamily="50" charset="-128"/>
+              </a:rPr>
+              <a:t>VM#1</a:t>
+            </a:r>
+          </a:p>
+          <a:p>
+            <a:pPr algn="ctr">
+              <a:defRPr/>
+            </a:pPr>
+            <a:r>
+              <a:rPr lang="en-US" altLang="ja-JP" sz="1200" b="1" dirty="0" smtClean="0">
+                <a:solidFill>
+                  <a:sysClr val="windowText" lastClr="000000"/>
+                </a:solidFill>
+                <a:latin typeface="Calibri" panose="020F0502020204030204"/>
+                <a:ea typeface="ＭＳ Ｐゴシック" panose="020B0600070205080204" pitchFamily="50" charset="-128"/>
+              </a:rPr>
+              <a:t>.vmdk</a:t>
+            </a:r>
+            <a:endParaRPr lang="ja-JP" altLang="en-US" sz="1200" b="1" dirty="0">
+              <a:solidFill>
+                <a:sysClr val="windowText" lastClr="000000"/>
+              </a:solidFill>
+              <a:latin typeface="Calibri" panose="020F0502020204030204"/>
+              <a:ea typeface="ＭＳ Ｐゴシック" panose="020B0600070205080204" pitchFamily="50" charset="-128"/>
+            </a:endParaRPr>
+          </a:p>
+        </p:txBody>
+      </p:sp>
+      <p:sp>
+        <p:nvSpPr>
+          <p:cNvPr id="26" name="円柱 25"/>
+          <p:cNvSpPr/>
+          <p:nvPr/>
+        </p:nvSpPr>
+        <p:spPr>
+          <a:xfrm>
+            <a:off x="4656000" y="4239000"/>
+            <a:ext cx="540000" cy="540000"/>
+          </a:xfrm>
+          <a:prstGeom prst="can">
+            <a:avLst/>
+          </a:prstGeom>
+          <a:solidFill>
+            <a:srgbClr val="5B9BD5"/>
+          </a:solidFill>
+          <a:ln w="25400" cap="flat" cmpd="sng" algn="ctr">
+            <a:solidFill>
+              <a:schemeClr val="bg1"/>
+            </a:solidFill>
+            <a:prstDash val="solid"/>
+            <a:miter lim="800000"/>
+          </a:ln>
+          <a:effectLst/>
+        </p:spPr>
+        <p:txBody>
+          <a:bodyPr wrap="none" rtlCol="0" anchor="ctr">
+            <a:noAutofit/>
+          </a:bodyPr>
+          <a:lstStyle>
+            <a:defPPr>
+              <a:defRPr lang="ja-JP"/>
+            </a:defPPr>
+            <a:lvl1pPr marL="0" algn="l" defTabSz="914400" rtl="0" eaLnBrk="1" latinLnBrk="0" hangingPunct="1">
+              <a:defRPr kumimoji="1" sz="1800" kern="1200">
+                <a:solidFill>
+                  <a:schemeClr val="dk1"/>
+                </a:solidFill>
+                <a:latin typeface="+mn-lt"/>
+                <a:ea typeface="+mn-ea"/>
+                <a:cs typeface="+mn-cs"/>
+              </a:defRPr>
+            </a:lvl1pPr>
+            <a:lvl2pPr marL="457200" algn="l" defTabSz="914400" rtl="0" eaLnBrk="1" latinLnBrk="0" hangingPunct="1">
+              <a:defRPr kumimoji="1" sz="1800" kern="1200">
+                <a:solidFill>
+                  <a:schemeClr val="dk1"/>
+                </a:solidFill>
+                <a:latin typeface="+mn-lt"/>
+                <a:ea typeface="+mn-ea"/>
+                <a:cs typeface="+mn-cs"/>
+              </a:defRPr>
+            </a:lvl2pPr>
+            <a:lvl3pPr marL="914400" algn="l" defTabSz="914400" rtl="0" eaLnBrk="1" latinLnBrk="0" hangingPunct="1">
+              <a:defRPr kumimoji="1" sz="1800" kern="1200">
+                <a:solidFill>
+                  <a:schemeClr val="dk1"/>
+                </a:solidFill>
+                <a:latin typeface="+mn-lt"/>
+                <a:ea typeface="+mn-ea"/>
+                <a:cs typeface="+mn-cs"/>
+              </a:defRPr>
+            </a:lvl3pPr>
+            <a:lvl4pPr marL="1371600" algn="l" defTabSz="914400" rtl="0" eaLnBrk="1" latinLnBrk="0" hangingPunct="1">
+              <a:defRPr kumimoji="1" sz="1800" kern="1200">
+                <a:solidFill>
+                  <a:schemeClr val="dk1"/>
+                </a:solidFill>
+                <a:latin typeface="+mn-lt"/>
+                <a:ea typeface="+mn-ea"/>
+                <a:cs typeface="+mn-cs"/>
+              </a:defRPr>
+            </a:lvl4pPr>
+            <a:lvl5pPr marL="1828800" algn="l" defTabSz="914400" rtl="0" eaLnBrk="1" latinLnBrk="0" hangingPunct="1">
+              <a:defRPr kumimoji="1" sz="1800" kern="1200">
+                <a:solidFill>
+                  <a:schemeClr val="dk1"/>
+                </a:solidFill>
+                <a:latin typeface="+mn-lt"/>
+                <a:ea typeface="+mn-ea"/>
+                <a:cs typeface="+mn-cs"/>
+              </a:defRPr>
+            </a:lvl5pPr>
+            <a:lvl6pPr marL="2286000" algn="l" defTabSz="914400" rtl="0" eaLnBrk="1" latinLnBrk="0" hangingPunct="1">
+              <a:defRPr kumimoji="1" sz="1800" kern="1200">
+                <a:solidFill>
+                  <a:schemeClr val="dk1"/>
+                </a:solidFill>
+                <a:latin typeface="+mn-lt"/>
+                <a:ea typeface="+mn-ea"/>
+                <a:cs typeface="+mn-cs"/>
+              </a:defRPr>
+            </a:lvl6pPr>
+            <a:lvl7pPr marL="2743200" algn="l" defTabSz="914400" rtl="0" eaLnBrk="1" latinLnBrk="0" hangingPunct="1">
+              <a:defRPr kumimoji="1" sz="1800" kern="1200">
+                <a:solidFill>
+                  <a:schemeClr val="dk1"/>
+                </a:solidFill>
+                <a:latin typeface="+mn-lt"/>
+                <a:ea typeface="+mn-ea"/>
+                <a:cs typeface="+mn-cs"/>
+              </a:defRPr>
+            </a:lvl7pPr>
+            <a:lvl8pPr marL="3200400" algn="l" defTabSz="914400" rtl="0" eaLnBrk="1" latinLnBrk="0" hangingPunct="1">
+              <a:defRPr kumimoji="1" sz="1800" kern="1200">
+                <a:solidFill>
+                  <a:schemeClr val="dk1"/>
+                </a:solidFill>
+                <a:latin typeface="+mn-lt"/>
+                <a:ea typeface="+mn-ea"/>
+                <a:cs typeface="+mn-cs"/>
+              </a:defRPr>
+            </a:lvl8pPr>
+            <a:lvl9pPr marL="3657600" algn="l" defTabSz="914400" rtl="0" eaLnBrk="1" latinLnBrk="0" hangingPunct="1">
+              <a:defRPr kumimoji="1" sz="1800" kern="1200">
+                <a:solidFill>
+                  <a:schemeClr val="dk1"/>
+                </a:solidFill>
+                <a:latin typeface="+mn-lt"/>
+                <a:ea typeface="+mn-ea"/>
+                <a:cs typeface="+mn-cs"/>
+              </a:defRPr>
+            </a:lvl9pPr>
+          </a:lstStyle>
+          <a:p>
+            <a:pPr algn="ctr">
+              <a:defRPr/>
+            </a:pPr>
+            <a:r>
+              <a:rPr lang="en-US" altLang="ja-JP" sz="1200" b="1" dirty="0" smtClean="0">
+                <a:solidFill>
+                  <a:sysClr val="windowText" lastClr="000000"/>
+                </a:solidFill>
+                <a:latin typeface="Calibri" panose="020F0502020204030204"/>
+                <a:ea typeface="ＭＳ Ｐゴシック" panose="020B0600070205080204" pitchFamily="50" charset="-128"/>
+              </a:rPr>
+              <a:t>VM#N</a:t>
+            </a:r>
+          </a:p>
+          <a:p>
+            <a:pPr algn="ctr">
+              <a:defRPr/>
+            </a:pPr>
+            <a:r>
+              <a:rPr lang="en-US" altLang="ja-JP" sz="1200" b="1" dirty="0" smtClean="0">
+                <a:solidFill>
+                  <a:sysClr val="windowText" lastClr="000000"/>
+                </a:solidFill>
+                <a:latin typeface="Calibri" panose="020F0502020204030204"/>
+                <a:ea typeface="ＭＳ Ｐゴシック" panose="020B0600070205080204" pitchFamily="50" charset="-128"/>
+              </a:rPr>
+              <a:t>.vmdk</a:t>
+            </a:r>
+            <a:endParaRPr lang="ja-JP" altLang="en-US" sz="1200" b="1" dirty="0">
+              <a:solidFill>
+                <a:sysClr val="windowText" lastClr="000000"/>
+              </a:solidFill>
+              <a:latin typeface="Calibri" panose="020F0502020204030204"/>
+              <a:ea typeface="ＭＳ Ｐゴシック" panose="020B0600070205080204" pitchFamily="50" charset="-128"/>
+            </a:endParaRPr>
+          </a:p>
+        </p:txBody>
+      </p:sp>
+      <p:cxnSp>
+        <p:nvCxnSpPr>
+          <p:cNvPr id="27" name="直線コネクタ 26"/>
+          <p:cNvCxnSpPr>
+            <a:stCxn id="7" idx="2"/>
+            <a:endCxn id="6" idx="0"/>
+          </p:cNvCxnSpPr>
+          <p:nvPr/>
+        </p:nvCxnSpPr>
+        <p:spPr>
+          <a:xfrm>
+            <a:off x="4565999" y="1809001"/>
+            <a:ext cx="1" cy="1079999"/>
+          </a:xfrm>
+          <a:prstGeom prst="line">
+            <a:avLst/>
+          </a:prstGeom>
+          <a:noFill/>
+          <a:ln w="50800" cap="flat" cmpd="sng" algn="ctr">
+            <a:solidFill>
+              <a:srgbClr val="FFC000"/>
+            </a:solidFill>
+            <a:prstDash val="solid"/>
+            <a:miter lim="800000"/>
+            <a:headEnd type="oval" w="sm" len="sm"/>
+            <a:tailEnd type="oval" w="sm" len="sm"/>
+          </a:ln>
+          <a:effectLst/>
+        </p:spPr>
+      </p:cxnSp>
+      <p:sp>
+        <p:nvSpPr>
+          <p:cNvPr id="29" name="円柱 28"/>
+          <p:cNvSpPr/>
+          <p:nvPr/>
+        </p:nvSpPr>
+        <p:spPr>
+          <a:xfrm>
+            <a:off x="6906000" y="3969000"/>
+            <a:ext cx="1440000" cy="1080000"/>
+          </a:xfrm>
+          <a:prstGeom prst="can">
+            <a:avLst/>
+          </a:prstGeom>
+          <a:solidFill>
+            <a:srgbClr val="002060"/>
+          </a:solidFill>
+          <a:ln w="25400" cap="flat" cmpd="sng" algn="ctr">
+            <a:solidFill>
+              <a:schemeClr val="bg1"/>
+            </a:solidFill>
+            <a:prstDash val="solid"/>
+            <a:miter lim="800000"/>
+          </a:ln>
+          <a:effectLst/>
+        </p:spPr>
+        <p:txBody>
+          <a:bodyPr rtlCol="0" anchor="ctr"/>
+          <a:lstStyle>
+            <a:defPPr>
+              <a:defRPr lang="ja-JP"/>
+            </a:defPPr>
+            <a:lvl1pPr marL="0" algn="l" defTabSz="914400" rtl="0" eaLnBrk="1" latinLnBrk="0" hangingPunct="1">
+              <a:defRPr kumimoji="1" sz="1800" kern="1200">
+                <a:solidFill>
+                  <a:schemeClr val="dk1"/>
+                </a:solidFill>
+                <a:latin typeface="+mn-lt"/>
+                <a:ea typeface="+mn-ea"/>
+                <a:cs typeface="+mn-cs"/>
+              </a:defRPr>
+            </a:lvl1pPr>
+            <a:lvl2pPr marL="457200" algn="l" defTabSz="914400" rtl="0" eaLnBrk="1" latinLnBrk="0" hangingPunct="1">
+              <a:defRPr kumimoji="1" sz="1800" kern="1200">
+                <a:solidFill>
+                  <a:schemeClr val="dk1"/>
+                </a:solidFill>
+                <a:latin typeface="+mn-lt"/>
+                <a:ea typeface="+mn-ea"/>
+                <a:cs typeface="+mn-cs"/>
+              </a:defRPr>
+            </a:lvl2pPr>
+            <a:lvl3pPr marL="914400" algn="l" defTabSz="914400" rtl="0" eaLnBrk="1" latinLnBrk="0" hangingPunct="1">
+              <a:defRPr kumimoji="1" sz="1800" kern="1200">
+                <a:solidFill>
+                  <a:schemeClr val="dk1"/>
+                </a:solidFill>
+                <a:latin typeface="+mn-lt"/>
+                <a:ea typeface="+mn-ea"/>
+                <a:cs typeface="+mn-cs"/>
+              </a:defRPr>
+            </a:lvl3pPr>
+            <a:lvl4pPr marL="1371600" algn="l" defTabSz="914400" rtl="0" eaLnBrk="1" latinLnBrk="0" hangingPunct="1">
+              <a:defRPr kumimoji="1" sz="1800" kern="1200">
+                <a:solidFill>
+                  <a:schemeClr val="dk1"/>
+                </a:solidFill>
+                <a:latin typeface="+mn-lt"/>
+                <a:ea typeface="+mn-ea"/>
+                <a:cs typeface="+mn-cs"/>
+              </a:defRPr>
+            </a:lvl4pPr>
+            <a:lvl5pPr marL="1828800" algn="l" defTabSz="914400" rtl="0" eaLnBrk="1" latinLnBrk="0" hangingPunct="1">
+              <a:defRPr kumimoji="1" sz="1800" kern="1200">
+                <a:solidFill>
+                  <a:schemeClr val="dk1"/>
+                </a:solidFill>
+                <a:latin typeface="+mn-lt"/>
+                <a:ea typeface="+mn-ea"/>
+                <a:cs typeface="+mn-cs"/>
+              </a:defRPr>
+            </a:lvl5pPr>
+            <a:lvl6pPr marL="2286000" algn="l" defTabSz="914400" rtl="0" eaLnBrk="1" latinLnBrk="0" hangingPunct="1">
+              <a:defRPr kumimoji="1" sz="1800" kern="1200">
+                <a:solidFill>
+                  <a:schemeClr val="dk1"/>
+                </a:solidFill>
+                <a:latin typeface="+mn-lt"/>
+                <a:ea typeface="+mn-ea"/>
+                <a:cs typeface="+mn-cs"/>
+              </a:defRPr>
+            </a:lvl6pPr>
+            <a:lvl7pPr marL="2743200" algn="l" defTabSz="914400" rtl="0" eaLnBrk="1" latinLnBrk="0" hangingPunct="1">
+              <a:defRPr kumimoji="1" sz="1800" kern="1200">
+                <a:solidFill>
+                  <a:schemeClr val="dk1"/>
+                </a:solidFill>
+                <a:latin typeface="+mn-lt"/>
+                <a:ea typeface="+mn-ea"/>
+                <a:cs typeface="+mn-cs"/>
+              </a:defRPr>
+            </a:lvl7pPr>
+            <a:lvl8pPr marL="3200400" algn="l" defTabSz="914400" rtl="0" eaLnBrk="1" latinLnBrk="0" hangingPunct="1">
+              <a:defRPr kumimoji="1" sz="1800" kern="1200">
+                <a:solidFill>
+                  <a:schemeClr val="dk1"/>
+                </a:solidFill>
+                <a:latin typeface="+mn-lt"/>
+                <a:ea typeface="+mn-ea"/>
+                <a:cs typeface="+mn-cs"/>
+              </a:defRPr>
+            </a:lvl8pPr>
+            <a:lvl9pPr marL="3657600" algn="l" defTabSz="914400" rtl="0" eaLnBrk="1" latinLnBrk="0" hangingPunct="1">
+              <a:defRPr kumimoji="1" sz="1800" kern="1200">
+                <a:solidFill>
+                  <a:schemeClr val="dk1"/>
+                </a:solidFill>
+                <a:latin typeface="+mn-lt"/>
+                <a:ea typeface="+mn-ea"/>
+                <a:cs typeface="+mn-cs"/>
+              </a:defRPr>
+            </a:lvl9pPr>
+          </a:lstStyle>
+          <a:p>
+            <a:pPr algn="ctr">
+              <a:defRPr/>
+            </a:pPr>
+            <a:endParaRPr lang="ja-JP" altLang="en-US" sz="1600">
+              <a:solidFill>
+                <a:sysClr val="windowText" lastClr="000000"/>
+              </a:solidFill>
+              <a:latin typeface="Calibri" panose="020F0502020204030204"/>
+              <a:ea typeface="ＭＳ Ｐゴシック" panose="020B0600070205080204" pitchFamily="50" charset="-128"/>
+            </a:endParaRPr>
+          </a:p>
+        </p:txBody>
+      </p:sp>
+      <p:sp>
+        <p:nvSpPr>
+          <p:cNvPr id="30" name="円柱 29"/>
+          <p:cNvSpPr/>
+          <p:nvPr/>
+        </p:nvSpPr>
+        <p:spPr>
+          <a:xfrm>
+            <a:off x="6996000" y="4239000"/>
+            <a:ext cx="540000" cy="540000"/>
+          </a:xfrm>
+          <a:prstGeom prst="can">
+            <a:avLst/>
+          </a:prstGeom>
+          <a:solidFill>
+            <a:srgbClr val="5B9BD5"/>
+          </a:solidFill>
+          <a:ln w="25400" cap="flat" cmpd="sng" algn="ctr">
+            <a:solidFill>
+              <a:schemeClr val="bg1"/>
+            </a:solidFill>
+            <a:prstDash val="sysDash"/>
+            <a:miter lim="800000"/>
+          </a:ln>
+          <a:effectLst/>
+        </p:spPr>
+        <p:txBody>
+          <a:bodyPr wrap="none" rtlCol="0" anchor="ctr">
+            <a:noAutofit/>
+          </a:bodyPr>
+          <a:lstStyle>
+            <a:defPPr>
+              <a:defRPr lang="ja-JP"/>
+            </a:defPPr>
+            <a:lvl1pPr marL="0" algn="l" defTabSz="914400" rtl="0" eaLnBrk="1" latinLnBrk="0" hangingPunct="1">
+              <a:defRPr kumimoji="1" sz="1800" kern="1200">
+                <a:solidFill>
+                  <a:schemeClr val="dk1"/>
+                </a:solidFill>
+                <a:latin typeface="+mn-lt"/>
+                <a:ea typeface="+mn-ea"/>
+                <a:cs typeface="+mn-cs"/>
+              </a:defRPr>
+            </a:lvl1pPr>
+            <a:lvl2pPr marL="457200" algn="l" defTabSz="914400" rtl="0" eaLnBrk="1" latinLnBrk="0" hangingPunct="1">
+              <a:defRPr kumimoji="1" sz="1800" kern="1200">
+                <a:solidFill>
+                  <a:schemeClr val="dk1"/>
+                </a:solidFill>
+                <a:latin typeface="+mn-lt"/>
+                <a:ea typeface="+mn-ea"/>
+                <a:cs typeface="+mn-cs"/>
+              </a:defRPr>
+            </a:lvl2pPr>
+            <a:lvl3pPr marL="914400" algn="l" defTabSz="914400" rtl="0" eaLnBrk="1" latinLnBrk="0" hangingPunct="1">
+              <a:defRPr kumimoji="1" sz="1800" kern="1200">
+                <a:solidFill>
+                  <a:schemeClr val="dk1"/>
+                </a:solidFill>
+                <a:latin typeface="+mn-lt"/>
+                <a:ea typeface="+mn-ea"/>
+                <a:cs typeface="+mn-cs"/>
+              </a:defRPr>
+            </a:lvl3pPr>
+            <a:lvl4pPr marL="1371600" algn="l" defTabSz="914400" rtl="0" eaLnBrk="1" latinLnBrk="0" hangingPunct="1">
+              <a:defRPr kumimoji="1" sz="1800" kern="1200">
+                <a:solidFill>
+                  <a:schemeClr val="dk1"/>
+                </a:solidFill>
+                <a:latin typeface="+mn-lt"/>
+                <a:ea typeface="+mn-ea"/>
+                <a:cs typeface="+mn-cs"/>
+              </a:defRPr>
+            </a:lvl4pPr>
+            <a:lvl5pPr marL="1828800" algn="l" defTabSz="914400" rtl="0" eaLnBrk="1" latinLnBrk="0" hangingPunct="1">
+              <a:defRPr kumimoji="1" sz="1800" kern="1200">
+                <a:solidFill>
+                  <a:schemeClr val="dk1"/>
+                </a:solidFill>
+                <a:latin typeface="+mn-lt"/>
+                <a:ea typeface="+mn-ea"/>
+                <a:cs typeface="+mn-cs"/>
+              </a:defRPr>
+            </a:lvl5pPr>
+            <a:lvl6pPr marL="2286000" algn="l" defTabSz="914400" rtl="0" eaLnBrk="1" latinLnBrk="0" hangingPunct="1">
+              <a:defRPr kumimoji="1" sz="1800" kern="1200">
+                <a:solidFill>
+                  <a:schemeClr val="dk1"/>
+                </a:solidFill>
+                <a:latin typeface="+mn-lt"/>
+                <a:ea typeface="+mn-ea"/>
+                <a:cs typeface="+mn-cs"/>
+              </a:defRPr>
+            </a:lvl6pPr>
+            <a:lvl7pPr marL="2743200" algn="l" defTabSz="914400" rtl="0" eaLnBrk="1" latinLnBrk="0" hangingPunct="1">
+              <a:defRPr kumimoji="1" sz="1800" kern="1200">
+                <a:solidFill>
+                  <a:schemeClr val="dk1"/>
+                </a:solidFill>
+                <a:latin typeface="+mn-lt"/>
+                <a:ea typeface="+mn-ea"/>
+                <a:cs typeface="+mn-cs"/>
+              </a:defRPr>
+            </a:lvl7pPr>
+            <a:lvl8pPr marL="3200400" algn="l" defTabSz="914400" rtl="0" eaLnBrk="1" latinLnBrk="0" hangingPunct="1">
+              <a:defRPr kumimoji="1" sz="1800" kern="1200">
+                <a:solidFill>
+                  <a:schemeClr val="dk1"/>
+                </a:solidFill>
+                <a:latin typeface="+mn-lt"/>
+                <a:ea typeface="+mn-ea"/>
+                <a:cs typeface="+mn-cs"/>
+              </a:defRPr>
+            </a:lvl8pPr>
+            <a:lvl9pPr marL="3657600" algn="l" defTabSz="914400" rtl="0" eaLnBrk="1" latinLnBrk="0" hangingPunct="1">
+              <a:defRPr kumimoji="1" sz="1800" kern="1200">
+                <a:solidFill>
+                  <a:schemeClr val="dk1"/>
+                </a:solidFill>
+                <a:latin typeface="+mn-lt"/>
+                <a:ea typeface="+mn-ea"/>
+                <a:cs typeface="+mn-cs"/>
+              </a:defRPr>
+            </a:lvl9pPr>
+          </a:lstStyle>
+          <a:p>
+            <a:pPr algn="ctr">
+              <a:defRPr/>
+            </a:pPr>
+            <a:r>
+              <a:rPr lang="en-US" altLang="ja-JP" sz="1200" b="1" dirty="0" smtClean="0">
+                <a:solidFill>
+                  <a:sysClr val="windowText" lastClr="000000"/>
+                </a:solidFill>
+                <a:latin typeface="Calibri" panose="020F0502020204030204"/>
+                <a:ea typeface="ＭＳ Ｐゴシック" panose="020B0600070205080204" pitchFamily="50" charset="-128"/>
+              </a:rPr>
+              <a:t>VM#1</a:t>
+            </a:r>
+          </a:p>
+          <a:p>
+            <a:pPr algn="ctr">
+              <a:defRPr/>
+            </a:pPr>
+            <a:r>
+              <a:rPr lang="en-US" altLang="ja-JP" sz="1200" b="1" dirty="0" smtClean="0">
+                <a:solidFill>
+                  <a:sysClr val="windowText" lastClr="000000"/>
+                </a:solidFill>
+                <a:latin typeface="Calibri" panose="020F0502020204030204"/>
+                <a:ea typeface="ＭＳ Ｐゴシック" panose="020B0600070205080204" pitchFamily="50" charset="-128"/>
+              </a:rPr>
+              <a:t>.vmdk</a:t>
+            </a:r>
+            <a:endParaRPr lang="ja-JP" altLang="en-US" sz="1200" b="1" dirty="0">
+              <a:solidFill>
+                <a:sysClr val="windowText" lastClr="000000"/>
+              </a:solidFill>
+              <a:latin typeface="Calibri" panose="020F0502020204030204"/>
+              <a:ea typeface="ＭＳ Ｐゴシック" panose="020B0600070205080204" pitchFamily="50" charset="-128"/>
+            </a:endParaRPr>
+          </a:p>
+        </p:txBody>
+      </p:sp>
+      <p:sp>
+        <p:nvSpPr>
+          <p:cNvPr id="31" name="円柱 30"/>
+          <p:cNvSpPr/>
+          <p:nvPr/>
+        </p:nvSpPr>
+        <p:spPr>
+          <a:xfrm>
+            <a:off x="7716000" y="4239000"/>
+            <a:ext cx="540000" cy="540000"/>
+          </a:xfrm>
+          <a:prstGeom prst="can">
+            <a:avLst/>
+          </a:prstGeom>
+          <a:solidFill>
+            <a:srgbClr val="5B9BD5"/>
+          </a:solidFill>
+          <a:ln w="25400" cap="flat" cmpd="sng" algn="ctr">
+            <a:solidFill>
+              <a:schemeClr val="bg1"/>
+            </a:solidFill>
+            <a:prstDash val="sysDash"/>
+            <a:miter lim="800000"/>
+          </a:ln>
+          <a:effectLst/>
+        </p:spPr>
+        <p:txBody>
+          <a:bodyPr wrap="none" rtlCol="0" anchor="ctr">
+            <a:noAutofit/>
+          </a:bodyPr>
+          <a:lstStyle>
+            <a:defPPr>
+              <a:defRPr lang="ja-JP"/>
+            </a:defPPr>
+            <a:lvl1pPr marL="0" algn="l" defTabSz="914400" rtl="0" eaLnBrk="1" latinLnBrk="0" hangingPunct="1">
+              <a:defRPr kumimoji="1" sz="1800" kern="1200">
+                <a:solidFill>
+                  <a:schemeClr val="dk1"/>
+                </a:solidFill>
+                <a:latin typeface="+mn-lt"/>
+                <a:ea typeface="+mn-ea"/>
+                <a:cs typeface="+mn-cs"/>
+              </a:defRPr>
+            </a:lvl1pPr>
+            <a:lvl2pPr marL="457200" algn="l" defTabSz="914400" rtl="0" eaLnBrk="1" latinLnBrk="0" hangingPunct="1">
+              <a:defRPr kumimoji="1" sz="1800" kern="1200">
+                <a:solidFill>
+                  <a:schemeClr val="dk1"/>
+                </a:solidFill>
+                <a:latin typeface="+mn-lt"/>
+                <a:ea typeface="+mn-ea"/>
+                <a:cs typeface="+mn-cs"/>
+              </a:defRPr>
+            </a:lvl2pPr>
+            <a:lvl3pPr marL="914400" algn="l" defTabSz="914400" rtl="0" eaLnBrk="1" latinLnBrk="0" hangingPunct="1">
+              <a:defRPr kumimoji="1" sz="1800" kern="1200">
+                <a:solidFill>
+                  <a:schemeClr val="dk1"/>
+                </a:solidFill>
+                <a:latin typeface="+mn-lt"/>
+                <a:ea typeface="+mn-ea"/>
+                <a:cs typeface="+mn-cs"/>
+              </a:defRPr>
+            </a:lvl3pPr>
+            <a:lvl4pPr marL="1371600" algn="l" defTabSz="914400" rtl="0" eaLnBrk="1" latinLnBrk="0" hangingPunct="1">
+              <a:defRPr kumimoji="1" sz="1800" kern="1200">
+                <a:solidFill>
+                  <a:schemeClr val="dk1"/>
+                </a:solidFill>
+                <a:latin typeface="+mn-lt"/>
+                <a:ea typeface="+mn-ea"/>
+                <a:cs typeface="+mn-cs"/>
+              </a:defRPr>
+            </a:lvl4pPr>
+            <a:lvl5pPr marL="1828800" algn="l" defTabSz="914400" rtl="0" eaLnBrk="1" latinLnBrk="0" hangingPunct="1">
+              <a:defRPr kumimoji="1" sz="1800" kern="1200">
+                <a:solidFill>
+                  <a:schemeClr val="dk1"/>
+                </a:solidFill>
+                <a:latin typeface="+mn-lt"/>
+                <a:ea typeface="+mn-ea"/>
+                <a:cs typeface="+mn-cs"/>
+              </a:defRPr>
+            </a:lvl5pPr>
+            <a:lvl6pPr marL="2286000" algn="l" defTabSz="914400" rtl="0" eaLnBrk="1" latinLnBrk="0" hangingPunct="1">
+              <a:defRPr kumimoji="1" sz="1800" kern="1200">
+                <a:solidFill>
+                  <a:schemeClr val="dk1"/>
+                </a:solidFill>
+                <a:latin typeface="+mn-lt"/>
+                <a:ea typeface="+mn-ea"/>
+                <a:cs typeface="+mn-cs"/>
+              </a:defRPr>
+            </a:lvl6pPr>
+            <a:lvl7pPr marL="2743200" algn="l" defTabSz="914400" rtl="0" eaLnBrk="1" latinLnBrk="0" hangingPunct="1">
+              <a:defRPr kumimoji="1" sz="1800" kern="1200">
+                <a:solidFill>
+                  <a:schemeClr val="dk1"/>
+                </a:solidFill>
+                <a:latin typeface="+mn-lt"/>
+                <a:ea typeface="+mn-ea"/>
+                <a:cs typeface="+mn-cs"/>
+              </a:defRPr>
+            </a:lvl7pPr>
+            <a:lvl8pPr marL="3200400" algn="l" defTabSz="914400" rtl="0" eaLnBrk="1" latinLnBrk="0" hangingPunct="1">
+              <a:defRPr kumimoji="1" sz="1800" kern="1200">
+                <a:solidFill>
+                  <a:schemeClr val="dk1"/>
+                </a:solidFill>
+                <a:latin typeface="+mn-lt"/>
+                <a:ea typeface="+mn-ea"/>
+                <a:cs typeface="+mn-cs"/>
+              </a:defRPr>
+            </a:lvl8pPr>
+            <a:lvl9pPr marL="3657600" algn="l" defTabSz="914400" rtl="0" eaLnBrk="1" latinLnBrk="0" hangingPunct="1">
+              <a:defRPr kumimoji="1" sz="1800" kern="1200">
+                <a:solidFill>
+                  <a:schemeClr val="dk1"/>
+                </a:solidFill>
+                <a:latin typeface="+mn-lt"/>
+                <a:ea typeface="+mn-ea"/>
+                <a:cs typeface="+mn-cs"/>
+              </a:defRPr>
+            </a:lvl9pPr>
+          </a:lstStyle>
+          <a:p>
+            <a:pPr algn="ctr">
+              <a:defRPr/>
+            </a:pPr>
+            <a:r>
+              <a:rPr lang="en-US" altLang="ja-JP" sz="1200" b="1" dirty="0" smtClean="0">
+                <a:solidFill>
+                  <a:sysClr val="windowText" lastClr="000000"/>
+                </a:solidFill>
+                <a:latin typeface="Calibri" panose="020F0502020204030204"/>
+                <a:ea typeface="ＭＳ Ｐゴシック" panose="020B0600070205080204" pitchFamily="50" charset="-128"/>
+              </a:rPr>
+              <a:t>VM#N</a:t>
+            </a:r>
+          </a:p>
+          <a:p>
+            <a:pPr algn="ctr">
+              <a:defRPr/>
+            </a:pPr>
+            <a:r>
+              <a:rPr lang="en-US" altLang="ja-JP" sz="1200" b="1" dirty="0" smtClean="0">
+                <a:solidFill>
+                  <a:sysClr val="windowText" lastClr="000000"/>
+                </a:solidFill>
+                <a:latin typeface="Calibri" panose="020F0502020204030204"/>
+                <a:ea typeface="ＭＳ Ｐゴシック" panose="020B0600070205080204" pitchFamily="50" charset="-128"/>
+              </a:rPr>
+              <a:t>.vmdk</a:t>
+            </a:r>
+            <a:endParaRPr lang="ja-JP" altLang="en-US" sz="1200" b="1" dirty="0">
+              <a:solidFill>
+                <a:sysClr val="windowText" lastClr="000000"/>
+              </a:solidFill>
+              <a:latin typeface="Calibri" panose="020F0502020204030204"/>
+              <a:ea typeface="ＭＳ Ｐゴシック" panose="020B0600070205080204" pitchFamily="50" charset="-128"/>
+            </a:endParaRPr>
+          </a:p>
+        </p:txBody>
+      </p:sp>
+      <p:sp>
+        <p:nvSpPr>
+          <p:cNvPr id="32" name="右矢印 31"/>
+          <p:cNvSpPr/>
+          <p:nvPr/>
+        </p:nvSpPr>
+        <p:spPr bwMode="auto">
+          <a:xfrm>
+            <a:off x="5400000" y="4287513"/>
+            <a:ext cx="1440000" cy="540000"/>
+          </a:xfrm>
+          <a:prstGeom prst="rightArrow">
+            <a:avLst/>
+          </a:prstGeom>
+          <a:solidFill>
+            <a:srgbClr val="FFC000"/>
+          </a:solidFill>
+          <a:ln w="12700">
+            <a:solidFill>
+              <a:schemeClr val="bg1"/>
+            </a:solidFill>
+          </a:ln>
+          <a:effectLst/>
+          <a:extLst/>
+        </p:spPr>
+        <p:txBody>
+          <a:bodyPr rot="0" spcFirstLastPara="0" vertOverflow="overflow" horzOverflow="overflow" vert="horz" wrap="none" lIns="91440" tIns="45720" rIns="91440" bIns="45720" numCol="1" spcCol="0" rtlCol="0" fromWordArt="0" anchor="ctr" anchorCtr="0" forceAA="0" compatLnSpc="1">
+            <a:prstTxWarp prst="textNoShape">
+              <a:avLst/>
+            </a:prstTxWarp>
+            <a:noAutofit/>
+          </a:bodyPr>
+          <a:lstStyle/>
+          <a:p>
+            <a:pPr algn="ctr"/>
+            <a:r>
+              <a:rPr lang="en-US" altLang="ja-JP" sz="1000" b="1" dirty="0" smtClean="0">
+                <a:latin typeface="Calibri" panose="020F0502020204030204" pitchFamily="34" charset="0"/>
+                <a:ea typeface="+mj-ea"/>
+                <a:cs typeface="Calibri" panose="020F0502020204030204" pitchFamily="34" charset="0"/>
+              </a:rPr>
+              <a:t>Replication</a:t>
+            </a:r>
+            <a:endParaRPr kumimoji="1" lang="ja-JP" altLang="en-US" sz="1000" b="1" dirty="0">
+              <a:latin typeface="Calibri" panose="020F0502020204030204" pitchFamily="34" charset="0"/>
+              <a:ea typeface="+mj-ea"/>
+              <a:cs typeface="Calibri" panose="020F0502020204030204" pitchFamily="34" charset="0"/>
+            </a:endParaRPr>
+          </a:p>
+        </p:txBody>
+      </p:sp>
+      <p:sp>
+        <p:nvSpPr>
+          <p:cNvPr id="33" name="右矢印 32"/>
+          <p:cNvSpPr/>
+          <p:nvPr/>
+        </p:nvSpPr>
+        <p:spPr bwMode="auto">
+          <a:xfrm>
+            <a:off x="5400000" y="2799000"/>
+            <a:ext cx="1440000" cy="540000"/>
+          </a:xfrm>
+          <a:prstGeom prst="rightArrow">
+            <a:avLst/>
+          </a:prstGeom>
+          <a:solidFill>
+            <a:srgbClr val="FFC000"/>
+          </a:solidFill>
+          <a:ln w="12700">
+            <a:solidFill>
+              <a:schemeClr val="bg1"/>
+            </a:solidFill>
+          </a:ln>
+          <a:effectLst/>
+          <a:extLst/>
+        </p:spPr>
+        <p:txBody>
+          <a:bodyPr rot="0" spcFirstLastPara="0" vertOverflow="overflow" horzOverflow="overflow" vert="horz" wrap="none" lIns="91440" tIns="45720" rIns="91440" bIns="45720" numCol="1" spcCol="0" rtlCol="0" fromWordArt="0" anchor="ctr" anchorCtr="0" forceAA="0" compatLnSpc="1">
+            <a:prstTxWarp prst="textNoShape">
+              <a:avLst/>
+            </a:prstTxWarp>
+            <a:noAutofit/>
+          </a:bodyPr>
+          <a:lstStyle/>
+          <a:p>
+            <a:pPr algn="ctr"/>
+            <a:r>
+              <a:rPr lang="en-US" altLang="ja-JP" sz="1000" b="1" dirty="0" smtClean="0">
+                <a:latin typeface="Calibri" panose="020F0502020204030204" pitchFamily="34" charset="0"/>
+                <a:ea typeface="+mj-ea"/>
+                <a:cs typeface="Calibri" panose="020F0502020204030204" pitchFamily="34" charset="0"/>
+              </a:rPr>
+              <a:t>Failover</a:t>
+            </a:r>
+            <a:endParaRPr kumimoji="1" lang="ja-JP" altLang="en-US" sz="1000" b="1" dirty="0">
+              <a:latin typeface="Calibri" panose="020F0502020204030204" pitchFamily="34" charset="0"/>
+              <a:ea typeface="+mj-ea"/>
+              <a:cs typeface="Calibri" panose="020F0502020204030204" pitchFamily="34" charset="0"/>
+            </a:endParaRPr>
+          </a:p>
+        </p:txBody>
+      </p:sp>
+      <p:sp>
+        <p:nvSpPr>
+          <p:cNvPr id="34" name="右矢印 33"/>
+          <p:cNvSpPr/>
+          <p:nvPr/>
+        </p:nvSpPr>
+        <p:spPr bwMode="auto">
+          <a:xfrm>
+            <a:off x="5402880" y="704745"/>
+            <a:ext cx="1440000" cy="540000"/>
+          </a:xfrm>
+          <a:prstGeom prst="rightArrow">
+            <a:avLst/>
+          </a:prstGeom>
+          <a:solidFill>
+            <a:srgbClr val="FFC000"/>
+          </a:solidFill>
+          <a:ln w="12700">
+            <a:solidFill>
+              <a:schemeClr val="bg1"/>
+            </a:solidFill>
+          </a:ln>
+          <a:effectLst/>
+          <a:extLst/>
+        </p:spPr>
+        <p:txBody>
+          <a:bodyPr rot="0" spcFirstLastPara="0" vertOverflow="overflow" horzOverflow="overflow" vert="horz" wrap="none" lIns="91440" tIns="45720" rIns="91440" bIns="45720" numCol="1" spcCol="0" rtlCol="0" fromWordArt="0" anchor="ctr" anchorCtr="0" forceAA="0" compatLnSpc="1">
+            <a:prstTxWarp prst="textNoShape">
+              <a:avLst/>
+            </a:prstTxWarp>
+            <a:noAutofit/>
+          </a:bodyPr>
+          <a:lstStyle/>
+          <a:p>
+            <a:pPr algn="ctr"/>
+            <a:r>
+              <a:rPr lang="en-US" altLang="ja-JP" sz="1000" b="1" dirty="0" smtClean="0">
+                <a:latin typeface="Calibri" panose="020F0502020204030204" pitchFamily="34" charset="0"/>
+                <a:ea typeface="+mj-ea"/>
+                <a:cs typeface="Calibri" panose="020F0502020204030204" pitchFamily="34" charset="0"/>
+              </a:rPr>
+              <a:t>Failover</a:t>
+            </a:r>
+            <a:endParaRPr kumimoji="1" lang="ja-JP" altLang="en-US" sz="1000" b="1" dirty="0">
+              <a:latin typeface="Calibri" panose="020F0502020204030204" pitchFamily="34" charset="0"/>
+              <a:ea typeface="+mj-ea"/>
+              <a:cs typeface="Calibri" panose="020F0502020204030204" pitchFamily="34" charset="0"/>
+            </a:endParaRPr>
+          </a:p>
+        </p:txBody>
+      </p:sp>
+    </p:spTree>
+    <p:extLst>
+      <p:ext uri="{BB962C8B-B14F-4D97-AF65-F5344CB8AC3E}">
+        <p14:creationId xmlns:p14="http://schemas.microsoft.com/office/powerpoint/2010/main" val="3430520912"/>
+      </p:ext>
+    </p:extLst>
+  </p:cSld>
+  <p:clrMapOvr>
+    <a:masterClrMapping/>
+  </p:clrMapOvr>
+</p:sld>
+</file>
+
+<file path=ppt/slides/slide2.xml><?xml version="1.0" encoding="utf-8"?>
+<p:sld xmlns:a="http://schemas.openxmlformats.org/drawingml/2006/main" xmlns:r="http://schemas.openxmlformats.org/officeDocument/2006/relationships" xmlns:p="http://schemas.openxmlformats.org/presentationml/2006/main">
+  <p:cSld>
+    <p:spTree>
+      <p:nvGrpSpPr>
+        <p:cNvPr id="1" name=""/>
+        <p:cNvGrpSpPr/>
+        <p:nvPr/>
+      </p:nvGrpSpPr>
+      <p:grpSpPr>
+        <a:xfrm>
+          <a:off x="0" y="0"/>
+          <a:ext cx="0" cy="0"/>
+          <a:chOff x="0" y="0"/>
+          <a:chExt cx="0" cy="0"/>
+        </a:xfrm>
+      </p:grpSpPr>
+      <p:sp>
+        <p:nvSpPr>
+          <p:cNvPr id="4" name="正方形/長方形 3"/>
+          <p:cNvSpPr/>
+          <p:nvPr/>
+        </p:nvSpPr>
+        <p:spPr>
+          <a:xfrm>
             <a:off x="3396000" y="2169000"/>
             <a:ext cx="2340000" cy="2880000"/>
           </a:xfrm>
@@ -6401,7 +9518,7 @@
     </p:spTree>
     <p:extLst>
       <p:ext uri="{BB962C8B-B14F-4D97-AF65-F5344CB8AC3E}">
-        <p14:creationId xmlns:p14="http://schemas.microsoft.com/office/powerpoint/2010/main" val="3430520912"/>
+        <p14:creationId xmlns:p14="http://schemas.microsoft.com/office/powerpoint/2010/main" val="4250958133"/>
       </p:ext>
     </p:extLst>
   </p:cSld>
@@ -6411,7 +9528,6296 @@
 </p:sld>
 </file>
 
-<file path=ppt/slides/slide2.xml><?xml version="1.0" encoding="utf-8"?>
+<file path=ppt/slides/slide3.xml><?xml version="1.0" encoding="utf-8"?>
+<p:sld xmlns:a="http://schemas.openxmlformats.org/drawingml/2006/main" xmlns:r="http://schemas.openxmlformats.org/officeDocument/2006/relationships" xmlns:p="http://schemas.openxmlformats.org/presentationml/2006/main">
+  <p:cSld>
+    <p:spTree>
+      <p:nvGrpSpPr>
+        <p:cNvPr id="1" name=""/>
+        <p:cNvGrpSpPr/>
+        <p:nvPr/>
+      </p:nvGrpSpPr>
+      <p:grpSpPr>
+        <a:xfrm>
+          <a:off x="0" y="0"/>
+          <a:ext cx="0" cy="0"/>
+          <a:chOff x="0" y="0"/>
+          <a:chExt cx="0" cy="0"/>
+        </a:xfrm>
+      </p:grpSpPr>
+      <p:sp>
+        <p:nvSpPr>
+          <p:cNvPr id="4" name="正方形/長方形 3"/>
+          <p:cNvSpPr/>
+          <p:nvPr/>
+        </p:nvSpPr>
+        <p:spPr>
+          <a:xfrm>
+            <a:off x="3396000" y="2169000"/>
+            <a:ext cx="2340000" cy="2880000"/>
+          </a:xfrm>
+          <a:prstGeom prst="rect">
+            <a:avLst/>
+          </a:prstGeom>
+          <a:solidFill>
+            <a:srgbClr val="5B9BD5"/>
+          </a:solidFill>
+          <a:ln w="25400" cap="flat" cmpd="sng" algn="ctr">
+            <a:solidFill>
+              <a:schemeClr val="tx1"/>
+            </a:solidFill>
+            <a:prstDash val="solid"/>
+            <a:miter lim="800000"/>
+          </a:ln>
+          <a:effectLst/>
+        </p:spPr>
+        <p:txBody>
+          <a:bodyPr rtlCol="0" anchor="b" anchorCtr="0"/>
+          <a:lstStyle>
+            <a:defPPr>
+              <a:defRPr lang="ja-JP"/>
+            </a:defPPr>
+            <a:lvl1pPr marL="0" algn="l" defTabSz="914400" rtl="0" eaLnBrk="1" latinLnBrk="0" hangingPunct="1">
+              <a:defRPr kumimoji="1" sz="1800" kern="1200">
+                <a:solidFill>
+                  <a:schemeClr val="lt1"/>
+                </a:solidFill>
+                <a:latin typeface="+mn-lt"/>
+                <a:ea typeface="+mn-ea"/>
+                <a:cs typeface="+mn-cs"/>
+              </a:defRPr>
+            </a:lvl1pPr>
+            <a:lvl2pPr marL="457200" algn="l" defTabSz="914400" rtl="0" eaLnBrk="1" latinLnBrk="0" hangingPunct="1">
+              <a:defRPr kumimoji="1" sz="1800" kern="1200">
+                <a:solidFill>
+                  <a:schemeClr val="lt1"/>
+                </a:solidFill>
+                <a:latin typeface="+mn-lt"/>
+                <a:ea typeface="+mn-ea"/>
+                <a:cs typeface="+mn-cs"/>
+              </a:defRPr>
+            </a:lvl2pPr>
+            <a:lvl3pPr marL="914400" algn="l" defTabSz="914400" rtl="0" eaLnBrk="1" latinLnBrk="0" hangingPunct="1">
+              <a:defRPr kumimoji="1" sz="1800" kern="1200">
+                <a:solidFill>
+                  <a:schemeClr val="lt1"/>
+                </a:solidFill>
+                <a:latin typeface="+mn-lt"/>
+                <a:ea typeface="+mn-ea"/>
+                <a:cs typeface="+mn-cs"/>
+              </a:defRPr>
+            </a:lvl3pPr>
+            <a:lvl4pPr marL="1371600" algn="l" defTabSz="914400" rtl="0" eaLnBrk="1" latinLnBrk="0" hangingPunct="1">
+              <a:defRPr kumimoji="1" sz="1800" kern="1200">
+                <a:solidFill>
+                  <a:schemeClr val="lt1"/>
+                </a:solidFill>
+                <a:latin typeface="+mn-lt"/>
+                <a:ea typeface="+mn-ea"/>
+                <a:cs typeface="+mn-cs"/>
+              </a:defRPr>
+            </a:lvl4pPr>
+            <a:lvl5pPr marL="1828800" algn="l" defTabSz="914400" rtl="0" eaLnBrk="1" latinLnBrk="0" hangingPunct="1">
+              <a:defRPr kumimoji="1" sz="1800" kern="1200">
+                <a:solidFill>
+                  <a:schemeClr val="lt1"/>
+                </a:solidFill>
+                <a:latin typeface="+mn-lt"/>
+                <a:ea typeface="+mn-ea"/>
+                <a:cs typeface="+mn-cs"/>
+              </a:defRPr>
+            </a:lvl5pPr>
+            <a:lvl6pPr marL="2286000" algn="l" defTabSz="914400" rtl="0" eaLnBrk="1" latinLnBrk="0" hangingPunct="1">
+              <a:defRPr kumimoji="1" sz="1800" kern="1200">
+                <a:solidFill>
+                  <a:schemeClr val="lt1"/>
+                </a:solidFill>
+                <a:latin typeface="+mn-lt"/>
+                <a:ea typeface="+mn-ea"/>
+                <a:cs typeface="+mn-cs"/>
+              </a:defRPr>
+            </a:lvl6pPr>
+            <a:lvl7pPr marL="2743200" algn="l" defTabSz="914400" rtl="0" eaLnBrk="1" latinLnBrk="0" hangingPunct="1">
+              <a:defRPr kumimoji="1" sz="1800" kern="1200">
+                <a:solidFill>
+                  <a:schemeClr val="lt1"/>
+                </a:solidFill>
+                <a:latin typeface="+mn-lt"/>
+                <a:ea typeface="+mn-ea"/>
+                <a:cs typeface="+mn-cs"/>
+              </a:defRPr>
+            </a:lvl7pPr>
+            <a:lvl8pPr marL="3200400" algn="l" defTabSz="914400" rtl="0" eaLnBrk="1" latinLnBrk="0" hangingPunct="1">
+              <a:defRPr kumimoji="1" sz="1800" kern="1200">
+                <a:solidFill>
+                  <a:schemeClr val="lt1"/>
+                </a:solidFill>
+                <a:latin typeface="+mn-lt"/>
+                <a:ea typeface="+mn-ea"/>
+                <a:cs typeface="+mn-cs"/>
+              </a:defRPr>
+            </a:lvl8pPr>
+            <a:lvl9pPr marL="3657600" algn="l" defTabSz="914400" rtl="0" eaLnBrk="1" latinLnBrk="0" hangingPunct="1">
+              <a:defRPr kumimoji="1" sz="1800" kern="1200">
+                <a:solidFill>
+                  <a:schemeClr val="lt1"/>
+                </a:solidFill>
+                <a:latin typeface="+mn-lt"/>
+                <a:ea typeface="+mn-ea"/>
+                <a:cs typeface="+mn-cs"/>
+              </a:defRPr>
+            </a:lvl9pPr>
+          </a:lstStyle>
+          <a:p>
+            <a:pPr>
+              <a:defRPr/>
+            </a:pPr>
+            <a:r>
+              <a:rPr lang="en-US" altLang="ja-JP" sz="1600" b="1" dirty="0" smtClean="0">
+                <a:solidFill>
+                  <a:sysClr val="window" lastClr="FFFFFF"/>
+                </a:solidFill>
+                <a:latin typeface="Calibri" panose="020F0502020204030204"/>
+                <a:ea typeface="ＭＳ Ｐゴシック" panose="020B0600070205080204" pitchFamily="50" charset="-128"/>
+              </a:rPr>
+              <a:t>EC-VM1</a:t>
+            </a:r>
+            <a:endParaRPr lang="en-US" altLang="ja-JP" sz="1600" b="1" dirty="0">
+              <a:solidFill>
+                <a:sysClr val="window" lastClr="FFFFFF"/>
+              </a:solidFill>
+              <a:latin typeface="Calibri" panose="020F0502020204030204"/>
+              <a:ea typeface="ＭＳ Ｐゴシック" panose="020B0600070205080204" pitchFamily="50" charset="-128"/>
+            </a:endParaRPr>
+          </a:p>
+        </p:txBody>
+      </p:sp>
+      <p:sp>
+        <p:nvSpPr>
+          <p:cNvPr id="5" name="正方形/長方形 4"/>
+          <p:cNvSpPr/>
+          <p:nvPr/>
+        </p:nvSpPr>
+        <p:spPr>
+          <a:xfrm>
+            <a:off x="3846000" y="2889000"/>
+            <a:ext cx="1440000" cy="360000"/>
+          </a:xfrm>
+          <a:prstGeom prst="rect">
+            <a:avLst/>
+          </a:prstGeom>
+          <a:solidFill>
+            <a:srgbClr val="002060"/>
+          </a:solidFill>
+          <a:ln w="25400" cap="flat" cmpd="sng" algn="ctr">
+            <a:solidFill>
+              <a:schemeClr val="bg1"/>
+            </a:solidFill>
+            <a:prstDash val="solid"/>
+            <a:miter lim="800000"/>
+          </a:ln>
+          <a:effectLst/>
+        </p:spPr>
+        <p:txBody>
+          <a:bodyPr rtlCol="0" anchor="ctr"/>
+          <a:lstStyle>
+            <a:defPPr>
+              <a:defRPr lang="ja-JP"/>
+            </a:defPPr>
+            <a:lvl1pPr marL="0" algn="l" defTabSz="914400" rtl="0" eaLnBrk="1" latinLnBrk="0" hangingPunct="1">
+              <a:defRPr kumimoji="1" sz="1800" kern="1200">
+                <a:solidFill>
+                  <a:schemeClr val="dk1"/>
+                </a:solidFill>
+                <a:latin typeface="+mn-lt"/>
+                <a:ea typeface="+mn-ea"/>
+                <a:cs typeface="+mn-cs"/>
+              </a:defRPr>
+            </a:lvl1pPr>
+            <a:lvl2pPr marL="457200" algn="l" defTabSz="914400" rtl="0" eaLnBrk="1" latinLnBrk="0" hangingPunct="1">
+              <a:defRPr kumimoji="1" sz="1800" kern="1200">
+                <a:solidFill>
+                  <a:schemeClr val="dk1"/>
+                </a:solidFill>
+                <a:latin typeface="+mn-lt"/>
+                <a:ea typeface="+mn-ea"/>
+                <a:cs typeface="+mn-cs"/>
+              </a:defRPr>
+            </a:lvl2pPr>
+            <a:lvl3pPr marL="914400" algn="l" defTabSz="914400" rtl="0" eaLnBrk="1" latinLnBrk="0" hangingPunct="1">
+              <a:defRPr kumimoji="1" sz="1800" kern="1200">
+                <a:solidFill>
+                  <a:schemeClr val="dk1"/>
+                </a:solidFill>
+                <a:latin typeface="+mn-lt"/>
+                <a:ea typeface="+mn-ea"/>
+                <a:cs typeface="+mn-cs"/>
+              </a:defRPr>
+            </a:lvl3pPr>
+            <a:lvl4pPr marL="1371600" algn="l" defTabSz="914400" rtl="0" eaLnBrk="1" latinLnBrk="0" hangingPunct="1">
+              <a:defRPr kumimoji="1" sz="1800" kern="1200">
+                <a:solidFill>
+                  <a:schemeClr val="dk1"/>
+                </a:solidFill>
+                <a:latin typeface="+mn-lt"/>
+                <a:ea typeface="+mn-ea"/>
+                <a:cs typeface="+mn-cs"/>
+              </a:defRPr>
+            </a:lvl4pPr>
+            <a:lvl5pPr marL="1828800" algn="l" defTabSz="914400" rtl="0" eaLnBrk="1" latinLnBrk="0" hangingPunct="1">
+              <a:defRPr kumimoji="1" sz="1800" kern="1200">
+                <a:solidFill>
+                  <a:schemeClr val="dk1"/>
+                </a:solidFill>
+                <a:latin typeface="+mn-lt"/>
+                <a:ea typeface="+mn-ea"/>
+                <a:cs typeface="+mn-cs"/>
+              </a:defRPr>
+            </a:lvl5pPr>
+            <a:lvl6pPr marL="2286000" algn="l" defTabSz="914400" rtl="0" eaLnBrk="1" latinLnBrk="0" hangingPunct="1">
+              <a:defRPr kumimoji="1" sz="1800" kern="1200">
+                <a:solidFill>
+                  <a:schemeClr val="dk1"/>
+                </a:solidFill>
+                <a:latin typeface="+mn-lt"/>
+                <a:ea typeface="+mn-ea"/>
+                <a:cs typeface="+mn-cs"/>
+              </a:defRPr>
+            </a:lvl6pPr>
+            <a:lvl7pPr marL="2743200" algn="l" defTabSz="914400" rtl="0" eaLnBrk="1" latinLnBrk="0" hangingPunct="1">
+              <a:defRPr kumimoji="1" sz="1800" kern="1200">
+                <a:solidFill>
+                  <a:schemeClr val="dk1"/>
+                </a:solidFill>
+                <a:latin typeface="+mn-lt"/>
+                <a:ea typeface="+mn-ea"/>
+                <a:cs typeface="+mn-cs"/>
+              </a:defRPr>
+            </a:lvl7pPr>
+            <a:lvl8pPr marL="3200400" algn="l" defTabSz="914400" rtl="0" eaLnBrk="1" latinLnBrk="0" hangingPunct="1">
+              <a:defRPr kumimoji="1" sz="1800" kern="1200">
+                <a:solidFill>
+                  <a:schemeClr val="dk1"/>
+                </a:solidFill>
+                <a:latin typeface="+mn-lt"/>
+                <a:ea typeface="+mn-ea"/>
+                <a:cs typeface="+mn-cs"/>
+              </a:defRPr>
+            </a:lvl8pPr>
+            <a:lvl9pPr marL="3657600" algn="l" defTabSz="914400" rtl="0" eaLnBrk="1" latinLnBrk="0" hangingPunct="1">
+              <a:defRPr kumimoji="1" sz="1800" kern="1200">
+                <a:solidFill>
+                  <a:schemeClr val="dk1"/>
+                </a:solidFill>
+                <a:latin typeface="+mn-lt"/>
+                <a:ea typeface="+mn-ea"/>
+                <a:cs typeface="+mn-cs"/>
+              </a:defRPr>
+            </a:lvl9pPr>
+          </a:lstStyle>
+          <a:p>
+            <a:pPr algn="ctr">
+              <a:defRPr/>
+            </a:pPr>
+            <a:r>
+              <a:rPr lang="en-US" altLang="ja-JP" sz="2000" b="1" dirty="0" smtClean="0">
+                <a:solidFill>
+                  <a:schemeClr val="bg1"/>
+                </a:solidFill>
+                <a:latin typeface="Calibri" panose="020F0502020204030204"/>
+                <a:ea typeface="ＭＳ Ｐゴシック" panose="020B0600070205080204" pitchFamily="50" charset="-128"/>
+              </a:rPr>
+              <a:t>EC</a:t>
+            </a:r>
+            <a:endParaRPr lang="ja-JP" altLang="en-US" sz="2000" b="1" dirty="0">
+              <a:solidFill>
+                <a:schemeClr val="bg1"/>
+              </a:solidFill>
+              <a:latin typeface="Calibri" panose="020F0502020204030204"/>
+              <a:ea typeface="ＭＳ Ｐゴシック" panose="020B0600070205080204" pitchFamily="50" charset="-128"/>
+            </a:endParaRPr>
+          </a:p>
+        </p:txBody>
+      </p:sp>
+      <p:sp>
+        <p:nvSpPr>
+          <p:cNvPr id="6" name="正方形/長方形 5"/>
+          <p:cNvSpPr/>
+          <p:nvPr/>
+        </p:nvSpPr>
+        <p:spPr>
+          <a:xfrm>
+            <a:off x="3846000" y="2349000"/>
+            <a:ext cx="1440000" cy="360000"/>
+          </a:xfrm>
+          <a:prstGeom prst="rect">
+            <a:avLst/>
+          </a:prstGeom>
+          <a:solidFill>
+            <a:srgbClr val="002060"/>
+          </a:solidFill>
+          <a:ln w="25400" cap="flat" cmpd="sng" algn="ctr">
+            <a:solidFill>
+              <a:schemeClr val="bg1"/>
+            </a:solidFill>
+            <a:prstDash val="solid"/>
+            <a:miter lim="800000"/>
+          </a:ln>
+          <a:effectLst/>
+        </p:spPr>
+        <p:txBody>
+          <a:bodyPr wrap="none" lIns="0" tIns="0" rIns="0" bIns="0" rtlCol="0" anchor="ctr"/>
+          <a:lstStyle>
+            <a:defPPr>
+              <a:defRPr lang="ja-JP"/>
+            </a:defPPr>
+            <a:lvl1pPr marL="0" algn="l" defTabSz="914400" rtl="0" eaLnBrk="1" latinLnBrk="0" hangingPunct="1">
+              <a:defRPr kumimoji="1" sz="1800" kern="1200">
+                <a:solidFill>
+                  <a:schemeClr val="dk1"/>
+                </a:solidFill>
+                <a:latin typeface="+mn-lt"/>
+                <a:ea typeface="+mn-ea"/>
+                <a:cs typeface="+mn-cs"/>
+              </a:defRPr>
+            </a:lvl1pPr>
+            <a:lvl2pPr marL="457200" algn="l" defTabSz="914400" rtl="0" eaLnBrk="1" latinLnBrk="0" hangingPunct="1">
+              <a:defRPr kumimoji="1" sz="1800" kern="1200">
+                <a:solidFill>
+                  <a:schemeClr val="dk1"/>
+                </a:solidFill>
+                <a:latin typeface="+mn-lt"/>
+                <a:ea typeface="+mn-ea"/>
+                <a:cs typeface="+mn-cs"/>
+              </a:defRPr>
+            </a:lvl2pPr>
+            <a:lvl3pPr marL="914400" algn="l" defTabSz="914400" rtl="0" eaLnBrk="1" latinLnBrk="0" hangingPunct="1">
+              <a:defRPr kumimoji="1" sz="1800" kern="1200">
+                <a:solidFill>
+                  <a:schemeClr val="dk1"/>
+                </a:solidFill>
+                <a:latin typeface="+mn-lt"/>
+                <a:ea typeface="+mn-ea"/>
+                <a:cs typeface="+mn-cs"/>
+              </a:defRPr>
+            </a:lvl3pPr>
+            <a:lvl4pPr marL="1371600" algn="l" defTabSz="914400" rtl="0" eaLnBrk="1" latinLnBrk="0" hangingPunct="1">
+              <a:defRPr kumimoji="1" sz="1800" kern="1200">
+                <a:solidFill>
+                  <a:schemeClr val="dk1"/>
+                </a:solidFill>
+                <a:latin typeface="+mn-lt"/>
+                <a:ea typeface="+mn-ea"/>
+                <a:cs typeface="+mn-cs"/>
+              </a:defRPr>
+            </a:lvl4pPr>
+            <a:lvl5pPr marL="1828800" algn="l" defTabSz="914400" rtl="0" eaLnBrk="1" latinLnBrk="0" hangingPunct="1">
+              <a:defRPr kumimoji="1" sz="1800" kern="1200">
+                <a:solidFill>
+                  <a:schemeClr val="dk1"/>
+                </a:solidFill>
+                <a:latin typeface="+mn-lt"/>
+                <a:ea typeface="+mn-ea"/>
+                <a:cs typeface="+mn-cs"/>
+              </a:defRPr>
+            </a:lvl5pPr>
+            <a:lvl6pPr marL="2286000" algn="l" defTabSz="914400" rtl="0" eaLnBrk="1" latinLnBrk="0" hangingPunct="1">
+              <a:defRPr kumimoji="1" sz="1800" kern="1200">
+                <a:solidFill>
+                  <a:schemeClr val="dk1"/>
+                </a:solidFill>
+                <a:latin typeface="+mn-lt"/>
+                <a:ea typeface="+mn-ea"/>
+                <a:cs typeface="+mn-cs"/>
+              </a:defRPr>
+            </a:lvl6pPr>
+            <a:lvl7pPr marL="2743200" algn="l" defTabSz="914400" rtl="0" eaLnBrk="1" latinLnBrk="0" hangingPunct="1">
+              <a:defRPr kumimoji="1" sz="1800" kern="1200">
+                <a:solidFill>
+                  <a:schemeClr val="dk1"/>
+                </a:solidFill>
+                <a:latin typeface="+mn-lt"/>
+                <a:ea typeface="+mn-ea"/>
+                <a:cs typeface="+mn-cs"/>
+              </a:defRPr>
+            </a:lvl7pPr>
+            <a:lvl8pPr marL="3200400" algn="l" defTabSz="914400" rtl="0" eaLnBrk="1" latinLnBrk="0" hangingPunct="1">
+              <a:defRPr kumimoji="1" sz="1800" kern="1200">
+                <a:solidFill>
+                  <a:schemeClr val="dk1"/>
+                </a:solidFill>
+                <a:latin typeface="+mn-lt"/>
+                <a:ea typeface="+mn-ea"/>
+                <a:cs typeface="+mn-cs"/>
+              </a:defRPr>
+            </a:lvl8pPr>
+            <a:lvl9pPr marL="3657600" algn="l" defTabSz="914400" rtl="0" eaLnBrk="1" latinLnBrk="0" hangingPunct="1">
+              <a:defRPr kumimoji="1" sz="1800" kern="1200">
+                <a:solidFill>
+                  <a:schemeClr val="dk1"/>
+                </a:solidFill>
+                <a:latin typeface="+mn-lt"/>
+                <a:ea typeface="+mn-ea"/>
+                <a:cs typeface="+mn-cs"/>
+              </a:defRPr>
+            </a:lvl9pPr>
+          </a:lstStyle>
+          <a:p>
+            <a:pPr algn="ctr">
+              <a:defRPr/>
+            </a:pPr>
+            <a:r>
+              <a:rPr lang="en-US" altLang="ja-JP" sz="2000" dirty="0">
+                <a:solidFill>
+                  <a:schemeClr val="bg1"/>
+                </a:solidFill>
+                <a:latin typeface="Calibri" panose="020F0502020204030204"/>
+                <a:ea typeface="ＭＳ Ｐゴシック" panose="020B0600070205080204" pitchFamily="50" charset="-128"/>
+              </a:rPr>
+              <a:t>iSCSI Target</a:t>
+            </a:r>
+            <a:endParaRPr lang="ja-JP" altLang="en-US" sz="2000" dirty="0">
+              <a:solidFill>
+                <a:schemeClr val="bg1"/>
+              </a:solidFill>
+              <a:latin typeface="Calibri" panose="020F0502020204030204"/>
+              <a:ea typeface="ＭＳ Ｐゴシック" panose="020B0600070205080204" pitchFamily="50" charset="-128"/>
+            </a:endParaRPr>
+          </a:p>
+        </p:txBody>
+      </p:sp>
+      <p:sp>
+        <p:nvSpPr>
+          <p:cNvPr id="7" name="正方形/長方形 6"/>
+          <p:cNvSpPr/>
+          <p:nvPr/>
+        </p:nvSpPr>
+        <p:spPr>
+          <a:xfrm>
+            <a:off x="3395999" y="1449001"/>
+            <a:ext cx="2340000" cy="360000"/>
+          </a:xfrm>
+          <a:prstGeom prst="rect">
+            <a:avLst/>
+          </a:prstGeom>
+          <a:solidFill>
+            <a:srgbClr val="00B050"/>
+          </a:solidFill>
+          <a:ln w="12700" cap="flat" cmpd="sng" algn="ctr">
+            <a:solidFill>
+              <a:srgbClr val="5B9BD5">
+                <a:shade val="50000"/>
+              </a:srgbClr>
+            </a:solidFill>
+            <a:prstDash val="solid"/>
+            <a:miter lim="800000"/>
+          </a:ln>
+          <a:effectLst/>
+        </p:spPr>
+        <p:txBody>
+          <a:bodyPr rtlCol="0" anchor="ctr"/>
+          <a:lstStyle>
+            <a:defPPr>
+              <a:defRPr lang="ja-JP"/>
+            </a:defPPr>
+            <a:lvl1pPr marL="0" algn="l" defTabSz="914400" rtl="0" eaLnBrk="1" latinLnBrk="0" hangingPunct="1">
+              <a:defRPr kumimoji="1" sz="1800" kern="1200">
+                <a:solidFill>
+                  <a:schemeClr val="lt1"/>
+                </a:solidFill>
+                <a:latin typeface="+mn-lt"/>
+                <a:ea typeface="+mn-ea"/>
+                <a:cs typeface="+mn-cs"/>
+              </a:defRPr>
+            </a:lvl1pPr>
+            <a:lvl2pPr marL="457200" algn="l" defTabSz="914400" rtl="0" eaLnBrk="1" latinLnBrk="0" hangingPunct="1">
+              <a:defRPr kumimoji="1" sz="1800" kern="1200">
+                <a:solidFill>
+                  <a:schemeClr val="lt1"/>
+                </a:solidFill>
+                <a:latin typeface="+mn-lt"/>
+                <a:ea typeface="+mn-ea"/>
+                <a:cs typeface="+mn-cs"/>
+              </a:defRPr>
+            </a:lvl2pPr>
+            <a:lvl3pPr marL="914400" algn="l" defTabSz="914400" rtl="0" eaLnBrk="1" latinLnBrk="0" hangingPunct="1">
+              <a:defRPr kumimoji="1" sz="1800" kern="1200">
+                <a:solidFill>
+                  <a:schemeClr val="lt1"/>
+                </a:solidFill>
+                <a:latin typeface="+mn-lt"/>
+                <a:ea typeface="+mn-ea"/>
+                <a:cs typeface="+mn-cs"/>
+              </a:defRPr>
+            </a:lvl3pPr>
+            <a:lvl4pPr marL="1371600" algn="l" defTabSz="914400" rtl="0" eaLnBrk="1" latinLnBrk="0" hangingPunct="1">
+              <a:defRPr kumimoji="1" sz="1800" kern="1200">
+                <a:solidFill>
+                  <a:schemeClr val="lt1"/>
+                </a:solidFill>
+                <a:latin typeface="+mn-lt"/>
+                <a:ea typeface="+mn-ea"/>
+                <a:cs typeface="+mn-cs"/>
+              </a:defRPr>
+            </a:lvl4pPr>
+            <a:lvl5pPr marL="1828800" algn="l" defTabSz="914400" rtl="0" eaLnBrk="1" latinLnBrk="0" hangingPunct="1">
+              <a:defRPr kumimoji="1" sz="1800" kern="1200">
+                <a:solidFill>
+                  <a:schemeClr val="lt1"/>
+                </a:solidFill>
+                <a:latin typeface="+mn-lt"/>
+                <a:ea typeface="+mn-ea"/>
+                <a:cs typeface="+mn-cs"/>
+              </a:defRPr>
+            </a:lvl5pPr>
+            <a:lvl6pPr marL="2286000" algn="l" defTabSz="914400" rtl="0" eaLnBrk="1" latinLnBrk="0" hangingPunct="1">
+              <a:defRPr kumimoji="1" sz="1800" kern="1200">
+                <a:solidFill>
+                  <a:schemeClr val="lt1"/>
+                </a:solidFill>
+                <a:latin typeface="+mn-lt"/>
+                <a:ea typeface="+mn-ea"/>
+                <a:cs typeface="+mn-cs"/>
+              </a:defRPr>
+            </a:lvl6pPr>
+            <a:lvl7pPr marL="2743200" algn="l" defTabSz="914400" rtl="0" eaLnBrk="1" latinLnBrk="0" hangingPunct="1">
+              <a:defRPr kumimoji="1" sz="1800" kern="1200">
+                <a:solidFill>
+                  <a:schemeClr val="lt1"/>
+                </a:solidFill>
+                <a:latin typeface="+mn-lt"/>
+                <a:ea typeface="+mn-ea"/>
+                <a:cs typeface="+mn-cs"/>
+              </a:defRPr>
+            </a:lvl7pPr>
+            <a:lvl8pPr marL="3200400" algn="l" defTabSz="914400" rtl="0" eaLnBrk="1" latinLnBrk="0" hangingPunct="1">
+              <a:defRPr kumimoji="1" sz="1800" kern="1200">
+                <a:solidFill>
+                  <a:schemeClr val="lt1"/>
+                </a:solidFill>
+                <a:latin typeface="+mn-lt"/>
+                <a:ea typeface="+mn-ea"/>
+                <a:cs typeface="+mn-cs"/>
+              </a:defRPr>
+            </a:lvl8pPr>
+            <a:lvl9pPr marL="3657600" algn="l" defTabSz="914400" rtl="0" eaLnBrk="1" latinLnBrk="0" hangingPunct="1">
+              <a:defRPr kumimoji="1" sz="1800" kern="1200">
+                <a:solidFill>
+                  <a:schemeClr val="lt1"/>
+                </a:solidFill>
+                <a:latin typeface="+mn-lt"/>
+                <a:ea typeface="+mn-ea"/>
+                <a:cs typeface="+mn-cs"/>
+              </a:defRPr>
+            </a:lvl9pPr>
+          </a:lstStyle>
+          <a:p>
+            <a:pPr algn="ctr">
+              <a:defRPr/>
+            </a:pPr>
+            <a:r>
+              <a:rPr lang="en-US" altLang="ja-JP" sz="2000" dirty="0" err="1" smtClean="0">
+                <a:solidFill>
+                  <a:sysClr val="window" lastClr="FFFFFF"/>
+                </a:solidFill>
+                <a:latin typeface="Calibri" panose="020F0502020204030204"/>
+                <a:ea typeface="ＭＳ Ｐゴシック" panose="020B0600070205080204" pitchFamily="50" charset="-128"/>
+              </a:rPr>
+              <a:t>ESXi</a:t>
+            </a:r>
+            <a:endParaRPr lang="ja-JP" altLang="en-US" sz="2000" dirty="0">
+              <a:solidFill>
+                <a:sysClr val="window" lastClr="FFFFFF"/>
+              </a:solidFill>
+              <a:latin typeface="Calibri" panose="020F0502020204030204"/>
+              <a:ea typeface="ＭＳ Ｐゴシック" panose="020B0600070205080204" pitchFamily="50" charset="-128"/>
+            </a:endParaRPr>
+          </a:p>
+        </p:txBody>
+      </p:sp>
+      <p:sp>
+        <p:nvSpPr>
+          <p:cNvPr id="8" name="正方形/長方形 7"/>
+          <p:cNvSpPr/>
+          <p:nvPr/>
+        </p:nvSpPr>
+        <p:spPr>
+          <a:xfrm>
+            <a:off x="3936000" y="729000"/>
+            <a:ext cx="540000" cy="540000"/>
+          </a:xfrm>
+          <a:prstGeom prst="rect">
+            <a:avLst/>
+          </a:prstGeom>
+          <a:solidFill>
+            <a:srgbClr val="5B9BD5"/>
+          </a:solidFill>
+          <a:ln w="25400" cap="flat" cmpd="sng" algn="ctr">
+            <a:solidFill>
+              <a:schemeClr val="tx1"/>
+            </a:solidFill>
+            <a:prstDash val="solid"/>
+            <a:miter lim="800000"/>
+          </a:ln>
+          <a:effectLst/>
+        </p:spPr>
+        <p:txBody>
+          <a:bodyPr wrap="none" rtlCol="0" anchor="ctr">
+            <a:noAutofit/>
+          </a:bodyPr>
+          <a:lstStyle>
+            <a:defPPr>
+              <a:defRPr lang="ja-JP"/>
+            </a:defPPr>
+            <a:lvl1pPr marL="0" algn="l" defTabSz="914400" rtl="0" eaLnBrk="1" latinLnBrk="0" hangingPunct="1">
+              <a:defRPr kumimoji="1" sz="1800" kern="1200">
+                <a:solidFill>
+                  <a:schemeClr val="lt1"/>
+                </a:solidFill>
+                <a:latin typeface="+mn-lt"/>
+                <a:ea typeface="+mn-ea"/>
+                <a:cs typeface="+mn-cs"/>
+              </a:defRPr>
+            </a:lvl1pPr>
+            <a:lvl2pPr marL="457200" algn="l" defTabSz="914400" rtl="0" eaLnBrk="1" latinLnBrk="0" hangingPunct="1">
+              <a:defRPr kumimoji="1" sz="1800" kern="1200">
+                <a:solidFill>
+                  <a:schemeClr val="lt1"/>
+                </a:solidFill>
+                <a:latin typeface="+mn-lt"/>
+                <a:ea typeface="+mn-ea"/>
+                <a:cs typeface="+mn-cs"/>
+              </a:defRPr>
+            </a:lvl2pPr>
+            <a:lvl3pPr marL="914400" algn="l" defTabSz="914400" rtl="0" eaLnBrk="1" latinLnBrk="0" hangingPunct="1">
+              <a:defRPr kumimoji="1" sz="1800" kern="1200">
+                <a:solidFill>
+                  <a:schemeClr val="lt1"/>
+                </a:solidFill>
+                <a:latin typeface="+mn-lt"/>
+                <a:ea typeface="+mn-ea"/>
+                <a:cs typeface="+mn-cs"/>
+              </a:defRPr>
+            </a:lvl3pPr>
+            <a:lvl4pPr marL="1371600" algn="l" defTabSz="914400" rtl="0" eaLnBrk="1" latinLnBrk="0" hangingPunct="1">
+              <a:defRPr kumimoji="1" sz="1800" kern="1200">
+                <a:solidFill>
+                  <a:schemeClr val="lt1"/>
+                </a:solidFill>
+                <a:latin typeface="+mn-lt"/>
+                <a:ea typeface="+mn-ea"/>
+                <a:cs typeface="+mn-cs"/>
+              </a:defRPr>
+            </a:lvl4pPr>
+            <a:lvl5pPr marL="1828800" algn="l" defTabSz="914400" rtl="0" eaLnBrk="1" latinLnBrk="0" hangingPunct="1">
+              <a:defRPr kumimoji="1" sz="1800" kern="1200">
+                <a:solidFill>
+                  <a:schemeClr val="lt1"/>
+                </a:solidFill>
+                <a:latin typeface="+mn-lt"/>
+                <a:ea typeface="+mn-ea"/>
+                <a:cs typeface="+mn-cs"/>
+              </a:defRPr>
+            </a:lvl5pPr>
+            <a:lvl6pPr marL="2286000" algn="l" defTabSz="914400" rtl="0" eaLnBrk="1" latinLnBrk="0" hangingPunct="1">
+              <a:defRPr kumimoji="1" sz="1800" kern="1200">
+                <a:solidFill>
+                  <a:schemeClr val="lt1"/>
+                </a:solidFill>
+                <a:latin typeface="+mn-lt"/>
+                <a:ea typeface="+mn-ea"/>
+                <a:cs typeface="+mn-cs"/>
+              </a:defRPr>
+            </a:lvl6pPr>
+            <a:lvl7pPr marL="2743200" algn="l" defTabSz="914400" rtl="0" eaLnBrk="1" latinLnBrk="0" hangingPunct="1">
+              <a:defRPr kumimoji="1" sz="1800" kern="1200">
+                <a:solidFill>
+                  <a:schemeClr val="lt1"/>
+                </a:solidFill>
+                <a:latin typeface="+mn-lt"/>
+                <a:ea typeface="+mn-ea"/>
+                <a:cs typeface="+mn-cs"/>
+              </a:defRPr>
+            </a:lvl7pPr>
+            <a:lvl8pPr marL="3200400" algn="l" defTabSz="914400" rtl="0" eaLnBrk="1" latinLnBrk="0" hangingPunct="1">
+              <a:defRPr kumimoji="1" sz="1800" kern="1200">
+                <a:solidFill>
+                  <a:schemeClr val="lt1"/>
+                </a:solidFill>
+                <a:latin typeface="+mn-lt"/>
+                <a:ea typeface="+mn-ea"/>
+                <a:cs typeface="+mn-cs"/>
+              </a:defRPr>
+            </a:lvl8pPr>
+            <a:lvl9pPr marL="3657600" algn="l" defTabSz="914400" rtl="0" eaLnBrk="1" latinLnBrk="0" hangingPunct="1">
+              <a:defRPr kumimoji="1" sz="1800" kern="1200">
+                <a:solidFill>
+                  <a:schemeClr val="lt1"/>
+                </a:solidFill>
+                <a:latin typeface="+mn-lt"/>
+                <a:ea typeface="+mn-ea"/>
+                <a:cs typeface="+mn-cs"/>
+              </a:defRPr>
+            </a:lvl9pPr>
+          </a:lstStyle>
+          <a:p>
+            <a:pPr algn="ctr">
+              <a:defRPr/>
+            </a:pPr>
+            <a:r>
+              <a:rPr lang="en-US" altLang="ja-JP" b="1" dirty="0" smtClean="0">
+                <a:solidFill>
+                  <a:sysClr val="window" lastClr="FFFFFF"/>
+                </a:solidFill>
+                <a:latin typeface="Calibri" panose="020F0502020204030204"/>
+                <a:ea typeface="ＭＳ Ｐゴシック" panose="020B0600070205080204" pitchFamily="50" charset="-128"/>
+              </a:rPr>
+              <a:t>VM</a:t>
+            </a:r>
+          </a:p>
+          <a:p>
+            <a:pPr algn="ctr">
+              <a:defRPr/>
+            </a:pPr>
+            <a:r>
+              <a:rPr lang="en-US" altLang="ja-JP" b="1" dirty="0" smtClean="0">
+                <a:solidFill>
+                  <a:sysClr val="window" lastClr="FFFFFF"/>
+                </a:solidFill>
+                <a:latin typeface="Calibri" panose="020F0502020204030204"/>
+                <a:ea typeface="ＭＳ Ｐゴシック" panose="020B0600070205080204" pitchFamily="50" charset="-128"/>
+              </a:rPr>
+              <a:t>#1</a:t>
+            </a:r>
+            <a:endParaRPr lang="ja-JP" altLang="en-US" b="1" dirty="0">
+              <a:solidFill>
+                <a:sysClr val="window" lastClr="FFFFFF"/>
+              </a:solidFill>
+              <a:latin typeface="Calibri" panose="020F0502020204030204"/>
+              <a:ea typeface="ＭＳ Ｐゴシック" panose="020B0600070205080204" pitchFamily="50" charset="-128"/>
+            </a:endParaRPr>
+          </a:p>
+        </p:txBody>
+      </p:sp>
+      <p:sp>
+        <p:nvSpPr>
+          <p:cNvPr id="9" name="正方形/長方形 8"/>
+          <p:cNvSpPr/>
+          <p:nvPr/>
+        </p:nvSpPr>
+        <p:spPr>
+          <a:xfrm>
+            <a:off x="4656000" y="729000"/>
+            <a:ext cx="540000" cy="540000"/>
+          </a:xfrm>
+          <a:prstGeom prst="rect">
+            <a:avLst/>
+          </a:prstGeom>
+          <a:solidFill>
+            <a:srgbClr val="5B9BD5"/>
+          </a:solidFill>
+          <a:ln w="25400" cap="flat" cmpd="sng" algn="ctr">
+            <a:solidFill>
+              <a:schemeClr val="tx1"/>
+            </a:solidFill>
+            <a:prstDash val="solid"/>
+            <a:miter lim="800000"/>
+          </a:ln>
+          <a:effectLst/>
+        </p:spPr>
+        <p:txBody>
+          <a:bodyPr wrap="none" rtlCol="0" anchor="ctr">
+            <a:noAutofit/>
+          </a:bodyPr>
+          <a:lstStyle>
+            <a:defPPr>
+              <a:defRPr lang="ja-JP"/>
+            </a:defPPr>
+            <a:lvl1pPr marL="0" algn="l" defTabSz="914400" rtl="0" eaLnBrk="1" latinLnBrk="0" hangingPunct="1">
+              <a:defRPr kumimoji="1" sz="1800" kern="1200">
+                <a:solidFill>
+                  <a:schemeClr val="lt1"/>
+                </a:solidFill>
+                <a:latin typeface="+mn-lt"/>
+                <a:ea typeface="+mn-ea"/>
+                <a:cs typeface="+mn-cs"/>
+              </a:defRPr>
+            </a:lvl1pPr>
+            <a:lvl2pPr marL="457200" algn="l" defTabSz="914400" rtl="0" eaLnBrk="1" latinLnBrk="0" hangingPunct="1">
+              <a:defRPr kumimoji="1" sz="1800" kern="1200">
+                <a:solidFill>
+                  <a:schemeClr val="lt1"/>
+                </a:solidFill>
+                <a:latin typeface="+mn-lt"/>
+                <a:ea typeface="+mn-ea"/>
+                <a:cs typeface="+mn-cs"/>
+              </a:defRPr>
+            </a:lvl2pPr>
+            <a:lvl3pPr marL="914400" algn="l" defTabSz="914400" rtl="0" eaLnBrk="1" latinLnBrk="0" hangingPunct="1">
+              <a:defRPr kumimoji="1" sz="1800" kern="1200">
+                <a:solidFill>
+                  <a:schemeClr val="lt1"/>
+                </a:solidFill>
+                <a:latin typeface="+mn-lt"/>
+                <a:ea typeface="+mn-ea"/>
+                <a:cs typeface="+mn-cs"/>
+              </a:defRPr>
+            </a:lvl3pPr>
+            <a:lvl4pPr marL="1371600" algn="l" defTabSz="914400" rtl="0" eaLnBrk="1" latinLnBrk="0" hangingPunct="1">
+              <a:defRPr kumimoji="1" sz="1800" kern="1200">
+                <a:solidFill>
+                  <a:schemeClr val="lt1"/>
+                </a:solidFill>
+                <a:latin typeface="+mn-lt"/>
+                <a:ea typeface="+mn-ea"/>
+                <a:cs typeface="+mn-cs"/>
+              </a:defRPr>
+            </a:lvl4pPr>
+            <a:lvl5pPr marL="1828800" algn="l" defTabSz="914400" rtl="0" eaLnBrk="1" latinLnBrk="0" hangingPunct="1">
+              <a:defRPr kumimoji="1" sz="1800" kern="1200">
+                <a:solidFill>
+                  <a:schemeClr val="lt1"/>
+                </a:solidFill>
+                <a:latin typeface="+mn-lt"/>
+                <a:ea typeface="+mn-ea"/>
+                <a:cs typeface="+mn-cs"/>
+              </a:defRPr>
+            </a:lvl5pPr>
+            <a:lvl6pPr marL="2286000" algn="l" defTabSz="914400" rtl="0" eaLnBrk="1" latinLnBrk="0" hangingPunct="1">
+              <a:defRPr kumimoji="1" sz="1800" kern="1200">
+                <a:solidFill>
+                  <a:schemeClr val="lt1"/>
+                </a:solidFill>
+                <a:latin typeface="+mn-lt"/>
+                <a:ea typeface="+mn-ea"/>
+                <a:cs typeface="+mn-cs"/>
+              </a:defRPr>
+            </a:lvl6pPr>
+            <a:lvl7pPr marL="2743200" algn="l" defTabSz="914400" rtl="0" eaLnBrk="1" latinLnBrk="0" hangingPunct="1">
+              <a:defRPr kumimoji="1" sz="1800" kern="1200">
+                <a:solidFill>
+                  <a:schemeClr val="lt1"/>
+                </a:solidFill>
+                <a:latin typeface="+mn-lt"/>
+                <a:ea typeface="+mn-ea"/>
+                <a:cs typeface="+mn-cs"/>
+              </a:defRPr>
+            </a:lvl7pPr>
+            <a:lvl8pPr marL="3200400" algn="l" defTabSz="914400" rtl="0" eaLnBrk="1" latinLnBrk="0" hangingPunct="1">
+              <a:defRPr kumimoji="1" sz="1800" kern="1200">
+                <a:solidFill>
+                  <a:schemeClr val="lt1"/>
+                </a:solidFill>
+                <a:latin typeface="+mn-lt"/>
+                <a:ea typeface="+mn-ea"/>
+                <a:cs typeface="+mn-cs"/>
+              </a:defRPr>
+            </a:lvl8pPr>
+            <a:lvl9pPr marL="3657600" algn="l" defTabSz="914400" rtl="0" eaLnBrk="1" latinLnBrk="0" hangingPunct="1">
+              <a:defRPr kumimoji="1" sz="1800" kern="1200">
+                <a:solidFill>
+                  <a:schemeClr val="lt1"/>
+                </a:solidFill>
+                <a:latin typeface="+mn-lt"/>
+                <a:ea typeface="+mn-ea"/>
+                <a:cs typeface="+mn-cs"/>
+              </a:defRPr>
+            </a:lvl9pPr>
+          </a:lstStyle>
+          <a:p>
+            <a:pPr algn="ctr">
+              <a:defRPr/>
+            </a:pPr>
+            <a:r>
+              <a:rPr lang="en-US" altLang="ja-JP" b="1" dirty="0" smtClean="0">
+                <a:solidFill>
+                  <a:sysClr val="window" lastClr="FFFFFF"/>
+                </a:solidFill>
+                <a:latin typeface="Calibri" panose="020F0502020204030204"/>
+                <a:ea typeface="ＭＳ Ｐゴシック" panose="020B0600070205080204" pitchFamily="50" charset="-128"/>
+              </a:rPr>
+              <a:t>VM</a:t>
+            </a:r>
+          </a:p>
+          <a:p>
+            <a:pPr algn="ctr">
+              <a:defRPr/>
+            </a:pPr>
+            <a:r>
+              <a:rPr lang="en-US" altLang="ja-JP" b="1" dirty="0" smtClean="0">
+                <a:solidFill>
+                  <a:sysClr val="window" lastClr="FFFFFF"/>
+                </a:solidFill>
+                <a:latin typeface="Calibri" panose="020F0502020204030204"/>
+                <a:ea typeface="ＭＳ Ｐゴシック" panose="020B0600070205080204" pitchFamily="50" charset="-128"/>
+              </a:rPr>
+              <a:t>#N</a:t>
+            </a:r>
+            <a:endParaRPr lang="ja-JP" altLang="en-US" sz="1200" b="1" dirty="0">
+              <a:solidFill>
+                <a:sysClr val="window" lastClr="FFFFFF"/>
+              </a:solidFill>
+              <a:latin typeface="Calibri" panose="020F0502020204030204"/>
+              <a:ea typeface="ＭＳ Ｐゴシック" panose="020B0600070205080204" pitchFamily="50" charset="-128"/>
+            </a:endParaRPr>
+          </a:p>
+        </p:txBody>
+      </p:sp>
+      <p:sp>
+        <p:nvSpPr>
+          <p:cNvPr id="11" name="正方形/長方形 10"/>
+          <p:cNvSpPr/>
+          <p:nvPr/>
+        </p:nvSpPr>
+        <p:spPr bwMode="auto">
+          <a:xfrm>
+            <a:off x="3216000" y="549000"/>
+            <a:ext cx="2700000" cy="4680000"/>
+          </a:xfrm>
+          <a:prstGeom prst="rect">
+            <a:avLst/>
+          </a:prstGeom>
+          <a:noFill/>
+          <a:ln w="50800">
+            <a:solidFill>
+              <a:srgbClr val="00B050"/>
+            </a:solidFill>
+            <a:prstDash val="solid"/>
+          </a:ln>
+          <a:effectLst/>
+          <a:extLst/>
+        </p:spPr>
+        <p:txBody>
+          <a:bodyPr rot="0" spcFirstLastPara="0" vertOverflow="overflow" horzOverflow="overflow" vert="horz" wrap="square" lIns="91440" tIns="45720" rIns="91440" bIns="45720" numCol="1" spcCol="0" rtlCol="0" fromWordArt="0" anchor="ctr" anchorCtr="0" forceAA="0" compatLnSpc="1">
+            <a:prstTxWarp prst="textNoShape">
+              <a:avLst/>
+            </a:prstTxWarp>
+            <a:noAutofit/>
+          </a:bodyPr>
+          <a:lstStyle/>
+          <a:p>
+            <a:pPr algn="ctr"/>
+            <a:endParaRPr lang="ja-JP" altLang="en-US" sz="1600" b="1" dirty="0">
+              <a:latin typeface="+mj-ea"/>
+              <a:ea typeface="+mj-ea"/>
+            </a:endParaRPr>
+          </a:p>
+        </p:txBody>
+      </p:sp>
+      <p:sp>
+        <p:nvSpPr>
+          <p:cNvPr id="12" name="正方形/長方形 11"/>
+          <p:cNvSpPr/>
+          <p:nvPr/>
+        </p:nvSpPr>
+        <p:spPr>
+          <a:xfrm>
+            <a:off x="6456000" y="2169000"/>
+            <a:ext cx="2340000" cy="2880001"/>
+          </a:xfrm>
+          <a:prstGeom prst="rect">
+            <a:avLst/>
+          </a:prstGeom>
+          <a:solidFill>
+            <a:srgbClr val="5B9BD5"/>
+          </a:solidFill>
+          <a:ln w="25400" cap="flat" cmpd="sng" algn="ctr">
+            <a:solidFill>
+              <a:schemeClr val="tx1"/>
+            </a:solidFill>
+            <a:prstDash val="solid"/>
+            <a:miter lim="800000"/>
+          </a:ln>
+          <a:effectLst/>
+        </p:spPr>
+        <p:txBody>
+          <a:bodyPr rtlCol="0" anchor="b" anchorCtr="0"/>
+          <a:lstStyle>
+            <a:defPPr>
+              <a:defRPr lang="ja-JP"/>
+            </a:defPPr>
+            <a:lvl1pPr marL="0" algn="l" defTabSz="914400" rtl="0" eaLnBrk="1" latinLnBrk="0" hangingPunct="1">
+              <a:defRPr kumimoji="1" sz="1800" kern="1200">
+                <a:solidFill>
+                  <a:schemeClr val="lt1"/>
+                </a:solidFill>
+                <a:latin typeface="+mn-lt"/>
+                <a:ea typeface="+mn-ea"/>
+                <a:cs typeface="+mn-cs"/>
+              </a:defRPr>
+            </a:lvl1pPr>
+            <a:lvl2pPr marL="457200" algn="l" defTabSz="914400" rtl="0" eaLnBrk="1" latinLnBrk="0" hangingPunct="1">
+              <a:defRPr kumimoji="1" sz="1800" kern="1200">
+                <a:solidFill>
+                  <a:schemeClr val="lt1"/>
+                </a:solidFill>
+                <a:latin typeface="+mn-lt"/>
+                <a:ea typeface="+mn-ea"/>
+                <a:cs typeface="+mn-cs"/>
+              </a:defRPr>
+            </a:lvl2pPr>
+            <a:lvl3pPr marL="914400" algn="l" defTabSz="914400" rtl="0" eaLnBrk="1" latinLnBrk="0" hangingPunct="1">
+              <a:defRPr kumimoji="1" sz="1800" kern="1200">
+                <a:solidFill>
+                  <a:schemeClr val="lt1"/>
+                </a:solidFill>
+                <a:latin typeface="+mn-lt"/>
+                <a:ea typeface="+mn-ea"/>
+                <a:cs typeface="+mn-cs"/>
+              </a:defRPr>
+            </a:lvl3pPr>
+            <a:lvl4pPr marL="1371600" algn="l" defTabSz="914400" rtl="0" eaLnBrk="1" latinLnBrk="0" hangingPunct="1">
+              <a:defRPr kumimoji="1" sz="1800" kern="1200">
+                <a:solidFill>
+                  <a:schemeClr val="lt1"/>
+                </a:solidFill>
+                <a:latin typeface="+mn-lt"/>
+                <a:ea typeface="+mn-ea"/>
+                <a:cs typeface="+mn-cs"/>
+              </a:defRPr>
+            </a:lvl4pPr>
+            <a:lvl5pPr marL="1828800" algn="l" defTabSz="914400" rtl="0" eaLnBrk="1" latinLnBrk="0" hangingPunct="1">
+              <a:defRPr kumimoji="1" sz="1800" kern="1200">
+                <a:solidFill>
+                  <a:schemeClr val="lt1"/>
+                </a:solidFill>
+                <a:latin typeface="+mn-lt"/>
+                <a:ea typeface="+mn-ea"/>
+                <a:cs typeface="+mn-cs"/>
+              </a:defRPr>
+            </a:lvl5pPr>
+            <a:lvl6pPr marL="2286000" algn="l" defTabSz="914400" rtl="0" eaLnBrk="1" latinLnBrk="0" hangingPunct="1">
+              <a:defRPr kumimoji="1" sz="1800" kern="1200">
+                <a:solidFill>
+                  <a:schemeClr val="lt1"/>
+                </a:solidFill>
+                <a:latin typeface="+mn-lt"/>
+                <a:ea typeface="+mn-ea"/>
+                <a:cs typeface="+mn-cs"/>
+              </a:defRPr>
+            </a:lvl6pPr>
+            <a:lvl7pPr marL="2743200" algn="l" defTabSz="914400" rtl="0" eaLnBrk="1" latinLnBrk="0" hangingPunct="1">
+              <a:defRPr kumimoji="1" sz="1800" kern="1200">
+                <a:solidFill>
+                  <a:schemeClr val="lt1"/>
+                </a:solidFill>
+                <a:latin typeface="+mn-lt"/>
+                <a:ea typeface="+mn-ea"/>
+                <a:cs typeface="+mn-cs"/>
+              </a:defRPr>
+            </a:lvl7pPr>
+            <a:lvl8pPr marL="3200400" algn="l" defTabSz="914400" rtl="0" eaLnBrk="1" latinLnBrk="0" hangingPunct="1">
+              <a:defRPr kumimoji="1" sz="1800" kern="1200">
+                <a:solidFill>
+                  <a:schemeClr val="lt1"/>
+                </a:solidFill>
+                <a:latin typeface="+mn-lt"/>
+                <a:ea typeface="+mn-ea"/>
+                <a:cs typeface="+mn-cs"/>
+              </a:defRPr>
+            </a:lvl8pPr>
+            <a:lvl9pPr marL="3657600" algn="l" defTabSz="914400" rtl="0" eaLnBrk="1" latinLnBrk="0" hangingPunct="1">
+              <a:defRPr kumimoji="1" sz="1800" kern="1200">
+                <a:solidFill>
+                  <a:schemeClr val="lt1"/>
+                </a:solidFill>
+                <a:latin typeface="+mn-lt"/>
+                <a:ea typeface="+mn-ea"/>
+                <a:cs typeface="+mn-cs"/>
+              </a:defRPr>
+            </a:lvl9pPr>
+          </a:lstStyle>
+          <a:p>
+            <a:pPr>
+              <a:defRPr/>
+            </a:pPr>
+            <a:r>
+              <a:rPr lang="en-US" altLang="ja-JP" sz="1600" b="1" dirty="0" smtClean="0">
+                <a:solidFill>
+                  <a:sysClr val="window" lastClr="FFFFFF"/>
+                </a:solidFill>
+                <a:latin typeface="Calibri" panose="020F0502020204030204"/>
+                <a:ea typeface="ＭＳ Ｐゴシック" panose="020B0600070205080204" pitchFamily="50" charset="-128"/>
+              </a:rPr>
+              <a:t>EC-VM2</a:t>
+            </a:r>
+            <a:endParaRPr lang="ja-JP" altLang="en-US" sz="1600" b="1" dirty="0">
+              <a:solidFill>
+                <a:sysClr val="window" lastClr="FFFFFF"/>
+              </a:solidFill>
+              <a:latin typeface="Calibri" panose="020F0502020204030204"/>
+              <a:ea typeface="ＭＳ Ｐゴシック" panose="020B0600070205080204" pitchFamily="50" charset="-128"/>
+            </a:endParaRPr>
+          </a:p>
+        </p:txBody>
+      </p:sp>
+      <p:sp>
+        <p:nvSpPr>
+          <p:cNvPr id="13" name="正方形/長方形 12"/>
+          <p:cNvSpPr/>
+          <p:nvPr/>
+        </p:nvSpPr>
+        <p:spPr>
+          <a:xfrm>
+            <a:off x="6906000" y="2889000"/>
+            <a:ext cx="1440000" cy="360000"/>
+          </a:xfrm>
+          <a:prstGeom prst="rect">
+            <a:avLst/>
+          </a:prstGeom>
+          <a:solidFill>
+            <a:srgbClr val="002060"/>
+          </a:solidFill>
+          <a:ln w="25400" cap="flat" cmpd="sng" algn="ctr">
+            <a:solidFill>
+              <a:schemeClr val="bg1"/>
+            </a:solidFill>
+            <a:prstDash val="solid"/>
+            <a:miter lim="800000"/>
+          </a:ln>
+          <a:effectLst/>
+        </p:spPr>
+        <p:txBody>
+          <a:bodyPr rtlCol="0" anchor="ctr"/>
+          <a:lstStyle>
+            <a:defPPr>
+              <a:defRPr lang="ja-JP"/>
+            </a:defPPr>
+            <a:lvl1pPr marL="0" algn="l" defTabSz="914400" rtl="0" eaLnBrk="1" latinLnBrk="0" hangingPunct="1">
+              <a:defRPr kumimoji="1" sz="1800" kern="1200">
+                <a:solidFill>
+                  <a:schemeClr val="dk1"/>
+                </a:solidFill>
+                <a:latin typeface="+mn-lt"/>
+                <a:ea typeface="+mn-ea"/>
+                <a:cs typeface="+mn-cs"/>
+              </a:defRPr>
+            </a:lvl1pPr>
+            <a:lvl2pPr marL="457200" algn="l" defTabSz="914400" rtl="0" eaLnBrk="1" latinLnBrk="0" hangingPunct="1">
+              <a:defRPr kumimoji="1" sz="1800" kern="1200">
+                <a:solidFill>
+                  <a:schemeClr val="dk1"/>
+                </a:solidFill>
+                <a:latin typeface="+mn-lt"/>
+                <a:ea typeface="+mn-ea"/>
+                <a:cs typeface="+mn-cs"/>
+              </a:defRPr>
+            </a:lvl2pPr>
+            <a:lvl3pPr marL="914400" algn="l" defTabSz="914400" rtl="0" eaLnBrk="1" latinLnBrk="0" hangingPunct="1">
+              <a:defRPr kumimoji="1" sz="1800" kern="1200">
+                <a:solidFill>
+                  <a:schemeClr val="dk1"/>
+                </a:solidFill>
+                <a:latin typeface="+mn-lt"/>
+                <a:ea typeface="+mn-ea"/>
+                <a:cs typeface="+mn-cs"/>
+              </a:defRPr>
+            </a:lvl3pPr>
+            <a:lvl4pPr marL="1371600" algn="l" defTabSz="914400" rtl="0" eaLnBrk="1" latinLnBrk="0" hangingPunct="1">
+              <a:defRPr kumimoji="1" sz="1800" kern="1200">
+                <a:solidFill>
+                  <a:schemeClr val="dk1"/>
+                </a:solidFill>
+                <a:latin typeface="+mn-lt"/>
+                <a:ea typeface="+mn-ea"/>
+                <a:cs typeface="+mn-cs"/>
+              </a:defRPr>
+            </a:lvl4pPr>
+            <a:lvl5pPr marL="1828800" algn="l" defTabSz="914400" rtl="0" eaLnBrk="1" latinLnBrk="0" hangingPunct="1">
+              <a:defRPr kumimoji="1" sz="1800" kern="1200">
+                <a:solidFill>
+                  <a:schemeClr val="dk1"/>
+                </a:solidFill>
+                <a:latin typeface="+mn-lt"/>
+                <a:ea typeface="+mn-ea"/>
+                <a:cs typeface="+mn-cs"/>
+              </a:defRPr>
+            </a:lvl5pPr>
+            <a:lvl6pPr marL="2286000" algn="l" defTabSz="914400" rtl="0" eaLnBrk="1" latinLnBrk="0" hangingPunct="1">
+              <a:defRPr kumimoji="1" sz="1800" kern="1200">
+                <a:solidFill>
+                  <a:schemeClr val="dk1"/>
+                </a:solidFill>
+                <a:latin typeface="+mn-lt"/>
+                <a:ea typeface="+mn-ea"/>
+                <a:cs typeface="+mn-cs"/>
+              </a:defRPr>
+            </a:lvl6pPr>
+            <a:lvl7pPr marL="2743200" algn="l" defTabSz="914400" rtl="0" eaLnBrk="1" latinLnBrk="0" hangingPunct="1">
+              <a:defRPr kumimoji="1" sz="1800" kern="1200">
+                <a:solidFill>
+                  <a:schemeClr val="dk1"/>
+                </a:solidFill>
+                <a:latin typeface="+mn-lt"/>
+                <a:ea typeface="+mn-ea"/>
+                <a:cs typeface="+mn-cs"/>
+              </a:defRPr>
+            </a:lvl7pPr>
+            <a:lvl8pPr marL="3200400" algn="l" defTabSz="914400" rtl="0" eaLnBrk="1" latinLnBrk="0" hangingPunct="1">
+              <a:defRPr kumimoji="1" sz="1800" kern="1200">
+                <a:solidFill>
+                  <a:schemeClr val="dk1"/>
+                </a:solidFill>
+                <a:latin typeface="+mn-lt"/>
+                <a:ea typeface="+mn-ea"/>
+                <a:cs typeface="+mn-cs"/>
+              </a:defRPr>
+            </a:lvl8pPr>
+            <a:lvl9pPr marL="3657600" algn="l" defTabSz="914400" rtl="0" eaLnBrk="1" latinLnBrk="0" hangingPunct="1">
+              <a:defRPr kumimoji="1" sz="1800" kern="1200">
+                <a:solidFill>
+                  <a:schemeClr val="dk1"/>
+                </a:solidFill>
+                <a:latin typeface="+mn-lt"/>
+                <a:ea typeface="+mn-ea"/>
+                <a:cs typeface="+mn-cs"/>
+              </a:defRPr>
+            </a:lvl9pPr>
+          </a:lstStyle>
+          <a:p>
+            <a:pPr algn="ctr">
+              <a:defRPr/>
+            </a:pPr>
+            <a:r>
+              <a:rPr lang="en-US" altLang="ja-JP" sz="2000" b="1" dirty="0">
+                <a:solidFill>
+                  <a:schemeClr val="bg1"/>
+                </a:solidFill>
+                <a:latin typeface="Calibri" panose="020F0502020204030204"/>
+                <a:ea typeface="ＭＳ Ｐゴシック" panose="020B0600070205080204" pitchFamily="50" charset="-128"/>
+              </a:rPr>
+              <a:t>EC</a:t>
+            </a:r>
+            <a:endParaRPr lang="ja-JP" altLang="en-US" sz="2000" b="1" dirty="0">
+              <a:solidFill>
+                <a:schemeClr val="bg1"/>
+              </a:solidFill>
+              <a:latin typeface="Calibri" panose="020F0502020204030204"/>
+              <a:ea typeface="ＭＳ Ｐゴシック" panose="020B0600070205080204" pitchFamily="50" charset="-128"/>
+            </a:endParaRPr>
+          </a:p>
+        </p:txBody>
+      </p:sp>
+      <p:sp>
+        <p:nvSpPr>
+          <p:cNvPr id="15" name="正方形/長方形 14"/>
+          <p:cNvSpPr/>
+          <p:nvPr/>
+        </p:nvSpPr>
+        <p:spPr bwMode="auto">
+          <a:xfrm>
+            <a:off x="6276000" y="549000"/>
+            <a:ext cx="2700000" cy="4680000"/>
+          </a:xfrm>
+          <a:prstGeom prst="rect">
+            <a:avLst/>
+          </a:prstGeom>
+          <a:noFill/>
+          <a:ln w="50800">
+            <a:solidFill>
+              <a:srgbClr val="00B050"/>
+            </a:solidFill>
+            <a:prstDash val="solid"/>
+          </a:ln>
+          <a:effectLst/>
+          <a:extLst/>
+        </p:spPr>
+        <p:txBody>
+          <a:bodyPr rot="0" spcFirstLastPara="0" vertOverflow="overflow" horzOverflow="overflow" vert="horz" wrap="square" lIns="91440" tIns="45720" rIns="91440" bIns="45720" numCol="1" spcCol="0" rtlCol="0" fromWordArt="0" anchor="ctr" anchorCtr="0" forceAA="0" compatLnSpc="1">
+            <a:prstTxWarp prst="textNoShape">
+              <a:avLst/>
+            </a:prstTxWarp>
+            <a:noAutofit/>
+          </a:bodyPr>
+          <a:lstStyle/>
+          <a:p>
+            <a:pPr algn="ctr"/>
+            <a:endParaRPr lang="ja-JP" altLang="en-US" sz="1600" b="1" dirty="0">
+              <a:latin typeface="+mj-ea"/>
+              <a:ea typeface="+mj-ea"/>
+            </a:endParaRPr>
+          </a:p>
+        </p:txBody>
+      </p:sp>
+      <p:sp>
+        <p:nvSpPr>
+          <p:cNvPr id="16" name="正方形/長方形 15"/>
+          <p:cNvSpPr/>
+          <p:nvPr/>
+        </p:nvSpPr>
+        <p:spPr>
+          <a:xfrm>
+            <a:off x="6456000" y="1449001"/>
+            <a:ext cx="2340000" cy="360000"/>
+          </a:xfrm>
+          <a:prstGeom prst="rect">
+            <a:avLst/>
+          </a:prstGeom>
+          <a:solidFill>
+            <a:srgbClr val="00B050"/>
+          </a:solidFill>
+          <a:ln w="12700" cap="flat" cmpd="sng" algn="ctr">
+            <a:solidFill>
+              <a:srgbClr val="5B9BD5">
+                <a:shade val="50000"/>
+              </a:srgbClr>
+            </a:solidFill>
+            <a:prstDash val="solid"/>
+            <a:miter lim="800000"/>
+          </a:ln>
+          <a:effectLst/>
+        </p:spPr>
+        <p:txBody>
+          <a:bodyPr rtlCol="0" anchor="ctr"/>
+          <a:lstStyle>
+            <a:defPPr>
+              <a:defRPr lang="ja-JP"/>
+            </a:defPPr>
+            <a:lvl1pPr marL="0" algn="l" defTabSz="914400" rtl="0" eaLnBrk="1" latinLnBrk="0" hangingPunct="1">
+              <a:defRPr kumimoji="1" sz="1800" kern="1200">
+                <a:solidFill>
+                  <a:schemeClr val="lt1"/>
+                </a:solidFill>
+                <a:latin typeface="+mn-lt"/>
+                <a:ea typeface="+mn-ea"/>
+                <a:cs typeface="+mn-cs"/>
+              </a:defRPr>
+            </a:lvl1pPr>
+            <a:lvl2pPr marL="457200" algn="l" defTabSz="914400" rtl="0" eaLnBrk="1" latinLnBrk="0" hangingPunct="1">
+              <a:defRPr kumimoji="1" sz="1800" kern="1200">
+                <a:solidFill>
+                  <a:schemeClr val="lt1"/>
+                </a:solidFill>
+                <a:latin typeface="+mn-lt"/>
+                <a:ea typeface="+mn-ea"/>
+                <a:cs typeface="+mn-cs"/>
+              </a:defRPr>
+            </a:lvl2pPr>
+            <a:lvl3pPr marL="914400" algn="l" defTabSz="914400" rtl="0" eaLnBrk="1" latinLnBrk="0" hangingPunct="1">
+              <a:defRPr kumimoji="1" sz="1800" kern="1200">
+                <a:solidFill>
+                  <a:schemeClr val="lt1"/>
+                </a:solidFill>
+                <a:latin typeface="+mn-lt"/>
+                <a:ea typeface="+mn-ea"/>
+                <a:cs typeface="+mn-cs"/>
+              </a:defRPr>
+            </a:lvl3pPr>
+            <a:lvl4pPr marL="1371600" algn="l" defTabSz="914400" rtl="0" eaLnBrk="1" latinLnBrk="0" hangingPunct="1">
+              <a:defRPr kumimoji="1" sz="1800" kern="1200">
+                <a:solidFill>
+                  <a:schemeClr val="lt1"/>
+                </a:solidFill>
+                <a:latin typeface="+mn-lt"/>
+                <a:ea typeface="+mn-ea"/>
+                <a:cs typeface="+mn-cs"/>
+              </a:defRPr>
+            </a:lvl4pPr>
+            <a:lvl5pPr marL="1828800" algn="l" defTabSz="914400" rtl="0" eaLnBrk="1" latinLnBrk="0" hangingPunct="1">
+              <a:defRPr kumimoji="1" sz="1800" kern="1200">
+                <a:solidFill>
+                  <a:schemeClr val="lt1"/>
+                </a:solidFill>
+                <a:latin typeface="+mn-lt"/>
+                <a:ea typeface="+mn-ea"/>
+                <a:cs typeface="+mn-cs"/>
+              </a:defRPr>
+            </a:lvl5pPr>
+            <a:lvl6pPr marL="2286000" algn="l" defTabSz="914400" rtl="0" eaLnBrk="1" latinLnBrk="0" hangingPunct="1">
+              <a:defRPr kumimoji="1" sz="1800" kern="1200">
+                <a:solidFill>
+                  <a:schemeClr val="lt1"/>
+                </a:solidFill>
+                <a:latin typeface="+mn-lt"/>
+                <a:ea typeface="+mn-ea"/>
+                <a:cs typeface="+mn-cs"/>
+              </a:defRPr>
+            </a:lvl6pPr>
+            <a:lvl7pPr marL="2743200" algn="l" defTabSz="914400" rtl="0" eaLnBrk="1" latinLnBrk="0" hangingPunct="1">
+              <a:defRPr kumimoji="1" sz="1800" kern="1200">
+                <a:solidFill>
+                  <a:schemeClr val="lt1"/>
+                </a:solidFill>
+                <a:latin typeface="+mn-lt"/>
+                <a:ea typeface="+mn-ea"/>
+                <a:cs typeface="+mn-cs"/>
+              </a:defRPr>
+            </a:lvl7pPr>
+            <a:lvl8pPr marL="3200400" algn="l" defTabSz="914400" rtl="0" eaLnBrk="1" latinLnBrk="0" hangingPunct="1">
+              <a:defRPr kumimoji="1" sz="1800" kern="1200">
+                <a:solidFill>
+                  <a:schemeClr val="lt1"/>
+                </a:solidFill>
+                <a:latin typeface="+mn-lt"/>
+                <a:ea typeface="+mn-ea"/>
+                <a:cs typeface="+mn-cs"/>
+              </a:defRPr>
+            </a:lvl8pPr>
+            <a:lvl9pPr marL="3657600" algn="l" defTabSz="914400" rtl="0" eaLnBrk="1" latinLnBrk="0" hangingPunct="1">
+              <a:defRPr kumimoji="1" sz="1800" kern="1200">
+                <a:solidFill>
+                  <a:schemeClr val="lt1"/>
+                </a:solidFill>
+                <a:latin typeface="+mn-lt"/>
+                <a:ea typeface="+mn-ea"/>
+                <a:cs typeface="+mn-cs"/>
+              </a:defRPr>
+            </a:lvl9pPr>
+          </a:lstStyle>
+          <a:p>
+            <a:pPr algn="ctr">
+              <a:defRPr/>
+            </a:pPr>
+            <a:r>
+              <a:rPr lang="en-US" altLang="ja-JP" sz="2000" dirty="0" err="1" smtClean="0">
+                <a:solidFill>
+                  <a:sysClr val="window" lastClr="FFFFFF"/>
+                </a:solidFill>
+                <a:latin typeface="Calibri" panose="020F0502020204030204"/>
+                <a:ea typeface="ＭＳ Ｐゴシック" panose="020B0600070205080204" pitchFamily="50" charset="-128"/>
+              </a:rPr>
+              <a:t>ESXi</a:t>
+            </a:r>
+            <a:endParaRPr lang="ja-JP" altLang="en-US" sz="2000" dirty="0">
+              <a:solidFill>
+                <a:sysClr val="window" lastClr="FFFFFF"/>
+              </a:solidFill>
+              <a:latin typeface="Calibri" panose="020F0502020204030204"/>
+              <a:ea typeface="ＭＳ Ｐゴシック" panose="020B0600070205080204" pitchFamily="50" charset="-128"/>
+            </a:endParaRPr>
+          </a:p>
+        </p:txBody>
+      </p:sp>
+      <p:grpSp>
+        <p:nvGrpSpPr>
+          <p:cNvPr id="23" name="グループ化 22"/>
+          <p:cNvGrpSpPr/>
+          <p:nvPr/>
+        </p:nvGrpSpPr>
+        <p:grpSpPr>
+          <a:xfrm>
+            <a:off x="3576000" y="3429000"/>
+            <a:ext cx="1980000" cy="1080000"/>
+            <a:chOff x="900000" y="4553637"/>
+            <a:chExt cx="1980000" cy="1080000"/>
+          </a:xfrm>
+        </p:grpSpPr>
+        <p:sp>
+          <p:nvSpPr>
+            <p:cNvPr id="24" name="円柱 23"/>
+            <p:cNvSpPr/>
+            <p:nvPr/>
+          </p:nvSpPr>
+          <p:spPr>
+            <a:xfrm>
+              <a:off x="900000" y="4553637"/>
+              <a:ext cx="1980000" cy="1080000"/>
+            </a:xfrm>
+            <a:prstGeom prst="can">
+              <a:avLst/>
+            </a:prstGeom>
+            <a:solidFill>
+              <a:srgbClr val="002060"/>
+            </a:solidFill>
+            <a:ln w="25400" cap="flat" cmpd="sng" algn="ctr">
+              <a:solidFill>
+                <a:schemeClr val="bg1"/>
+              </a:solidFill>
+              <a:prstDash val="solid"/>
+              <a:miter lim="800000"/>
+            </a:ln>
+            <a:effectLst/>
+          </p:spPr>
+          <p:txBody>
+            <a:bodyPr rtlCol="0" anchor="ctr"/>
+            <a:lstStyle>
+              <a:defPPr>
+                <a:defRPr lang="ja-JP"/>
+              </a:defPPr>
+              <a:lvl1pPr marL="0" algn="l" defTabSz="914400" rtl="0" eaLnBrk="1" latinLnBrk="0" hangingPunct="1">
+                <a:defRPr kumimoji="1" sz="1800" kern="1200">
+                  <a:solidFill>
+                    <a:schemeClr val="dk1"/>
+                  </a:solidFill>
+                  <a:latin typeface="+mn-lt"/>
+                  <a:ea typeface="+mn-ea"/>
+                  <a:cs typeface="+mn-cs"/>
+                </a:defRPr>
+              </a:lvl1pPr>
+              <a:lvl2pPr marL="457200" algn="l" defTabSz="914400" rtl="0" eaLnBrk="1" latinLnBrk="0" hangingPunct="1">
+                <a:defRPr kumimoji="1" sz="1800" kern="1200">
+                  <a:solidFill>
+                    <a:schemeClr val="dk1"/>
+                  </a:solidFill>
+                  <a:latin typeface="+mn-lt"/>
+                  <a:ea typeface="+mn-ea"/>
+                  <a:cs typeface="+mn-cs"/>
+                </a:defRPr>
+              </a:lvl2pPr>
+              <a:lvl3pPr marL="914400" algn="l" defTabSz="914400" rtl="0" eaLnBrk="1" latinLnBrk="0" hangingPunct="1">
+                <a:defRPr kumimoji="1" sz="1800" kern="1200">
+                  <a:solidFill>
+                    <a:schemeClr val="dk1"/>
+                  </a:solidFill>
+                  <a:latin typeface="+mn-lt"/>
+                  <a:ea typeface="+mn-ea"/>
+                  <a:cs typeface="+mn-cs"/>
+                </a:defRPr>
+              </a:lvl3pPr>
+              <a:lvl4pPr marL="1371600" algn="l" defTabSz="914400" rtl="0" eaLnBrk="1" latinLnBrk="0" hangingPunct="1">
+                <a:defRPr kumimoji="1" sz="1800" kern="1200">
+                  <a:solidFill>
+                    <a:schemeClr val="dk1"/>
+                  </a:solidFill>
+                  <a:latin typeface="+mn-lt"/>
+                  <a:ea typeface="+mn-ea"/>
+                  <a:cs typeface="+mn-cs"/>
+                </a:defRPr>
+              </a:lvl4pPr>
+              <a:lvl5pPr marL="1828800" algn="l" defTabSz="914400" rtl="0" eaLnBrk="1" latinLnBrk="0" hangingPunct="1">
+                <a:defRPr kumimoji="1" sz="1800" kern="1200">
+                  <a:solidFill>
+                    <a:schemeClr val="dk1"/>
+                  </a:solidFill>
+                  <a:latin typeface="+mn-lt"/>
+                  <a:ea typeface="+mn-ea"/>
+                  <a:cs typeface="+mn-cs"/>
+                </a:defRPr>
+              </a:lvl5pPr>
+              <a:lvl6pPr marL="2286000" algn="l" defTabSz="914400" rtl="0" eaLnBrk="1" latinLnBrk="0" hangingPunct="1">
+                <a:defRPr kumimoji="1" sz="1800" kern="1200">
+                  <a:solidFill>
+                    <a:schemeClr val="dk1"/>
+                  </a:solidFill>
+                  <a:latin typeface="+mn-lt"/>
+                  <a:ea typeface="+mn-ea"/>
+                  <a:cs typeface="+mn-cs"/>
+                </a:defRPr>
+              </a:lvl6pPr>
+              <a:lvl7pPr marL="2743200" algn="l" defTabSz="914400" rtl="0" eaLnBrk="1" latinLnBrk="0" hangingPunct="1">
+                <a:defRPr kumimoji="1" sz="1800" kern="1200">
+                  <a:solidFill>
+                    <a:schemeClr val="dk1"/>
+                  </a:solidFill>
+                  <a:latin typeface="+mn-lt"/>
+                  <a:ea typeface="+mn-ea"/>
+                  <a:cs typeface="+mn-cs"/>
+                </a:defRPr>
+              </a:lvl7pPr>
+              <a:lvl8pPr marL="3200400" algn="l" defTabSz="914400" rtl="0" eaLnBrk="1" latinLnBrk="0" hangingPunct="1">
+                <a:defRPr kumimoji="1" sz="1800" kern="1200">
+                  <a:solidFill>
+                    <a:schemeClr val="dk1"/>
+                  </a:solidFill>
+                  <a:latin typeface="+mn-lt"/>
+                  <a:ea typeface="+mn-ea"/>
+                  <a:cs typeface="+mn-cs"/>
+                </a:defRPr>
+              </a:lvl8pPr>
+              <a:lvl9pPr marL="3657600" algn="l" defTabSz="914400" rtl="0" eaLnBrk="1" latinLnBrk="0" hangingPunct="1">
+                <a:defRPr kumimoji="1" sz="1800" kern="1200">
+                  <a:solidFill>
+                    <a:schemeClr val="dk1"/>
+                  </a:solidFill>
+                  <a:latin typeface="+mn-lt"/>
+                  <a:ea typeface="+mn-ea"/>
+                  <a:cs typeface="+mn-cs"/>
+                </a:defRPr>
+              </a:lvl9pPr>
+            </a:lstStyle>
+            <a:p>
+              <a:pPr algn="ctr">
+                <a:defRPr/>
+              </a:pPr>
+              <a:endParaRPr lang="ja-JP" altLang="en-US" sz="1600">
+                <a:solidFill>
+                  <a:sysClr val="windowText" lastClr="000000"/>
+                </a:solidFill>
+                <a:latin typeface="Calibri" panose="020F0502020204030204"/>
+                <a:ea typeface="ＭＳ Ｐゴシック" panose="020B0600070205080204" pitchFamily="50" charset="-128"/>
+              </a:endParaRPr>
+            </a:p>
+          </p:txBody>
+        </p:sp>
+        <p:sp>
+          <p:nvSpPr>
+            <p:cNvPr id="25" name="円柱 24"/>
+            <p:cNvSpPr/>
+            <p:nvPr/>
+          </p:nvSpPr>
+          <p:spPr>
+            <a:xfrm>
+              <a:off x="1080000" y="4734000"/>
+              <a:ext cx="720000" cy="720000"/>
+            </a:xfrm>
+            <a:prstGeom prst="can">
+              <a:avLst/>
+            </a:prstGeom>
+            <a:solidFill>
+              <a:srgbClr val="5B9BD5"/>
+            </a:solidFill>
+            <a:ln w="25400" cap="flat" cmpd="sng" algn="ctr">
+              <a:solidFill>
+                <a:schemeClr val="bg1"/>
+              </a:solidFill>
+              <a:prstDash val="solid"/>
+              <a:miter lim="800000"/>
+            </a:ln>
+            <a:effectLst/>
+          </p:spPr>
+          <p:txBody>
+            <a:bodyPr wrap="none" rtlCol="0" anchor="ctr">
+              <a:noAutofit/>
+            </a:bodyPr>
+            <a:lstStyle>
+              <a:defPPr>
+                <a:defRPr lang="ja-JP"/>
+              </a:defPPr>
+              <a:lvl1pPr marL="0" algn="l" defTabSz="914400" rtl="0" eaLnBrk="1" latinLnBrk="0" hangingPunct="1">
+                <a:defRPr kumimoji="1" sz="1800" kern="1200">
+                  <a:solidFill>
+                    <a:schemeClr val="dk1"/>
+                  </a:solidFill>
+                  <a:latin typeface="+mn-lt"/>
+                  <a:ea typeface="+mn-ea"/>
+                  <a:cs typeface="+mn-cs"/>
+                </a:defRPr>
+              </a:lvl1pPr>
+              <a:lvl2pPr marL="457200" algn="l" defTabSz="914400" rtl="0" eaLnBrk="1" latinLnBrk="0" hangingPunct="1">
+                <a:defRPr kumimoji="1" sz="1800" kern="1200">
+                  <a:solidFill>
+                    <a:schemeClr val="dk1"/>
+                  </a:solidFill>
+                  <a:latin typeface="+mn-lt"/>
+                  <a:ea typeface="+mn-ea"/>
+                  <a:cs typeface="+mn-cs"/>
+                </a:defRPr>
+              </a:lvl2pPr>
+              <a:lvl3pPr marL="914400" algn="l" defTabSz="914400" rtl="0" eaLnBrk="1" latinLnBrk="0" hangingPunct="1">
+                <a:defRPr kumimoji="1" sz="1800" kern="1200">
+                  <a:solidFill>
+                    <a:schemeClr val="dk1"/>
+                  </a:solidFill>
+                  <a:latin typeface="+mn-lt"/>
+                  <a:ea typeface="+mn-ea"/>
+                  <a:cs typeface="+mn-cs"/>
+                </a:defRPr>
+              </a:lvl3pPr>
+              <a:lvl4pPr marL="1371600" algn="l" defTabSz="914400" rtl="0" eaLnBrk="1" latinLnBrk="0" hangingPunct="1">
+                <a:defRPr kumimoji="1" sz="1800" kern="1200">
+                  <a:solidFill>
+                    <a:schemeClr val="dk1"/>
+                  </a:solidFill>
+                  <a:latin typeface="+mn-lt"/>
+                  <a:ea typeface="+mn-ea"/>
+                  <a:cs typeface="+mn-cs"/>
+                </a:defRPr>
+              </a:lvl4pPr>
+              <a:lvl5pPr marL="1828800" algn="l" defTabSz="914400" rtl="0" eaLnBrk="1" latinLnBrk="0" hangingPunct="1">
+                <a:defRPr kumimoji="1" sz="1800" kern="1200">
+                  <a:solidFill>
+                    <a:schemeClr val="dk1"/>
+                  </a:solidFill>
+                  <a:latin typeface="+mn-lt"/>
+                  <a:ea typeface="+mn-ea"/>
+                  <a:cs typeface="+mn-cs"/>
+                </a:defRPr>
+              </a:lvl5pPr>
+              <a:lvl6pPr marL="2286000" algn="l" defTabSz="914400" rtl="0" eaLnBrk="1" latinLnBrk="0" hangingPunct="1">
+                <a:defRPr kumimoji="1" sz="1800" kern="1200">
+                  <a:solidFill>
+                    <a:schemeClr val="dk1"/>
+                  </a:solidFill>
+                  <a:latin typeface="+mn-lt"/>
+                  <a:ea typeface="+mn-ea"/>
+                  <a:cs typeface="+mn-cs"/>
+                </a:defRPr>
+              </a:lvl6pPr>
+              <a:lvl7pPr marL="2743200" algn="l" defTabSz="914400" rtl="0" eaLnBrk="1" latinLnBrk="0" hangingPunct="1">
+                <a:defRPr kumimoji="1" sz="1800" kern="1200">
+                  <a:solidFill>
+                    <a:schemeClr val="dk1"/>
+                  </a:solidFill>
+                  <a:latin typeface="+mn-lt"/>
+                  <a:ea typeface="+mn-ea"/>
+                  <a:cs typeface="+mn-cs"/>
+                </a:defRPr>
+              </a:lvl7pPr>
+              <a:lvl8pPr marL="3200400" algn="l" defTabSz="914400" rtl="0" eaLnBrk="1" latinLnBrk="0" hangingPunct="1">
+                <a:defRPr kumimoji="1" sz="1800" kern="1200">
+                  <a:solidFill>
+                    <a:schemeClr val="dk1"/>
+                  </a:solidFill>
+                  <a:latin typeface="+mn-lt"/>
+                  <a:ea typeface="+mn-ea"/>
+                  <a:cs typeface="+mn-cs"/>
+                </a:defRPr>
+              </a:lvl8pPr>
+              <a:lvl9pPr marL="3657600" algn="l" defTabSz="914400" rtl="0" eaLnBrk="1" latinLnBrk="0" hangingPunct="1">
+                <a:defRPr kumimoji="1" sz="1800" kern="1200">
+                  <a:solidFill>
+                    <a:schemeClr val="dk1"/>
+                  </a:solidFill>
+                  <a:latin typeface="+mn-lt"/>
+                  <a:ea typeface="+mn-ea"/>
+                  <a:cs typeface="+mn-cs"/>
+                </a:defRPr>
+              </a:lvl9pPr>
+            </a:lstStyle>
+            <a:p>
+              <a:pPr algn="ctr">
+                <a:defRPr/>
+              </a:pPr>
+              <a:r>
+                <a:rPr lang="en-US" altLang="ja-JP" sz="1600" b="1" dirty="0" smtClean="0">
+                  <a:solidFill>
+                    <a:sysClr val="windowText" lastClr="000000"/>
+                  </a:solidFill>
+                  <a:latin typeface="Calibri" panose="020F0502020204030204"/>
+                  <a:ea typeface="ＭＳ Ｐゴシック" panose="020B0600070205080204" pitchFamily="50" charset="-128"/>
+                </a:rPr>
+                <a:t>VM#1</a:t>
+              </a:r>
+            </a:p>
+            <a:p>
+              <a:pPr algn="ctr">
+                <a:defRPr/>
+              </a:pPr>
+              <a:r>
+                <a:rPr lang="en-US" altLang="ja-JP" sz="1200" b="1" dirty="0" smtClean="0">
+                  <a:solidFill>
+                    <a:sysClr val="windowText" lastClr="000000"/>
+                  </a:solidFill>
+                  <a:latin typeface="Calibri" panose="020F0502020204030204"/>
+                  <a:ea typeface="ＭＳ Ｐゴシック" panose="020B0600070205080204" pitchFamily="50" charset="-128"/>
+                </a:rPr>
+                <a:t>.vmdk</a:t>
+              </a:r>
+              <a:endParaRPr lang="ja-JP" altLang="en-US" sz="1200" b="1" dirty="0">
+                <a:solidFill>
+                  <a:sysClr val="windowText" lastClr="000000"/>
+                </a:solidFill>
+                <a:latin typeface="Calibri" panose="020F0502020204030204"/>
+                <a:ea typeface="ＭＳ Ｐゴシック" panose="020B0600070205080204" pitchFamily="50" charset="-128"/>
+              </a:endParaRPr>
+            </a:p>
+          </p:txBody>
+        </p:sp>
+        <p:sp>
+          <p:nvSpPr>
+            <p:cNvPr id="26" name="円柱 25"/>
+            <p:cNvSpPr/>
+            <p:nvPr/>
+          </p:nvSpPr>
+          <p:spPr>
+            <a:xfrm>
+              <a:off x="1980000" y="4733637"/>
+              <a:ext cx="720000" cy="720000"/>
+            </a:xfrm>
+            <a:prstGeom prst="can">
+              <a:avLst/>
+            </a:prstGeom>
+            <a:solidFill>
+              <a:srgbClr val="5B9BD5"/>
+            </a:solidFill>
+            <a:ln w="25400" cap="flat" cmpd="sng" algn="ctr">
+              <a:solidFill>
+                <a:schemeClr val="bg1"/>
+              </a:solidFill>
+              <a:prstDash val="solid"/>
+              <a:miter lim="800000"/>
+            </a:ln>
+            <a:effectLst/>
+          </p:spPr>
+          <p:txBody>
+            <a:bodyPr wrap="none" rtlCol="0" anchor="ctr">
+              <a:noAutofit/>
+            </a:bodyPr>
+            <a:lstStyle>
+              <a:defPPr>
+                <a:defRPr lang="ja-JP"/>
+              </a:defPPr>
+              <a:lvl1pPr marL="0" algn="l" defTabSz="914400" rtl="0" eaLnBrk="1" latinLnBrk="0" hangingPunct="1">
+                <a:defRPr kumimoji="1" sz="1800" kern="1200">
+                  <a:solidFill>
+                    <a:schemeClr val="dk1"/>
+                  </a:solidFill>
+                  <a:latin typeface="+mn-lt"/>
+                  <a:ea typeface="+mn-ea"/>
+                  <a:cs typeface="+mn-cs"/>
+                </a:defRPr>
+              </a:lvl1pPr>
+              <a:lvl2pPr marL="457200" algn="l" defTabSz="914400" rtl="0" eaLnBrk="1" latinLnBrk="0" hangingPunct="1">
+                <a:defRPr kumimoji="1" sz="1800" kern="1200">
+                  <a:solidFill>
+                    <a:schemeClr val="dk1"/>
+                  </a:solidFill>
+                  <a:latin typeface="+mn-lt"/>
+                  <a:ea typeface="+mn-ea"/>
+                  <a:cs typeface="+mn-cs"/>
+                </a:defRPr>
+              </a:lvl2pPr>
+              <a:lvl3pPr marL="914400" algn="l" defTabSz="914400" rtl="0" eaLnBrk="1" latinLnBrk="0" hangingPunct="1">
+                <a:defRPr kumimoji="1" sz="1800" kern="1200">
+                  <a:solidFill>
+                    <a:schemeClr val="dk1"/>
+                  </a:solidFill>
+                  <a:latin typeface="+mn-lt"/>
+                  <a:ea typeface="+mn-ea"/>
+                  <a:cs typeface="+mn-cs"/>
+                </a:defRPr>
+              </a:lvl3pPr>
+              <a:lvl4pPr marL="1371600" algn="l" defTabSz="914400" rtl="0" eaLnBrk="1" latinLnBrk="0" hangingPunct="1">
+                <a:defRPr kumimoji="1" sz="1800" kern="1200">
+                  <a:solidFill>
+                    <a:schemeClr val="dk1"/>
+                  </a:solidFill>
+                  <a:latin typeface="+mn-lt"/>
+                  <a:ea typeface="+mn-ea"/>
+                  <a:cs typeface="+mn-cs"/>
+                </a:defRPr>
+              </a:lvl4pPr>
+              <a:lvl5pPr marL="1828800" algn="l" defTabSz="914400" rtl="0" eaLnBrk="1" latinLnBrk="0" hangingPunct="1">
+                <a:defRPr kumimoji="1" sz="1800" kern="1200">
+                  <a:solidFill>
+                    <a:schemeClr val="dk1"/>
+                  </a:solidFill>
+                  <a:latin typeface="+mn-lt"/>
+                  <a:ea typeface="+mn-ea"/>
+                  <a:cs typeface="+mn-cs"/>
+                </a:defRPr>
+              </a:lvl5pPr>
+              <a:lvl6pPr marL="2286000" algn="l" defTabSz="914400" rtl="0" eaLnBrk="1" latinLnBrk="0" hangingPunct="1">
+                <a:defRPr kumimoji="1" sz="1800" kern="1200">
+                  <a:solidFill>
+                    <a:schemeClr val="dk1"/>
+                  </a:solidFill>
+                  <a:latin typeface="+mn-lt"/>
+                  <a:ea typeface="+mn-ea"/>
+                  <a:cs typeface="+mn-cs"/>
+                </a:defRPr>
+              </a:lvl6pPr>
+              <a:lvl7pPr marL="2743200" algn="l" defTabSz="914400" rtl="0" eaLnBrk="1" latinLnBrk="0" hangingPunct="1">
+                <a:defRPr kumimoji="1" sz="1800" kern="1200">
+                  <a:solidFill>
+                    <a:schemeClr val="dk1"/>
+                  </a:solidFill>
+                  <a:latin typeface="+mn-lt"/>
+                  <a:ea typeface="+mn-ea"/>
+                  <a:cs typeface="+mn-cs"/>
+                </a:defRPr>
+              </a:lvl7pPr>
+              <a:lvl8pPr marL="3200400" algn="l" defTabSz="914400" rtl="0" eaLnBrk="1" latinLnBrk="0" hangingPunct="1">
+                <a:defRPr kumimoji="1" sz="1800" kern="1200">
+                  <a:solidFill>
+                    <a:schemeClr val="dk1"/>
+                  </a:solidFill>
+                  <a:latin typeface="+mn-lt"/>
+                  <a:ea typeface="+mn-ea"/>
+                  <a:cs typeface="+mn-cs"/>
+                </a:defRPr>
+              </a:lvl8pPr>
+              <a:lvl9pPr marL="3657600" algn="l" defTabSz="914400" rtl="0" eaLnBrk="1" latinLnBrk="0" hangingPunct="1">
+                <a:defRPr kumimoji="1" sz="1800" kern="1200">
+                  <a:solidFill>
+                    <a:schemeClr val="dk1"/>
+                  </a:solidFill>
+                  <a:latin typeface="+mn-lt"/>
+                  <a:ea typeface="+mn-ea"/>
+                  <a:cs typeface="+mn-cs"/>
+                </a:defRPr>
+              </a:lvl9pPr>
+            </a:lstStyle>
+            <a:p>
+              <a:pPr algn="ctr">
+                <a:defRPr/>
+              </a:pPr>
+              <a:r>
+                <a:rPr lang="en-US" altLang="ja-JP" sz="1600" b="1" dirty="0" smtClean="0">
+                  <a:solidFill>
+                    <a:sysClr val="windowText" lastClr="000000"/>
+                  </a:solidFill>
+                  <a:latin typeface="Calibri" panose="020F0502020204030204"/>
+                  <a:ea typeface="ＭＳ Ｐゴシック" panose="020B0600070205080204" pitchFamily="50" charset="-128"/>
+                </a:rPr>
+                <a:t>VM#N</a:t>
+              </a:r>
+            </a:p>
+            <a:p>
+              <a:pPr algn="ctr">
+                <a:defRPr/>
+              </a:pPr>
+              <a:r>
+                <a:rPr lang="en-US" altLang="ja-JP" sz="1200" b="1" dirty="0" smtClean="0">
+                  <a:solidFill>
+                    <a:sysClr val="windowText" lastClr="000000"/>
+                  </a:solidFill>
+                  <a:latin typeface="Calibri" panose="020F0502020204030204"/>
+                  <a:ea typeface="ＭＳ Ｐゴシック" panose="020B0600070205080204" pitchFamily="50" charset="-128"/>
+                </a:rPr>
+                <a:t>.vmdk</a:t>
+              </a:r>
+              <a:endParaRPr lang="ja-JP" altLang="en-US" sz="1200" b="1" dirty="0">
+                <a:solidFill>
+                  <a:sysClr val="windowText" lastClr="000000"/>
+                </a:solidFill>
+                <a:latin typeface="Calibri" panose="020F0502020204030204"/>
+                <a:ea typeface="ＭＳ Ｐゴシック" panose="020B0600070205080204" pitchFamily="50" charset="-128"/>
+              </a:endParaRPr>
+            </a:p>
+          </p:txBody>
+        </p:sp>
+      </p:grpSp>
+      <p:cxnSp>
+        <p:nvCxnSpPr>
+          <p:cNvPr id="27" name="直線コネクタ 26"/>
+          <p:cNvCxnSpPr>
+            <a:stCxn id="7" idx="2"/>
+            <a:endCxn id="6" idx="0"/>
+          </p:cNvCxnSpPr>
+          <p:nvPr/>
+        </p:nvCxnSpPr>
+        <p:spPr>
+          <a:xfrm>
+            <a:off x="4565999" y="1809001"/>
+            <a:ext cx="1" cy="539999"/>
+          </a:xfrm>
+          <a:prstGeom prst="line">
+            <a:avLst/>
+          </a:prstGeom>
+          <a:noFill/>
+          <a:ln w="50800" cap="flat" cmpd="sng" algn="ctr">
+            <a:solidFill>
+              <a:srgbClr val="FFC000"/>
+            </a:solidFill>
+            <a:prstDash val="solid"/>
+            <a:miter lim="800000"/>
+            <a:headEnd type="oval" w="sm" len="sm"/>
+            <a:tailEnd type="oval" w="sm" len="sm"/>
+          </a:ln>
+          <a:effectLst/>
+        </p:spPr>
+      </p:cxnSp>
+      <p:sp>
+        <p:nvSpPr>
+          <p:cNvPr id="42" name="右矢印 41"/>
+          <p:cNvSpPr/>
+          <p:nvPr/>
+        </p:nvSpPr>
+        <p:spPr bwMode="auto">
+          <a:xfrm>
+            <a:off x="5574673" y="723877"/>
+            <a:ext cx="990001" cy="550247"/>
+          </a:xfrm>
+          <a:prstGeom prst="rightArrow">
+            <a:avLst/>
+          </a:prstGeom>
+          <a:solidFill>
+            <a:srgbClr val="FFC000"/>
+          </a:solidFill>
+          <a:ln w="12700">
+            <a:solidFill>
+              <a:schemeClr val="bg1"/>
+            </a:solidFill>
+          </a:ln>
+          <a:effectLst/>
+          <a:extLst/>
+        </p:spPr>
+        <p:txBody>
+          <a:bodyPr rot="0" spcFirstLastPara="0" vertOverflow="overflow" horzOverflow="overflow" vert="horz" wrap="none" lIns="91440" tIns="45720" rIns="91440" bIns="45720" numCol="1" spcCol="0" rtlCol="0" fromWordArt="0" anchor="ctr" anchorCtr="0" forceAA="0" compatLnSpc="1">
+            <a:prstTxWarp prst="textNoShape">
+              <a:avLst/>
+            </a:prstTxWarp>
+            <a:noAutofit/>
+          </a:bodyPr>
+          <a:lstStyle/>
+          <a:p>
+            <a:pPr algn="ctr"/>
+            <a:r>
+              <a:rPr lang="en-US" altLang="ja-JP" sz="1000" b="1" dirty="0" smtClean="0">
+                <a:latin typeface="Calibri" panose="020F0502020204030204" pitchFamily="34" charset="0"/>
+                <a:ea typeface="+mj-ea"/>
+                <a:cs typeface="Calibri" panose="020F0502020204030204" pitchFamily="34" charset="0"/>
+              </a:rPr>
+              <a:t>Failover</a:t>
+            </a:r>
+            <a:endParaRPr kumimoji="1" lang="ja-JP" altLang="en-US" sz="1000" b="1" dirty="0">
+              <a:latin typeface="Calibri" panose="020F0502020204030204" pitchFamily="34" charset="0"/>
+              <a:ea typeface="+mj-ea"/>
+              <a:cs typeface="Calibri" panose="020F0502020204030204" pitchFamily="34" charset="0"/>
+            </a:endParaRPr>
+          </a:p>
+        </p:txBody>
+      </p:sp>
+      <p:sp>
+        <p:nvSpPr>
+          <p:cNvPr id="44" name="U ターン矢印 43"/>
+          <p:cNvSpPr/>
+          <p:nvPr/>
+        </p:nvSpPr>
+        <p:spPr>
+          <a:xfrm rot="16200000" flipV="1">
+            <a:off x="7874795" y="1264613"/>
+            <a:ext cx="2525123" cy="1443649"/>
+          </a:xfrm>
+          <a:prstGeom prst="uturnArrow">
+            <a:avLst>
+              <a:gd name="adj1" fmla="val 14556"/>
+              <a:gd name="adj2" fmla="val 14596"/>
+              <a:gd name="adj3" fmla="val 14943"/>
+              <a:gd name="adj4" fmla="val 43750"/>
+              <a:gd name="adj5" fmla="val 100000"/>
+            </a:avLst>
+          </a:prstGeom>
+          <a:solidFill>
+            <a:schemeClr val="accent4"/>
+          </a:solidFill>
+          <a:ln>
+            <a:solidFill>
+              <a:schemeClr val="bg1"/>
+            </a:solidFill>
+          </a:ln>
+        </p:spPr>
+        <p:style>
+          <a:lnRef idx="2">
+            <a:schemeClr val="accent1">
+              <a:shade val="50000"/>
+            </a:schemeClr>
+          </a:lnRef>
+          <a:fillRef idx="1">
+            <a:schemeClr val="accent1"/>
+          </a:fillRef>
+          <a:effectRef idx="0">
+            <a:schemeClr val="accent1"/>
+          </a:effectRef>
+          <a:fontRef idx="minor">
+            <a:schemeClr val="lt1"/>
+          </a:fontRef>
+        </p:style>
+        <p:txBody>
+          <a:bodyPr rtlCol="0" anchor="ctr"/>
+          <a:lstStyle/>
+          <a:p>
+            <a:pPr algn="ctr"/>
+            <a:r>
+              <a:rPr kumimoji="1" lang="en-US" altLang="ja-JP" sz="1200" b="1" dirty="0" smtClean="0">
+                <a:solidFill>
+                  <a:schemeClr val="tx1"/>
+                </a:solidFill>
+              </a:rPr>
+              <a:t>Control</a:t>
+            </a:r>
+            <a:endParaRPr kumimoji="1" lang="ja-JP" altLang="en-US" sz="1200" b="1" dirty="0">
+              <a:solidFill>
+                <a:schemeClr val="tx1"/>
+              </a:solidFill>
+            </a:endParaRPr>
+          </a:p>
+        </p:txBody>
+      </p:sp>
+      <p:sp>
+        <p:nvSpPr>
+          <p:cNvPr id="33" name="正方形/長方形 32"/>
+          <p:cNvSpPr/>
+          <p:nvPr/>
+        </p:nvSpPr>
+        <p:spPr>
+          <a:xfrm>
+            <a:off x="7001627" y="729000"/>
+            <a:ext cx="540000" cy="540000"/>
+          </a:xfrm>
+          <a:prstGeom prst="rect">
+            <a:avLst/>
+          </a:prstGeom>
+          <a:solidFill>
+            <a:srgbClr val="5B9BD5"/>
+          </a:solidFill>
+          <a:ln w="25400" cap="flat" cmpd="sng" algn="ctr">
+            <a:solidFill>
+              <a:schemeClr val="tx1"/>
+            </a:solidFill>
+            <a:prstDash val="solid"/>
+            <a:miter lim="800000"/>
+          </a:ln>
+          <a:effectLst/>
+        </p:spPr>
+        <p:txBody>
+          <a:bodyPr wrap="none" rtlCol="0" anchor="ctr">
+            <a:noAutofit/>
+          </a:bodyPr>
+          <a:lstStyle>
+            <a:defPPr>
+              <a:defRPr lang="ja-JP"/>
+            </a:defPPr>
+            <a:lvl1pPr marL="0" algn="l" defTabSz="914400" rtl="0" eaLnBrk="1" latinLnBrk="0" hangingPunct="1">
+              <a:defRPr kumimoji="1" sz="1800" kern="1200">
+                <a:solidFill>
+                  <a:schemeClr val="lt1"/>
+                </a:solidFill>
+                <a:latin typeface="+mn-lt"/>
+                <a:ea typeface="+mn-ea"/>
+                <a:cs typeface="+mn-cs"/>
+              </a:defRPr>
+            </a:lvl1pPr>
+            <a:lvl2pPr marL="457200" algn="l" defTabSz="914400" rtl="0" eaLnBrk="1" latinLnBrk="0" hangingPunct="1">
+              <a:defRPr kumimoji="1" sz="1800" kern="1200">
+                <a:solidFill>
+                  <a:schemeClr val="lt1"/>
+                </a:solidFill>
+                <a:latin typeface="+mn-lt"/>
+                <a:ea typeface="+mn-ea"/>
+                <a:cs typeface="+mn-cs"/>
+              </a:defRPr>
+            </a:lvl2pPr>
+            <a:lvl3pPr marL="914400" algn="l" defTabSz="914400" rtl="0" eaLnBrk="1" latinLnBrk="0" hangingPunct="1">
+              <a:defRPr kumimoji="1" sz="1800" kern="1200">
+                <a:solidFill>
+                  <a:schemeClr val="lt1"/>
+                </a:solidFill>
+                <a:latin typeface="+mn-lt"/>
+                <a:ea typeface="+mn-ea"/>
+                <a:cs typeface="+mn-cs"/>
+              </a:defRPr>
+            </a:lvl3pPr>
+            <a:lvl4pPr marL="1371600" algn="l" defTabSz="914400" rtl="0" eaLnBrk="1" latinLnBrk="0" hangingPunct="1">
+              <a:defRPr kumimoji="1" sz="1800" kern="1200">
+                <a:solidFill>
+                  <a:schemeClr val="lt1"/>
+                </a:solidFill>
+                <a:latin typeface="+mn-lt"/>
+                <a:ea typeface="+mn-ea"/>
+                <a:cs typeface="+mn-cs"/>
+              </a:defRPr>
+            </a:lvl4pPr>
+            <a:lvl5pPr marL="1828800" algn="l" defTabSz="914400" rtl="0" eaLnBrk="1" latinLnBrk="0" hangingPunct="1">
+              <a:defRPr kumimoji="1" sz="1800" kern="1200">
+                <a:solidFill>
+                  <a:schemeClr val="lt1"/>
+                </a:solidFill>
+                <a:latin typeface="+mn-lt"/>
+                <a:ea typeface="+mn-ea"/>
+                <a:cs typeface="+mn-cs"/>
+              </a:defRPr>
+            </a:lvl5pPr>
+            <a:lvl6pPr marL="2286000" algn="l" defTabSz="914400" rtl="0" eaLnBrk="1" latinLnBrk="0" hangingPunct="1">
+              <a:defRPr kumimoji="1" sz="1800" kern="1200">
+                <a:solidFill>
+                  <a:schemeClr val="lt1"/>
+                </a:solidFill>
+                <a:latin typeface="+mn-lt"/>
+                <a:ea typeface="+mn-ea"/>
+                <a:cs typeface="+mn-cs"/>
+              </a:defRPr>
+            </a:lvl6pPr>
+            <a:lvl7pPr marL="2743200" algn="l" defTabSz="914400" rtl="0" eaLnBrk="1" latinLnBrk="0" hangingPunct="1">
+              <a:defRPr kumimoji="1" sz="1800" kern="1200">
+                <a:solidFill>
+                  <a:schemeClr val="lt1"/>
+                </a:solidFill>
+                <a:latin typeface="+mn-lt"/>
+                <a:ea typeface="+mn-ea"/>
+                <a:cs typeface="+mn-cs"/>
+              </a:defRPr>
+            </a:lvl7pPr>
+            <a:lvl8pPr marL="3200400" algn="l" defTabSz="914400" rtl="0" eaLnBrk="1" latinLnBrk="0" hangingPunct="1">
+              <a:defRPr kumimoji="1" sz="1800" kern="1200">
+                <a:solidFill>
+                  <a:schemeClr val="lt1"/>
+                </a:solidFill>
+                <a:latin typeface="+mn-lt"/>
+                <a:ea typeface="+mn-ea"/>
+                <a:cs typeface="+mn-cs"/>
+              </a:defRPr>
+            </a:lvl8pPr>
+            <a:lvl9pPr marL="3657600" algn="l" defTabSz="914400" rtl="0" eaLnBrk="1" latinLnBrk="0" hangingPunct="1">
+              <a:defRPr kumimoji="1" sz="1800" kern="1200">
+                <a:solidFill>
+                  <a:schemeClr val="lt1"/>
+                </a:solidFill>
+                <a:latin typeface="+mn-lt"/>
+                <a:ea typeface="+mn-ea"/>
+                <a:cs typeface="+mn-cs"/>
+              </a:defRPr>
+            </a:lvl9pPr>
+          </a:lstStyle>
+          <a:p>
+            <a:pPr algn="ctr">
+              <a:defRPr/>
+            </a:pPr>
+            <a:r>
+              <a:rPr lang="en-US" altLang="ja-JP" b="1" dirty="0" smtClean="0">
+                <a:solidFill>
+                  <a:sysClr val="window" lastClr="FFFFFF"/>
+                </a:solidFill>
+                <a:latin typeface="Calibri" panose="020F0502020204030204"/>
+                <a:ea typeface="ＭＳ Ｐゴシック" panose="020B0600070205080204" pitchFamily="50" charset="-128"/>
+              </a:rPr>
+              <a:t>VM</a:t>
+            </a:r>
+          </a:p>
+          <a:p>
+            <a:pPr algn="ctr">
+              <a:defRPr/>
+            </a:pPr>
+            <a:r>
+              <a:rPr lang="en-US" altLang="ja-JP" b="1" dirty="0" smtClean="0">
+                <a:solidFill>
+                  <a:sysClr val="window" lastClr="FFFFFF"/>
+                </a:solidFill>
+                <a:latin typeface="Calibri" panose="020F0502020204030204"/>
+                <a:ea typeface="ＭＳ Ｐゴシック" panose="020B0600070205080204" pitchFamily="50" charset="-128"/>
+              </a:rPr>
+              <a:t>#1</a:t>
+            </a:r>
+            <a:endParaRPr lang="ja-JP" altLang="en-US" b="1" dirty="0">
+              <a:solidFill>
+                <a:sysClr val="window" lastClr="FFFFFF"/>
+              </a:solidFill>
+              <a:latin typeface="Calibri" panose="020F0502020204030204"/>
+              <a:ea typeface="ＭＳ Ｐゴシック" panose="020B0600070205080204" pitchFamily="50" charset="-128"/>
+            </a:endParaRPr>
+          </a:p>
+        </p:txBody>
+      </p:sp>
+      <p:sp>
+        <p:nvSpPr>
+          <p:cNvPr id="34" name="正方形/長方形 33"/>
+          <p:cNvSpPr/>
+          <p:nvPr/>
+        </p:nvSpPr>
+        <p:spPr>
+          <a:xfrm>
+            <a:off x="7708580" y="729000"/>
+            <a:ext cx="540000" cy="540000"/>
+          </a:xfrm>
+          <a:prstGeom prst="rect">
+            <a:avLst/>
+          </a:prstGeom>
+          <a:solidFill>
+            <a:srgbClr val="5B9BD5"/>
+          </a:solidFill>
+          <a:ln w="25400" cap="flat" cmpd="sng" algn="ctr">
+            <a:solidFill>
+              <a:schemeClr val="tx1"/>
+            </a:solidFill>
+            <a:prstDash val="solid"/>
+            <a:miter lim="800000"/>
+          </a:ln>
+          <a:effectLst/>
+        </p:spPr>
+        <p:txBody>
+          <a:bodyPr wrap="none" rtlCol="0" anchor="ctr">
+            <a:noAutofit/>
+          </a:bodyPr>
+          <a:lstStyle>
+            <a:defPPr>
+              <a:defRPr lang="ja-JP"/>
+            </a:defPPr>
+            <a:lvl1pPr marL="0" algn="l" defTabSz="914400" rtl="0" eaLnBrk="1" latinLnBrk="0" hangingPunct="1">
+              <a:defRPr kumimoji="1" sz="1800" kern="1200">
+                <a:solidFill>
+                  <a:schemeClr val="lt1"/>
+                </a:solidFill>
+                <a:latin typeface="+mn-lt"/>
+                <a:ea typeface="+mn-ea"/>
+                <a:cs typeface="+mn-cs"/>
+              </a:defRPr>
+            </a:lvl1pPr>
+            <a:lvl2pPr marL="457200" algn="l" defTabSz="914400" rtl="0" eaLnBrk="1" latinLnBrk="0" hangingPunct="1">
+              <a:defRPr kumimoji="1" sz="1800" kern="1200">
+                <a:solidFill>
+                  <a:schemeClr val="lt1"/>
+                </a:solidFill>
+                <a:latin typeface="+mn-lt"/>
+                <a:ea typeface="+mn-ea"/>
+                <a:cs typeface="+mn-cs"/>
+              </a:defRPr>
+            </a:lvl2pPr>
+            <a:lvl3pPr marL="914400" algn="l" defTabSz="914400" rtl="0" eaLnBrk="1" latinLnBrk="0" hangingPunct="1">
+              <a:defRPr kumimoji="1" sz="1800" kern="1200">
+                <a:solidFill>
+                  <a:schemeClr val="lt1"/>
+                </a:solidFill>
+                <a:latin typeface="+mn-lt"/>
+                <a:ea typeface="+mn-ea"/>
+                <a:cs typeface="+mn-cs"/>
+              </a:defRPr>
+            </a:lvl3pPr>
+            <a:lvl4pPr marL="1371600" algn="l" defTabSz="914400" rtl="0" eaLnBrk="1" latinLnBrk="0" hangingPunct="1">
+              <a:defRPr kumimoji="1" sz="1800" kern="1200">
+                <a:solidFill>
+                  <a:schemeClr val="lt1"/>
+                </a:solidFill>
+                <a:latin typeface="+mn-lt"/>
+                <a:ea typeface="+mn-ea"/>
+                <a:cs typeface="+mn-cs"/>
+              </a:defRPr>
+            </a:lvl4pPr>
+            <a:lvl5pPr marL="1828800" algn="l" defTabSz="914400" rtl="0" eaLnBrk="1" latinLnBrk="0" hangingPunct="1">
+              <a:defRPr kumimoji="1" sz="1800" kern="1200">
+                <a:solidFill>
+                  <a:schemeClr val="lt1"/>
+                </a:solidFill>
+                <a:latin typeface="+mn-lt"/>
+                <a:ea typeface="+mn-ea"/>
+                <a:cs typeface="+mn-cs"/>
+              </a:defRPr>
+            </a:lvl5pPr>
+            <a:lvl6pPr marL="2286000" algn="l" defTabSz="914400" rtl="0" eaLnBrk="1" latinLnBrk="0" hangingPunct="1">
+              <a:defRPr kumimoji="1" sz="1800" kern="1200">
+                <a:solidFill>
+                  <a:schemeClr val="lt1"/>
+                </a:solidFill>
+                <a:latin typeface="+mn-lt"/>
+                <a:ea typeface="+mn-ea"/>
+                <a:cs typeface="+mn-cs"/>
+              </a:defRPr>
+            </a:lvl6pPr>
+            <a:lvl7pPr marL="2743200" algn="l" defTabSz="914400" rtl="0" eaLnBrk="1" latinLnBrk="0" hangingPunct="1">
+              <a:defRPr kumimoji="1" sz="1800" kern="1200">
+                <a:solidFill>
+                  <a:schemeClr val="lt1"/>
+                </a:solidFill>
+                <a:latin typeface="+mn-lt"/>
+                <a:ea typeface="+mn-ea"/>
+                <a:cs typeface="+mn-cs"/>
+              </a:defRPr>
+            </a:lvl7pPr>
+            <a:lvl8pPr marL="3200400" algn="l" defTabSz="914400" rtl="0" eaLnBrk="1" latinLnBrk="0" hangingPunct="1">
+              <a:defRPr kumimoji="1" sz="1800" kern="1200">
+                <a:solidFill>
+                  <a:schemeClr val="lt1"/>
+                </a:solidFill>
+                <a:latin typeface="+mn-lt"/>
+                <a:ea typeface="+mn-ea"/>
+                <a:cs typeface="+mn-cs"/>
+              </a:defRPr>
+            </a:lvl8pPr>
+            <a:lvl9pPr marL="3657600" algn="l" defTabSz="914400" rtl="0" eaLnBrk="1" latinLnBrk="0" hangingPunct="1">
+              <a:defRPr kumimoji="1" sz="1800" kern="1200">
+                <a:solidFill>
+                  <a:schemeClr val="lt1"/>
+                </a:solidFill>
+                <a:latin typeface="+mn-lt"/>
+                <a:ea typeface="+mn-ea"/>
+                <a:cs typeface="+mn-cs"/>
+              </a:defRPr>
+            </a:lvl9pPr>
+          </a:lstStyle>
+          <a:p>
+            <a:pPr algn="ctr">
+              <a:defRPr/>
+            </a:pPr>
+            <a:r>
+              <a:rPr lang="en-US" altLang="ja-JP" b="1" dirty="0" smtClean="0">
+                <a:solidFill>
+                  <a:sysClr val="window" lastClr="FFFFFF"/>
+                </a:solidFill>
+                <a:latin typeface="Calibri" panose="020F0502020204030204"/>
+                <a:ea typeface="ＭＳ Ｐゴシック" panose="020B0600070205080204" pitchFamily="50" charset="-128"/>
+              </a:rPr>
+              <a:t>VM</a:t>
+            </a:r>
+          </a:p>
+          <a:p>
+            <a:pPr algn="ctr">
+              <a:defRPr/>
+            </a:pPr>
+            <a:r>
+              <a:rPr lang="en-US" altLang="ja-JP" b="1" dirty="0" smtClean="0">
+                <a:solidFill>
+                  <a:sysClr val="window" lastClr="FFFFFF"/>
+                </a:solidFill>
+                <a:latin typeface="Calibri" panose="020F0502020204030204"/>
+                <a:ea typeface="ＭＳ Ｐゴシック" panose="020B0600070205080204" pitchFamily="50" charset="-128"/>
+              </a:rPr>
+              <a:t>#N</a:t>
+            </a:r>
+            <a:endParaRPr lang="ja-JP" altLang="en-US" sz="1200" b="1" dirty="0">
+              <a:solidFill>
+                <a:sysClr val="window" lastClr="FFFFFF"/>
+              </a:solidFill>
+              <a:latin typeface="Calibri" panose="020F0502020204030204"/>
+              <a:ea typeface="ＭＳ Ｐゴシック" panose="020B0600070205080204" pitchFamily="50" charset="-128"/>
+            </a:endParaRPr>
+          </a:p>
+        </p:txBody>
+      </p:sp>
+      <p:sp>
+        <p:nvSpPr>
+          <p:cNvPr id="35" name="正方形/長方形 34"/>
+          <p:cNvSpPr/>
+          <p:nvPr/>
+        </p:nvSpPr>
+        <p:spPr>
+          <a:xfrm>
+            <a:off x="6906000" y="2342657"/>
+            <a:ext cx="1440000" cy="360000"/>
+          </a:xfrm>
+          <a:prstGeom prst="rect">
+            <a:avLst/>
+          </a:prstGeom>
+          <a:solidFill>
+            <a:srgbClr val="002060"/>
+          </a:solidFill>
+          <a:ln w="25400" cap="flat" cmpd="sng" algn="ctr">
+            <a:solidFill>
+              <a:schemeClr val="bg1"/>
+            </a:solidFill>
+            <a:prstDash val="solid"/>
+            <a:miter lim="800000"/>
+          </a:ln>
+          <a:effectLst/>
+        </p:spPr>
+        <p:txBody>
+          <a:bodyPr wrap="none" lIns="0" tIns="0" rIns="0" bIns="0" rtlCol="0" anchor="ctr"/>
+          <a:lstStyle>
+            <a:defPPr>
+              <a:defRPr lang="ja-JP"/>
+            </a:defPPr>
+            <a:lvl1pPr marL="0" algn="l" defTabSz="914400" rtl="0" eaLnBrk="1" latinLnBrk="0" hangingPunct="1">
+              <a:defRPr kumimoji="1" sz="1800" kern="1200">
+                <a:solidFill>
+                  <a:schemeClr val="dk1"/>
+                </a:solidFill>
+                <a:latin typeface="+mn-lt"/>
+                <a:ea typeface="+mn-ea"/>
+                <a:cs typeface="+mn-cs"/>
+              </a:defRPr>
+            </a:lvl1pPr>
+            <a:lvl2pPr marL="457200" algn="l" defTabSz="914400" rtl="0" eaLnBrk="1" latinLnBrk="0" hangingPunct="1">
+              <a:defRPr kumimoji="1" sz="1800" kern="1200">
+                <a:solidFill>
+                  <a:schemeClr val="dk1"/>
+                </a:solidFill>
+                <a:latin typeface="+mn-lt"/>
+                <a:ea typeface="+mn-ea"/>
+                <a:cs typeface="+mn-cs"/>
+              </a:defRPr>
+            </a:lvl2pPr>
+            <a:lvl3pPr marL="914400" algn="l" defTabSz="914400" rtl="0" eaLnBrk="1" latinLnBrk="0" hangingPunct="1">
+              <a:defRPr kumimoji="1" sz="1800" kern="1200">
+                <a:solidFill>
+                  <a:schemeClr val="dk1"/>
+                </a:solidFill>
+                <a:latin typeface="+mn-lt"/>
+                <a:ea typeface="+mn-ea"/>
+                <a:cs typeface="+mn-cs"/>
+              </a:defRPr>
+            </a:lvl3pPr>
+            <a:lvl4pPr marL="1371600" algn="l" defTabSz="914400" rtl="0" eaLnBrk="1" latinLnBrk="0" hangingPunct="1">
+              <a:defRPr kumimoji="1" sz="1800" kern="1200">
+                <a:solidFill>
+                  <a:schemeClr val="dk1"/>
+                </a:solidFill>
+                <a:latin typeface="+mn-lt"/>
+                <a:ea typeface="+mn-ea"/>
+                <a:cs typeface="+mn-cs"/>
+              </a:defRPr>
+            </a:lvl4pPr>
+            <a:lvl5pPr marL="1828800" algn="l" defTabSz="914400" rtl="0" eaLnBrk="1" latinLnBrk="0" hangingPunct="1">
+              <a:defRPr kumimoji="1" sz="1800" kern="1200">
+                <a:solidFill>
+                  <a:schemeClr val="dk1"/>
+                </a:solidFill>
+                <a:latin typeface="+mn-lt"/>
+                <a:ea typeface="+mn-ea"/>
+                <a:cs typeface="+mn-cs"/>
+              </a:defRPr>
+            </a:lvl5pPr>
+            <a:lvl6pPr marL="2286000" algn="l" defTabSz="914400" rtl="0" eaLnBrk="1" latinLnBrk="0" hangingPunct="1">
+              <a:defRPr kumimoji="1" sz="1800" kern="1200">
+                <a:solidFill>
+                  <a:schemeClr val="dk1"/>
+                </a:solidFill>
+                <a:latin typeface="+mn-lt"/>
+                <a:ea typeface="+mn-ea"/>
+                <a:cs typeface="+mn-cs"/>
+              </a:defRPr>
+            </a:lvl6pPr>
+            <a:lvl7pPr marL="2743200" algn="l" defTabSz="914400" rtl="0" eaLnBrk="1" latinLnBrk="0" hangingPunct="1">
+              <a:defRPr kumimoji="1" sz="1800" kern="1200">
+                <a:solidFill>
+                  <a:schemeClr val="dk1"/>
+                </a:solidFill>
+                <a:latin typeface="+mn-lt"/>
+                <a:ea typeface="+mn-ea"/>
+                <a:cs typeface="+mn-cs"/>
+              </a:defRPr>
+            </a:lvl7pPr>
+            <a:lvl8pPr marL="3200400" algn="l" defTabSz="914400" rtl="0" eaLnBrk="1" latinLnBrk="0" hangingPunct="1">
+              <a:defRPr kumimoji="1" sz="1800" kern="1200">
+                <a:solidFill>
+                  <a:schemeClr val="dk1"/>
+                </a:solidFill>
+                <a:latin typeface="+mn-lt"/>
+                <a:ea typeface="+mn-ea"/>
+                <a:cs typeface="+mn-cs"/>
+              </a:defRPr>
+            </a:lvl8pPr>
+            <a:lvl9pPr marL="3657600" algn="l" defTabSz="914400" rtl="0" eaLnBrk="1" latinLnBrk="0" hangingPunct="1">
+              <a:defRPr kumimoji="1" sz="1800" kern="1200">
+                <a:solidFill>
+                  <a:schemeClr val="dk1"/>
+                </a:solidFill>
+                <a:latin typeface="+mn-lt"/>
+                <a:ea typeface="+mn-ea"/>
+                <a:cs typeface="+mn-cs"/>
+              </a:defRPr>
+            </a:lvl9pPr>
+          </a:lstStyle>
+          <a:p>
+            <a:pPr algn="ctr">
+              <a:defRPr/>
+            </a:pPr>
+            <a:r>
+              <a:rPr lang="en-US" altLang="ja-JP" sz="2000" dirty="0">
+                <a:solidFill>
+                  <a:schemeClr val="bg1"/>
+                </a:solidFill>
+                <a:latin typeface="Calibri" panose="020F0502020204030204"/>
+                <a:ea typeface="ＭＳ Ｐゴシック" panose="020B0600070205080204" pitchFamily="50" charset="-128"/>
+              </a:rPr>
+              <a:t>iSCSI Target</a:t>
+            </a:r>
+            <a:endParaRPr lang="ja-JP" altLang="en-US" sz="2000" dirty="0">
+              <a:solidFill>
+                <a:schemeClr val="bg1"/>
+              </a:solidFill>
+              <a:latin typeface="Calibri" panose="020F0502020204030204"/>
+              <a:ea typeface="ＭＳ Ｐゴシック" panose="020B0600070205080204" pitchFamily="50" charset="-128"/>
+            </a:endParaRPr>
+          </a:p>
+        </p:txBody>
+      </p:sp>
+      <p:cxnSp>
+        <p:nvCxnSpPr>
+          <p:cNvPr id="19" name="直線コネクタ 18"/>
+          <p:cNvCxnSpPr>
+            <a:stCxn id="16" idx="2"/>
+            <a:endCxn id="35" idx="0"/>
+          </p:cNvCxnSpPr>
+          <p:nvPr/>
+        </p:nvCxnSpPr>
+        <p:spPr>
+          <a:xfrm>
+            <a:off x="7626000" y="1809001"/>
+            <a:ext cx="0" cy="533656"/>
+          </a:xfrm>
+          <a:prstGeom prst="line">
+            <a:avLst/>
+          </a:prstGeom>
+          <a:noFill/>
+          <a:ln w="50800" cap="flat" cmpd="sng" algn="ctr">
+            <a:solidFill>
+              <a:srgbClr val="FFC000"/>
+            </a:solidFill>
+            <a:prstDash val="solid"/>
+            <a:miter lim="800000"/>
+            <a:headEnd type="oval" w="sm" len="sm"/>
+            <a:tailEnd type="oval" w="sm" len="sm"/>
+          </a:ln>
+          <a:effectLst/>
+        </p:spPr>
+      </p:cxnSp>
+      <p:grpSp>
+        <p:nvGrpSpPr>
+          <p:cNvPr id="37" name="グループ化 36"/>
+          <p:cNvGrpSpPr/>
+          <p:nvPr/>
+        </p:nvGrpSpPr>
+        <p:grpSpPr>
+          <a:xfrm>
+            <a:off x="6636000" y="3416840"/>
+            <a:ext cx="1980000" cy="1080000"/>
+            <a:chOff x="900000" y="4553637"/>
+            <a:chExt cx="1980000" cy="1080000"/>
+          </a:xfrm>
+        </p:grpSpPr>
+        <p:sp>
+          <p:nvSpPr>
+            <p:cNvPr id="38" name="円柱 37"/>
+            <p:cNvSpPr/>
+            <p:nvPr/>
+          </p:nvSpPr>
+          <p:spPr>
+            <a:xfrm>
+              <a:off x="900000" y="4553637"/>
+              <a:ext cx="1980000" cy="1080000"/>
+            </a:xfrm>
+            <a:prstGeom prst="can">
+              <a:avLst/>
+            </a:prstGeom>
+            <a:solidFill>
+              <a:srgbClr val="002060"/>
+            </a:solidFill>
+            <a:ln w="25400" cap="flat" cmpd="sng" algn="ctr">
+              <a:solidFill>
+                <a:schemeClr val="bg1"/>
+              </a:solidFill>
+              <a:prstDash val="solid"/>
+              <a:miter lim="800000"/>
+            </a:ln>
+            <a:effectLst/>
+          </p:spPr>
+          <p:txBody>
+            <a:bodyPr rtlCol="0" anchor="ctr"/>
+            <a:lstStyle>
+              <a:defPPr>
+                <a:defRPr lang="ja-JP"/>
+              </a:defPPr>
+              <a:lvl1pPr marL="0" algn="l" defTabSz="914400" rtl="0" eaLnBrk="1" latinLnBrk="0" hangingPunct="1">
+                <a:defRPr kumimoji="1" sz="1800" kern="1200">
+                  <a:solidFill>
+                    <a:schemeClr val="dk1"/>
+                  </a:solidFill>
+                  <a:latin typeface="+mn-lt"/>
+                  <a:ea typeface="+mn-ea"/>
+                  <a:cs typeface="+mn-cs"/>
+                </a:defRPr>
+              </a:lvl1pPr>
+              <a:lvl2pPr marL="457200" algn="l" defTabSz="914400" rtl="0" eaLnBrk="1" latinLnBrk="0" hangingPunct="1">
+                <a:defRPr kumimoji="1" sz="1800" kern="1200">
+                  <a:solidFill>
+                    <a:schemeClr val="dk1"/>
+                  </a:solidFill>
+                  <a:latin typeface="+mn-lt"/>
+                  <a:ea typeface="+mn-ea"/>
+                  <a:cs typeface="+mn-cs"/>
+                </a:defRPr>
+              </a:lvl2pPr>
+              <a:lvl3pPr marL="914400" algn="l" defTabSz="914400" rtl="0" eaLnBrk="1" latinLnBrk="0" hangingPunct="1">
+                <a:defRPr kumimoji="1" sz="1800" kern="1200">
+                  <a:solidFill>
+                    <a:schemeClr val="dk1"/>
+                  </a:solidFill>
+                  <a:latin typeface="+mn-lt"/>
+                  <a:ea typeface="+mn-ea"/>
+                  <a:cs typeface="+mn-cs"/>
+                </a:defRPr>
+              </a:lvl3pPr>
+              <a:lvl4pPr marL="1371600" algn="l" defTabSz="914400" rtl="0" eaLnBrk="1" latinLnBrk="0" hangingPunct="1">
+                <a:defRPr kumimoji="1" sz="1800" kern="1200">
+                  <a:solidFill>
+                    <a:schemeClr val="dk1"/>
+                  </a:solidFill>
+                  <a:latin typeface="+mn-lt"/>
+                  <a:ea typeface="+mn-ea"/>
+                  <a:cs typeface="+mn-cs"/>
+                </a:defRPr>
+              </a:lvl4pPr>
+              <a:lvl5pPr marL="1828800" algn="l" defTabSz="914400" rtl="0" eaLnBrk="1" latinLnBrk="0" hangingPunct="1">
+                <a:defRPr kumimoji="1" sz="1800" kern="1200">
+                  <a:solidFill>
+                    <a:schemeClr val="dk1"/>
+                  </a:solidFill>
+                  <a:latin typeface="+mn-lt"/>
+                  <a:ea typeface="+mn-ea"/>
+                  <a:cs typeface="+mn-cs"/>
+                </a:defRPr>
+              </a:lvl5pPr>
+              <a:lvl6pPr marL="2286000" algn="l" defTabSz="914400" rtl="0" eaLnBrk="1" latinLnBrk="0" hangingPunct="1">
+                <a:defRPr kumimoji="1" sz="1800" kern="1200">
+                  <a:solidFill>
+                    <a:schemeClr val="dk1"/>
+                  </a:solidFill>
+                  <a:latin typeface="+mn-lt"/>
+                  <a:ea typeface="+mn-ea"/>
+                  <a:cs typeface="+mn-cs"/>
+                </a:defRPr>
+              </a:lvl6pPr>
+              <a:lvl7pPr marL="2743200" algn="l" defTabSz="914400" rtl="0" eaLnBrk="1" latinLnBrk="0" hangingPunct="1">
+                <a:defRPr kumimoji="1" sz="1800" kern="1200">
+                  <a:solidFill>
+                    <a:schemeClr val="dk1"/>
+                  </a:solidFill>
+                  <a:latin typeface="+mn-lt"/>
+                  <a:ea typeface="+mn-ea"/>
+                  <a:cs typeface="+mn-cs"/>
+                </a:defRPr>
+              </a:lvl7pPr>
+              <a:lvl8pPr marL="3200400" algn="l" defTabSz="914400" rtl="0" eaLnBrk="1" latinLnBrk="0" hangingPunct="1">
+                <a:defRPr kumimoji="1" sz="1800" kern="1200">
+                  <a:solidFill>
+                    <a:schemeClr val="dk1"/>
+                  </a:solidFill>
+                  <a:latin typeface="+mn-lt"/>
+                  <a:ea typeface="+mn-ea"/>
+                  <a:cs typeface="+mn-cs"/>
+                </a:defRPr>
+              </a:lvl8pPr>
+              <a:lvl9pPr marL="3657600" algn="l" defTabSz="914400" rtl="0" eaLnBrk="1" latinLnBrk="0" hangingPunct="1">
+                <a:defRPr kumimoji="1" sz="1800" kern="1200">
+                  <a:solidFill>
+                    <a:schemeClr val="dk1"/>
+                  </a:solidFill>
+                  <a:latin typeface="+mn-lt"/>
+                  <a:ea typeface="+mn-ea"/>
+                  <a:cs typeface="+mn-cs"/>
+                </a:defRPr>
+              </a:lvl9pPr>
+            </a:lstStyle>
+            <a:p>
+              <a:pPr algn="ctr">
+                <a:defRPr/>
+              </a:pPr>
+              <a:endParaRPr lang="ja-JP" altLang="en-US" sz="1600">
+                <a:solidFill>
+                  <a:sysClr val="windowText" lastClr="000000"/>
+                </a:solidFill>
+                <a:latin typeface="Calibri" panose="020F0502020204030204"/>
+                <a:ea typeface="ＭＳ Ｐゴシック" panose="020B0600070205080204" pitchFamily="50" charset="-128"/>
+              </a:endParaRPr>
+            </a:p>
+          </p:txBody>
+        </p:sp>
+        <p:sp>
+          <p:nvSpPr>
+            <p:cNvPr id="39" name="円柱 38"/>
+            <p:cNvSpPr/>
+            <p:nvPr/>
+          </p:nvSpPr>
+          <p:spPr>
+            <a:xfrm>
+              <a:off x="1080000" y="4734000"/>
+              <a:ext cx="720000" cy="720000"/>
+            </a:xfrm>
+            <a:prstGeom prst="can">
+              <a:avLst/>
+            </a:prstGeom>
+            <a:solidFill>
+              <a:srgbClr val="5B9BD5"/>
+            </a:solidFill>
+            <a:ln w="25400" cap="flat" cmpd="sng" algn="ctr">
+              <a:solidFill>
+                <a:schemeClr val="bg1"/>
+              </a:solidFill>
+              <a:prstDash val="solid"/>
+              <a:miter lim="800000"/>
+            </a:ln>
+            <a:effectLst/>
+          </p:spPr>
+          <p:txBody>
+            <a:bodyPr wrap="none" rtlCol="0" anchor="ctr">
+              <a:noAutofit/>
+            </a:bodyPr>
+            <a:lstStyle>
+              <a:defPPr>
+                <a:defRPr lang="ja-JP"/>
+              </a:defPPr>
+              <a:lvl1pPr marL="0" algn="l" defTabSz="914400" rtl="0" eaLnBrk="1" latinLnBrk="0" hangingPunct="1">
+                <a:defRPr kumimoji="1" sz="1800" kern="1200">
+                  <a:solidFill>
+                    <a:schemeClr val="dk1"/>
+                  </a:solidFill>
+                  <a:latin typeface="+mn-lt"/>
+                  <a:ea typeface="+mn-ea"/>
+                  <a:cs typeface="+mn-cs"/>
+                </a:defRPr>
+              </a:lvl1pPr>
+              <a:lvl2pPr marL="457200" algn="l" defTabSz="914400" rtl="0" eaLnBrk="1" latinLnBrk="0" hangingPunct="1">
+                <a:defRPr kumimoji="1" sz="1800" kern="1200">
+                  <a:solidFill>
+                    <a:schemeClr val="dk1"/>
+                  </a:solidFill>
+                  <a:latin typeface="+mn-lt"/>
+                  <a:ea typeface="+mn-ea"/>
+                  <a:cs typeface="+mn-cs"/>
+                </a:defRPr>
+              </a:lvl2pPr>
+              <a:lvl3pPr marL="914400" algn="l" defTabSz="914400" rtl="0" eaLnBrk="1" latinLnBrk="0" hangingPunct="1">
+                <a:defRPr kumimoji="1" sz="1800" kern="1200">
+                  <a:solidFill>
+                    <a:schemeClr val="dk1"/>
+                  </a:solidFill>
+                  <a:latin typeface="+mn-lt"/>
+                  <a:ea typeface="+mn-ea"/>
+                  <a:cs typeface="+mn-cs"/>
+                </a:defRPr>
+              </a:lvl3pPr>
+              <a:lvl4pPr marL="1371600" algn="l" defTabSz="914400" rtl="0" eaLnBrk="1" latinLnBrk="0" hangingPunct="1">
+                <a:defRPr kumimoji="1" sz="1800" kern="1200">
+                  <a:solidFill>
+                    <a:schemeClr val="dk1"/>
+                  </a:solidFill>
+                  <a:latin typeface="+mn-lt"/>
+                  <a:ea typeface="+mn-ea"/>
+                  <a:cs typeface="+mn-cs"/>
+                </a:defRPr>
+              </a:lvl4pPr>
+              <a:lvl5pPr marL="1828800" algn="l" defTabSz="914400" rtl="0" eaLnBrk="1" latinLnBrk="0" hangingPunct="1">
+                <a:defRPr kumimoji="1" sz="1800" kern="1200">
+                  <a:solidFill>
+                    <a:schemeClr val="dk1"/>
+                  </a:solidFill>
+                  <a:latin typeface="+mn-lt"/>
+                  <a:ea typeface="+mn-ea"/>
+                  <a:cs typeface="+mn-cs"/>
+                </a:defRPr>
+              </a:lvl5pPr>
+              <a:lvl6pPr marL="2286000" algn="l" defTabSz="914400" rtl="0" eaLnBrk="1" latinLnBrk="0" hangingPunct="1">
+                <a:defRPr kumimoji="1" sz="1800" kern="1200">
+                  <a:solidFill>
+                    <a:schemeClr val="dk1"/>
+                  </a:solidFill>
+                  <a:latin typeface="+mn-lt"/>
+                  <a:ea typeface="+mn-ea"/>
+                  <a:cs typeface="+mn-cs"/>
+                </a:defRPr>
+              </a:lvl6pPr>
+              <a:lvl7pPr marL="2743200" algn="l" defTabSz="914400" rtl="0" eaLnBrk="1" latinLnBrk="0" hangingPunct="1">
+                <a:defRPr kumimoji="1" sz="1800" kern="1200">
+                  <a:solidFill>
+                    <a:schemeClr val="dk1"/>
+                  </a:solidFill>
+                  <a:latin typeface="+mn-lt"/>
+                  <a:ea typeface="+mn-ea"/>
+                  <a:cs typeface="+mn-cs"/>
+                </a:defRPr>
+              </a:lvl7pPr>
+              <a:lvl8pPr marL="3200400" algn="l" defTabSz="914400" rtl="0" eaLnBrk="1" latinLnBrk="0" hangingPunct="1">
+                <a:defRPr kumimoji="1" sz="1800" kern="1200">
+                  <a:solidFill>
+                    <a:schemeClr val="dk1"/>
+                  </a:solidFill>
+                  <a:latin typeface="+mn-lt"/>
+                  <a:ea typeface="+mn-ea"/>
+                  <a:cs typeface="+mn-cs"/>
+                </a:defRPr>
+              </a:lvl8pPr>
+              <a:lvl9pPr marL="3657600" algn="l" defTabSz="914400" rtl="0" eaLnBrk="1" latinLnBrk="0" hangingPunct="1">
+                <a:defRPr kumimoji="1" sz="1800" kern="1200">
+                  <a:solidFill>
+                    <a:schemeClr val="dk1"/>
+                  </a:solidFill>
+                  <a:latin typeface="+mn-lt"/>
+                  <a:ea typeface="+mn-ea"/>
+                  <a:cs typeface="+mn-cs"/>
+                </a:defRPr>
+              </a:lvl9pPr>
+            </a:lstStyle>
+            <a:p>
+              <a:pPr algn="ctr">
+                <a:defRPr/>
+              </a:pPr>
+              <a:r>
+                <a:rPr lang="en-US" altLang="ja-JP" sz="1600" b="1" dirty="0" smtClean="0">
+                  <a:solidFill>
+                    <a:sysClr val="windowText" lastClr="000000"/>
+                  </a:solidFill>
+                  <a:latin typeface="Calibri" panose="020F0502020204030204"/>
+                  <a:ea typeface="ＭＳ Ｐゴシック" panose="020B0600070205080204" pitchFamily="50" charset="-128"/>
+                </a:rPr>
+                <a:t>VM#1</a:t>
+              </a:r>
+            </a:p>
+            <a:p>
+              <a:pPr algn="ctr">
+                <a:defRPr/>
+              </a:pPr>
+              <a:r>
+                <a:rPr lang="en-US" altLang="ja-JP" sz="1200" b="1" dirty="0" smtClean="0">
+                  <a:solidFill>
+                    <a:sysClr val="windowText" lastClr="000000"/>
+                  </a:solidFill>
+                  <a:latin typeface="Calibri" panose="020F0502020204030204"/>
+                  <a:ea typeface="ＭＳ Ｐゴシック" panose="020B0600070205080204" pitchFamily="50" charset="-128"/>
+                </a:rPr>
+                <a:t>.vmdk</a:t>
+              </a:r>
+              <a:endParaRPr lang="ja-JP" altLang="en-US" sz="1200" b="1" dirty="0">
+                <a:solidFill>
+                  <a:sysClr val="windowText" lastClr="000000"/>
+                </a:solidFill>
+                <a:latin typeface="Calibri" panose="020F0502020204030204"/>
+                <a:ea typeface="ＭＳ Ｐゴシック" panose="020B0600070205080204" pitchFamily="50" charset="-128"/>
+              </a:endParaRPr>
+            </a:p>
+          </p:txBody>
+        </p:sp>
+        <p:sp>
+          <p:nvSpPr>
+            <p:cNvPr id="40" name="円柱 39"/>
+            <p:cNvSpPr/>
+            <p:nvPr/>
+          </p:nvSpPr>
+          <p:spPr>
+            <a:xfrm>
+              <a:off x="1980000" y="4733637"/>
+              <a:ext cx="720000" cy="720000"/>
+            </a:xfrm>
+            <a:prstGeom prst="can">
+              <a:avLst/>
+            </a:prstGeom>
+            <a:solidFill>
+              <a:srgbClr val="5B9BD5"/>
+            </a:solidFill>
+            <a:ln w="25400" cap="flat" cmpd="sng" algn="ctr">
+              <a:solidFill>
+                <a:schemeClr val="bg1"/>
+              </a:solidFill>
+              <a:prstDash val="solid"/>
+              <a:miter lim="800000"/>
+            </a:ln>
+            <a:effectLst/>
+          </p:spPr>
+          <p:txBody>
+            <a:bodyPr wrap="none" rtlCol="0" anchor="ctr">
+              <a:noAutofit/>
+            </a:bodyPr>
+            <a:lstStyle>
+              <a:defPPr>
+                <a:defRPr lang="ja-JP"/>
+              </a:defPPr>
+              <a:lvl1pPr marL="0" algn="l" defTabSz="914400" rtl="0" eaLnBrk="1" latinLnBrk="0" hangingPunct="1">
+                <a:defRPr kumimoji="1" sz="1800" kern="1200">
+                  <a:solidFill>
+                    <a:schemeClr val="dk1"/>
+                  </a:solidFill>
+                  <a:latin typeface="+mn-lt"/>
+                  <a:ea typeface="+mn-ea"/>
+                  <a:cs typeface="+mn-cs"/>
+                </a:defRPr>
+              </a:lvl1pPr>
+              <a:lvl2pPr marL="457200" algn="l" defTabSz="914400" rtl="0" eaLnBrk="1" latinLnBrk="0" hangingPunct="1">
+                <a:defRPr kumimoji="1" sz="1800" kern="1200">
+                  <a:solidFill>
+                    <a:schemeClr val="dk1"/>
+                  </a:solidFill>
+                  <a:latin typeface="+mn-lt"/>
+                  <a:ea typeface="+mn-ea"/>
+                  <a:cs typeface="+mn-cs"/>
+                </a:defRPr>
+              </a:lvl2pPr>
+              <a:lvl3pPr marL="914400" algn="l" defTabSz="914400" rtl="0" eaLnBrk="1" latinLnBrk="0" hangingPunct="1">
+                <a:defRPr kumimoji="1" sz="1800" kern="1200">
+                  <a:solidFill>
+                    <a:schemeClr val="dk1"/>
+                  </a:solidFill>
+                  <a:latin typeface="+mn-lt"/>
+                  <a:ea typeface="+mn-ea"/>
+                  <a:cs typeface="+mn-cs"/>
+                </a:defRPr>
+              </a:lvl3pPr>
+              <a:lvl4pPr marL="1371600" algn="l" defTabSz="914400" rtl="0" eaLnBrk="1" latinLnBrk="0" hangingPunct="1">
+                <a:defRPr kumimoji="1" sz="1800" kern="1200">
+                  <a:solidFill>
+                    <a:schemeClr val="dk1"/>
+                  </a:solidFill>
+                  <a:latin typeface="+mn-lt"/>
+                  <a:ea typeface="+mn-ea"/>
+                  <a:cs typeface="+mn-cs"/>
+                </a:defRPr>
+              </a:lvl4pPr>
+              <a:lvl5pPr marL="1828800" algn="l" defTabSz="914400" rtl="0" eaLnBrk="1" latinLnBrk="0" hangingPunct="1">
+                <a:defRPr kumimoji="1" sz="1800" kern="1200">
+                  <a:solidFill>
+                    <a:schemeClr val="dk1"/>
+                  </a:solidFill>
+                  <a:latin typeface="+mn-lt"/>
+                  <a:ea typeface="+mn-ea"/>
+                  <a:cs typeface="+mn-cs"/>
+                </a:defRPr>
+              </a:lvl5pPr>
+              <a:lvl6pPr marL="2286000" algn="l" defTabSz="914400" rtl="0" eaLnBrk="1" latinLnBrk="0" hangingPunct="1">
+                <a:defRPr kumimoji="1" sz="1800" kern="1200">
+                  <a:solidFill>
+                    <a:schemeClr val="dk1"/>
+                  </a:solidFill>
+                  <a:latin typeface="+mn-lt"/>
+                  <a:ea typeface="+mn-ea"/>
+                  <a:cs typeface="+mn-cs"/>
+                </a:defRPr>
+              </a:lvl6pPr>
+              <a:lvl7pPr marL="2743200" algn="l" defTabSz="914400" rtl="0" eaLnBrk="1" latinLnBrk="0" hangingPunct="1">
+                <a:defRPr kumimoji="1" sz="1800" kern="1200">
+                  <a:solidFill>
+                    <a:schemeClr val="dk1"/>
+                  </a:solidFill>
+                  <a:latin typeface="+mn-lt"/>
+                  <a:ea typeface="+mn-ea"/>
+                  <a:cs typeface="+mn-cs"/>
+                </a:defRPr>
+              </a:lvl7pPr>
+              <a:lvl8pPr marL="3200400" algn="l" defTabSz="914400" rtl="0" eaLnBrk="1" latinLnBrk="0" hangingPunct="1">
+                <a:defRPr kumimoji="1" sz="1800" kern="1200">
+                  <a:solidFill>
+                    <a:schemeClr val="dk1"/>
+                  </a:solidFill>
+                  <a:latin typeface="+mn-lt"/>
+                  <a:ea typeface="+mn-ea"/>
+                  <a:cs typeface="+mn-cs"/>
+                </a:defRPr>
+              </a:lvl8pPr>
+              <a:lvl9pPr marL="3657600" algn="l" defTabSz="914400" rtl="0" eaLnBrk="1" latinLnBrk="0" hangingPunct="1">
+                <a:defRPr kumimoji="1" sz="1800" kern="1200">
+                  <a:solidFill>
+                    <a:schemeClr val="dk1"/>
+                  </a:solidFill>
+                  <a:latin typeface="+mn-lt"/>
+                  <a:ea typeface="+mn-ea"/>
+                  <a:cs typeface="+mn-cs"/>
+                </a:defRPr>
+              </a:lvl9pPr>
+            </a:lstStyle>
+            <a:p>
+              <a:pPr algn="ctr">
+                <a:defRPr/>
+              </a:pPr>
+              <a:r>
+                <a:rPr lang="en-US" altLang="ja-JP" sz="1600" b="1" dirty="0" smtClean="0">
+                  <a:solidFill>
+                    <a:sysClr val="windowText" lastClr="000000"/>
+                  </a:solidFill>
+                  <a:latin typeface="Calibri" panose="020F0502020204030204"/>
+                  <a:ea typeface="ＭＳ Ｐゴシック" panose="020B0600070205080204" pitchFamily="50" charset="-128"/>
+                </a:rPr>
+                <a:t>VM#N</a:t>
+              </a:r>
+            </a:p>
+            <a:p>
+              <a:pPr algn="ctr">
+                <a:defRPr/>
+              </a:pPr>
+              <a:r>
+                <a:rPr lang="en-US" altLang="ja-JP" sz="1200" b="1" dirty="0" smtClean="0">
+                  <a:solidFill>
+                    <a:sysClr val="windowText" lastClr="000000"/>
+                  </a:solidFill>
+                  <a:latin typeface="Calibri" panose="020F0502020204030204"/>
+                  <a:ea typeface="ＭＳ Ｐゴシック" panose="020B0600070205080204" pitchFamily="50" charset="-128"/>
+                </a:rPr>
+                <a:t>.vmdk</a:t>
+              </a:r>
+              <a:endParaRPr lang="ja-JP" altLang="en-US" sz="1200" b="1" dirty="0">
+                <a:solidFill>
+                  <a:sysClr val="windowText" lastClr="000000"/>
+                </a:solidFill>
+                <a:latin typeface="Calibri" panose="020F0502020204030204"/>
+                <a:ea typeface="ＭＳ Ｐゴシック" panose="020B0600070205080204" pitchFamily="50" charset="-128"/>
+              </a:endParaRPr>
+            </a:p>
+          </p:txBody>
+        </p:sp>
+      </p:grpSp>
+      <p:sp>
+        <p:nvSpPr>
+          <p:cNvPr id="10" name="十字形 9"/>
+          <p:cNvSpPr/>
+          <p:nvPr/>
+        </p:nvSpPr>
+        <p:spPr>
+          <a:xfrm rot="2700000">
+            <a:off x="2765999" y="1089000"/>
+            <a:ext cx="3600000" cy="3600000"/>
+          </a:xfrm>
+          <a:prstGeom prst="plus">
+            <a:avLst>
+              <a:gd name="adj" fmla="val 45237"/>
+            </a:avLst>
+          </a:prstGeom>
+          <a:solidFill>
+            <a:srgbClr val="FF0000"/>
+          </a:solidFill>
+        </p:spPr>
+        <p:style>
+          <a:lnRef idx="2">
+            <a:schemeClr val="accent1">
+              <a:shade val="50000"/>
+            </a:schemeClr>
+          </a:lnRef>
+          <a:fillRef idx="1">
+            <a:schemeClr val="accent1"/>
+          </a:fillRef>
+          <a:effectRef idx="0">
+            <a:schemeClr val="accent1"/>
+          </a:effectRef>
+          <a:fontRef idx="minor">
+            <a:schemeClr val="lt1"/>
+          </a:fontRef>
+        </p:style>
+        <p:txBody>
+          <a:bodyPr rtlCol="0" anchor="ctr"/>
+          <a:lstStyle/>
+          <a:p>
+            <a:pPr algn="ctr"/>
+            <a:endParaRPr kumimoji="1" lang="ja-JP" altLang="en-US"/>
+          </a:p>
+        </p:txBody>
+      </p:sp>
+    </p:spTree>
+    <p:extLst>
+      <p:ext uri="{BB962C8B-B14F-4D97-AF65-F5344CB8AC3E}">
+        <p14:creationId xmlns:p14="http://schemas.microsoft.com/office/powerpoint/2010/main" val="884052752"/>
+      </p:ext>
+    </p:extLst>
+  </p:cSld>
+  <p:clrMapOvr>
+    <a:masterClrMapping/>
+  </p:clrMapOvr>
+</p:sld>
+</file>
+
+<file path=ppt/slides/slide4.xml><?xml version="1.0" encoding="utf-8"?>
+<p:sld xmlns:a="http://schemas.openxmlformats.org/drawingml/2006/main" xmlns:r="http://schemas.openxmlformats.org/officeDocument/2006/relationships" xmlns:p="http://schemas.openxmlformats.org/presentationml/2006/main">
+  <p:cSld>
+    <p:spTree>
+      <p:nvGrpSpPr>
+        <p:cNvPr id="1" name=""/>
+        <p:cNvGrpSpPr/>
+        <p:nvPr/>
+      </p:nvGrpSpPr>
+      <p:grpSpPr>
+        <a:xfrm>
+          <a:off x="0" y="0"/>
+          <a:ext cx="0" cy="0"/>
+          <a:chOff x="0" y="0"/>
+          <a:chExt cx="0" cy="0"/>
+        </a:xfrm>
+      </p:grpSpPr>
+      <p:sp>
+        <p:nvSpPr>
+          <p:cNvPr id="4" name="正方形/長方形 3"/>
+          <p:cNvSpPr/>
+          <p:nvPr/>
+        </p:nvSpPr>
+        <p:spPr>
+          <a:xfrm>
+            <a:off x="3396000" y="2169000"/>
+            <a:ext cx="2340000" cy="2880000"/>
+          </a:xfrm>
+          <a:prstGeom prst="rect">
+            <a:avLst/>
+          </a:prstGeom>
+          <a:solidFill>
+            <a:srgbClr val="5B9BD5"/>
+          </a:solidFill>
+          <a:ln w="25400" cap="flat" cmpd="sng" algn="ctr">
+            <a:solidFill>
+              <a:schemeClr val="tx1"/>
+            </a:solidFill>
+            <a:prstDash val="solid"/>
+            <a:miter lim="800000"/>
+          </a:ln>
+          <a:effectLst/>
+        </p:spPr>
+        <p:txBody>
+          <a:bodyPr rtlCol="0" anchor="b" anchorCtr="0"/>
+          <a:lstStyle>
+            <a:defPPr>
+              <a:defRPr lang="ja-JP"/>
+            </a:defPPr>
+            <a:lvl1pPr marL="0" algn="l" defTabSz="914400" rtl="0" eaLnBrk="1" latinLnBrk="0" hangingPunct="1">
+              <a:defRPr kumimoji="1" sz="1800" kern="1200">
+                <a:solidFill>
+                  <a:schemeClr val="lt1"/>
+                </a:solidFill>
+                <a:latin typeface="+mn-lt"/>
+                <a:ea typeface="+mn-ea"/>
+                <a:cs typeface="+mn-cs"/>
+              </a:defRPr>
+            </a:lvl1pPr>
+            <a:lvl2pPr marL="457200" algn="l" defTabSz="914400" rtl="0" eaLnBrk="1" latinLnBrk="0" hangingPunct="1">
+              <a:defRPr kumimoji="1" sz="1800" kern="1200">
+                <a:solidFill>
+                  <a:schemeClr val="lt1"/>
+                </a:solidFill>
+                <a:latin typeface="+mn-lt"/>
+                <a:ea typeface="+mn-ea"/>
+                <a:cs typeface="+mn-cs"/>
+              </a:defRPr>
+            </a:lvl2pPr>
+            <a:lvl3pPr marL="914400" algn="l" defTabSz="914400" rtl="0" eaLnBrk="1" latinLnBrk="0" hangingPunct="1">
+              <a:defRPr kumimoji="1" sz="1800" kern="1200">
+                <a:solidFill>
+                  <a:schemeClr val="lt1"/>
+                </a:solidFill>
+                <a:latin typeface="+mn-lt"/>
+                <a:ea typeface="+mn-ea"/>
+                <a:cs typeface="+mn-cs"/>
+              </a:defRPr>
+            </a:lvl3pPr>
+            <a:lvl4pPr marL="1371600" algn="l" defTabSz="914400" rtl="0" eaLnBrk="1" latinLnBrk="0" hangingPunct="1">
+              <a:defRPr kumimoji="1" sz="1800" kern="1200">
+                <a:solidFill>
+                  <a:schemeClr val="lt1"/>
+                </a:solidFill>
+                <a:latin typeface="+mn-lt"/>
+                <a:ea typeface="+mn-ea"/>
+                <a:cs typeface="+mn-cs"/>
+              </a:defRPr>
+            </a:lvl4pPr>
+            <a:lvl5pPr marL="1828800" algn="l" defTabSz="914400" rtl="0" eaLnBrk="1" latinLnBrk="0" hangingPunct="1">
+              <a:defRPr kumimoji="1" sz="1800" kern="1200">
+                <a:solidFill>
+                  <a:schemeClr val="lt1"/>
+                </a:solidFill>
+                <a:latin typeface="+mn-lt"/>
+                <a:ea typeface="+mn-ea"/>
+                <a:cs typeface="+mn-cs"/>
+              </a:defRPr>
+            </a:lvl5pPr>
+            <a:lvl6pPr marL="2286000" algn="l" defTabSz="914400" rtl="0" eaLnBrk="1" latinLnBrk="0" hangingPunct="1">
+              <a:defRPr kumimoji="1" sz="1800" kern="1200">
+                <a:solidFill>
+                  <a:schemeClr val="lt1"/>
+                </a:solidFill>
+                <a:latin typeface="+mn-lt"/>
+                <a:ea typeface="+mn-ea"/>
+                <a:cs typeface="+mn-cs"/>
+              </a:defRPr>
+            </a:lvl6pPr>
+            <a:lvl7pPr marL="2743200" algn="l" defTabSz="914400" rtl="0" eaLnBrk="1" latinLnBrk="0" hangingPunct="1">
+              <a:defRPr kumimoji="1" sz="1800" kern="1200">
+                <a:solidFill>
+                  <a:schemeClr val="lt1"/>
+                </a:solidFill>
+                <a:latin typeface="+mn-lt"/>
+                <a:ea typeface="+mn-ea"/>
+                <a:cs typeface="+mn-cs"/>
+              </a:defRPr>
+            </a:lvl7pPr>
+            <a:lvl8pPr marL="3200400" algn="l" defTabSz="914400" rtl="0" eaLnBrk="1" latinLnBrk="0" hangingPunct="1">
+              <a:defRPr kumimoji="1" sz="1800" kern="1200">
+                <a:solidFill>
+                  <a:schemeClr val="lt1"/>
+                </a:solidFill>
+                <a:latin typeface="+mn-lt"/>
+                <a:ea typeface="+mn-ea"/>
+                <a:cs typeface="+mn-cs"/>
+              </a:defRPr>
+            </a:lvl8pPr>
+            <a:lvl9pPr marL="3657600" algn="l" defTabSz="914400" rtl="0" eaLnBrk="1" latinLnBrk="0" hangingPunct="1">
+              <a:defRPr kumimoji="1" sz="1800" kern="1200">
+                <a:solidFill>
+                  <a:schemeClr val="lt1"/>
+                </a:solidFill>
+                <a:latin typeface="+mn-lt"/>
+                <a:ea typeface="+mn-ea"/>
+                <a:cs typeface="+mn-cs"/>
+              </a:defRPr>
+            </a:lvl9pPr>
+          </a:lstStyle>
+          <a:p>
+            <a:pPr>
+              <a:defRPr/>
+            </a:pPr>
+            <a:r>
+              <a:rPr lang="en-US" altLang="ja-JP" sz="1600" b="1" dirty="0" smtClean="0">
+                <a:solidFill>
+                  <a:sysClr val="window" lastClr="FFFFFF"/>
+                </a:solidFill>
+                <a:latin typeface="Calibri" panose="020F0502020204030204"/>
+                <a:ea typeface="ＭＳ Ｐゴシック" panose="020B0600070205080204" pitchFamily="50" charset="-128"/>
+              </a:rPr>
+              <a:t>EC-VM1</a:t>
+            </a:r>
+            <a:endParaRPr lang="en-US" altLang="ja-JP" sz="1600" b="1" dirty="0">
+              <a:solidFill>
+                <a:sysClr val="window" lastClr="FFFFFF"/>
+              </a:solidFill>
+              <a:latin typeface="Calibri" panose="020F0502020204030204"/>
+              <a:ea typeface="ＭＳ Ｐゴシック" panose="020B0600070205080204" pitchFamily="50" charset="-128"/>
+            </a:endParaRPr>
+          </a:p>
+        </p:txBody>
+      </p:sp>
+      <p:sp>
+        <p:nvSpPr>
+          <p:cNvPr id="5" name="正方形/長方形 4"/>
+          <p:cNvSpPr/>
+          <p:nvPr/>
+        </p:nvSpPr>
+        <p:spPr>
+          <a:xfrm>
+            <a:off x="3846000" y="2889000"/>
+            <a:ext cx="1440000" cy="360000"/>
+          </a:xfrm>
+          <a:prstGeom prst="rect">
+            <a:avLst/>
+          </a:prstGeom>
+          <a:solidFill>
+            <a:srgbClr val="002060"/>
+          </a:solidFill>
+          <a:ln w="25400" cap="flat" cmpd="sng" algn="ctr">
+            <a:solidFill>
+              <a:schemeClr val="bg1"/>
+            </a:solidFill>
+            <a:prstDash val="solid"/>
+            <a:miter lim="800000"/>
+          </a:ln>
+          <a:effectLst/>
+        </p:spPr>
+        <p:txBody>
+          <a:bodyPr rtlCol="0" anchor="ctr"/>
+          <a:lstStyle>
+            <a:defPPr>
+              <a:defRPr lang="ja-JP"/>
+            </a:defPPr>
+            <a:lvl1pPr marL="0" algn="l" defTabSz="914400" rtl="0" eaLnBrk="1" latinLnBrk="0" hangingPunct="1">
+              <a:defRPr kumimoji="1" sz="1800" kern="1200">
+                <a:solidFill>
+                  <a:schemeClr val="dk1"/>
+                </a:solidFill>
+                <a:latin typeface="+mn-lt"/>
+                <a:ea typeface="+mn-ea"/>
+                <a:cs typeface="+mn-cs"/>
+              </a:defRPr>
+            </a:lvl1pPr>
+            <a:lvl2pPr marL="457200" algn="l" defTabSz="914400" rtl="0" eaLnBrk="1" latinLnBrk="0" hangingPunct="1">
+              <a:defRPr kumimoji="1" sz="1800" kern="1200">
+                <a:solidFill>
+                  <a:schemeClr val="dk1"/>
+                </a:solidFill>
+                <a:latin typeface="+mn-lt"/>
+                <a:ea typeface="+mn-ea"/>
+                <a:cs typeface="+mn-cs"/>
+              </a:defRPr>
+            </a:lvl2pPr>
+            <a:lvl3pPr marL="914400" algn="l" defTabSz="914400" rtl="0" eaLnBrk="1" latinLnBrk="0" hangingPunct="1">
+              <a:defRPr kumimoji="1" sz="1800" kern="1200">
+                <a:solidFill>
+                  <a:schemeClr val="dk1"/>
+                </a:solidFill>
+                <a:latin typeface="+mn-lt"/>
+                <a:ea typeface="+mn-ea"/>
+                <a:cs typeface="+mn-cs"/>
+              </a:defRPr>
+            </a:lvl3pPr>
+            <a:lvl4pPr marL="1371600" algn="l" defTabSz="914400" rtl="0" eaLnBrk="1" latinLnBrk="0" hangingPunct="1">
+              <a:defRPr kumimoji="1" sz="1800" kern="1200">
+                <a:solidFill>
+                  <a:schemeClr val="dk1"/>
+                </a:solidFill>
+                <a:latin typeface="+mn-lt"/>
+                <a:ea typeface="+mn-ea"/>
+                <a:cs typeface="+mn-cs"/>
+              </a:defRPr>
+            </a:lvl4pPr>
+            <a:lvl5pPr marL="1828800" algn="l" defTabSz="914400" rtl="0" eaLnBrk="1" latinLnBrk="0" hangingPunct="1">
+              <a:defRPr kumimoji="1" sz="1800" kern="1200">
+                <a:solidFill>
+                  <a:schemeClr val="dk1"/>
+                </a:solidFill>
+                <a:latin typeface="+mn-lt"/>
+                <a:ea typeface="+mn-ea"/>
+                <a:cs typeface="+mn-cs"/>
+              </a:defRPr>
+            </a:lvl5pPr>
+            <a:lvl6pPr marL="2286000" algn="l" defTabSz="914400" rtl="0" eaLnBrk="1" latinLnBrk="0" hangingPunct="1">
+              <a:defRPr kumimoji="1" sz="1800" kern="1200">
+                <a:solidFill>
+                  <a:schemeClr val="dk1"/>
+                </a:solidFill>
+                <a:latin typeface="+mn-lt"/>
+                <a:ea typeface="+mn-ea"/>
+                <a:cs typeface="+mn-cs"/>
+              </a:defRPr>
+            </a:lvl6pPr>
+            <a:lvl7pPr marL="2743200" algn="l" defTabSz="914400" rtl="0" eaLnBrk="1" latinLnBrk="0" hangingPunct="1">
+              <a:defRPr kumimoji="1" sz="1800" kern="1200">
+                <a:solidFill>
+                  <a:schemeClr val="dk1"/>
+                </a:solidFill>
+                <a:latin typeface="+mn-lt"/>
+                <a:ea typeface="+mn-ea"/>
+                <a:cs typeface="+mn-cs"/>
+              </a:defRPr>
+            </a:lvl7pPr>
+            <a:lvl8pPr marL="3200400" algn="l" defTabSz="914400" rtl="0" eaLnBrk="1" latinLnBrk="0" hangingPunct="1">
+              <a:defRPr kumimoji="1" sz="1800" kern="1200">
+                <a:solidFill>
+                  <a:schemeClr val="dk1"/>
+                </a:solidFill>
+                <a:latin typeface="+mn-lt"/>
+                <a:ea typeface="+mn-ea"/>
+                <a:cs typeface="+mn-cs"/>
+              </a:defRPr>
+            </a:lvl8pPr>
+            <a:lvl9pPr marL="3657600" algn="l" defTabSz="914400" rtl="0" eaLnBrk="1" latinLnBrk="0" hangingPunct="1">
+              <a:defRPr kumimoji="1" sz="1800" kern="1200">
+                <a:solidFill>
+                  <a:schemeClr val="dk1"/>
+                </a:solidFill>
+                <a:latin typeface="+mn-lt"/>
+                <a:ea typeface="+mn-ea"/>
+                <a:cs typeface="+mn-cs"/>
+              </a:defRPr>
+            </a:lvl9pPr>
+          </a:lstStyle>
+          <a:p>
+            <a:pPr algn="ctr">
+              <a:defRPr/>
+            </a:pPr>
+            <a:r>
+              <a:rPr lang="en-US" altLang="ja-JP" sz="2000" b="1" dirty="0" smtClean="0">
+                <a:solidFill>
+                  <a:schemeClr val="bg1"/>
+                </a:solidFill>
+                <a:latin typeface="Calibri" panose="020F0502020204030204"/>
+                <a:ea typeface="ＭＳ Ｐゴシック" panose="020B0600070205080204" pitchFamily="50" charset="-128"/>
+              </a:rPr>
+              <a:t>EC</a:t>
+            </a:r>
+            <a:endParaRPr lang="ja-JP" altLang="en-US" sz="2000" b="1" dirty="0">
+              <a:solidFill>
+                <a:schemeClr val="bg1"/>
+              </a:solidFill>
+              <a:latin typeface="Calibri" panose="020F0502020204030204"/>
+              <a:ea typeface="ＭＳ Ｐゴシック" panose="020B0600070205080204" pitchFamily="50" charset="-128"/>
+            </a:endParaRPr>
+          </a:p>
+        </p:txBody>
+      </p:sp>
+      <p:sp>
+        <p:nvSpPr>
+          <p:cNvPr id="7" name="正方形/長方形 6"/>
+          <p:cNvSpPr/>
+          <p:nvPr/>
+        </p:nvSpPr>
+        <p:spPr>
+          <a:xfrm>
+            <a:off x="3395999" y="1449001"/>
+            <a:ext cx="2340000" cy="360000"/>
+          </a:xfrm>
+          <a:prstGeom prst="rect">
+            <a:avLst/>
+          </a:prstGeom>
+          <a:solidFill>
+            <a:srgbClr val="00B050"/>
+          </a:solidFill>
+          <a:ln w="12700" cap="flat" cmpd="sng" algn="ctr">
+            <a:solidFill>
+              <a:srgbClr val="5B9BD5">
+                <a:shade val="50000"/>
+              </a:srgbClr>
+            </a:solidFill>
+            <a:prstDash val="solid"/>
+            <a:miter lim="800000"/>
+          </a:ln>
+          <a:effectLst/>
+        </p:spPr>
+        <p:txBody>
+          <a:bodyPr rtlCol="0" anchor="ctr"/>
+          <a:lstStyle>
+            <a:defPPr>
+              <a:defRPr lang="ja-JP"/>
+            </a:defPPr>
+            <a:lvl1pPr marL="0" algn="l" defTabSz="914400" rtl="0" eaLnBrk="1" latinLnBrk="0" hangingPunct="1">
+              <a:defRPr kumimoji="1" sz="1800" kern="1200">
+                <a:solidFill>
+                  <a:schemeClr val="lt1"/>
+                </a:solidFill>
+                <a:latin typeface="+mn-lt"/>
+                <a:ea typeface="+mn-ea"/>
+                <a:cs typeface="+mn-cs"/>
+              </a:defRPr>
+            </a:lvl1pPr>
+            <a:lvl2pPr marL="457200" algn="l" defTabSz="914400" rtl="0" eaLnBrk="1" latinLnBrk="0" hangingPunct="1">
+              <a:defRPr kumimoji="1" sz="1800" kern="1200">
+                <a:solidFill>
+                  <a:schemeClr val="lt1"/>
+                </a:solidFill>
+                <a:latin typeface="+mn-lt"/>
+                <a:ea typeface="+mn-ea"/>
+                <a:cs typeface="+mn-cs"/>
+              </a:defRPr>
+            </a:lvl2pPr>
+            <a:lvl3pPr marL="914400" algn="l" defTabSz="914400" rtl="0" eaLnBrk="1" latinLnBrk="0" hangingPunct="1">
+              <a:defRPr kumimoji="1" sz="1800" kern="1200">
+                <a:solidFill>
+                  <a:schemeClr val="lt1"/>
+                </a:solidFill>
+                <a:latin typeface="+mn-lt"/>
+                <a:ea typeface="+mn-ea"/>
+                <a:cs typeface="+mn-cs"/>
+              </a:defRPr>
+            </a:lvl3pPr>
+            <a:lvl4pPr marL="1371600" algn="l" defTabSz="914400" rtl="0" eaLnBrk="1" latinLnBrk="0" hangingPunct="1">
+              <a:defRPr kumimoji="1" sz="1800" kern="1200">
+                <a:solidFill>
+                  <a:schemeClr val="lt1"/>
+                </a:solidFill>
+                <a:latin typeface="+mn-lt"/>
+                <a:ea typeface="+mn-ea"/>
+                <a:cs typeface="+mn-cs"/>
+              </a:defRPr>
+            </a:lvl4pPr>
+            <a:lvl5pPr marL="1828800" algn="l" defTabSz="914400" rtl="0" eaLnBrk="1" latinLnBrk="0" hangingPunct="1">
+              <a:defRPr kumimoji="1" sz="1800" kern="1200">
+                <a:solidFill>
+                  <a:schemeClr val="lt1"/>
+                </a:solidFill>
+                <a:latin typeface="+mn-lt"/>
+                <a:ea typeface="+mn-ea"/>
+                <a:cs typeface="+mn-cs"/>
+              </a:defRPr>
+            </a:lvl5pPr>
+            <a:lvl6pPr marL="2286000" algn="l" defTabSz="914400" rtl="0" eaLnBrk="1" latinLnBrk="0" hangingPunct="1">
+              <a:defRPr kumimoji="1" sz="1800" kern="1200">
+                <a:solidFill>
+                  <a:schemeClr val="lt1"/>
+                </a:solidFill>
+                <a:latin typeface="+mn-lt"/>
+                <a:ea typeface="+mn-ea"/>
+                <a:cs typeface="+mn-cs"/>
+              </a:defRPr>
+            </a:lvl6pPr>
+            <a:lvl7pPr marL="2743200" algn="l" defTabSz="914400" rtl="0" eaLnBrk="1" latinLnBrk="0" hangingPunct="1">
+              <a:defRPr kumimoji="1" sz="1800" kern="1200">
+                <a:solidFill>
+                  <a:schemeClr val="lt1"/>
+                </a:solidFill>
+                <a:latin typeface="+mn-lt"/>
+                <a:ea typeface="+mn-ea"/>
+                <a:cs typeface="+mn-cs"/>
+              </a:defRPr>
+            </a:lvl7pPr>
+            <a:lvl8pPr marL="3200400" algn="l" defTabSz="914400" rtl="0" eaLnBrk="1" latinLnBrk="0" hangingPunct="1">
+              <a:defRPr kumimoji="1" sz="1800" kern="1200">
+                <a:solidFill>
+                  <a:schemeClr val="lt1"/>
+                </a:solidFill>
+                <a:latin typeface="+mn-lt"/>
+                <a:ea typeface="+mn-ea"/>
+                <a:cs typeface="+mn-cs"/>
+              </a:defRPr>
+            </a:lvl8pPr>
+            <a:lvl9pPr marL="3657600" algn="l" defTabSz="914400" rtl="0" eaLnBrk="1" latinLnBrk="0" hangingPunct="1">
+              <a:defRPr kumimoji="1" sz="1800" kern="1200">
+                <a:solidFill>
+                  <a:schemeClr val="lt1"/>
+                </a:solidFill>
+                <a:latin typeface="+mn-lt"/>
+                <a:ea typeface="+mn-ea"/>
+                <a:cs typeface="+mn-cs"/>
+              </a:defRPr>
+            </a:lvl9pPr>
+          </a:lstStyle>
+          <a:p>
+            <a:pPr algn="ctr">
+              <a:defRPr/>
+            </a:pPr>
+            <a:r>
+              <a:rPr lang="en-US" altLang="ja-JP" sz="2000" dirty="0" err="1" smtClean="0">
+                <a:solidFill>
+                  <a:sysClr val="window" lastClr="FFFFFF"/>
+                </a:solidFill>
+                <a:latin typeface="Calibri" panose="020F0502020204030204"/>
+                <a:ea typeface="ＭＳ Ｐゴシック" panose="020B0600070205080204" pitchFamily="50" charset="-128"/>
+              </a:rPr>
+              <a:t>ESXi</a:t>
+            </a:r>
+            <a:endParaRPr lang="ja-JP" altLang="en-US" sz="2000" dirty="0">
+              <a:solidFill>
+                <a:sysClr val="window" lastClr="FFFFFF"/>
+              </a:solidFill>
+              <a:latin typeface="Calibri" panose="020F0502020204030204"/>
+              <a:ea typeface="ＭＳ Ｐゴシック" panose="020B0600070205080204" pitchFamily="50" charset="-128"/>
+            </a:endParaRPr>
+          </a:p>
+        </p:txBody>
+      </p:sp>
+      <p:sp>
+        <p:nvSpPr>
+          <p:cNvPr id="11" name="正方形/長方形 10"/>
+          <p:cNvSpPr/>
+          <p:nvPr/>
+        </p:nvSpPr>
+        <p:spPr bwMode="auto">
+          <a:xfrm>
+            <a:off x="3216000" y="549000"/>
+            <a:ext cx="2700000" cy="4680000"/>
+          </a:xfrm>
+          <a:prstGeom prst="rect">
+            <a:avLst/>
+          </a:prstGeom>
+          <a:noFill/>
+          <a:ln w="50800">
+            <a:solidFill>
+              <a:srgbClr val="00B050"/>
+            </a:solidFill>
+            <a:prstDash val="solid"/>
+          </a:ln>
+          <a:effectLst/>
+          <a:extLst/>
+        </p:spPr>
+        <p:txBody>
+          <a:bodyPr rot="0" spcFirstLastPara="0" vertOverflow="overflow" horzOverflow="overflow" vert="horz" wrap="square" lIns="91440" tIns="45720" rIns="91440" bIns="45720" numCol="1" spcCol="0" rtlCol="0" fromWordArt="0" anchor="ctr" anchorCtr="0" forceAA="0" compatLnSpc="1">
+            <a:prstTxWarp prst="textNoShape">
+              <a:avLst/>
+            </a:prstTxWarp>
+            <a:noAutofit/>
+          </a:bodyPr>
+          <a:lstStyle/>
+          <a:p>
+            <a:pPr algn="ctr"/>
+            <a:endParaRPr lang="ja-JP" altLang="en-US" sz="1600" b="1" dirty="0">
+              <a:latin typeface="+mj-ea"/>
+              <a:ea typeface="+mj-ea"/>
+            </a:endParaRPr>
+          </a:p>
+        </p:txBody>
+      </p:sp>
+      <p:sp>
+        <p:nvSpPr>
+          <p:cNvPr id="12" name="正方形/長方形 11"/>
+          <p:cNvSpPr/>
+          <p:nvPr/>
+        </p:nvSpPr>
+        <p:spPr>
+          <a:xfrm>
+            <a:off x="6456000" y="2169000"/>
+            <a:ext cx="2340000" cy="2880001"/>
+          </a:xfrm>
+          <a:prstGeom prst="rect">
+            <a:avLst/>
+          </a:prstGeom>
+          <a:solidFill>
+            <a:srgbClr val="5B9BD5"/>
+          </a:solidFill>
+          <a:ln w="25400" cap="flat" cmpd="sng" algn="ctr">
+            <a:solidFill>
+              <a:schemeClr val="tx1"/>
+            </a:solidFill>
+            <a:prstDash val="solid"/>
+            <a:miter lim="800000"/>
+          </a:ln>
+          <a:effectLst/>
+        </p:spPr>
+        <p:txBody>
+          <a:bodyPr rtlCol="0" anchor="b" anchorCtr="0"/>
+          <a:lstStyle>
+            <a:defPPr>
+              <a:defRPr lang="ja-JP"/>
+            </a:defPPr>
+            <a:lvl1pPr marL="0" algn="l" defTabSz="914400" rtl="0" eaLnBrk="1" latinLnBrk="0" hangingPunct="1">
+              <a:defRPr kumimoji="1" sz="1800" kern="1200">
+                <a:solidFill>
+                  <a:schemeClr val="lt1"/>
+                </a:solidFill>
+                <a:latin typeface="+mn-lt"/>
+                <a:ea typeface="+mn-ea"/>
+                <a:cs typeface="+mn-cs"/>
+              </a:defRPr>
+            </a:lvl1pPr>
+            <a:lvl2pPr marL="457200" algn="l" defTabSz="914400" rtl="0" eaLnBrk="1" latinLnBrk="0" hangingPunct="1">
+              <a:defRPr kumimoji="1" sz="1800" kern="1200">
+                <a:solidFill>
+                  <a:schemeClr val="lt1"/>
+                </a:solidFill>
+                <a:latin typeface="+mn-lt"/>
+                <a:ea typeface="+mn-ea"/>
+                <a:cs typeface="+mn-cs"/>
+              </a:defRPr>
+            </a:lvl2pPr>
+            <a:lvl3pPr marL="914400" algn="l" defTabSz="914400" rtl="0" eaLnBrk="1" latinLnBrk="0" hangingPunct="1">
+              <a:defRPr kumimoji="1" sz="1800" kern="1200">
+                <a:solidFill>
+                  <a:schemeClr val="lt1"/>
+                </a:solidFill>
+                <a:latin typeface="+mn-lt"/>
+                <a:ea typeface="+mn-ea"/>
+                <a:cs typeface="+mn-cs"/>
+              </a:defRPr>
+            </a:lvl3pPr>
+            <a:lvl4pPr marL="1371600" algn="l" defTabSz="914400" rtl="0" eaLnBrk="1" latinLnBrk="0" hangingPunct="1">
+              <a:defRPr kumimoji="1" sz="1800" kern="1200">
+                <a:solidFill>
+                  <a:schemeClr val="lt1"/>
+                </a:solidFill>
+                <a:latin typeface="+mn-lt"/>
+                <a:ea typeface="+mn-ea"/>
+                <a:cs typeface="+mn-cs"/>
+              </a:defRPr>
+            </a:lvl4pPr>
+            <a:lvl5pPr marL="1828800" algn="l" defTabSz="914400" rtl="0" eaLnBrk="1" latinLnBrk="0" hangingPunct="1">
+              <a:defRPr kumimoji="1" sz="1800" kern="1200">
+                <a:solidFill>
+                  <a:schemeClr val="lt1"/>
+                </a:solidFill>
+                <a:latin typeface="+mn-lt"/>
+                <a:ea typeface="+mn-ea"/>
+                <a:cs typeface="+mn-cs"/>
+              </a:defRPr>
+            </a:lvl5pPr>
+            <a:lvl6pPr marL="2286000" algn="l" defTabSz="914400" rtl="0" eaLnBrk="1" latinLnBrk="0" hangingPunct="1">
+              <a:defRPr kumimoji="1" sz="1800" kern="1200">
+                <a:solidFill>
+                  <a:schemeClr val="lt1"/>
+                </a:solidFill>
+                <a:latin typeface="+mn-lt"/>
+                <a:ea typeface="+mn-ea"/>
+                <a:cs typeface="+mn-cs"/>
+              </a:defRPr>
+            </a:lvl6pPr>
+            <a:lvl7pPr marL="2743200" algn="l" defTabSz="914400" rtl="0" eaLnBrk="1" latinLnBrk="0" hangingPunct="1">
+              <a:defRPr kumimoji="1" sz="1800" kern="1200">
+                <a:solidFill>
+                  <a:schemeClr val="lt1"/>
+                </a:solidFill>
+                <a:latin typeface="+mn-lt"/>
+                <a:ea typeface="+mn-ea"/>
+                <a:cs typeface="+mn-cs"/>
+              </a:defRPr>
+            </a:lvl7pPr>
+            <a:lvl8pPr marL="3200400" algn="l" defTabSz="914400" rtl="0" eaLnBrk="1" latinLnBrk="0" hangingPunct="1">
+              <a:defRPr kumimoji="1" sz="1800" kern="1200">
+                <a:solidFill>
+                  <a:schemeClr val="lt1"/>
+                </a:solidFill>
+                <a:latin typeface="+mn-lt"/>
+                <a:ea typeface="+mn-ea"/>
+                <a:cs typeface="+mn-cs"/>
+              </a:defRPr>
+            </a:lvl8pPr>
+            <a:lvl9pPr marL="3657600" algn="l" defTabSz="914400" rtl="0" eaLnBrk="1" latinLnBrk="0" hangingPunct="1">
+              <a:defRPr kumimoji="1" sz="1800" kern="1200">
+                <a:solidFill>
+                  <a:schemeClr val="lt1"/>
+                </a:solidFill>
+                <a:latin typeface="+mn-lt"/>
+                <a:ea typeface="+mn-ea"/>
+                <a:cs typeface="+mn-cs"/>
+              </a:defRPr>
+            </a:lvl9pPr>
+          </a:lstStyle>
+          <a:p>
+            <a:pPr>
+              <a:defRPr/>
+            </a:pPr>
+            <a:r>
+              <a:rPr lang="en-US" altLang="ja-JP" sz="1600" b="1" dirty="0" smtClean="0">
+                <a:solidFill>
+                  <a:sysClr val="window" lastClr="FFFFFF"/>
+                </a:solidFill>
+                <a:latin typeface="Calibri" panose="020F0502020204030204"/>
+                <a:ea typeface="ＭＳ Ｐゴシック" panose="020B0600070205080204" pitchFamily="50" charset="-128"/>
+              </a:rPr>
+              <a:t>EC-VM2</a:t>
+            </a:r>
+            <a:endParaRPr lang="ja-JP" altLang="en-US" sz="1600" b="1" dirty="0">
+              <a:solidFill>
+                <a:sysClr val="window" lastClr="FFFFFF"/>
+              </a:solidFill>
+              <a:latin typeface="Calibri" panose="020F0502020204030204"/>
+              <a:ea typeface="ＭＳ Ｐゴシック" panose="020B0600070205080204" pitchFamily="50" charset="-128"/>
+            </a:endParaRPr>
+          </a:p>
+        </p:txBody>
+      </p:sp>
+      <p:sp>
+        <p:nvSpPr>
+          <p:cNvPr id="13" name="正方形/長方形 12"/>
+          <p:cNvSpPr/>
+          <p:nvPr/>
+        </p:nvSpPr>
+        <p:spPr>
+          <a:xfrm>
+            <a:off x="6906000" y="2889000"/>
+            <a:ext cx="1440000" cy="360000"/>
+          </a:xfrm>
+          <a:prstGeom prst="rect">
+            <a:avLst/>
+          </a:prstGeom>
+          <a:solidFill>
+            <a:srgbClr val="002060"/>
+          </a:solidFill>
+          <a:ln w="25400" cap="flat" cmpd="sng" algn="ctr">
+            <a:solidFill>
+              <a:schemeClr val="bg1"/>
+            </a:solidFill>
+            <a:prstDash val="solid"/>
+            <a:miter lim="800000"/>
+          </a:ln>
+          <a:effectLst/>
+        </p:spPr>
+        <p:txBody>
+          <a:bodyPr rtlCol="0" anchor="ctr"/>
+          <a:lstStyle>
+            <a:defPPr>
+              <a:defRPr lang="ja-JP"/>
+            </a:defPPr>
+            <a:lvl1pPr marL="0" algn="l" defTabSz="914400" rtl="0" eaLnBrk="1" latinLnBrk="0" hangingPunct="1">
+              <a:defRPr kumimoji="1" sz="1800" kern="1200">
+                <a:solidFill>
+                  <a:schemeClr val="dk1"/>
+                </a:solidFill>
+                <a:latin typeface="+mn-lt"/>
+                <a:ea typeface="+mn-ea"/>
+                <a:cs typeface="+mn-cs"/>
+              </a:defRPr>
+            </a:lvl1pPr>
+            <a:lvl2pPr marL="457200" algn="l" defTabSz="914400" rtl="0" eaLnBrk="1" latinLnBrk="0" hangingPunct="1">
+              <a:defRPr kumimoji="1" sz="1800" kern="1200">
+                <a:solidFill>
+                  <a:schemeClr val="dk1"/>
+                </a:solidFill>
+                <a:latin typeface="+mn-lt"/>
+                <a:ea typeface="+mn-ea"/>
+                <a:cs typeface="+mn-cs"/>
+              </a:defRPr>
+            </a:lvl2pPr>
+            <a:lvl3pPr marL="914400" algn="l" defTabSz="914400" rtl="0" eaLnBrk="1" latinLnBrk="0" hangingPunct="1">
+              <a:defRPr kumimoji="1" sz="1800" kern="1200">
+                <a:solidFill>
+                  <a:schemeClr val="dk1"/>
+                </a:solidFill>
+                <a:latin typeface="+mn-lt"/>
+                <a:ea typeface="+mn-ea"/>
+                <a:cs typeface="+mn-cs"/>
+              </a:defRPr>
+            </a:lvl3pPr>
+            <a:lvl4pPr marL="1371600" algn="l" defTabSz="914400" rtl="0" eaLnBrk="1" latinLnBrk="0" hangingPunct="1">
+              <a:defRPr kumimoji="1" sz="1800" kern="1200">
+                <a:solidFill>
+                  <a:schemeClr val="dk1"/>
+                </a:solidFill>
+                <a:latin typeface="+mn-lt"/>
+                <a:ea typeface="+mn-ea"/>
+                <a:cs typeface="+mn-cs"/>
+              </a:defRPr>
+            </a:lvl4pPr>
+            <a:lvl5pPr marL="1828800" algn="l" defTabSz="914400" rtl="0" eaLnBrk="1" latinLnBrk="0" hangingPunct="1">
+              <a:defRPr kumimoji="1" sz="1800" kern="1200">
+                <a:solidFill>
+                  <a:schemeClr val="dk1"/>
+                </a:solidFill>
+                <a:latin typeface="+mn-lt"/>
+                <a:ea typeface="+mn-ea"/>
+                <a:cs typeface="+mn-cs"/>
+              </a:defRPr>
+            </a:lvl5pPr>
+            <a:lvl6pPr marL="2286000" algn="l" defTabSz="914400" rtl="0" eaLnBrk="1" latinLnBrk="0" hangingPunct="1">
+              <a:defRPr kumimoji="1" sz="1800" kern="1200">
+                <a:solidFill>
+                  <a:schemeClr val="dk1"/>
+                </a:solidFill>
+                <a:latin typeface="+mn-lt"/>
+                <a:ea typeface="+mn-ea"/>
+                <a:cs typeface="+mn-cs"/>
+              </a:defRPr>
+            </a:lvl6pPr>
+            <a:lvl7pPr marL="2743200" algn="l" defTabSz="914400" rtl="0" eaLnBrk="1" latinLnBrk="0" hangingPunct="1">
+              <a:defRPr kumimoji="1" sz="1800" kern="1200">
+                <a:solidFill>
+                  <a:schemeClr val="dk1"/>
+                </a:solidFill>
+                <a:latin typeface="+mn-lt"/>
+                <a:ea typeface="+mn-ea"/>
+                <a:cs typeface="+mn-cs"/>
+              </a:defRPr>
+            </a:lvl7pPr>
+            <a:lvl8pPr marL="3200400" algn="l" defTabSz="914400" rtl="0" eaLnBrk="1" latinLnBrk="0" hangingPunct="1">
+              <a:defRPr kumimoji="1" sz="1800" kern="1200">
+                <a:solidFill>
+                  <a:schemeClr val="dk1"/>
+                </a:solidFill>
+                <a:latin typeface="+mn-lt"/>
+                <a:ea typeface="+mn-ea"/>
+                <a:cs typeface="+mn-cs"/>
+              </a:defRPr>
+            </a:lvl8pPr>
+            <a:lvl9pPr marL="3657600" algn="l" defTabSz="914400" rtl="0" eaLnBrk="1" latinLnBrk="0" hangingPunct="1">
+              <a:defRPr kumimoji="1" sz="1800" kern="1200">
+                <a:solidFill>
+                  <a:schemeClr val="dk1"/>
+                </a:solidFill>
+                <a:latin typeface="+mn-lt"/>
+                <a:ea typeface="+mn-ea"/>
+                <a:cs typeface="+mn-cs"/>
+              </a:defRPr>
+            </a:lvl9pPr>
+          </a:lstStyle>
+          <a:p>
+            <a:pPr algn="ctr">
+              <a:defRPr/>
+            </a:pPr>
+            <a:r>
+              <a:rPr lang="en-US" altLang="ja-JP" sz="2000" b="1" dirty="0">
+                <a:solidFill>
+                  <a:schemeClr val="bg1"/>
+                </a:solidFill>
+                <a:latin typeface="Calibri" panose="020F0502020204030204"/>
+                <a:ea typeface="ＭＳ Ｐゴシック" panose="020B0600070205080204" pitchFamily="50" charset="-128"/>
+              </a:rPr>
+              <a:t>EC</a:t>
+            </a:r>
+            <a:endParaRPr lang="ja-JP" altLang="en-US" sz="2000" b="1" dirty="0">
+              <a:solidFill>
+                <a:schemeClr val="bg1"/>
+              </a:solidFill>
+              <a:latin typeface="Calibri" panose="020F0502020204030204"/>
+              <a:ea typeface="ＭＳ Ｐゴシック" panose="020B0600070205080204" pitchFamily="50" charset="-128"/>
+            </a:endParaRPr>
+          </a:p>
+        </p:txBody>
+      </p:sp>
+      <p:sp>
+        <p:nvSpPr>
+          <p:cNvPr id="15" name="正方形/長方形 14"/>
+          <p:cNvSpPr/>
+          <p:nvPr/>
+        </p:nvSpPr>
+        <p:spPr bwMode="auto">
+          <a:xfrm>
+            <a:off x="6276000" y="549000"/>
+            <a:ext cx="2700000" cy="4680000"/>
+          </a:xfrm>
+          <a:prstGeom prst="rect">
+            <a:avLst/>
+          </a:prstGeom>
+          <a:noFill/>
+          <a:ln w="50800">
+            <a:solidFill>
+              <a:srgbClr val="00B050"/>
+            </a:solidFill>
+            <a:prstDash val="solid"/>
+          </a:ln>
+          <a:effectLst/>
+          <a:extLst/>
+        </p:spPr>
+        <p:txBody>
+          <a:bodyPr rot="0" spcFirstLastPara="0" vertOverflow="overflow" horzOverflow="overflow" vert="horz" wrap="square" lIns="91440" tIns="45720" rIns="91440" bIns="45720" numCol="1" spcCol="0" rtlCol="0" fromWordArt="0" anchor="ctr" anchorCtr="0" forceAA="0" compatLnSpc="1">
+            <a:prstTxWarp prst="textNoShape">
+              <a:avLst/>
+            </a:prstTxWarp>
+            <a:noAutofit/>
+          </a:bodyPr>
+          <a:lstStyle/>
+          <a:p>
+            <a:pPr algn="ctr"/>
+            <a:endParaRPr lang="ja-JP" altLang="en-US" sz="1600" b="1" dirty="0">
+              <a:latin typeface="+mj-ea"/>
+              <a:ea typeface="+mj-ea"/>
+            </a:endParaRPr>
+          </a:p>
+        </p:txBody>
+      </p:sp>
+      <p:sp>
+        <p:nvSpPr>
+          <p:cNvPr id="16" name="正方形/長方形 15"/>
+          <p:cNvSpPr/>
+          <p:nvPr/>
+        </p:nvSpPr>
+        <p:spPr>
+          <a:xfrm>
+            <a:off x="6456000" y="1449001"/>
+            <a:ext cx="2340000" cy="360000"/>
+          </a:xfrm>
+          <a:prstGeom prst="rect">
+            <a:avLst/>
+          </a:prstGeom>
+          <a:solidFill>
+            <a:srgbClr val="00B050"/>
+          </a:solidFill>
+          <a:ln w="12700" cap="flat" cmpd="sng" algn="ctr">
+            <a:solidFill>
+              <a:srgbClr val="5B9BD5">
+                <a:shade val="50000"/>
+              </a:srgbClr>
+            </a:solidFill>
+            <a:prstDash val="solid"/>
+            <a:miter lim="800000"/>
+          </a:ln>
+          <a:effectLst/>
+        </p:spPr>
+        <p:txBody>
+          <a:bodyPr rtlCol="0" anchor="ctr"/>
+          <a:lstStyle>
+            <a:defPPr>
+              <a:defRPr lang="ja-JP"/>
+            </a:defPPr>
+            <a:lvl1pPr marL="0" algn="l" defTabSz="914400" rtl="0" eaLnBrk="1" latinLnBrk="0" hangingPunct="1">
+              <a:defRPr kumimoji="1" sz="1800" kern="1200">
+                <a:solidFill>
+                  <a:schemeClr val="lt1"/>
+                </a:solidFill>
+                <a:latin typeface="+mn-lt"/>
+                <a:ea typeface="+mn-ea"/>
+                <a:cs typeface="+mn-cs"/>
+              </a:defRPr>
+            </a:lvl1pPr>
+            <a:lvl2pPr marL="457200" algn="l" defTabSz="914400" rtl="0" eaLnBrk="1" latinLnBrk="0" hangingPunct="1">
+              <a:defRPr kumimoji="1" sz="1800" kern="1200">
+                <a:solidFill>
+                  <a:schemeClr val="lt1"/>
+                </a:solidFill>
+                <a:latin typeface="+mn-lt"/>
+                <a:ea typeface="+mn-ea"/>
+                <a:cs typeface="+mn-cs"/>
+              </a:defRPr>
+            </a:lvl2pPr>
+            <a:lvl3pPr marL="914400" algn="l" defTabSz="914400" rtl="0" eaLnBrk="1" latinLnBrk="0" hangingPunct="1">
+              <a:defRPr kumimoji="1" sz="1800" kern="1200">
+                <a:solidFill>
+                  <a:schemeClr val="lt1"/>
+                </a:solidFill>
+                <a:latin typeface="+mn-lt"/>
+                <a:ea typeface="+mn-ea"/>
+                <a:cs typeface="+mn-cs"/>
+              </a:defRPr>
+            </a:lvl3pPr>
+            <a:lvl4pPr marL="1371600" algn="l" defTabSz="914400" rtl="0" eaLnBrk="1" latinLnBrk="0" hangingPunct="1">
+              <a:defRPr kumimoji="1" sz="1800" kern="1200">
+                <a:solidFill>
+                  <a:schemeClr val="lt1"/>
+                </a:solidFill>
+                <a:latin typeface="+mn-lt"/>
+                <a:ea typeface="+mn-ea"/>
+                <a:cs typeface="+mn-cs"/>
+              </a:defRPr>
+            </a:lvl4pPr>
+            <a:lvl5pPr marL="1828800" algn="l" defTabSz="914400" rtl="0" eaLnBrk="1" latinLnBrk="0" hangingPunct="1">
+              <a:defRPr kumimoji="1" sz="1800" kern="1200">
+                <a:solidFill>
+                  <a:schemeClr val="lt1"/>
+                </a:solidFill>
+                <a:latin typeface="+mn-lt"/>
+                <a:ea typeface="+mn-ea"/>
+                <a:cs typeface="+mn-cs"/>
+              </a:defRPr>
+            </a:lvl5pPr>
+            <a:lvl6pPr marL="2286000" algn="l" defTabSz="914400" rtl="0" eaLnBrk="1" latinLnBrk="0" hangingPunct="1">
+              <a:defRPr kumimoji="1" sz="1800" kern="1200">
+                <a:solidFill>
+                  <a:schemeClr val="lt1"/>
+                </a:solidFill>
+                <a:latin typeface="+mn-lt"/>
+                <a:ea typeface="+mn-ea"/>
+                <a:cs typeface="+mn-cs"/>
+              </a:defRPr>
+            </a:lvl6pPr>
+            <a:lvl7pPr marL="2743200" algn="l" defTabSz="914400" rtl="0" eaLnBrk="1" latinLnBrk="0" hangingPunct="1">
+              <a:defRPr kumimoji="1" sz="1800" kern="1200">
+                <a:solidFill>
+                  <a:schemeClr val="lt1"/>
+                </a:solidFill>
+                <a:latin typeface="+mn-lt"/>
+                <a:ea typeface="+mn-ea"/>
+                <a:cs typeface="+mn-cs"/>
+              </a:defRPr>
+            </a:lvl7pPr>
+            <a:lvl8pPr marL="3200400" algn="l" defTabSz="914400" rtl="0" eaLnBrk="1" latinLnBrk="0" hangingPunct="1">
+              <a:defRPr kumimoji="1" sz="1800" kern="1200">
+                <a:solidFill>
+                  <a:schemeClr val="lt1"/>
+                </a:solidFill>
+                <a:latin typeface="+mn-lt"/>
+                <a:ea typeface="+mn-ea"/>
+                <a:cs typeface="+mn-cs"/>
+              </a:defRPr>
+            </a:lvl8pPr>
+            <a:lvl9pPr marL="3657600" algn="l" defTabSz="914400" rtl="0" eaLnBrk="1" latinLnBrk="0" hangingPunct="1">
+              <a:defRPr kumimoji="1" sz="1800" kern="1200">
+                <a:solidFill>
+                  <a:schemeClr val="lt1"/>
+                </a:solidFill>
+                <a:latin typeface="+mn-lt"/>
+                <a:ea typeface="+mn-ea"/>
+                <a:cs typeface="+mn-cs"/>
+              </a:defRPr>
+            </a:lvl9pPr>
+          </a:lstStyle>
+          <a:p>
+            <a:pPr algn="ctr">
+              <a:defRPr/>
+            </a:pPr>
+            <a:r>
+              <a:rPr lang="en-US" altLang="ja-JP" sz="2000" dirty="0" err="1" smtClean="0">
+                <a:solidFill>
+                  <a:sysClr val="window" lastClr="FFFFFF"/>
+                </a:solidFill>
+                <a:latin typeface="Calibri" panose="020F0502020204030204"/>
+                <a:ea typeface="ＭＳ Ｐゴシック" panose="020B0600070205080204" pitchFamily="50" charset="-128"/>
+              </a:rPr>
+              <a:t>ESXi</a:t>
+            </a:r>
+            <a:endParaRPr lang="ja-JP" altLang="en-US" sz="2000" dirty="0">
+              <a:solidFill>
+                <a:sysClr val="window" lastClr="FFFFFF"/>
+              </a:solidFill>
+              <a:latin typeface="Calibri" panose="020F0502020204030204"/>
+              <a:ea typeface="ＭＳ Ｐゴシック" panose="020B0600070205080204" pitchFamily="50" charset="-128"/>
+            </a:endParaRPr>
+          </a:p>
+        </p:txBody>
+      </p:sp>
+      <p:cxnSp>
+        <p:nvCxnSpPr>
+          <p:cNvPr id="27" name="直線コネクタ 26"/>
+          <p:cNvCxnSpPr>
+            <a:stCxn id="7" idx="2"/>
+            <a:endCxn id="35" idx="0"/>
+          </p:cNvCxnSpPr>
+          <p:nvPr/>
+        </p:nvCxnSpPr>
+        <p:spPr>
+          <a:xfrm>
+            <a:off x="4565999" y="1809001"/>
+            <a:ext cx="3060001" cy="533656"/>
+          </a:xfrm>
+          <a:prstGeom prst="line">
+            <a:avLst/>
+          </a:prstGeom>
+          <a:noFill/>
+          <a:ln w="50800" cap="flat" cmpd="sng" algn="ctr">
+            <a:solidFill>
+              <a:srgbClr val="FFC000"/>
+            </a:solidFill>
+            <a:prstDash val="solid"/>
+            <a:miter lim="800000"/>
+            <a:headEnd type="oval" w="sm" len="sm"/>
+            <a:tailEnd type="oval" w="sm" len="sm"/>
+          </a:ln>
+          <a:effectLst/>
+        </p:spPr>
+      </p:cxnSp>
+      <p:sp>
+        <p:nvSpPr>
+          <p:cNvPr id="42" name="右矢印 41"/>
+          <p:cNvSpPr/>
+          <p:nvPr/>
+        </p:nvSpPr>
+        <p:spPr bwMode="auto">
+          <a:xfrm rot="10800000">
+            <a:off x="5574673" y="723877"/>
+            <a:ext cx="990001" cy="550247"/>
+          </a:xfrm>
+          <a:prstGeom prst="rightArrow">
+            <a:avLst/>
+          </a:prstGeom>
+          <a:solidFill>
+            <a:srgbClr val="FFC000"/>
+          </a:solidFill>
+          <a:ln w="12700">
+            <a:solidFill>
+              <a:schemeClr val="bg1"/>
+            </a:solidFill>
+          </a:ln>
+          <a:effectLst/>
+          <a:extLst/>
+        </p:spPr>
+        <p:txBody>
+          <a:bodyPr rot="0" spcFirstLastPara="0" vertOverflow="overflow" horzOverflow="overflow" vert="horz" wrap="none" lIns="91440" tIns="45720" rIns="91440" bIns="45720" numCol="1" spcCol="0" rtlCol="0" fromWordArt="0" anchor="ctr" anchorCtr="0" forceAA="0" compatLnSpc="1">
+            <a:prstTxWarp prst="textNoShape">
+              <a:avLst/>
+            </a:prstTxWarp>
+            <a:noAutofit/>
+          </a:bodyPr>
+          <a:lstStyle/>
+          <a:p>
+            <a:pPr algn="ctr"/>
+            <a:r>
+              <a:rPr lang="en-US" altLang="ja-JP" sz="1000" b="1" dirty="0" smtClean="0">
+                <a:latin typeface="Calibri" panose="020F0502020204030204" pitchFamily="34" charset="0"/>
+                <a:ea typeface="+mj-ea"/>
+                <a:cs typeface="Calibri" panose="020F0502020204030204" pitchFamily="34" charset="0"/>
+              </a:rPr>
+              <a:t>Failover</a:t>
+            </a:r>
+            <a:endParaRPr kumimoji="1" lang="ja-JP" altLang="en-US" sz="1000" b="1" dirty="0">
+              <a:latin typeface="Calibri" panose="020F0502020204030204" pitchFamily="34" charset="0"/>
+              <a:ea typeface="+mj-ea"/>
+              <a:cs typeface="Calibri" panose="020F0502020204030204" pitchFamily="34" charset="0"/>
+            </a:endParaRPr>
+          </a:p>
+        </p:txBody>
+      </p:sp>
+      <p:sp>
+        <p:nvSpPr>
+          <p:cNvPr id="44" name="U ターン矢印 43"/>
+          <p:cNvSpPr/>
+          <p:nvPr/>
+        </p:nvSpPr>
+        <p:spPr>
+          <a:xfrm rot="16200000" flipV="1">
+            <a:off x="7874795" y="1264613"/>
+            <a:ext cx="2525123" cy="1443649"/>
+          </a:xfrm>
+          <a:prstGeom prst="uturnArrow">
+            <a:avLst>
+              <a:gd name="adj1" fmla="val 14556"/>
+              <a:gd name="adj2" fmla="val 14596"/>
+              <a:gd name="adj3" fmla="val 14943"/>
+              <a:gd name="adj4" fmla="val 43750"/>
+              <a:gd name="adj5" fmla="val 100000"/>
+            </a:avLst>
+          </a:prstGeom>
+          <a:solidFill>
+            <a:schemeClr val="accent4"/>
+          </a:solidFill>
+          <a:ln>
+            <a:solidFill>
+              <a:schemeClr val="bg1"/>
+            </a:solidFill>
+          </a:ln>
+        </p:spPr>
+        <p:style>
+          <a:lnRef idx="2">
+            <a:schemeClr val="accent1">
+              <a:shade val="50000"/>
+            </a:schemeClr>
+          </a:lnRef>
+          <a:fillRef idx="1">
+            <a:schemeClr val="accent1"/>
+          </a:fillRef>
+          <a:effectRef idx="0">
+            <a:schemeClr val="accent1"/>
+          </a:effectRef>
+          <a:fontRef idx="minor">
+            <a:schemeClr val="lt1"/>
+          </a:fontRef>
+        </p:style>
+        <p:txBody>
+          <a:bodyPr rtlCol="0" anchor="ctr"/>
+          <a:lstStyle/>
+          <a:p>
+            <a:pPr algn="ctr"/>
+            <a:r>
+              <a:rPr kumimoji="1" lang="en-US" altLang="ja-JP" sz="1200" b="1" dirty="0" smtClean="0">
+                <a:solidFill>
+                  <a:schemeClr val="tx1"/>
+                </a:solidFill>
+              </a:rPr>
+              <a:t>Control</a:t>
+            </a:r>
+            <a:endParaRPr kumimoji="1" lang="ja-JP" altLang="en-US" sz="1200" b="1" dirty="0">
+              <a:solidFill>
+                <a:schemeClr val="tx1"/>
+              </a:solidFill>
+            </a:endParaRPr>
+          </a:p>
+        </p:txBody>
+      </p:sp>
+      <p:sp>
+        <p:nvSpPr>
+          <p:cNvPr id="33" name="正方形/長方形 32"/>
+          <p:cNvSpPr/>
+          <p:nvPr/>
+        </p:nvSpPr>
+        <p:spPr>
+          <a:xfrm>
+            <a:off x="7001627" y="729000"/>
+            <a:ext cx="540000" cy="540000"/>
+          </a:xfrm>
+          <a:prstGeom prst="rect">
+            <a:avLst/>
+          </a:prstGeom>
+          <a:solidFill>
+            <a:srgbClr val="5B9BD5"/>
+          </a:solidFill>
+          <a:ln w="25400" cap="flat" cmpd="sng" algn="ctr">
+            <a:solidFill>
+              <a:schemeClr val="tx1"/>
+            </a:solidFill>
+            <a:prstDash val="solid"/>
+            <a:miter lim="800000"/>
+          </a:ln>
+          <a:effectLst/>
+        </p:spPr>
+        <p:txBody>
+          <a:bodyPr wrap="none" rtlCol="0" anchor="ctr">
+            <a:noAutofit/>
+          </a:bodyPr>
+          <a:lstStyle>
+            <a:defPPr>
+              <a:defRPr lang="ja-JP"/>
+            </a:defPPr>
+            <a:lvl1pPr marL="0" algn="l" defTabSz="914400" rtl="0" eaLnBrk="1" latinLnBrk="0" hangingPunct="1">
+              <a:defRPr kumimoji="1" sz="1800" kern="1200">
+                <a:solidFill>
+                  <a:schemeClr val="lt1"/>
+                </a:solidFill>
+                <a:latin typeface="+mn-lt"/>
+                <a:ea typeface="+mn-ea"/>
+                <a:cs typeface="+mn-cs"/>
+              </a:defRPr>
+            </a:lvl1pPr>
+            <a:lvl2pPr marL="457200" algn="l" defTabSz="914400" rtl="0" eaLnBrk="1" latinLnBrk="0" hangingPunct="1">
+              <a:defRPr kumimoji="1" sz="1800" kern="1200">
+                <a:solidFill>
+                  <a:schemeClr val="lt1"/>
+                </a:solidFill>
+                <a:latin typeface="+mn-lt"/>
+                <a:ea typeface="+mn-ea"/>
+                <a:cs typeface="+mn-cs"/>
+              </a:defRPr>
+            </a:lvl2pPr>
+            <a:lvl3pPr marL="914400" algn="l" defTabSz="914400" rtl="0" eaLnBrk="1" latinLnBrk="0" hangingPunct="1">
+              <a:defRPr kumimoji="1" sz="1800" kern="1200">
+                <a:solidFill>
+                  <a:schemeClr val="lt1"/>
+                </a:solidFill>
+                <a:latin typeface="+mn-lt"/>
+                <a:ea typeface="+mn-ea"/>
+                <a:cs typeface="+mn-cs"/>
+              </a:defRPr>
+            </a:lvl3pPr>
+            <a:lvl4pPr marL="1371600" algn="l" defTabSz="914400" rtl="0" eaLnBrk="1" latinLnBrk="0" hangingPunct="1">
+              <a:defRPr kumimoji="1" sz="1800" kern="1200">
+                <a:solidFill>
+                  <a:schemeClr val="lt1"/>
+                </a:solidFill>
+                <a:latin typeface="+mn-lt"/>
+                <a:ea typeface="+mn-ea"/>
+                <a:cs typeface="+mn-cs"/>
+              </a:defRPr>
+            </a:lvl4pPr>
+            <a:lvl5pPr marL="1828800" algn="l" defTabSz="914400" rtl="0" eaLnBrk="1" latinLnBrk="0" hangingPunct="1">
+              <a:defRPr kumimoji="1" sz="1800" kern="1200">
+                <a:solidFill>
+                  <a:schemeClr val="lt1"/>
+                </a:solidFill>
+                <a:latin typeface="+mn-lt"/>
+                <a:ea typeface="+mn-ea"/>
+                <a:cs typeface="+mn-cs"/>
+              </a:defRPr>
+            </a:lvl5pPr>
+            <a:lvl6pPr marL="2286000" algn="l" defTabSz="914400" rtl="0" eaLnBrk="1" latinLnBrk="0" hangingPunct="1">
+              <a:defRPr kumimoji="1" sz="1800" kern="1200">
+                <a:solidFill>
+                  <a:schemeClr val="lt1"/>
+                </a:solidFill>
+                <a:latin typeface="+mn-lt"/>
+                <a:ea typeface="+mn-ea"/>
+                <a:cs typeface="+mn-cs"/>
+              </a:defRPr>
+            </a:lvl6pPr>
+            <a:lvl7pPr marL="2743200" algn="l" defTabSz="914400" rtl="0" eaLnBrk="1" latinLnBrk="0" hangingPunct="1">
+              <a:defRPr kumimoji="1" sz="1800" kern="1200">
+                <a:solidFill>
+                  <a:schemeClr val="lt1"/>
+                </a:solidFill>
+                <a:latin typeface="+mn-lt"/>
+                <a:ea typeface="+mn-ea"/>
+                <a:cs typeface="+mn-cs"/>
+              </a:defRPr>
+            </a:lvl7pPr>
+            <a:lvl8pPr marL="3200400" algn="l" defTabSz="914400" rtl="0" eaLnBrk="1" latinLnBrk="0" hangingPunct="1">
+              <a:defRPr kumimoji="1" sz="1800" kern="1200">
+                <a:solidFill>
+                  <a:schemeClr val="lt1"/>
+                </a:solidFill>
+                <a:latin typeface="+mn-lt"/>
+                <a:ea typeface="+mn-ea"/>
+                <a:cs typeface="+mn-cs"/>
+              </a:defRPr>
+            </a:lvl8pPr>
+            <a:lvl9pPr marL="3657600" algn="l" defTabSz="914400" rtl="0" eaLnBrk="1" latinLnBrk="0" hangingPunct="1">
+              <a:defRPr kumimoji="1" sz="1800" kern="1200">
+                <a:solidFill>
+                  <a:schemeClr val="lt1"/>
+                </a:solidFill>
+                <a:latin typeface="+mn-lt"/>
+                <a:ea typeface="+mn-ea"/>
+                <a:cs typeface="+mn-cs"/>
+              </a:defRPr>
+            </a:lvl9pPr>
+          </a:lstStyle>
+          <a:p>
+            <a:pPr algn="ctr">
+              <a:defRPr/>
+            </a:pPr>
+            <a:r>
+              <a:rPr lang="en-US" altLang="ja-JP" b="1" dirty="0" smtClean="0">
+                <a:solidFill>
+                  <a:sysClr val="window" lastClr="FFFFFF"/>
+                </a:solidFill>
+                <a:latin typeface="Calibri" panose="020F0502020204030204"/>
+                <a:ea typeface="ＭＳ Ｐゴシック" panose="020B0600070205080204" pitchFamily="50" charset="-128"/>
+              </a:rPr>
+              <a:t>VM</a:t>
+            </a:r>
+          </a:p>
+          <a:p>
+            <a:pPr algn="ctr">
+              <a:defRPr/>
+            </a:pPr>
+            <a:r>
+              <a:rPr lang="en-US" altLang="ja-JP" b="1" dirty="0" smtClean="0">
+                <a:solidFill>
+                  <a:sysClr val="window" lastClr="FFFFFF"/>
+                </a:solidFill>
+                <a:latin typeface="Calibri" panose="020F0502020204030204"/>
+                <a:ea typeface="ＭＳ Ｐゴシック" panose="020B0600070205080204" pitchFamily="50" charset="-128"/>
+              </a:rPr>
+              <a:t>#1</a:t>
+            </a:r>
+            <a:endParaRPr lang="ja-JP" altLang="en-US" b="1" dirty="0">
+              <a:solidFill>
+                <a:sysClr val="window" lastClr="FFFFFF"/>
+              </a:solidFill>
+              <a:latin typeface="Calibri" panose="020F0502020204030204"/>
+              <a:ea typeface="ＭＳ Ｐゴシック" panose="020B0600070205080204" pitchFamily="50" charset="-128"/>
+            </a:endParaRPr>
+          </a:p>
+        </p:txBody>
+      </p:sp>
+      <p:sp>
+        <p:nvSpPr>
+          <p:cNvPr id="34" name="正方形/長方形 33"/>
+          <p:cNvSpPr/>
+          <p:nvPr/>
+        </p:nvSpPr>
+        <p:spPr>
+          <a:xfrm>
+            <a:off x="7708580" y="729000"/>
+            <a:ext cx="540000" cy="540000"/>
+          </a:xfrm>
+          <a:prstGeom prst="rect">
+            <a:avLst/>
+          </a:prstGeom>
+          <a:solidFill>
+            <a:srgbClr val="5B9BD5"/>
+          </a:solidFill>
+          <a:ln w="25400" cap="flat" cmpd="sng" algn="ctr">
+            <a:solidFill>
+              <a:schemeClr val="tx1"/>
+            </a:solidFill>
+            <a:prstDash val="solid"/>
+            <a:miter lim="800000"/>
+          </a:ln>
+          <a:effectLst/>
+        </p:spPr>
+        <p:txBody>
+          <a:bodyPr wrap="none" rtlCol="0" anchor="ctr">
+            <a:noAutofit/>
+          </a:bodyPr>
+          <a:lstStyle>
+            <a:defPPr>
+              <a:defRPr lang="ja-JP"/>
+            </a:defPPr>
+            <a:lvl1pPr marL="0" algn="l" defTabSz="914400" rtl="0" eaLnBrk="1" latinLnBrk="0" hangingPunct="1">
+              <a:defRPr kumimoji="1" sz="1800" kern="1200">
+                <a:solidFill>
+                  <a:schemeClr val="lt1"/>
+                </a:solidFill>
+                <a:latin typeface="+mn-lt"/>
+                <a:ea typeface="+mn-ea"/>
+                <a:cs typeface="+mn-cs"/>
+              </a:defRPr>
+            </a:lvl1pPr>
+            <a:lvl2pPr marL="457200" algn="l" defTabSz="914400" rtl="0" eaLnBrk="1" latinLnBrk="0" hangingPunct="1">
+              <a:defRPr kumimoji="1" sz="1800" kern="1200">
+                <a:solidFill>
+                  <a:schemeClr val="lt1"/>
+                </a:solidFill>
+                <a:latin typeface="+mn-lt"/>
+                <a:ea typeface="+mn-ea"/>
+                <a:cs typeface="+mn-cs"/>
+              </a:defRPr>
+            </a:lvl2pPr>
+            <a:lvl3pPr marL="914400" algn="l" defTabSz="914400" rtl="0" eaLnBrk="1" latinLnBrk="0" hangingPunct="1">
+              <a:defRPr kumimoji="1" sz="1800" kern="1200">
+                <a:solidFill>
+                  <a:schemeClr val="lt1"/>
+                </a:solidFill>
+                <a:latin typeface="+mn-lt"/>
+                <a:ea typeface="+mn-ea"/>
+                <a:cs typeface="+mn-cs"/>
+              </a:defRPr>
+            </a:lvl3pPr>
+            <a:lvl4pPr marL="1371600" algn="l" defTabSz="914400" rtl="0" eaLnBrk="1" latinLnBrk="0" hangingPunct="1">
+              <a:defRPr kumimoji="1" sz="1800" kern="1200">
+                <a:solidFill>
+                  <a:schemeClr val="lt1"/>
+                </a:solidFill>
+                <a:latin typeface="+mn-lt"/>
+                <a:ea typeface="+mn-ea"/>
+                <a:cs typeface="+mn-cs"/>
+              </a:defRPr>
+            </a:lvl4pPr>
+            <a:lvl5pPr marL="1828800" algn="l" defTabSz="914400" rtl="0" eaLnBrk="1" latinLnBrk="0" hangingPunct="1">
+              <a:defRPr kumimoji="1" sz="1800" kern="1200">
+                <a:solidFill>
+                  <a:schemeClr val="lt1"/>
+                </a:solidFill>
+                <a:latin typeface="+mn-lt"/>
+                <a:ea typeface="+mn-ea"/>
+                <a:cs typeface="+mn-cs"/>
+              </a:defRPr>
+            </a:lvl5pPr>
+            <a:lvl6pPr marL="2286000" algn="l" defTabSz="914400" rtl="0" eaLnBrk="1" latinLnBrk="0" hangingPunct="1">
+              <a:defRPr kumimoji="1" sz="1800" kern="1200">
+                <a:solidFill>
+                  <a:schemeClr val="lt1"/>
+                </a:solidFill>
+                <a:latin typeface="+mn-lt"/>
+                <a:ea typeface="+mn-ea"/>
+                <a:cs typeface="+mn-cs"/>
+              </a:defRPr>
+            </a:lvl6pPr>
+            <a:lvl7pPr marL="2743200" algn="l" defTabSz="914400" rtl="0" eaLnBrk="1" latinLnBrk="0" hangingPunct="1">
+              <a:defRPr kumimoji="1" sz="1800" kern="1200">
+                <a:solidFill>
+                  <a:schemeClr val="lt1"/>
+                </a:solidFill>
+                <a:latin typeface="+mn-lt"/>
+                <a:ea typeface="+mn-ea"/>
+                <a:cs typeface="+mn-cs"/>
+              </a:defRPr>
+            </a:lvl7pPr>
+            <a:lvl8pPr marL="3200400" algn="l" defTabSz="914400" rtl="0" eaLnBrk="1" latinLnBrk="0" hangingPunct="1">
+              <a:defRPr kumimoji="1" sz="1800" kern="1200">
+                <a:solidFill>
+                  <a:schemeClr val="lt1"/>
+                </a:solidFill>
+                <a:latin typeface="+mn-lt"/>
+                <a:ea typeface="+mn-ea"/>
+                <a:cs typeface="+mn-cs"/>
+              </a:defRPr>
+            </a:lvl8pPr>
+            <a:lvl9pPr marL="3657600" algn="l" defTabSz="914400" rtl="0" eaLnBrk="1" latinLnBrk="0" hangingPunct="1">
+              <a:defRPr kumimoji="1" sz="1800" kern="1200">
+                <a:solidFill>
+                  <a:schemeClr val="lt1"/>
+                </a:solidFill>
+                <a:latin typeface="+mn-lt"/>
+                <a:ea typeface="+mn-ea"/>
+                <a:cs typeface="+mn-cs"/>
+              </a:defRPr>
+            </a:lvl9pPr>
+          </a:lstStyle>
+          <a:p>
+            <a:pPr algn="ctr">
+              <a:defRPr/>
+            </a:pPr>
+            <a:r>
+              <a:rPr lang="en-US" altLang="ja-JP" b="1" dirty="0" smtClean="0">
+                <a:solidFill>
+                  <a:sysClr val="window" lastClr="FFFFFF"/>
+                </a:solidFill>
+                <a:latin typeface="Calibri" panose="020F0502020204030204"/>
+                <a:ea typeface="ＭＳ Ｐゴシック" panose="020B0600070205080204" pitchFamily="50" charset="-128"/>
+              </a:rPr>
+              <a:t>VM</a:t>
+            </a:r>
+          </a:p>
+          <a:p>
+            <a:pPr algn="ctr">
+              <a:defRPr/>
+            </a:pPr>
+            <a:r>
+              <a:rPr lang="en-US" altLang="ja-JP" b="1" dirty="0" smtClean="0">
+                <a:solidFill>
+                  <a:sysClr val="window" lastClr="FFFFFF"/>
+                </a:solidFill>
+                <a:latin typeface="Calibri" panose="020F0502020204030204"/>
+                <a:ea typeface="ＭＳ Ｐゴシック" panose="020B0600070205080204" pitchFamily="50" charset="-128"/>
+              </a:rPr>
+              <a:t>#N</a:t>
+            </a:r>
+            <a:endParaRPr lang="ja-JP" altLang="en-US" sz="1200" b="1" dirty="0">
+              <a:solidFill>
+                <a:sysClr val="window" lastClr="FFFFFF"/>
+              </a:solidFill>
+              <a:latin typeface="Calibri" panose="020F0502020204030204"/>
+              <a:ea typeface="ＭＳ Ｐゴシック" panose="020B0600070205080204" pitchFamily="50" charset="-128"/>
+            </a:endParaRPr>
+          </a:p>
+        </p:txBody>
+      </p:sp>
+      <p:sp>
+        <p:nvSpPr>
+          <p:cNvPr id="35" name="正方形/長方形 34"/>
+          <p:cNvSpPr/>
+          <p:nvPr/>
+        </p:nvSpPr>
+        <p:spPr>
+          <a:xfrm>
+            <a:off x="6906000" y="2342657"/>
+            <a:ext cx="1440000" cy="360000"/>
+          </a:xfrm>
+          <a:prstGeom prst="rect">
+            <a:avLst/>
+          </a:prstGeom>
+          <a:solidFill>
+            <a:srgbClr val="002060"/>
+          </a:solidFill>
+          <a:ln w="25400" cap="flat" cmpd="sng" algn="ctr">
+            <a:solidFill>
+              <a:schemeClr val="bg1"/>
+            </a:solidFill>
+            <a:prstDash val="solid"/>
+            <a:miter lim="800000"/>
+          </a:ln>
+          <a:effectLst/>
+        </p:spPr>
+        <p:txBody>
+          <a:bodyPr wrap="none" lIns="0" tIns="0" rIns="0" bIns="0" rtlCol="0" anchor="ctr"/>
+          <a:lstStyle>
+            <a:defPPr>
+              <a:defRPr lang="ja-JP"/>
+            </a:defPPr>
+            <a:lvl1pPr marL="0" algn="l" defTabSz="914400" rtl="0" eaLnBrk="1" latinLnBrk="0" hangingPunct="1">
+              <a:defRPr kumimoji="1" sz="1800" kern="1200">
+                <a:solidFill>
+                  <a:schemeClr val="dk1"/>
+                </a:solidFill>
+                <a:latin typeface="+mn-lt"/>
+                <a:ea typeface="+mn-ea"/>
+                <a:cs typeface="+mn-cs"/>
+              </a:defRPr>
+            </a:lvl1pPr>
+            <a:lvl2pPr marL="457200" algn="l" defTabSz="914400" rtl="0" eaLnBrk="1" latinLnBrk="0" hangingPunct="1">
+              <a:defRPr kumimoji="1" sz="1800" kern="1200">
+                <a:solidFill>
+                  <a:schemeClr val="dk1"/>
+                </a:solidFill>
+                <a:latin typeface="+mn-lt"/>
+                <a:ea typeface="+mn-ea"/>
+                <a:cs typeface="+mn-cs"/>
+              </a:defRPr>
+            </a:lvl2pPr>
+            <a:lvl3pPr marL="914400" algn="l" defTabSz="914400" rtl="0" eaLnBrk="1" latinLnBrk="0" hangingPunct="1">
+              <a:defRPr kumimoji="1" sz="1800" kern="1200">
+                <a:solidFill>
+                  <a:schemeClr val="dk1"/>
+                </a:solidFill>
+                <a:latin typeface="+mn-lt"/>
+                <a:ea typeface="+mn-ea"/>
+                <a:cs typeface="+mn-cs"/>
+              </a:defRPr>
+            </a:lvl3pPr>
+            <a:lvl4pPr marL="1371600" algn="l" defTabSz="914400" rtl="0" eaLnBrk="1" latinLnBrk="0" hangingPunct="1">
+              <a:defRPr kumimoji="1" sz="1800" kern="1200">
+                <a:solidFill>
+                  <a:schemeClr val="dk1"/>
+                </a:solidFill>
+                <a:latin typeface="+mn-lt"/>
+                <a:ea typeface="+mn-ea"/>
+                <a:cs typeface="+mn-cs"/>
+              </a:defRPr>
+            </a:lvl4pPr>
+            <a:lvl5pPr marL="1828800" algn="l" defTabSz="914400" rtl="0" eaLnBrk="1" latinLnBrk="0" hangingPunct="1">
+              <a:defRPr kumimoji="1" sz="1800" kern="1200">
+                <a:solidFill>
+                  <a:schemeClr val="dk1"/>
+                </a:solidFill>
+                <a:latin typeface="+mn-lt"/>
+                <a:ea typeface="+mn-ea"/>
+                <a:cs typeface="+mn-cs"/>
+              </a:defRPr>
+            </a:lvl5pPr>
+            <a:lvl6pPr marL="2286000" algn="l" defTabSz="914400" rtl="0" eaLnBrk="1" latinLnBrk="0" hangingPunct="1">
+              <a:defRPr kumimoji="1" sz="1800" kern="1200">
+                <a:solidFill>
+                  <a:schemeClr val="dk1"/>
+                </a:solidFill>
+                <a:latin typeface="+mn-lt"/>
+                <a:ea typeface="+mn-ea"/>
+                <a:cs typeface="+mn-cs"/>
+              </a:defRPr>
+            </a:lvl6pPr>
+            <a:lvl7pPr marL="2743200" algn="l" defTabSz="914400" rtl="0" eaLnBrk="1" latinLnBrk="0" hangingPunct="1">
+              <a:defRPr kumimoji="1" sz="1800" kern="1200">
+                <a:solidFill>
+                  <a:schemeClr val="dk1"/>
+                </a:solidFill>
+                <a:latin typeface="+mn-lt"/>
+                <a:ea typeface="+mn-ea"/>
+                <a:cs typeface="+mn-cs"/>
+              </a:defRPr>
+            </a:lvl7pPr>
+            <a:lvl8pPr marL="3200400" algn="l" defTabSz="914400" rtl="0" eaLnBrk="1" latinLnBrk="0" hangingPunct="1">
+              <a:defRPr kumimoji="1" sz="1800" kern="1200">
+                <a:solidFill>
+                  <a:schemeClr val="dk1"/>
+                </a:solidFill>
+                <a:latin typeface="+mn-lt"/>
+                <a:ea typeface="+mn-ea"/>
+                <a:cs typeface="+mn-cs"/>
+              </a:defRPr>
+            </a:lvl8pPr>
+            <a:lvl9pPr marL="3657600" algn="l" defTabSz="914400" rtl="0" eaLnBrk="1" latinLnBrk="0" hangingPunct="1">
+              <a:defRPr kumimoji="1" sz="1800" kern="1200">
+                <a:solidFill>
+                  <a:schemeClr val="dk1"/>
+                </a:solidFill>
+                <a:latin typeface="+mn-lt"/>
+                <a:ea typeface="+mn-ea"/>
+                <a:cs typeface="+mn-cs"/>
+              </a:defRPr>
+            </a:lvl9pPr>
+          </a:lstStyle>
+          <a:p>
+            <a:pPr algn="ctr">
+              <a:defRPr/>
+            </a:pPr>
+            <a:r>
+              <a:rPr lang="en-US" altLang="ja-JP" sz="2000" dirty="0">
+                <a:solidFill>
+                  <a:schemeClr val="bg1"/>
+                </a:solidFill>
+                <a:latin typeface="Calibri" panose="020F0502020204030204"/>
+                <a:ea typeface="ＭＳ Ｐゴシック" panose="020B0600070205080204" pitchFamily="50" charset="-128"/>
+              </a:rPr>
+              <a:t>iSCSI Target</a:t>
+            </a:r>
+            <a:endParaRPr lang="ja-JP" altLang="en-US" sz="2000" dirty="0">
+              <a:solidFill>
+                <a:schemeClr val="bg1"/>
+              </a:solidFill>
+              <a:latin typeface="Calibri" panose="020F0502020204030204"/>
+              <a:ea typeface="ＭＳ Ｐゴシック" panose="020B0600070205080204" pitchFamily="50" charset="-128"/>
+            </a:endParaRPr>
+          </a:p>
+        </p:txBody>
+      </p:sp>
+      <p:cxnSp>
+        <p:nvCxnSpPr>
+          <p:cNvPr id="19" name="直線コネクタ 18"/>
+          <p:cNvCxnSpPr>
+            <a:stCxn id="16" idx="2"/>
+            <a:endCxn id="35" idx="0"/>
+          </p:cNvCxnSpPr>
+          <p:nvPr/>
+        </p:nvCxnSpPr>
+        <p:spPr>
+          <a:xfrm>
+            <a:off x="7626000" y="1809001"/>
+            <a:ext cx="0" cy="533656"/>
+          </a:xfrm>
+          <a:prstGeom prst="line">
+            <a:avLst/>
+          </a:prstGeom>
+          <a:noFill/>
+          <a:ln w="50800" cap="flat" cmpd="sng" algn="ctr">
+            <a:solidFill>
+              <a:srgbClr val="FFC000"/>
+            </a:solidFill>
+            <a:prstDash val="solid"/>
+            <a:miter lim="800000"/>
+            <a:headEnd type="oval" w="sm" len="sm"/>
+            <a:tailEnd type="oval" w="sm" len="sm"/>
+          </a:ln>
+          <a:effectLst/>
+        </p:spPr>
+      </p:cxnSp>
+      <p:grpSp>
+        <p:nvGrpSpPr>
+          <p:cNvPr id="37" name="グループ化 36"/>
+          <p:cNvGrpSpPr/>
+          <p:nvPr/>
+        </p:nvGrpSpPr>
+        <p:grpSpPr>
+          <a:xfrm>
+            <a:off x="6636000" y="3416840"/>
+            <a:ext cx="1980000" cy="1080000"/>
+            <a:chOff x="900000" y="4553637"/>
+            <a:chExt cx="1980000" cy="1080000"/>
+          </a:xfrm>
+        </p:grpSpPr>
+        <p:sp>
+          <p:nvSpPr>
+            <p:cNvPr id="38" name="円柱 37"/>
+            <p:cNvSpPr/>
+            <p:nvPr/>
+          </p:nvSpPr>
+          <p:spPr>
+            <a:xfrm>
+              <a:off x="900000" y="4553637"/>
+              <a:ext cx="1980000" cy="1080000"/>
+            </a:xfrm>
+            <a:prstGeom prst="can">
+              <a:avLst/>
+            </a:prstGeom>
+            <a:solidFill>
+              <a:srgbClr val="002060"/>
+            </a:solidFill>
+            <a:ln w="25400" cap="flat" cmpd="sng" algn="ctr">
+              <a:solidFill>
+                <a:schemeClr val="bg1"/>
+              </a:solidFill>
+              <a:prstDash val="solid"/>
+              <a:miter lim="800000"/>
+            </a:ln>
+            <a:effectLst/>
+          </p:spPr>
+          <p:txBody>
+            <a:bodyPr rtlCol="0" anchor="ctr"/>
+            <a:lstStyle>
+              <a:defPPr>
+                <a:defRPr lang="ja-JP"/>
+              </a:defPPr>
+              <a:lvl1pPr marL="0" algn="l" defTabSz="914400" rtl="0" eaLnBrk="1" latinLnBrk="0" hangingPunct="1">
+                <a:defRPr kumimoji="1" sz="1800" kern="1200">
+                  <a:solidFill>
+                    <a:schemeClr val="dk1"/>
+                  </a:solidFill>
+                  <a:latin typeface="+mn-lt"/>
+                  <a:ea typeface="+mn-ea"/>
+                  <a:cs typeface="+mn-cs"/>
+                </a:defRPr>
+              </a:lvl1pPr>
+              <a:lvl2pPr marL="457200" algn="l" defTabSz="914400" rtl="0" eaLnBrk="1" latinLnBrk="0" hangingPunct="1">
+                <a:defRPr kumimoji="1" sz="1800" kern="1200">
+                  <a:solidFill>
+                    <a:schemeClr val="dk1"/>
+                  </a:solidFill>
+                  <a:latin typeface="+mn-lt"/>
+                  <a:ea typeface="+mn-ea"/>
+                  <a:cs typeface="+mn-cs"/>
+                </a:defRPr>
+              </a:lvl2pPr>
+              <a:lvl3pPr marL="914400" algn="l" defTabSz="914400" rtl="0" eaLnBrk="1" latinLnBrk="0" hangingPunct="1">
+                <a:defRPr kumimoji="1" sz="1800" kern="1200">
+                  <a:solidFill>
+                    <a:schemeClr val="dk1"/>
+                  </a:solidFill>
+                  <a:latin typeface="+mn-lt"/>
+                  <a:ea typeface="+mn-ea"/>
+                  <a:cs typeface="+mn-cs"/>
+                </a:defRPr>
+              </a:lvl3pPr>
+              <a:lvl4pPr marL="1371600" algn="l" defTabSz="914400" rtl="0" eaLnBrk="1" latinLnBrk="0" hangingPunct="1">
+                <a:defRPr kumimoji="1" sz="1800" kern="1200">
+                  <a:solidFill>
+                    <a:schemeClr val="dk1"/>
+                  </a:solidFill>
+                  <a:latin typeface="+mn-lt"/>
+                  <a:ea typeface="+mn-ea"/>
+                  <a:cs typeface="+mn-cs"/>
+                </a:defRPr>
+              </a:lvl4pPr>
+              <a:lvl5pPr marL="1828800" algn="l" defTabSz="914400" rtl="0" eaLnBrk="1" latinLnBrk="0" hangingPunct="1">
+                <a:defRPr kumimoji="1" sz="1800" kern="1200">
+                  <a:solidFill>
+                    <a:schemeClr val="dk1"/>
+                  </a:solidFill>
+                  <a:latin typeface="+mn-lt"/>
+                  <a:ea typeface="+mn-ea"/>
+                  <a:cs typeface="+mn-cs"/>
+                </a:defRPr>
+              </a:lvl5pPr>
+              <a:lvl6pPr marL="2286000" algn="l" defTabSz="914400" rtl="0" eaLnBrk="1" latinLnBrk="0" hangingPunct="1">
+                <a:defRPr kumimoji="1" sz="1800" kern="1200">
+                  <a:solidFill>
+                    <a:schemeClr val="dk1"/>
+                  </a:solidFill>
+                  <a:latin typeface="+mn-lt"/>
+                  <a:ea typeface="+mn-ea"/>
+                  <a:cs typeface="+mn-cs"/>
+                </a:defRPr>
+              </a:lvl6pPr>
+              <a:lvl7pPr marL="2743200" algn="l" defTabSz="914400" rtl="0" eaLnBrk="1" latinLnBrk="0" hangingPunct="1">
+                <a:defRPr kumimoji="1" sz="1800" kern="1200">
+                  <a:solidFill>
+                    <a:schemeClr val="dk1"/>
+                  </a:solidFill>
+                  <a:latin typeface="+mn-lt"/>
+                  <a:ea typeface="+mn-ea"/>
+                  <a:cs typeface="+mn-cs"/>
+                </a:defRPr>
+              </a:lvl7pPr>
+              <a:lvl8pPr marL="3200400" algn="l" defTabSz="914400" rtl="0" eaLnBrk="1" latinLnBrk="0" hangingPunct="1">
+                <a:defRPr kumimoji="1" sz="1800" kern="1200">
+                  <a:solidFill>
+                    <a:schemeClr val="dk1"/>
+                  </a:solidFill>
+                  <a:latin typeface="+mn-lt"/>
+                  <a:ea typeface="+mn-ea"/>
+                  <a:cs typeface="+mn-cs"/>
+                </a:defRPr>
+              </a:lvl8pPr>
+              <a:lvl9pPr marL="3657600" algn="l" defTabSz="914400" rtl="0" eaLnBrk="1" latinLnBrk="0" hangingPunct="1">
+                <a:defRPr kumimoji="1" sz="1800" kern="1200">
+                  <a:solidFill>
+                    <a:schemeClr val="dk1"/>
+                  </a:solidFill>
+                  <a:latin typeface="+mn-lt"/>
+                  <a:ea typeface="+mn-ea"/>
+                  <a:cs typeface="+mn-cs"/>
+                </a:defRPr>
+              </a:lvl9pPr>
+            </a:lstStyle>
+            <a:p>
+              <a:pPr algn="ctr">
+                <a:defRPr/>
+              </a:pPr>
+              <a:endParaRPr lang="ja-JP" altLang="en-US" sz="1600">
+                <a:solidFill>
+                  <a:sysClr val="windowText" lastClr="000000"/>
+                </a:solidFill>
+                <a:latin typeface="Calibri" panose="020F0502020204030204"/>
+                <a:ea typeface="ＭＳ Ｐゴシック" panose="020B0600070205080204" pitchFamily="50" charset="-128"/>
+              </a:endParaRPr>
+            </a:p>
+          </p:txBody>
+        </p:sp>
+        <p:sp>
+          <p:nvSpPr>
+            <p:cNvPr id="39" name="円柱 38"/>
+            <p:cNvSpPr/>
+            <p:nvPr/>
+          </p:nvSpPr>
+          <p:spPr>
+            <a:xfrm>
+              <a:off x="1080000" y="4734000"/>
+              <a:ext cx="720000" cy="720000"/>
+            </a:xfrm>
+            <a:prstGeom prst="can">
+              <a:avLst/>
+            </a:prstGeom>
+            <a:solidFill>
+              <a:srgbClr val="5B9BD5"/>
+            </a:solidFill>
+            <a:ln w="25400" cap="flat" cmpd="sng" algn="ctr">
+              <a:solidFill>
+                <a:schemeClr val="bg1"/>
+              </a:solidFill>
+              <a:prstDash val="solid"/>
+              <a:miter lim="800000"/>
+            </a:ln>
+            <a:effectLst/>
+          </p:spPr>
+          <p:txBody>
+            <a:bodyPr wrap="none" rtlCol="0" anchor="ctr">
+              <a:noAutofit/>
+            </a:bodyPr>
+            <a:lstStyle>
+              <a:defPPr>
+                <a:defRPr lang="ja-JP"/>
+              </a:defPPr>
+              <a:lvl1pPr marL="0" algn="l" defTabSz="914400" rtl="0" eaLnBrk="1" latinLnBrk="0" hangingPunct="1">
+                <a:defRPr kumimoji="1" sz="1800" kern="1200">
+                  <a:solidFill>
+                    <a:schemeClr val="dk1"/>
+                  </a:solidFill>
+                  <a:latin typeface="+mn-lt"/>
+                  <a:ea typeface="+mn-ea"/>
+                  <a:cs typeface="+mn-cs"/>
+                </a:defRPr>
+              </a:lvl1pPr>
+              <a:lvl2pPr marL="457200" algn="l" defTabSz="914400" rtl="0" eaLnBrk="1" latinLnBrk="0" hangingPunct="1">
+                <a:defRPr kumimoji="1" sz="1800" kern="1200">
+                  <a:solidFill>
+                    <a:schemeClr val="dk1"/>
+                  </a:solidFill>
+                  <a:latin typeface="+mn-lt"/>
+                  <a:ea typeface="+mn-ea"/>
+                  <a:cs typeface="+mn-cs"/>
+                </a:defRPr>
+              </a:lvl2pPr>
+              <a:lvl3pPr marL="914400" algn="l" defTabSz="914400" rtl="0" eaLnBrk="1" latinLnBrk="0" hangingPunct="1">
+                <a:defRPr kumimoji="1" sz="1800" kern="1200">
+                  <a:solidFill>
+                    <a:schemeClr val="dk1"/>
+                  </a:solidFill>
+                  <a:latin typeface="+mn-lt"/>
+                  <a:ea typeface="+mn-ea"/>
+                  <a:cs typeface="+mn-cs"/>
+                </a:defRPr>
+              </a:lvl3pPr>
+              <a:lvl4pPr marL="1371600" algn="l" defTabSz="914400" rtl="0" eaLnBrk="1" latinLnBrk="0" hangingPunct="1">
+                <a:defRPr kumimoji="1" sz="1800" kern="1200">
+                  <a:solidFill>
+                    <a:schemeClr val="dk1"/>
+                  </a:solidFill>
+                  <a:latin typeface="+mn-lt"/>
+                  <a:ea typeface="+mn-ea"/>
+                  <a:cs typeface="+mn-cs"/>
+                </a:defRPr>
+              </a:lvl4pPr>
+              <a:lvl5pPr marL="1828800" algn="l" defTabSz="914400" rtl="0" eaLnBrk="1" latinLnBrk="0" hangingPunct="1">
+                <a:defRPr kumimoji="1" sz="1800" kern="1200">
+                  <a:solidFill>
+                    <a:schemeClr val="dk1"/>
+                  </a:solidFill>
+                  <a:latin typeface="+mn-lt"/>
+                  <a:ea typeface="+mn-ea"/>
+                  <a:cs typeface="+mn-cs"/>
+                </a:defRPr>
+              </a:lvl5pPr>
+              <a:lvl6pPr marL="2286000" algn="l" defTabSz="914400" rtl="0" eaLnBrk="1" latinLnBrk="0" hangingPunct="1">
+                <a:defRPr kumimoji="1" sz="1800" kern="1200">
+                  <a:solidFill>
+                    <a:schemeClr val="dk1"/>
+                  </a:solidFill>
+                  <a:latin typeface="+mn-lt"/>
+                  <a:ea typeface="+mn-ea"/>
+                  <a:cs typeface="+mn-cs"/>
+                </a:defRPr>
+              </a:lvl6pPr>
+              <a:lvl7pPr marL="2743200" algn="l" defTabSz="914400" rtl="0" eaLnBrk="1" latinLnBrk="0" hangingPunct="1">
+                <a:defRPr kumimoji="1" sz="1800" kern="1200">
+                  <a:solidFill>
+                    <a:schemeClr val="dk1"/>
+                  </a:solidFill>
+                  <a:latin typeface="+mn-lt"/>
+                  <a:ea typeface="+mn-ea"/>
+                  <a:cs typeface="+mn-cs"/>
+                </a:defRPr>
+              </a:lvl7pPr>
+              <a:lvl8pPr marL="3200400" algn="l" defTabSz="914400" rtl="0" eaLnBrk="1" latinLnBrk="0" hangingPunct="1">
+                <a:defRPr kumimoji="1" sz="1800" kern="1200">
+                  <a:solidFill>
+                    <a:schemeClr val="dk1"/>
+                  </a:solidFill>
+                  <a:latin typeface="+mn-lt"/>
+                  <a:ea typeface="+mn-ea"/>
+                  <a:cs typeface="+mn-cs"/>
+                </a:defRPr>
+              </a:lvl8pPr>
+              <a:lvl9pPr marL="3657600" algn="l" defTabSz="914400" rtl="0" eaLnBrk="1" latinLnBrk="0" hangingPunct="1">
+                <a:defRPr kumimoji="1" sz="1800" kern="1200">
+                  <a:solidFill>
+                    <a:schemeClr val="dk1"/>
+                  </a:solidFill>
+                  <a:latin typeface="+mn-lt"/>
+                  <a:ea typeface="+mn-ea"/>
+                  <a:cs typeface="+mn-cs"/>
+                </a:defRPr>
+              </a:lvl9pPr>
+            </a:lstStyle>
+            <a:p>
+              <a:pPr algn="ctr">
+                <a:defRPr/>
+              </a:pPr>
+              <a:r>
+                <a:rPr lang="en-US" altLang="ja-JP" sz="1600" b="1" dirty="0" smtClean="0">
+                  <a:solidFill>
+                    <a:sysClr val="windowText" lastClr="000000"/>
+                  </a:solidFill>
+                  <a:latin typeface="Calibri" panose="020F0502020204030204"/>
+                  <a:ea typeface="ＭＳ Ｐゴシック" panose="020B0600070205080204" pitchFamily="50" charset="-128"/>
+                </a:rPr>
+                <a:t>VM#1</a:t>
+              </a:r>
+            </a:p>
+            <a:p>
+              <a:pPr algn="ctr">
+                <a:defRPr/>
+              </a:pPr>
+              <a:r>
+                <a:rPr lang="en-US" altLang="ja-JP" sz="1200" b="1" dirty="0" smtClean="0">
+                  <a:solidFill>
+                    <a:sysClr val="windowText" lastClr="000000"/>
+                  </a:solidFill>
+                  <a:latin typeface="Calibri" panose="020F0502020204030204"/>
+                  <a:ea typeface="ＭＳ Ｐゴシック" panose="020B0600070205080204" pitchFamily="50" charset="-128"/>
+                </a:rPr>
+                <a:t>.vmdk</a:t>
+              </a:r>
+              <a:endParaRPr lang="ja-JP" altLang="en-US" sz="1200" b="1" dirty="0">
+                <a:solidFill>
+                  <a:sysClr val="windowText" lastClr="000000"/>
+                </a:solidFill>
+                <a:latin typeface="Calibri" panose="020F0502020204030204"/>
+                <a:ea typeface="ＭＳ Ｐゴシック" panose="020B0600070205080204" pitchFamily="50" charset="-128"/>
+              </a:endParaRPr>
+            </a:p>
+          </p:txBody>
+        </p:sp>
+        <p:sp>
+          <p:nvSpPr>
+            <p:cNvPr id="40" name="円柱 39"/>
+            <p:cNvSpPr/>
+            <p:nvPr/>
+          </p:nvSpPr>
+          <p:spPr>
+            <a:xfrm>
+              <a:off x="1980000" y="4733637"/>
+              <a:ext cx="720000" cy="720000"/>
+            </a:xfrm>
+            <a:prstGeom prst="can">
+              <a:avLst/>
+            </a:prstGeom>
+            <a:solidFill>
+              <a:srgbClr val="5B9BD5"/>
+            </a:solidFill>
+            <a:ln w="25400" cap="flat" cmpd="sng" algn="ctr">
+              <a:solidFill>
+                <a:schemeClr val="bg1"/>
+              </a:solidFill>
+              <a:prstDash val="solid"/>
+              <a:miter lim="800000"/>
+            </a:ln>
+            <a:effectLst/>
+          </p:spPr>
+          <p:txBody>
+            <a:bodyPr wrap="none" rtlCol="0" anchor="ctr">
+              <a:noAutofit/>
+            </a:bodyPr>
+            <a:lstStyle>
+              <a:defPPr>
+                <a:defRPr lang="ja-JP"/>
+              </a:defPPr>
+              <a:lvl1pPr marL="0" algn="l" defTabSz="914400" rtl="0" eaLnBrk="1" latinLnBrk="0" hangingPunct="1">
+                <a:defRPr kumimoji="1" sz="1800" kern="1200">
+                  <a:solidFill>
+                    <a:schemeClr val="dk1"/>
+                  </a:solidFill>
+                  <a:latin typeface="+mn-lt"/>
+                  <a:ea typeface="+mn-ea"/>
+                  <a:cs typeface="+mn-cs"/>
+                </a:defRPr>
+              </a:lvl1pPr>
+              <a:lvl2pPr marL="457200" algn="l" defTabSz="914400" rtl="0" eaLnBrk="1" latinLnBrk="0" hangingPunct="1">
+                <a:defRPr kumimoji="1" sz="1800" kern="1200">
+                  <a:solidFill>
+                    <a:schemeClr val="dk1"/>
+                  </a:solidFill>
+                  <a:latin typeface="+mn-lt"/>
+                  <a:ea typeface="+mn-ea"/>
+                  <a:cs typeface="+mn-cs"/>
+                </a:defRPr>
+              </a:lvl2pPr>
+              <a:lvl3pPr marL="914400" algn="l" defTabSz="914400" rtl="0" eaLnBrk="1" latinLnBrk="0" hangingPunct="1">
+                <a:defRPr kumimoji="1" sz="1800" kern="1200">
+                  <a:solidFill>
+                    <a:schemeClr val="dk1"/>
+                  </a:solidFill>
+                  <a:latin typeface="+mn-lt"/>
+                  <a:ea typeface="+mn-ea"/>
+                  <a:cs typeface="+mn-cs"/>
+                </a:defRPr>
+              </a:lvl3pPr>
+              <a:lvl4pPr marL="1371600" algn="l" defTabSz="914400" rtl="0" eaLnBrk="1" latinLnBrk="0" hangingPunct="1">
+                <a:defRPr kumimoji="1" sz="1800" kern="1200">
+                  <a:solidFill>
+                    <a:schemeClr val="dk1"/>
+                  </a:solidFill>
+                  <a:latin typeface="+mn-lt"/>
+                  <a:ea typeface="+mn-ea"/>
+                  <a:cs typeface="+mn-cs"/>
+                </a:defRPr>
+              </a:lvl4pPr>
+              <a:lvl5pPr marL="1828800" algn="l" defTabSz="914400" rtl="0" eaLnBrk="1" latinLnBrk="0" hangingPunct="1">
+                <a:defRPr kumimoji="1" sz="1800" kern="1200">
+                  <a:solidFill>
+                    <a:schemeClr val="dk1"/>
+                  </a:solidFill>
+                  <a:latin typeface="+mn-lt"/>
+                  <a:ea typeface="+mn-ea"/>
+                  <a:cs typeface="+mn-cs"/>
+                </a:defRPr>
+              </a:lvl5pPr>
+              <a:lvl6pPr marL="2286000" algn="l" defTabSz="914400" rtl="0" eaLnBrk="1" latinLnBrk="0" hangingPunct="1">
+                <a:defRPr kumimoji="1" sz="1800" kern="1200">
+                  <a:solidFill>
+                    <a:schemeClr val="dk1"/>
+                  </a:solidFill>
+                  <a:latin typeface="+mn-lt"/>
+                  <a:ea typeface="+mn-ea"/>
+                  <a:cs typeface="+mn-cs"/>
+                </a:defRPr>
+              </a:lvl6pPr>
+              <a:lvl7pPr marL="2743200" algn="l" defTabSz="914400" rtl="0" eaLnBrk="1" latinLnBrk="0" hangingPunct="1">
+                <a:defRPr kumimoji="1" sz="1800" kern="1200">
+                  <a:solidFill>
+                    <a:schemeClr val="dk1"/>
+                  </a:solidFill>
+                  <a:latin typeface="+mn-lt"/>
+                  <a:ea typeface="+mn-ea"/>
+                  <a:cs typeface="+mn-cs"/>
+                </a:defRPr>
+              </a:lvl7pPr>
+              <a:lvl8pPr marL="3200400" algn="l" defTabSz="914400" rtl="0" eaLnBrk="1" latinLnBrk="0" hangingPunct="1">
+                <a:defRPr kumimoji="1" sz="1800" kern="1200">
+                  <a:solidFill>
+                    <a:schemeClr val="dk1"/>
+                  </a:solidFill>
+                  <a:latin typeface="+mn-lt"/>
+                  <a:ea typeface="+mn-ea"/>
+                  <a:cs typeface="+mn-cs"/>
+                </a:defRPr>
+              </a:lvl8pPr>
+              <a:lvl9pPr marL="3657600" algn="l" defTabSz="914400" rtl="0" eaLnBrk="1" latinLnBrk="0" hangingPunct="1">
+                <a:defRPr kumimoji="1" sz="1800" kern="1200">
+                  <a:solidFill>
+                    <a:schemeClr val="dk1"/>
+                  </a:solidFill>
+                  <a:latin typeface="+mn-lt"/>
+                  <a:ea typeface="+mn-ea"/>
+                  <a:cs typeface="+mn-cs"/>
+                </a:defRPr>
+              </a:lvl9pPr>
+            </a:lstStyle>
+            <a:p>
+              <a:pPr algn="ctr">
+                <a:defRPr/>
+              </a:pPr>
+              <a:r>
+                <a:rPr lang="en-US" altLang="ja-JP" sz="1600" b="1" dirty="0" smtClean="0">
+                  <a:solidFill>
+                    <a:sysClr val="windowText" lastClr="000000"/>
+                  </a:solidFill>
+                  <a:latin typeface="Calibri" panose="020F0502020204030204"/>
+                  <a:ea typeface="ＭＳ Ｐゴシック" panose="020B0600070205080204" pitchFamily="50" charset="-128"/>
+                </a:rPr>
+                <a:t>VM#N</a:t>
+              </a:r>
+            </a:p>
+            <a:p>
+              <a:pPr algn="ctr">
+                <a:defRPr/>
+              </a:pPr>
+              <a:r>
+                <a:rPr lang="en-US" altLang="ja-JP" sz="1200" b="1" dirty="0" smtClean="0">
+                  <a:solidFill>
+                    <a:sysClr val="windowText" lastClr="000000"/>
+                  </a:solidFill>
+                  <a:latin typeface="Calibri" panose="020F0502020204030204"/>
+                  <a:ea typeface="ＭＳ Ｐゴシック" panose="020B0600070205080204" pitchFamily="50" charset="-128"/>
+                </a:rPr>
+                <a:t>.vmdk</a:t>
+              </a:r>
+              <a:endParaRPr lang="ja-JP" altLang="en-US" sz="1200" b="1" dirty="0">
+                <a:solidFill>
+                  <a:sysClr val="windowText" lastClr="000000"/>
+                </a:solidFill>
+                <a:latin typeface="Calibri" panose="020F0502020204030204"/>
+                <a:ea typeface="ＭＳ Ｐゴシック" panose="020B0600070205080204" pitchFamily="50" charset="-128"/>
+              </a:endParaRPr>
+            </a:p>
+          </p:txBody>
+        </p:sp>
+      </p:grpSp>
+      <p:sp>
+        <p:nvSpPr>
+          <p:cNvPr id="30" name="右矢印 29"/>
+          <p:cNvSpPr/>
+          <p:nvPr/>
+        </p:nvSpPr>
+        <p:spPr bwMode="auto">
+          <a:xfrm rot="10800000">
+            <a:off x="5600999" y="3747513"/>
+            <a:ext cx="990001" cy="550247"/>
+          </a:xfrm>
+          <a:prstGeom prst="rightArrow">
+            <a:avLst/>
+          </a:prstGeom>
+          <a:solidFill>
+            <a:srgbClr val="FFC000"/>
+          </a:solidFill>
+          <a:ln w="12700">
+            <a:solidFill>
+              <a:schemeClr val="bg1"/>
+            </a:solidFill>
+          </a:ln>
+          <a:effectLst/>
+          <a:extLst/>
+        </p:spPr>
+        <p:txBody>
+          <a:bodyPr rot="0" spcFirstLastPara="0" vertOverflow="overflow" horzOverflow="overflow" vert="horz" wrap="none" lIns="91440" tIns="45720" rIns="91440" bIns="45720" numCol="1" spcCol="0" rtlCol="0" fromWordArt="0" anchor="ctr" anchorCtr="0" forceAA="0" compatLnSpc="1">
+            <a:prstTxWarp prst="textNoShape">
+              <a:avLst/>
+            </a:prstTxWarp>
+            <a:noAutofit/>
+          </a:bodyPr>
+          <a:lstStyle/>
+          <a:p>
+            <a:pPr algn="ctr"/>
+            <a:r>
+              <a:rPr lang="en-US" altLang="ja-JP" sz="1000" b="1" dirty="0" smtClean="0">
+                <a:latin typeface="Calibri" panose="020F0502020204030204" pitchFamily="34" charset="0"/>
+                <a:ea typeface="+mj-ea"/>
+                <a:cs typeface="Calibri" panose="020F0502020204030204" pitchFamily="34" charset="0"/>
+              </a:rPr>
+              <a:t>Replication</a:t>
+            </a:r>
+            <a:endParaRPr kumimoji="1" lang="ja-JP" altLang="en-US" sz="1000" b="1" dirty="0">
+              <a:latin typeface="Calibri" panose="020F0502020204030204" pitchFamily="34" charset="0"/>
+              <a:ea typeface="+mj-ea"/>
+              <a:cs typeface="Calibri" panose="020F0502020204030204" pitchFamily="34" charset="0"/>
+            </a:endParaRPr>
+          </a:p>
+        </p:txBody>
+      </p:sp>
+      <p:sp>
+        <p:nvSpPr>
+          <p:cNvPr id="31" name="正方形/長方形 30"/>
+          <p:cNvSpPr/>
+          <p:nvPr/>
+        </p:nvSpPr>
+        <p:spPr>
+          <a:xfrm>
+            <a:off x="3936000" y="729364"/>
+            <a:ext cx="540000" cy="540000"/>
+          </a:xfrm>
+          <a:prstGeom prst="rect">
+            <a:avLst/>
+          </a:prstGeom>
+          <a:solidFill>
+            <a:srgbClr val="5B9BD5">
+              <a:alpha val="50000"/>
+            </a:srgbClr>
+          </a:solidFill>
+          <a:ln w="25400" cap="flat" cmpd="sng" algn="ctr">
+            <a:solidFill>
+              <a:srgbClr val="5B9BD5">
+                <a:shade val="50000"/>
+                <a:alpha val="50000"/>
+              </a:srgbClr>
+            </a:solidFill>
+            <a:prstDash val="sysDash"/>
+            <a:miter lim="800000"/>
+          </a:ln>
+          <a:effectLst/>
+        </p:spPr>
+        <p:txBody>
+          <a:bodyPr wrap="none" rtlCol="0" anchor="ctr">
+            <a:noAutofit/>
+          </a:bodyPr>
+          <a:lstStyle>
+            <a:defPPr>
+              <a:defRPr lang="ja-JP"/>
+            </a:defPPr>
+            <a:lvl1pPr marL="0" algn="l" defTabSz="914400" rtl="0" eaLnBrk="1" latinLnBrk="0" hangingPunct="1">
+              <a:defRPr kumimoji="1" sz="1800" kern="1200">
+                <a:solidFill>
+                  <a:schemeClr val="lt1"/>
+                </a:solidFill>
+                <a:latin typeface="+mn-lt"/>
+                <a:ea typeface="+mn-ea"/>
+                <a:cs typeface="+mn-cs"/>
+              </a:defRPr>
+            </a:lvl1pPr>
+            <a:lvl2pPr marL="457200" algn="l" defTabSz="914400" rtl="0" eaLnBrk="1" latinLnBrk="0" hangingPunct="1">
+              <a:defRPr kumimoji="1" sz="1800" kern="1200">
+                <a:solidFill>
+                  <a:schemeClr val="lt1"/>
+                </a:solidFill>
+                <a:latin typeface="+mn-lt"/>
+                <a:ea typeface="+mn-ea"/>
+                <a:cs typeface="+mn-cs"/>
+              </a:defRPr>
+            </a:lvl2pPr>
+            <a:lvl3pPr marL="914400" algn="l" defTabSz="914400" rtl="0" eaLnBrk="1" latinLnBrk="0" hangingPunct="1">
+              <a:defRPr kumimoji="1" sz="1800" kern="1200">
+                <a:solidFill>
+                  <a:schemeClr val="lt1"/>
+                </a:solidFill>
+                <a:latin typeface="+mn-lt"/>
+                <a:ea typeface="+mn-ea"/>
+                <a:cs typeface="+mn-cs"/>
+              </a:defRPr>
+            </a:lvl3pPr>
+            <a:lvl4pPr marL="1371600" algn="l" defTabSz="914400" rtl="0" eaLnBrk="1" latinLnBrk="0" hangingPunct="1">
+              <a:defRPr kumimoji="1" sz="1800" kern="1200">
+                <a:solidFill>
+                  <a:schemeClr val="lt1"/>
+                </a:solidFill>
+                <a:latin typeface="+mn-lt"/>
+                <a:ea typeface="+mn-ea"/>
+                <a:cs typeface="+mn-cs"/>
+              </a:defRPr>
+            </a:lvl4pPr>
+            <a:lvl5pPr marL="1828800" algn="l" defTabSz="914400" rtl="0" eaLnBrk="1" latinLnBrk="0" hangingPunct="1">
+              <a:defRPr kumimoji="1" sz="1800" kern="1200">
+                <a:solidFill>
+                  <a:schemeClr val="lt1"/>
+                </a:solidFill>
+                <a:latin typeface="+mn-lt"/>
+                <a:ea typeface="+mn-ea"/>
+                <a:cs typeface="+mn-cs"/>
+              </a:defRPr>
+            </a:lvl5pPr>
+            <a:lvl6pPr marL="2286000" algn="l" defTabSz="914400" rtl="0" eaLnBrk="1" latinLnBrk="0" hangingPunct="1">
+              <a:defRPr kumimoji="1" sz="1800" kern="1200">
+                <a:solidFill>
+                  <a:schemeClr val="lt1"/>
+                </a:solidFill>
+                <a:latin typeface="+mn-lt"/>
+                <a:ea typeface="+mn-ea"/>
+                <a:cs typeface="+mn-cs"/>
+              </a:defRPr>
+            </a:lvl6pPr>
+            <a:lvl7pPr marL="2743200" algn="l" defTabSz="914400" rtl="0" eaLnBrk="1" latinLnBrk="0" hangingPunct="1">
+              <a:defRPr kumimoji="1" sz="1800" kern="1200">
+                <a:solidFill>
+                  <a:schemeClr val="lt1"/>
+                </a:solidFill>
+                <a:latin typeface="+mn-lt"/>
+                <a:ea typeface="+mn-ea"/>
+                <a:cs typeface="+mn-cs"/>
+              </a:defRPr>
+            </a:lvl7pPr>
+            <a:lvl8pPr marL="3200400" algn="l" defTabSz="914400" rtl="0" eaLnBrk="1" latinLnBrk="0" hangingPunct="1">
+              <a:defRPr kumimoji="1" sz="1800" kern="1200">
+                <a:solidFill>
+                  <a:schemeClr val="lt1"/>
+                </a:solidFill>
+                <a:latin typeface="+mn-lt"/>
+                <a:ea typeface="+mn-ea"/>
+                <a:cs typeface="+mn-cs"/>
+              </a:defRPr>
+            </a:lvl8pPr>
+            <a:lvl9pPr marL="3657600" algn="l" defTabSz="914400" rtl="0" eaLnBrk="1" latinLnBrk="0" hangingPunct="1">
+              <a:defRPr kumimoji="1" sz="1800" kern="1200">
+                <a:solidFill>
+                  <a:schemeClr val="lt1"/>
+                </a:solidFill>
+                <a:latin typeface="+mn-lt"/>
+                <a:ea typeface="+mn-ea"/>
+                <a:cs typeface="+mn-cs"/>
+              </a:defRPr>
+            </a:lvl9pPr>
+          </a:lstStyle>
+          <a:p>
+            <a:pPr algn="ctr">
+              <a:defRPr/>
+            </a:pPr>
+            <a:r>
+              <a:rPr lang="en-US" altLang="ja-JP" b="1" dirty="0" smtClean="0">
+                <a:solidFill>
+                  <a:sysClr val="window" lastClr="FFFFFF"/>
+                </a:solidFill>
+                <a:latin typeface="Calibri" panose="020F0502020204030204"/>
+                <a:ea typeface="ＭＳ Ｐゴシック" panose="020B0600070205080204" pitchFamily="50" charset="-128"/>
+              </a:rPr>
+              <a:t>VM</a:t>
+            </a:r>
+          </a:p>
+          <a:p>
+            <a:pPr algn="ctr">
+              <a:defRPr/>
+            </a:pPr>
+            <a:r>
+              <a:rPr lang="en-US" altLang="ja-JP" b="1" dirty="0" smtClean="0">
+                <a:solidFill>
+                  <a:sysClr val="window" lastClr="FFFFFF"/>
+                </a:solidFill>
+                <a:latin typeface="Calibri" panose="020F0502020204030204"/>
+                <a:ea typeface="ＭＳ Ｐゴシック" panose="020B0600070205080204" pitchFamily="50" charset="-128"/>
+              </a:rPr>
+              <a:t>#</a:t>
+            </a:r>
+            <a:r>
+              <a:rPr lang="en-US" altLang="ja-JP" b="1" dirty="0">
+                <a:solidFill>
+                  <a:sysClr val="window" lastClr="FFFFFF"/>
+                </a:solidFill>
+                <a:latin typeface="Calibri" panose="020F0502020204030204"/>
+                <a:ea typeface="ＭＳ Ｐゴシック" panose="020B0600070205080204" pitchFamily="50" charset="-128"/>
+              </a:rPr>
+              <a:t>1</a:t>
+            </a:r>
+            <a:endParaRPr lang="ja-JP" altLang="en-US" b="1" dirty="0">
+              <a:solidFill>
+                <a:sysClr val="window" lastClr="FFFFFF"/>
+              </a:solidFill>
+              <a:latin typeface="Calibri" panose="020F0502020204030204"/>
+              <a:ea typeface="ＭＳ Ｐゴシック" panose="020B0600070205080204" pitchFamily="50" charset="-128"/>
+            </a:endParaRPr>
+          </a:p>
+        </p:txBody>
+      </p:sp>
+      <p:sp>
+        <p:nvSpPr>
+          <p:cNvPr id="32" name="正方形/長方形 31"/>
+          <p:cNvSpPr/>
+          <p:nvPr/>
+        </p:nvSpPr>
+        <p:spPr>
+          <a:xfrm>
+            <a:off x="4656000" y="728644"/>
+            <a:ext cx="540000" cy="540000"/>
+          </a:xfrm>
+          <a:prstGeom prst="rect">
+            <a:avLst/>
+          </a:prstGeom>
+          <a:solidFill>
+            <a:srgbClr val="5B9BD5">
+              <a:alpha val="50000"/>
+            </a:srgbClr>
+          </a:solidFill>
+          <a:ln w="25400" cap="flat" cmpd="sng" algn="ctr">
+            <a:solidFill>
+              <a:srgbClr val="5B9BD5">
+                <a:shade val="50000"/>
+                <a:alpha val="50000"/>
+              </a:srgbClr>
+            </a:solidFill>
+            <a:prstDash val="sysDash"/>
+            <a:miter lim="800000"/>
+          </a:ln>
+          <a:effectLst/>
+        </p:spPr>
+        <p:txBody>
+          <a:bodyPr wrap="none" rtlCol="0" anchor="ctr">
+            <a:noAutofit/>
+          </a:bodyPr>
+          <a:lstStyle>
+            <a:defPPr>
+              <a:defRPr lang="ja-JP"/>
+            </a:defPPr>
+            <a:lvl1pPr marL="0" algn="l" defTabSz="914400" rtl="0" eaLnBrk="1" latinLnBrk="0" hangingPunct="1">
+              <a:defRPr kumimoji="1" sz="1800" kern="1200">
+                <a:solidFill>
+                  <a:schemeClr val="lt1"/>
+                </a:solidFill>
+                <a:latin typeface="+mn-lt"/>
+                <a:ea typeface="+mn-ea"/>
+                <a:cs typeface="+mn-cs"/>
+              </a:defRPr>
+            </a:lvl1pPr>
+            <a:lvl2pPr marL="457200" algn="l" defTabSz="914400" rtl="0" eaLnBrk="1" latinLnBrk="0" hangingPunct="1">
+              <a:defRPr kumimoji="1" sz="1800" kern="1200">
+                <a:solidFill>
+                  <a:schemeClr val="lt1"/>
+                </a:solidFill>
+                <a:latin typeface="+mn-lt"/>
+                <a:ea typeface="+mn-ea"/>
+                <a:cs typeface="+mn-cs"/>
+              </a:defRPr>
+            </a:lvl2pPr>
+            <a:lvl3pPr marL="914400" algn="l" defTabSz="914400" rtl="0" eaLnBrk="1" latinLnBrk="0" hangingPunct="1">
+              <a:defRPr kumimoji="1" sz="1800" kern="1200">
+                <a:solidFill>
+                  <a:schemeClr val="lt1"/>
+                </a:solidFill>
+                <a:latin typeface="+mn-lt"/>
+                <a:ea typeface="+mn-ea"/>
+                <a:cs typeface="+mn-cs"/>
+              </a:defRPr>
+            </a:lvl3pPr>
+            <a:lvl4pPr marL="1371600" algn="l" defTabSz="914400" rtl="0" eaLnBrk="1" latinLnBrk="0" hangingPunct="1">
+              <a:defRPr kumimoji="1" sz="1800" kern="1200">
+                <a:solidFill>
+                  <a:schemeClr val="lt1"/>
+                </a:solidFill>
+                <a:latin typeface="+mn-lt"/>
+                <a:ea typeface="+mn-ea"/>
+                <a:cs typeface="+mn-cs"/>
+              </a:defRPr>
+            </a:lvl4pPr>
+            <a:lvl5pPr marL="1828800" algn="l" defTabSz="914400" rtl="0" eaLnBrk="1" latinLnBrk="0" hangingPunct="1">
+              <a:defRPr kumimoji="1" sz="1800" kern="1200">
+                <a:solidFill>
+                  <a:schemeClr val="lt1"/>
+                </a:solidFill>
+                <a:latin typeface="+mn-lt"/>
+                <a:ea typeface="+mn-ea"/>
+                <a:cs typeface="+mn-cs"/>
+              </a:defRPr>
+            </a:lvl5pPr>
+            <a:lvl6pPr marL="2286000" algn="l" defTabSz="914400" rtl="0" eaLnBrk="1" latinLnBrk="0" hangingPunct="1">
+              <a:defRPr kumimoji="1" sz="1800" kern="1200">
+                <a:solidFill>
+                  <a:schemeClr val="lt1"/>
+                </a:solidFill>
+                <a:latin typeface="+mn-lt"/>
+                <a:ea typeface="+mn-ea"/>
+                <a:cs typeface="+mn-cs"/>
+              </a:defRPr>
+            </a:lvl6pPr>
+            <a:lvl7pPr marL="2743200" algn="l" defTabSz="914400" rtl="0" eaLnBrk="1" latinLnBrk="0" hangingPunct="1">
+              <a:defRPr kumimoji="1" sz="1800" kern="1200">
+                <a:solidFill>
+                  <a:schemeClr val="lt1"/>
+                </a:solidFill>
+                <a:latin typeface="+mn-lt"/>
+                <a:ea typeface="+mn-ea"/>
+                <a:cs typeface="+mn-cs"/>
+              </a:defRPr>
+            </a:lvl7pPr>
+            <a:lvl8pPr marL="3200400" algn="l" defTabSz="914400" rtl="0" eaLnBrk="1" latinLnBrk="0" hangingPunct="1">
+              <a:defRPr kumimoji="1" sz="1800" kern="1200">
+                <a:solidFill>
+                  <a:schemeClr val="lt1"/>
+                </a:solidFill>
+                <a:latin typeface="+mn-lt"/>
+                <a:ea typeface="+mn-ea"/>
+                <a:cs typeface="+mn-cs"/>
+              </a:defRPr>
+            </a:lvl8pPr>
+            <a:lvl9pPr marL="3657600" algn="l" defTabSz="914400" rtl="0" eaLnBrk="1" latinLnBrk="0" hangingPunct="1">
+              <a:defRPr kumimoji="1" sz="1800" kern="1200">
+                <a:solidFill>
+                  <a:schemeClr val="lt1"/>
+                </a:solidFill>
+                <a:latin typeface="+mn-lt"/>
+                <a:ea typeface="+mn-ea"/>
+                <a:cs typeface="+mn-cs"/>
+              </a:defRPr>
+            </a:lvl9pPr>
+          </a:lstStyle>
+          <a:p>
+            <a:pPr algn="ctr">
+              <a:defRPr/>
+            </a:pPr>
+            <a:r>
+              <a:rPr lang="en-US" altLang="ja-JP" b="1" dirty="0" smtClean="0">
+                <a:solidFill>
+                  <a:sysClr val="window" lastClr="FFFFFF"/>
+                </a:solidFill>
+                <a:latin typeface="Calibri" panose="020F0502020204030204"/>
+                <a:ea typeface="ＭＳ Ｐゴシック" panose="020B0600070205080204" pitchFamily="50" charset="-128"/>
+              </a:rPr>
+              <a:t>VM</a:t>
+            </a:r>
+          </a:p>
+          <a:p>
+            <a:pPr algn="ctr">
+              <a:defRPr/>
+            </a:pPr>
+            <a:r>
+              <a:rPr lang="en-US" altLang="ja-JP" b="1" dirty="0" smtClean="0">
+                <a:solidFill>
+                  <a:sysClr val="window" lastClr="FFFFFF"/>
+                </a:solidFill>
+                <a:latin typeface="Calibri" panose="020F0502020204030204"/>
+                <a:ea typeface="ＭＳ Ｐゴシック" panose="020B0600070205080204" pitchFamily="50" charset="-128"/>
+              </a:rPr>
+              <a:t>#N</a:t>
+            </a:r>
+            <a:endParaRPr lang="ja-JP" altLang="en-US" b="1" dirty="0">
+              <a:solidFill>
+                <a:sysClr val="window" lastClr="FFFFFF"/>
+              </a:solidFill>
+              <a:latin typeface="Calibri" panose="020F0502020204030204"/>
+              <a:ea typeface="ＭＳ Ｐゴシック" panose="020B0600070205080204" pitchFamily="50" charset="-128"/>
+            </a:endParaRPr>
+          </a:p>
+        </p:txBody>
+      </p:sp>
+      <p:sp>
+        <p:nvSpPr>
+          <p:cNvPr id="36" name="正方形/長方形 35"/>
+          <p:cNvSpPr/>
+          <p:nvPr/>
+        </p:nvSpPr>
+        <p:spPr>
+          <a:xfrm>
+            <a:off x="3848122" y="2349000"/>
+            <a:ext cx="1440000" cy="360000"/>
+          </a:xfrm>
+          <a:prstGeom prst="rect">
+            <a:avLst/>
+          </a:prstGeom>
+          <a:solidFill>
+            <a:schemeClr val="bg1">
+              <a:lumMod val="50000"/>
+              <a:alpha val="50000"/>
+            </a:schemeClr>
+          </a:solidFill>
+          <a:ln w="25400" cap="flat" cmpd="sng" algn="ctr">
+            <a:solidFill>
+              <a:schemeClr val="bg1"/>
+            </a:solidFill>
+            <a:prstDash val="sysDash"/>
+            <a:miter lim="800000"/>
+          </a:ln>
+          <a:effectLst/>
+        </p:spPr>
+        <p:txBody>
+          <a:bodyPr rtlCol="0" anchor="ctr"/>
+          <a:lstStyle>
+            <a:defPPr>
+              <a:defRPr lang="ja-JP"/>
+            </a:defPPr>
+            <a:lvl1pPr marL="0" algn="l" defTabSz="914400" rtl="0" eaLnBrk="1" latinLnBrk="0" hangingPunct="1">
+              <a:defRPr kumimoji="1" sz="1800" kern="1200">
+                <a:solidFill>
+                  <a:schemeClr val="dk1"/>
+                </a:solidFill>
+                <a:latin typeface="+mn-lt"/>
+                <a:ea typeface="+mn-ea"/>
+                <a:cs typeface="+mn-cs"/>
+              </a:defRPr>
+            </a:lvl1pPr>
+            <a:lvl2pPr marL="457200" algn="l" defTabSz="914400" rtl="0" eaLnBrk="1" latinLnBrk="0" hangingPunct="1">
+              <a:defRPr kumimoji="1" sz="1800" kern="1200">
+                <a:solidFill>
+                  <a:schemeClr val="dk1"/>
+                </a:solidFill>
+                <a:latin typeface="+mn-lt"/>
+                <a:ea typeface="+mn-ea"/>
+                <a:cs typeface="+mn-cs"/>
+              </a:defRPr>
+            </a:lvl2pPr>
+            <a:lvl3pPr marL="914400" algn="l" defTabSz="914400" rtl="0" eaLnBrk="1" latinLnBrk="0" hangingPunct="1">
+              <a:defRPr kumimoji="1" sz="1800" kern="1200">
+                <a:solidFill>
+                  <a:schemeClr val="dk1"/>
+                </a:solidFill>
+                <a:latin typeface="+mn-lt"/>
+                <a:ea typeface="+mn-ea"/>
+                <a:cs typeface="+mn-cs"/>
+              </a:defRPr>
+            </a:lvl3pPr>
+            <a:lvl4pPr marL="1371600" algn="l" defTabSz="914400" rtl="0" eaLnBrk="1" latinLnBrk="0" hangingPunct="1">
+              <a:defRPr kumimoji="1" sz="1800" kern="1200">
+                <a:solidFill>
+                  <a:schemeClr val="dk1"/>
+                </a:solidFill>
+                <a:latin typeface="+mn-lt"/>
+                <a:ea typeface="+mn-ea"/>
+                <a:cs typeface="+mn-cs"/>
+              </a:defRPr>
+            </a:lvl4pPr>
+            <a:lvl5pPr marL="1828800" algn="l" defTabSz="914400" rtl="0" eaLnBrk="1" latinLnBrk="0" hangingPunct="1">
+              <a:defRPr kumimoji="1" sz="1800" kern="1200">
+                <a:solidFill>
+                  <a:schemeClr val="dk1"/>
+                </a:solidFill>
+                <a:latin typeface="+mn-lt"/>
+                <a:ea typeface="+mn-ea"/>
+                <a:cs typeface="+mn-cs"/>
+              </a:defRPr>
+            </a:lvl5pPr>
+            <a:lvl6pPr marL="2286000" algn="l" defTabSz="914400" rtl="0" eaLnBrk="1" latinLnBrk="0" hangingPunct="1">
+              <a:defRPr kumimoji="1" sz="1800" kern="1200">
+                <a:solidFill>
+                  <a:schemeClr val="dk1"/>
+                </a:solidFill>
+                <a:latin typeface="+mn-lt"/>
+                <a:ea typeface="+mn-ea"/>
+                <a:cs typeface="+mn-cs"/>
+              </a:defRPr>
+            </a:lvl6pPr>
+            <a:lvl7pPr marL="2743200" algn="l" defTabSz="914400" rtl="0" eaLnBrk="1" latinLnBrk="0" hangingPunct="1">
+              <a:defRPr kumimoji="1" sz="1800" kern="1200">
+                <a:solidFill>
+                  <a:schemeClr val="dk1"/>
+                </a:solidFill>
+                <a:latin typeface="+mn-lt"/>
+                <a:ea typeface="+mn-ea"/>
+                <a:cs typeface="+mn-cs"/>
+              </a:defRPr>
+            </a:lvl7pPr>
+            <a:lvl8pPr marL="3200400" algn="l" defTabSz="914400" rtl="0" eaLnBrk="1" latinLnBrk="0" hangingPunct="1">
+              <a:defRPr kumimoji="1" sz="1800" kern="1200">
+                <a:solidFill>
+                  <a:schemeClr val="dk1"/>
+                </a:solidFill>
+                <a:latin typeface="+mn-lt"/>
+                <a:ea typeface="+mn-ea"/>
+                <a:cs typeface="+mn-cs"/>
+              </a:defRPr>
+            </a:lvl8pPr>
+            <a:lvl9pPr marL="3657600" algn="l" defTabSz="914400" rtl="0" eaLnBrk="1" latinLnBrk="0" hangingPunct="1">
+              <a:defRPr kumimoji="1" sz="1800" kern="1200">
+                <a:solidFill>
+                  <a:schemeClr val="dk1"/>
+                </a:solidFill>
+                <a:latin typeface="+mn-lt"/>
+                <a:ea typeface="+mn-ea"/>
+                <a:cs typeface="+mn-cs"/>
+              </a:defRPr>
+            </a:lvl9pPr>
+          </a:lstStyle>
+          <a:p>
+            <a:pPr algn="ctr">
+              <a:defRPr/>
+            </a:pPr>
+            <a:r>
+              <a:rPr lang="en-US" altLang="ja-JP" sz="2000" dirty="0">
+                <a:solidFill>
+                  <a:sysClr val="windowText" lastClr="000000"/>
+                </a:solidFill>
+                <a:latin typeface="Calibri" panose="020F0502020204030204"/>
+                <a:ea typeface="ＭＳ Ｐゴシック" panose="020B0600070205080204" pitchFamily="50" charset="-128"/>
+              </a:rPr>
+              <a:t>iSCSI Target</a:t>
+            </a:r>
+            <a:endParaRPr lang="ja-JP" altLang="en-US" sz="2000" dirty="0">
+              <a:solidFill>
+                <a:sysClr val="windowText" lastClr="000000"/>
+              </a:solidFill>
+              <a:latin typeface="Calibri" panose="020F0502020204030204"/>
+              <a:ea typeface="ＭＳ Ｐゴシック" panose="020B0600070205080204" pitchFamily="50" charset="-128"/>
+            </a:endParaRPr>
+          </a:p>
+        </p:txBody>
+      </p:sp>
+      <p:grpSp>
+        <p:nvGrpSpPr>
+          <p:cNvPr id="41" name="グループ化 40"/>
+          <p:cNvGrpSpPr/>
+          <p:nvPr/>
+        </p:nvGrpSpPr>
+        <p:grpSpPr>
+          <a:xfrm>
+            <a:off x="3575999" y="3416840"/>
+            <a:ext cx="1980000" cy="1080000"/>
+            <a:chOff x="3960000" y="4553637"/>
+            <a:chExt cx="1980000" cy="1080000"/>
+          </a:xfrm>
+        </p:grpSpPr>
+        <p:sp>
+          <p:nvSpPr>
+            <p:cNvPr id="43" name="円柱 42"/>
+            <p:cNvSpPr/>
+            <p:nvPr/>
+          </p:nvSpPr>
+          <p:spPr>
+            <a:xfrm>
+              <a:off x="3960000" y="4553637"/>
+              <a:ext cx="1980000" cy="1080000"/>
+            </a:xfrm>
+            <a:prstGeom prst="can">
+              <a:avLst/>
+            </a:prstGeom>
+            <a:solidFill>
+              <a:srgbClr val="002060"/>
+            </a:solidFill>
+            <a:ln w="25400" cap="flat" cmpd="sng" algn="ctr">
+              <a:solidFill>
+                <a:schemeClr val="bg1"/>
+              </a:solidFill>
+              <a:prstDash val="solid"/>
+              <a:miter lim="800000"/>
+            </a:ln>
+            <a:effectLst/>
+          </p:spPr>
+          <p:txBody>
+            <a:bodyPr rtlCol="0" anchor="ctr"/>
+            <a:lstStyle>
+              <a:defPPr>
+                <a:defRPr lang="ja-JP"/>
+              </a:defPPr>
+              <a:lvl1pPr marL="0" algn="l" defTabSz="914400" rtl="0" eaLnBrk="1" latinLnBrk="0" hangingPunct="1">
+                <a:defRPr kumimoji="1" sz="1800" kern="1200">
+                  <a:solidFill>
+                    <a:schemeClr val="dk1"/>
+                  </a:solidFill>
+                  <a:latin typeface="+mn-lt"/>
+                  <a:ea typeface="+mn-ea"/>
+                  <a:cs typeface="+mn-cs"/>
+                </a:defRPr>
+              </a:lvl1pPr>
+              <a:lvl2pPr marL="457200" algn="l" defTabSz="914400" rtl="0" eaLnBrk="1" latinLnBrk="0" hangingPunct="1">
+                <a:defRPr kumimoji="1" sz="1800" kern="1200">
+                  <a:solidFill>
+                    <a:schemeClr val="dk1"/>
+                  </a:solidFill>
+                  <a:latin typeface="+mn-lt"/>
+                  <a:ea typeface="+mn-ea"/>
+                  <a:cs typeface="+mn-cs"/>
+                </a:defRPr>
+              </a:lvl2pPr>
+              <a:lvl3pPr marL="914400" algn="l" defTabSz="914400" rtl="0" eaLnBrk="1" latinLnBrk="0" hangingPunct="1">
+                <a:defRPr kumimoji="1" sz="1800" kern="1200">
+                  <a:solidFill>
+                    <a:schemeClr val="dk1"/>
+                  </a:solidFill>
+                  <a:latin typeface="+mn-lt"/>
+                  <a:ea typeface="+mn-ea"/>
+                  <a:cs typeface="+mn-cs"/>
+                </a:defRPr>
+              </a:lvl3pPr>
+              <a:lvl4pPr marL="1371600" algn="l" defTabSz="914400" rtl="0" eaLnBrk="1" latinLnBrk="0" hangingPunct="1">
+                <a:defRPr kumimoji="1" sz="1800" kern="1200">
+                  <a:solidFill>
+                    <a:schemeClr val="dk1"/>
+                  </a:solidFill>
+                  <a:latin typeface="+mn-lt"/>
+                  <a:ea typeface="+mn-ea"/>
+                  <a:cs typeface="+mn-cs"/>
+                </a:defRPr>
+              </a:lvl4pPr>
+              <a:lvl5pPr marL="1828800" algn="l" defTabSz="914400" rtl="0" eaLnBrk="1" latinLnBrk="0" hangingPunct="1">
+                <a:defRPr kumimoji="1" sz="1800" kern="1200">
+                  <a:solidFill>
+                    <a:schemeClr val="dk1"/>
+                  </a:solidFill>
+                  <a:latin typeface="+mn-lt"/>
+                  <a:ea typeface="+mn-ea"/>
+                  <a:cs typeface="+mn-cs"/>
+                </a:defRPr>
+              </a:lvl5pPr>
+              <a:lvl6pPr marL="2286000" algn="l" defTabSz="914400" rtl="0" eaLnBrk="1" latinLnBrk="0" hangingPunct="1">
+                <a:defRPr kumimoji="1" sz="1800" kern="1200">
+                  <a:solidFill>
+                    <a:schemeClr val="dk1"/>
+                  </a:solidFill>
+                  <a:latin typeface="+mn-lt"/>
+                  <a:ea typeface="+mn-ea"/>
+                  <a:cs typeface="+mn-cs"/>
+                </a:defRPr>
+              </a:lvl6pPr>
+              <a:lvl7pPr marL="2743200" algn="l" defTabSz="914400" rtl="0" eaLnBrk="1" latinLnBrk="0" hangingPunct="1">
+                <a:defRPr kumimoji="1" sz="1800" kern="1200">
+                  <a:solidFill>
+                    <a:schemeClr val="dk1"/>
+                  </a:solidFill>
+                  <a:latin typeface="+mn-lt"/>
+                  <a:ea typeface="+mn-ea"/>
+                  <a:cs typeface="+mn-cs"/>
+                </a:defRPr>
+              </a:lvl7pPr>
+              <a:lvl8pPr marL="3200400" algn="l" defTabSz="914400" rtl="0" eaLnBrk="1" latinLnBrk="0" hangingPunct="1">
+                <a:defRPr kumimoji="1" sz="1800" kern="1200">
+                  <a:solidFill>
+                    <a:schemeClr val="dk1"/>
+                  </a:solidFill>
+                  <a:latin typeface="+mn-lt"/>
+                  <a:ea typeface="+mn-ea"/>
+                  <a:cs typeface="+mn-cs"/>
+                </a:defRPr>
+              </a:lvl8pPr>
+              <a:lvl9pPr marL="3657600" algn="l" defTabSz="914400" rtl="0" eaLnBrk="1" latinLnBrk="0" hangingPunct="1">
+                <a:defRPr kumimoji="1" sz="1800" kern="1200">
+                  <a:solidFill>
+                    <a:schemeClr val="dk1"/>
+                  </a:solidFill>
+                  <a:latin typeface="+mn-lt"/>
+                  <a:ea typeface="+mn-ea"/>
+                  <a:cs typeface="+mn-cs"/>
+                </a:defRPr>
+              </a:lvl9pPr>
+            </a:lstStyle>
+            <a:p>
+              <a:pPr algn="ctr">
+                <a:defRPr/>
+              </a:pPr>
+              <a:endParaRPr lang="ja-JP" altLang="en-US" sz="1600">
+                <a:solidFill>
+                  <a:sysClr val="windowText" lastClr="000000"/>
+                </a:solidFill>
+                <a:latin typeface="Calibri" panose="020F0502020204030204"/>
+                <a:ea typeface="ＭＳ Ｐゴシック" panose="020B0600070205080204" pitchFamily="50" charset="-128"/>
+              </a:endParaRPr>
+            </a:p>
+          </p:txBody>
+        </p:sp>
+        <p:sp>
+          <p:nvSpPr>
+            <p:cNvPr id="45" name="円柱 44"/>
+            <p:cNvSpPr/>
+            <p:nvPr/>
+          </p:nvSpPr>
+          <p:spPr>
+            <a:xfrm>
+              <a:off x="4140000" y="4734000"/>
+              <a:ext cx="720000" cy="720000"/>
+            </a:xfrm>
+            <a:prstGeom prst="can">
+              <a:avLst/>
+            </a:prstGeom>
+            <a:solidFill>
+              <a:srgbClr val="5B9BD5"/>
+            </a:solidFill>
+            <a:ln w="25400" cap="flat" cmpd="sng" algn="ctr">
+              <a:solidFill>
+                <a:schemeClr val="bg1"/>
+              </a:solidFill>
+              <a:prstDash val="sysDash"/>
+              <a:miter lim="800000"/>
+            </a:ln>
+            <a:effectLst/>
+          </p:spPr>
+          <p:txBody>
+            <a:bodyPr wrap="none" rtlCol="0" anchor="ctr">
+              <a:noAutofit/>
+            </a:bodyPr>
+            <a:lstStyle>
+              <a:defPPr>
+                <a:defRPr lang="ja-JP"/>
+              </a:defPPr>
+              <a:lvl1pPr marL="0" algn="l" defTabSz="914400" rtl="0" eaLnBrk="1" latinLnBrk="0" hangingPunct="1">
+                <a:defRPr kumimoji="1" sz="1800" kern="1200">
+                  <a:solidFill>
+                    <a:schemeClr val="dk1"/>
+                  </a:solidFill>
+                  <a:latin typeface="+mn-lt"/>
+                  <a:ea typeface="+mn-ea"/>
+                  <a:cs typeface="+mn-cs"/>
+                </a:defRPr>
+              </a:lvl1pPr>
+              <a:lvl2pPr marL="457200" algn="l" defTabSz="914400" rtl="0" eaLnBrk="1" latinLnBrk="0" hangingPunct="1">
+                <a:defRPr kumimoji="1" sz="1800" kern="1200">
+                  <a:solidFill>
+                    <a:schemeClr val="dk1"/>
+                  </a:solidFill>
+                  <a:latin typeface="+mn-lt"/>
+                  <a:ea typeface="+mn-ea"/>
+                  <a:cs typeface="+mn-cs"/>
+                </a:defRPr>
+              </a:lvl2pPr>
+              <a:lvl3pPr marL="914400" algn="l" defTabSz="914400" rtl="0" eaLnBrk="1" latinLnBrk="0" hangingPunct="1">
+                <a:defRPr kumimoji="1" sz="1800" kern="1200">
+                  <a:solidFill>
+                    <a:schemeClr val="dk1"/>
+                  </a:solidFill>
+                  <a:latin typeface="+mn-lt"/>
+                  <a:ea typeface="+mn-ea"/>
+                  <a:cs typeface="+mn-cs"/>
+                </a:defRPr>
+              </a:lvl3pPr>
+              <a:lvl4pPr marL="1371600" algn="l" defTabSz="914400" rtl="0" eaLnBrk="1" latinLnBrk="0" hangingPunct="1">
+                <a:defRPr kumimoji="1" sz="1800" kern="1200">
+                  <a:solidFill>
+                    <a:schemeClr val="dk1"/>
+                  </a:solidFill>
+                  <a:latin typeface="+mn-lt"/>
+                  <a:ea typeface="+mn-ea"/>
+                  <a:cs typeface="+mn-cs"/>
+                </a:defRPr>
+              </a:lvl4pPr>
+              <a:lvl5pPr marL="1828800" algn="l" defTabSz="914400" rtl="0" eaLnBrk="1" latinLnBrk="0" hangingPunct="1">
+                <a:defRPr kumimoji="1" sz="1800" kern="1200">
+                  <a:solidFill>
+                    <a:schemeClr val="dk1"/>
+                  </a:solidFill>
+                  <a:latin typeface="+mn-lt"/>
+                  <a:ea typeface="+mn-ea"/>
+                  <a:cs typeface="+mn-cs"/>
+                </a:defRPr>
+              </a:lvl5pPr>
+              <a:lvl6pPr marL="2286000" algn="l" defTabSz="914400" rtl="0" eaLnBrk="1" latinLnBrk="0" hangingPunct="1">
+                <a:defRPr kumimoji="1" sz="1800" kern="1200">
+                  <a:solidFill>
+                    <a:schemeClr val="dk1"/>
+                  </a:solidFill>
+                  <a:latin typeface="+mn-lt"/>
+                  <a:ea typeface="+mn-ea"/>
+                  <a:cs typeface="+mn-cs"/>
+                </a:defRPr>
+              </a:lvl6pPr>
+              <a:lvl7pPr marL="2743200" algn="l" defTabSz="914400" rtl="0" eaLnBrk="1" latinLnBrk="0" hangingPunct="1">
+                <a:defRPr kumimoji="1" sz="1800" kern="1200">
+                  <a:solidFill>
+                    <a:schemeClr val="dk1"/>
+                  </a:solidFill>
+                  <a:latin typeface="+mn-lt"/>
+                  <a:ea typeface="+mn-ea"/>
+                  <a:cs typeface="+mn-cs"/>
+                </a:defRPr>
+              </a:lvl7pPr>
+              <a:lvl8pPr marL="3200400" algn="l" defTabSz="914400" rtl="0" eaLnBrk="1" latinLnBrk="0" hangingPunct="1">
+                <a:defRPr kumimoji="1" sz="1800" kern="1200">
+                  <a:solidFill>
+                    <a:schemeClr val="dk1"/>
+                  </a:solidFill>
+                  <a:latin typeface="+mn-lt"/>
+                  <a:ea typeface="+mn-ea"/>
+                  <a:cs typeface="+mn-cs"/>
+                </a:defRPr>
+              </a:lvl8pPr>
+              <a:lvl9pPr marL="3657600" algn="l" defTabSz="914400" rtl="0" eaLnBrk="1" latinLnBrk="0" hangingPunct="1">
+                <a:defRPr kumimoji="1" sz="1800" kern="1200">
+                  <a:solidFill>
+                    <a:schemeClr val="dk1"/>
+                  </a:solidFill>
+                  <a:latin typeface="+mn-lt"/>
+                  <a:ea typeface="+mn-ea"/>
+                  <a:cs typeface="+mn-cs"/>
+                </a:defRPr>
+              </a:lvl9pPr>
+            </a:lstStyle>
+            <a:p>
+              <a:pPr algn="ctr">
+                <a:defRPr/>
+              </a:pPr>
+              <a:r>
+                <a:rPr lang="en-US" altLang="ja-JP" sz="1600" b="1" dirty="0" smtClean="0">
+                  <a:solidFill>
+                    <a:sysClr val="windowText" lastClr="000000"/>
+                  </a:solidFill>
+                  <a:latin typeface="Calibri" panose="020F0502020204030204"/>
+                  <a:ea typeface="ＭＳ Ｐゴシック" panose="020B0600070205080204" pitchFamily="50" charset="-128"/>
+                </a:rPr>
+                <a:t>VM#1</a:t>
+              </a:r>
+            </a:p>
+            <a:p>
+              <a:pPr algn="ctr">
+                <a:defRPr/>
+              </a:pPr>
+              <a:r>
+                <a:rPr lang="en-US" altLang="ja-JP" sz="1200" b="1" dirty="0" smtClean="0">
+                  <a:solidFill>
+                    <a:sysClr val="windowText" lastClr="000000"/>
+                  </a:solidFill>
+                  <a:latin typeface="Calibri" panose="020F0502020204030204"/>
+                  <a:ea typeface="ＭＳ Ｐゴシック" panose="020B0600070205080204" pitchFamily="50" charset="-128"/>
+                </a:rPr>
+                <a:t>.vmdk</a:t>
+              </a:r>
+              <a:endParaRPr lang="ja-JP" altLang="en-US" sz="1200" b="1" dirty="0">
+                <a:solidFill>
+                  <a:sysClr val="windowText" lastClr="000000"/>
+                </a:solidFill>
+                <a:latin typeface="Calibri" panose="020F0502020204030204"/>
+                <a:ea typeface="ＭＳ Ｐゴシック" panose="020B0600070205080204" pitchFamily="50" charset="-128"/>
+              </a:endParaRPr>
+            </a:p>
+          </p:txBody>
+        </p:sp>
+        <p:sp>
+          <p:nvSpPr>
+            <p:cNvPr id="46" name="円柱 45"/>
+            <p:cNvSpPr/>
+            <p:nvPr/>
+          </p:nvSpPr>
+          <p:spPr>
+            <a:xfrm>
+              <a:off x="5040000" y="4733637"/>
+              <a:ext cx="720000" cy="720000"/>
+            </a:xfrm>
+            <a:prstGeom prst="can">
+              <a:avLst/>
+            </a:prstGeom>
+            <a:solidFill>
+              <a:srgbClr val="5B9BD5"/>
+            </a:solidFill>
+            <a:ln w="25400" cap="flat" cmpd="sng" algn="ctr">
+              <a:solidFill>
+                <a:schemeClr val="bg1"/>
+              </a:solidFill>
+              <a:prstDash val="sysDash"/>
+              <a:miter lim="800000"/>
+            </a:ln>
+            <a:effectLst/>
+          </p:spPr>
+          <p:txBody>
+            <a:bodyPr wrap="none" rtlCol="0" anchor="ctr">
+              <a:noAutofit/>
+            </a:bodyPr>
+            <a:lstStyle>
+              <a:defPPr>
+                <a:defRPr lang="ja-JP"/>
+              </a:defPPr>
+              <a:lvl1pPr marL="0" algn="l" defTabSz="914400" rtl="0" eaLnBrk="1" latinLnBrk="0" hangingPunct="1">
+                <a:defRPr kumimoji="1" sz="1800" kern="1200">
+                  <a:solidFill>
+                    <a:schemeClr val="dk1"/>
+                  </a:solidFill>
+                  <a:latin typeface="+mn-lt"/>
+                  <a:ea typeface="+mn-ea"/>
+                  <a:cs typeface="+mn-cs"/>
+                </a:defRPr>
+              </a:lvl1pPr>
+              <a:lvl2pPr marL="457200" algn="l" defTabSz="914400" rtl="0" eaLnBrk="1" latinLnBrk="0" hangingPunct="1">
+                <a:defRPr kumimoji="1" sz="1800" kern="1200">
+                  <a:solidFill>
+                    <a:schemeClr val="dk1"/>
+                  </a:solidFill>
+                  <a:latin typeface="+mn-lt"/>
+                  <a:ea typeface="+mn-ea"/>
+                  <a:cs typeface="+mn-cs"/>
+                </a:defRPr>
+              </a:lvl2pPr>
+              <a:lvl3pPr marL="914400" algn="l" defTabSz="914400" rtl="0" eaLnBrk="1" latinLnBrk="0" hangingPunct="1">
+                <a:defRPr kumimoji="1" sz="1800" kern="1200">
+                  <a:solidFill>
+                    <a:schemeClr val="dk1"/>
+                  </a:solidFill>
+                  <a:latin typeface="+mn-lt"/>
+                  <a:ea typeface="+mn-ea"/>
+                  <a:cs typeface="+mn-cs"/>
+                </a:defRPr>
+              </a:lvl3pPr>
+              <a:lvl4pPr marL="1371600" algn="l" defTabSz="914400" rtl="0" eaLnBrk="1" latinLnBrk="0" hangingPunct="1">
+                <a:defRPr kumimoji="1" sz="1800" kern="1200">
+                  <a:solidFill>
+                    <a:schemeClr val="dk1"/>
+                  </a:solidFill>
+                  <a:latin typeface="+mn-lt"/>
+                  <a:ea typeface="+mn-ea"/>
+                  <a:cs typeface="+mn-cs"/>
+                </a:defRPr>
+              </a:lvl4pPr>
+              <a:lvl5pPr marL="1828800" algn="l" defTabSz="914400" rtl="0" eaLnBrk="1" latinLnBrk="0" hangingPunct="1">
+                <a:defRPr kumimoji="1" sz="1800" kern="1200">
+                  <a:solidFill>
+                    <a:schemeClr val="dk1"/>
+                  </a:solidFill>
+                  <a:latin typeface="+mn-lt"/>
+                  <a:ea typeface="+mn-ea"/>
+                  <a:cs typeface="+mn-cs"/>
+                </a:defRPr>
+              </a:lvl5pPr>
+              <a:lvl6pPr marL="2286000" algn="l" defTabSz="914400" rtl="0" eaLnBrk="1" latinLnBrk="0" hangingPunct="1">
+                <a:defRPr kumimoji="1" sz="1800" kern="1200">
+                  <a:solidFill>
+                    <a:schemeClr val="dk1"/>
+                  </a:solidFill>
+                  <a:latin typeface="+mn-lt"/>
+                  <a:ea typeface="+mn-ea"/>
+                  <a:cs typeface="+mn-cs"/>
+                </a:defRPr>
+              </a:lvl6pPr>
+              <a:lvl7pPr marL="2743200" algn="l" defTabSz="914400" rtl="0" eaLnBrk="1" latinLnBrk="0" hangingPunct="1">
+                <a:defRPr kumimoji="1" sz="1800" kern="1200">
+                  <a:solidFill>
+                    <a:schemeClr val="dk1"/>
+                  </a:solidFill>
+                  <a:latin typeface="+mn-lt"/>
+                  <a:ea typeface="+mn-ea"/>
+                  <a:cs typeface="+mn-cs"/>
+                </a:defRPr>
+              </a:lvl7pPr>
+              <a:lvl8pPr marL="3200400" algn="l" defTabSz="914400" rtl="0" eaLnBrk="1" latinLnBrk="0" hangingPunct="1">
+                <a:defRPr kumimoji="1" sz="1800" kern="1200">
+                  <a:solidFill>
+                    <a:schemeClr val="dk1"/>
+                  </a:solidFill>
+                  <a:latin typeface="+mn-lt"/>
+                  <a:ea typeface="+mn-ea"/>
+                  <a:cs typeface="+mn-cs"/>
+                </a:defRPr>
+              </a:lvl8pPr>
+              <a:lvl9pPr marL="3657600" algn="l" defTabSz="914400" rtl="0" eaLnBrk="1" latinLnBrk="0" hangingPunct="1">
+                <a:defRPr kumimoji="1" sz="1800" kern="1200">
+                  <a:solidFill>
+                    <a:schemeClr val="dk1"/>
+                  </a:solidFill>
+                  <a:latin typeface="+mn-lt"/>
+                  <a:ea typeface="+mn-ea"/>
+                  <a:cs typeface="+mn-cs"/>
+                </a:defRPr>
+              </a:lvl9pPr>
+            </a:lstStyle>
+            <a:p>
+              <a:pPr algn="ctr">
+                <a:defRPr/>
+              </a:pPr>
+              <a:r>
+                <a:rPr lang="en-US" altLang="ja-JP" sz="1600" b="1" dirty="0" smtClean="0">
+                  <a:solidFill>
+                    <a:sysClr val="windowText" lastClr="000000"/>
+                  </a:solidFill>
+                  <a:latin typeface="Calibri" panose="020F0502020204030204"/>
+                  <a:ea typeface="ＭＳ Ｐゴシック" panose="020B0600070205080204" pitchFamily="50" charset="-128"/>
+                </a:rPr>
+                <a:t>VM#N</a:t>
+              </a:r>
+            </a:p>
+            <a:p>
+              <a:pPr algn="ctr">
+                <a:defRPr/>
+              </a:pPr>
+              <a:r>
+                <a:rPr lang="en-US" altLang="ja-JP" sz="1200" b="1" dirty="0" smtClean="0">
+                  <a:solidFill>
+                    <a:sysClr val="windowText" lastClr="000000"/>
+                  </a:solidFill>
+                  <a:latin typeface="Calibri" panose="020F0502020204030204"/>
+                  <a:ea typeface="ＭＳ Ｐゴシック" panose="020B0600070205080204" pitchFamily="50" charset="-128"/>
+                </a:rPr>
+                <a:t>.vmdk</a:t>
+              </a:r>
+              <a:endParaRPr lang="ja-JP" altLang="en-US" sz="1200" b="1" dirty="0">
+                <a:solidFill>
+                  <a:sysClr val="windowText" lastClr="000000"/>
+                </a:solidFill>
+                <a:latin typeface="Calibri" panose="020F0502020204030204"/>
+                <a:ea typeface="ＭＳ Ｐゴシック" panose="020B0600070205080204" pitchFamily="50" charset="-128"/>
+              </a:endParaRPr>
+            </a:p>
+          </p:txBody>
+        </p:sp>
+      </p:grpSp>
+    </p:spTree>
+    <p:extLst>
+      <p:ext uri="{BB962C8B-B14F-4D97-AF65-F5344CB8AC3E}">
+        <p14:creationId xmlns:p14="http://schemas.microsoft.com/office/powerpoint/2010/main" val="1390148491"/>
+      </p:ext>
+    </p:extLst>
+  </p:cSld>
+  <p:clrMapOvr>
+    <a:masterClrMapping/>
+  </p:clrMapOvr>
+</p:sld>
+</file>
+
+<file path=ppt/slides/slide5.xml><?xml version="1.0" encoding="utf-8"?>
 <p:sld xmlns:a="http://schemas.openxmlformats.org/drawingml/2006/main" xmlns:r="http://schemas.openxmlformats.org/officeDocument/2006/relationships" xmlns:p="http://schemas.openxmlformats.org/presentationml/2006/main">
   <p:cSld>
     <p:spTree>
@@ -9753,7 +19159,7 @@
           <p:spPr bwMode="auto">
             <a:xfrm>
               <a:off x="2715650" y="4551960"/>
-              <a:ext cx="1084198" cy="211203"/>
+              <a:ext cx="946340" cy="211203"/>
             </a:xfrm>
             <a:prstGeom prst="rect">
               <a:avLst/>
@@ -9781,24 +19187,14 @@
             </a:bodyPr>
             <a:lstStyle/>
             <a:p>
-              <a:pPr algn="ctr"/>
               <a:r>
-                <a:rPr lang="en-US" altLang="ja-JP" sz="900" dirty="0" err="1">
+                <a:rPr lang="en-US" altLang="ja-JP" sz="900" dirty="0" err="1" smtClean="0">
                   <a:solidFill>
                     <a:srgbClr val="000000"/>
                   </a:solidFill>
                   <a:latin typeface="メイリオ" panose="020B0604030504040204" pitchFamily="50" charset="-128"/>
                 </a:rPr>
-                <a:t>u</a:t>
-              </a:r>
-              <a:r>
-                <a:rPr lang="en-US" altLang="ja-JP" sz="900" dirty="0" err="1" smtClean="0">
-                  <a:solidFill>
-                    <a:srgbClr val="000000"/>
-                  </a:solidFill>
-                  <a:latin typeface="メイリオ" panose="020B0604030504040204" pitchFamily="50" charset="-128"/>
-                </a:rPr>
-                <a:t>c_vm_portgroup</a:t>
+                <a:t>user_portgroup</a:t>
               </a:r>
               <a:endParaRPr lang="ja-JP" altLang="en-US" sz="900" dirty="0">
                 <a:solidFill>
@@ -9873,8 +19269,8 @@
           </p:nvSpPr>
           <p:spPr bwMode="auto">
             <a:xfrm>
-              <a:off x="8415685" y="4551960"/>
-              <a:ext cx="1084198" cy="211203"/>
+              <a:off x="8553543" y="4551960"/>
+              <a:ext cx="946340" cy="211203"/>
             </a:xfrm>
             <a:prstGeom prst="rect">
               <a:avLst/>
@@ -9902,7 +19298,7 @@
             </a:bodyPr>
             <a:lstStyle/>
             <a:p>
-              <a:pPr algn="ctr"/>
+              <a:pPr algn="r"/>
               <a:r>
                 <a:rPr lang="en-US" altLang="ja-JP" sz="900" dirty="0" err="1">
                   <a:solidFill>
@@ -9910,7 +19306,7 @@
                   </a:solidFill>
                   <a:latin typeface="メイリオ" panose="020B0604030504040204" pitchFamily="50" charset="-128"/>
                 </a:rPr>
-                <a:t>u</a:t>
+                <a:t>user</a:t>
               </a:r>
               <a:r>
                 <a:rPr lang="en-US" altLang="ja-JP" sz="900" dirty="0" err="1" smtClean="0">
@@ -9919,7 +19315,7 @@
                   </a:solidFill>
                   <a:latin typeface="メイリオ" panose="020B0604030504040204" pitchFamily="50" charset="-128"/>
                 </a:rPr>
-                <a:t>c_vm_portgroup</a:t>
+                <a:t>_portgroup</a:t>
               </a:r>
               <a:endParaRPr lang="ja-JP" altLang="en-US" sz="900" dirty="0">
                 <a:solidFill>
